--- a/Dokument/Halvtidspresentation/DSLsofMath.pptx
+++ b/Dokument/Halvtidspresentation/DSLsofMath.pptx
@@ -4,11 +4,19 @@
   <p:sldMasterIdLst>
     <p:sldMasterId id="2147483746" r:id="rId1"/>
     <p:sldMasterId id="2147483776" r:id="rId2"/>
+    <p:sldMasterId id="2147484042" r:id="rId3"/>
   </p:sldMasterIdLst>
   <p:sldIdLst>
-    <p:sldId id="256" r:id="rId3"/>
-    <p:sldId id="257" r:id="rId4"/>
-    <p:sldId id="258" r:id="rId5"/>
+    <p:sldId id="256" r:id="rId4"/>
+    <p:sldId id="257" r:id="rId5"/>
+    <p:sldId id="258" r:id="rId6"/>
+    <p:sldId id="259" r:id="rId7"/>
+    <p:sldId id="260" r:id="rId8"/>
+    <p:sldId id="261" r:id="rId9"/>
+    <p:sldId id="262" r:id="rId10"/>
+    <p:sldId id="263" r:id="rId11"/>
+    <p:sldId id="264" r:id="rId12"/>
+    <p:sldId id="265" r:id="rId13"/>
   </p:sldIdLst>
   <p:sldSz cx="12192000" cy="6858000"/>
   <p:notesSz cx="6858000" cy="9144000"/>
@@ -107,6 +115,11 @@
       </a:defRPr>
     </a:lvl9pPr>
   </p:defaultTextStyle>
+  <p:extLst>
+    <p:ext uri="{EFAFB233-063F-42B5-8137-9DF3F51BA10A}">
+      <p15:sldGuideLst xmlns:p15="http://schemas.microsoft.com/office/powerpoint/2012/main"/>
+    </p:ext>
+  </p:extLst>
 </p:presentation>
 </file>
 
@@ -125,6 +138,32 @@
   </mc:AlternateContent>
   <c:chart>
     <c:title>
+      <c:tx>
+        <c:rich>
+          <a:bodyPr rot="0" spcFirstLastPara="1" vertOverflow="ellipsis" vert="horz" wrap="square" anchor="ctr" anchorCtr="1"/>
+          <a:lstStyle/>
+          <a:p>
+            <a:pPr>
+              <a:defRPr sz="2128" b="1" i="0" u="none" strike="noStrike" kern="1200" baseline="0">
+                <a:solidFill>
+                  <a:schemeClr val="tx1">
+                    <a:lumMod val="65000"/>
+                    <a:lumOff val="35000"/>
+                  </a:schemeClr>
+                </a:solidFill>
+                <a:latin typeface="+mn-lt"/>
+                <a:ea typeface="+mn-ea"/>
+                <a:cs typeface="+mn-cs"/>
+              </a:defRPr>
+            </a:pPr>
+            <a:r>
+              <a:rPr lang="en-US" dirty="0" err="1" smtClean="0"/>
+              <a:t>Reglerteknik</a:t>
+            </a:r>
+            <a:endParaRPr lang="en-US" dirty="0" smtClean="0"/>
+          </a:p>
+        </c:rich>
+      </c:tx>
       <c:layout/>
       <c:overlay val="0"/>
       <c:spPr>
@@ -174,43 +213,25 @@
               </c:strCache>
             </c:strRef>
           </c:tx>
+          <c:spPr>
+            <a:solidFill>
+              <a:srgbClr val="FF0000"/>
+            </a:solidFill>
+          </c:spPr>
           <c:dPt>
             <c:idx val="0"/>
             <c:bubble3D val="0"/>
             <c:spPr>
-              <a:gradFill rotWithShape="1">
-                <a:gsLst>
-                  <a:gs pos="0">
-                    <a:schemeClr val="accent1">
-                      <a:tint val="94000"/>
-                      <a:satMod val="103000"/>
-                      <a:lumMod val="102000"/>
-                    </a:schemeClr>
-                  </a:gs>
-                  <a:gs pos="50000">
-                    <a:schemeClr val="accent1">
-                      <a:shade val="100000"/>
-                      <a:satMod val="110000"/>
-                      <a:lumMod val="100000"/>
-                    </a:schemeClr>
-                  </a:gs>
-                  <a:gs pos="100000">
-                    <a:schemeClr val="accent1">
-                      <a:shade val="78000"/>
-                      <a:satMod val="120000"/>
-                      <a:lumMod val="99000"/>
-                    </a:schemeClr>
-                  </a:gs>
-                </a:gsLst>
-                <a:lin ang="5400000" scaled="0"/>
-              </a:gradFill>
+              <a:solidFill>
+                <a:srgbClr val="00B050"/>
+              </a:solidFill>
               <a:ln>
                 <a:noFill/>
               </a:ln>
               <a:effectLst>
-                <a:outerShdw blurRad="57150" dist="19050" dir="5400000" algn="ctr" rotWithShape="0">
+                <a:outerShdw blurRad="38100" dist="25400" dir="5400000" rotWithShape="0">
                   <a:srgbClr val="000000">
-                    <a:alpha val="63000"/>
+                    <a:alpha val="60000"/>
                   </a:srgbClr>
                 </a:outerShdw>
               </a:effectLst>
@@ -220,39 +241,16 @@
             <c:idx val="1"/>
             <c:bubble3D val="0"/>
             <c:spPr>
-              <a:gradFill rotWithShape="1">
-                <a:gsLst>
-                  <a:gs pos="0">
-                    <a:schemeClr val="accent2">
-                      <a:tint val="94000"/>
-                      <a:satMod val="103000"/>
-                      <a:lumMod val="102000"/>
-                    </a:schemeClr>
-                  </a:gs>
-                  <a:gs pos="50000">
-                    <a:schemeClr val="accent2">
-                      <a:shade val="100000"/>
-                      <a:satMod val="110000"/>
-                      <a:lumMod val="100000"/>
-                    </a:schemeClr>
-                  </a:gs>
-                  <a:gs pos="100000">
-                    <a:schemeClr val="accent2">
-                      <a:shade val="78000"/>
-                      <a:satMod val="120000"/>
-                      <a:lumMod val="99000"/>
-                    </a:schemeClr>
-                  </a:gs>
-                </a:gsLst>
-                <a:lin ang="5400000" scaled="0"/>
-              </a:gradFill>
+              <a:solidFill>
+                <a:srgbClr val="FF0000"/>
+              </a:solidFill>
               <a:ln>
                 <a:noFill/>
               </a:ln>
               <a:effectLst>
-                <a:outerShdw blurRad="57150" dist="19050" dir="5400000" algn="ctr" rotWithShape="0">
+                <a:outerShdw blurRad="38100" dist="25400" dir="5400000" rotWithShape="0">
                   <a:srgbClr val="000000">
-                    <a:alpha val="63000"/>
+                    <a:alpha val="60000"/>
                   </a:srgbClr>
                 </a:outerShdw>
               </a:effectLst>
@@ -382,9 +380,7 @@
               </c:spPr>
             </c:leaderLines>
             <c:extLst>
-              <c:ext xmlns:c15="http://schemas.microsoft.com/office/drawing/2012/chart" uri="{CE6537A1-D6FC-4f65-9D91-7224C49458BB}">
-                <c15:layout/>
-              </c:ext>
+              <c:ext xmlns:c15="http://schemas.microsoft.com/office/drawing/2012/chart" uri="{CE6537A1-D6FC-4f65-9D91-7224C49458BB}"/>
             </c:extLst>
           </c:dLbls>
           <c:cat>
@@ -531,9 +527,14 @@
               </a:defRPr>
             </a:pPr>
             <a:r>
-              <a:rPr lang="en-US"/>
-              <a:t>Transformer, Signaler &amp; System 2010-2016</a:t>
-            </a:r>
+              <a:rPr lang="en-US" dirty="0"/>
+              <a:t>Transformer, Signaler &amp; </a:t>
+            </a:r>
+            <a:r>
+              <a:rPr lang="en-US" dirty="0" smtClean="0"/>
+              <a:t>System</a:t>
+            </a:r>
+            <a:endParaRPr lang="en-US" dirty="0"/>
           </a:p>
         </c:rich>
       </c:tx>
@@ -586,43 +587,25 @@
               </c:strCache>
             </c:strRef>
           </c:tx>
+          <c:spPr>
+            <a:solidFill>
+              <a:srgbClr val="FF0000"/>
+            </a:solidFill>
+          </c:spPr>
           <c:dPt>
             <c:idx val="0"/>
             <c:bubble3D val="0"/>
             <c:spPr>
-              <a:gradFill rotWithShape="1">
-                <a:gsLst>
-                  <a:gs pos="0">
-                    <a:schemeClr val="accent1">
-                      <a:tint val="94000"/>
-                      <a:satMod val="103000"/>
-                      <a:lumMod val="102000"/>
-                    </a:schemeClr>
-                  </a:gs>
-                  <a:gs pos="50000">
-                    <a:schemeClr val="accent1">
-                      <a:shade val="100000"/>
-                      <a:satMod val="110000"/>
-                      <a:lumMod val="100000"/>
-                    </a:schemeClr>
-                  </a:gs>
-                  <a:gs pos="100000">
-                    <a:schemeClr val="accent1">
-                      <a:shade val="78000"/>
-                      <a:satMod val="120000"/>
-                      <a:lumMod val="99000"/>
-                    </a:schemeClr>
-                  </a:gs>
-                </a:gsLst>
-                <a:lin ang="5400000" scaled="0"/>
-              </a:gradFill>
+              <a:solidFill>
+                <a:srgbClr val="00B050"/>
+              </a:solidFill>
               <a:ln>
                 <a:noFill/>
               </a:ln>
               <a:effectLst>
-                <a:outerShdw blurRad="57150" dist="19050" dir="5400000" algn="ctr" rotWithShape="0">
+                <a:outerShdw blurRad="38100" dist="25400" dir="5400000" rotWithShape="0">
                   <a:srgbClr val="000000">
-                    <a:alpha val="63000"/>
+                    <a:alpha val="60000"/>
                   </a:srgbClr>
                 </a:outerShdw>
               </a:effectLst>
@@ -632,39 +615,16 @@
             <c:idx val="1"/>
             <c:bubble3D val="0"/>
             <c:spPr>
-              <a:gradFill rotWithShape="1">
-                <a:gsLst>
-                  <a:gs pos="0">
-                    <a:schemeClr val="accent2">
-                      <a:tint val="94000"/>
-                      <a:satMod val="103000"/>
-                      <a:lumMod val="102000"/>
-                    </a:schemeClr>
-                  </a:gs>
-                  <a:gs pos="50000">
-                    <a:schemeClr val="accent2">
-                      <a:shade val="100000"/>
-                      <a:satMod val="110000"/>
-                      <a:lumMod val="100000"/>
-                    </a:schemeClr>
-                  </a:gs>
-                  <a:gs pos="100000">
-                    <a:schemeClr val="accent2">
-                      <a:shade val="78000"/>
-                      <a:satMod val="120000"/>
-                      <a:lumMod val="99000"/>
-                    </a:schemeClr>
-                  </a:gs>
-                </a:gsLst>
-                <a:lin ang="5400000" scaled="0"/>
-              </a:gradFill>
+              <a:solidFill>
+                <a:srgbClr val="FF0000"/>
+              </a:solidFill>
               <a:ln>
                 <a:noFill/>
               </a:ln>
               <a:effectLst>
-                <a:outerShdw blurRad="57150" dist="19050" dir="5400000" algn="ctr" rotWithShape="0">
+                <a:outerShdw blurRad="38100" dist="25400" dir="5400000" rotWithShape="0">
                   <a:srgbClr val="000000">
-                    <a:alpha val="63000"/>
+                    <a:alpha val="60000"/>
                   </a:srgbClr>
                 </a:outerShdw>
               </a:effectLst>
@@ -674,39 +634,16 @@
             <c:idx val="2"/>
             <c:bubble3D val="0"/>
             <c:spPr>
-              <a:gradFill rotWithShape="1">
-                <a:gsLst>
-                  <a:gs pos="0">
-                    <a:schemeClr val="accent3">
-                      <a:tint val="94000"/>
-                      <a:satMod val="103000"/>
-                      <a:lumMod val="102000"/>
-                    </a:schemeClr>
-                  </a:gs>
-                  <a:gs pos="50000">
-                    <a:schemeClr val="accent3">
-                      <a:shade val="100000"/>
-                      <a:satMod val="110000"/>
-                      <a:lumMod val="100000"/>
-                    </a:schemeClr>
-                  </a:gs>
-                  <a:gs pos="100000">
-                    <a:schemeClr val="accent3">
-                      <a:shade val="78000"/>
-                      <a:satMod val="120000"/>
-                      <a:lumMod val="99000"/>
-                    </a:schemeClr>
-                  </a:gs>
-                </a:gsLst>
-                <a:lin ang="5400000" scaled="0"/>
-              </a:gradFill>
+              <a:solidFill>
+                <a:srgbClr val="FF0000"/>
+              </a:solidFill>
               <a:ln>
                 <a:noFill/>
               </a:ln>
               <a:effectLst>
-                <a:outerShdw blurRad="57150" dist="19050" dir="5400000" algn="ctr" rotWithShape="0">
+                <a:outerShdw blurRad="38100" dist="25400" dir="5400000" rotWithShape="0">
                   <a:srgbClr val="000000">
-                    <a:alpha val="63000"/>
+                    <a:alpha val="60000"/>
                   </a:srgbClr>
                 </a:outerShdw>
               </a:effectLst>
@@ -716,39 +653,16 @@
             <c:idx val="3"/>
             <c:bubble3D val="0"/>
             <c:spPr>
-              <a:gradFill rotWithShape="1">
-                <a:gsLst>
-                  <a:gs pos="0">
-                    <a:schemeClr val="accent4">
-                      <a:tint val="94000"/>
-                      <a:satMod val="103000"/>
-                      <a:lumMod val="102000"/>
-                    </a:schemeClr>
-                  </a:gs>
-                  <a:gs pos="50000">
-                    <a:schemeClr val="accent4">
-                      <a:shade val="100000"/>
-                      <a:satMod val="110000"/>
-                      <a:lumMod val="100000"/>
-                    </a:schemeClr>
-                  </a:gs>
-                  <a:gs pos="100000">
-                    <a:schemeClr val="accent4">
-                      <a:shade val="78000"/>
-                      <a:satMod val="120000"/>
-                      <a:lumMod val="99000"/>
-                    </a:schemeClr>
-                  </a:gs>
-                </a:gsLst>
-                <a:lin ang="5400000" scaled="0"/>
-              </a:gradFill>
+              <a:solidFill>
+                <a:srgbClr val="FF0000"/>
+              </a:solidFill>
               <a:ln>
                 <a:noFill/>
               </a:ln>
               <a:effectLst>
-                <a:outerShdw blurRad="57150" dist="19050" dir="5400000" algn="ctr" rotWithShape="0">
+                <a:outerShdw blurRad="38100" dist="25400" dir="5400000" rotWithShape="0">
                   <a:srgbClr val="000000">
-                    <a:alpha val="63000"/>
+                    <a:alpha val="60000"/>
                   </a:srgbClr>
                 </a:outerShdw>
               </a:effectLst>
@@ -997,39 +911,16 @@
             <c:idx val="0"/>
             <c:bubble3D val="0"/>
             <c:spPr>
-              <a:gradFill rotWithShape="1">
-                <a:gsLst>
-                  <a:gs pos="0">
-                    <a:schemeClr val="accent1">
-                      <a:tint val="94000"/>
-                      <a:satMod val="103000"/>
-                      <a:lumMod val="102000"/>
-                    </a:schemeClr>
-                  </a:gs>
-                  <a:gs pos="50000">
-                    <a:schemeClr val="accent1">
-                      <a:shade val="100000"/>
-                      <a:satMod val="110000"/>
-                      <a:lumMod val="100000"/>
-                    </a:schemeClr>
-                  </a:gs>
-                  <a:gs pos="100000">
-                    <a:schemeClr val="accent1">
-                      <a:shade val="78000"/>
-                      <a:satMod val="120000"/>
-                      <a:lumMod val="99000"/>
-                    </a:schemeClr>
-                  </a:gs>
-                </a:gsLst>
-                <a:lin ang="5400000" scaled="0"/>
-              </a:gradFill>
+              <a:solidFill>
+                <a:srgbClr val="00B050"/>
+              </a:solidFill>
               <a:ln>
                 <a:noFill/>
               </a:ln>
               <a:effectLst>
-                <a:outerShdw blurRad="57150" dist="19050" dir="5400000" algn="ctr" rotWithShape="0">
+                <a:outerShdw blurRad="38100" dist="25400" dir="5400000" rotWithShape="0">
                   <a:srgbClr val="000000">
-                    <a:alpha val="63000"/>
+                    <a:alpha val="60000"/>
                   </a:srgbClr>
                 </a:outerShdw>
               </a:effectLst>
@@ -1039,39 +930,16 @@
             <c:idx val="1"/>
             <c:bubble3D val="0"/>
             <c:spPr>
-              <a:gradFill rotWithShape="1">
-                <a:gsLst>
-                  <a:gs pos="0">
-                    <a:schemeClr val="accent2">
-                      <a:tint val="94000"/>
-                      <a:satMod val="103000"/>
-                      <a:lumMod val="102000"/>
-                    </a:schemeClr>
-                  </a:gs>
-                  <a:gs pos="50000">
-                    <a:schemeClr val="accent2">
-                      <a:shade val="100000"/>
-                      <a:satMod val="110000"/>
-                      <a:lumMod val="100000"/>
-                    </a:schemeClr>
-                  </a:gs>
-                  <a:gs pos="100000">
-                    <a:schemeClr val="accent2">
-                      <a:shade val="78000"/>
-                      <a:satMod val="120000"/>
-                      <a:lumMod val="99000"/>
-                    </a:schemeClr>
-                  </a:gs>
-                </a:gsLst>
-                <a:lin ang="5400000" scaled="0"/>
-              </a:gradFill>
+              <a:solidFill>
+                <a:srgbClr val="FF0000"/>
+              </a:solidFill>
               <a:ln>
                 <a:noFill/>
               </a:ln>
               <a:effectLst>
-                <a:outerShdw blurRad="57150" dist="19050" dir="5400000" algn="ctr" rotWithShape="0">
+                <a:outerShdw blurRad="38100" dist="25400" dir="5400000" rotWithShape="0">
                   <a:srgbClr val="000000">
-                    <a:alpha val="63000"/>
+                    <a:alpha val="60000"/>
                   </a:srgbClr>
                 </a:outerShdw>
               </a:effectLst>
@@ -1088,9 +956,9 @@
                 <a:noFill/>
               </a:ln>
               <a:effectLst>
-                <a:outerShdw blurRad="57150" dist="19050" dir="5400000" algn="ctr" rotWithShape="0">
+                <a:outerShdw blurRad="38100" dist="25400" dir="5400000" rotWithShape="0">
                   <a:srgbClr val="000000">
-                    <a:alpha val="63000"/>
+                    <a:alpha val="60000"/>
                   </a:srgbClr>
                 </a:outerShdw>
               </a:effectLst>
@@ -1296,9 +1164,7 @@
               </c:spPr>
             </c:leaderLines>
             <c:extLst>
-              <c:ext xmlns:c15="http://schemas.microsoft.com/office/drawing/2012/chart" uri="{CE6537A1-D6FC-4f65-9D91-7224C49458BB}">
-                <c15:layout/>
-              </c:ext>
+              <c:ext xmlns:c15="http://schemas.microsoft.com/office/drawing/2012/chart" uri="{CE6537A1-D6FC-4f65-9D91-7224C49458BB}"/>
             </c:extLst>
           </c:dLbls>
           <c:cat>
@@ -3184,7 +3050,7 @@
           <a:p>
             <a:fld id="{B22F029A-C8A8-405B-BFC7-FDD186554002}" type="datetimeFigureOut">
               <a:rPr lang="sv-SE" smtClean="0"/>
-              <a:t>2016-02-24</a:t>
+              <a:t>2016-02-28</a:t>
             </a:fld>
             <a:endParaRPr lang="sv-SE"/>
           </a:p>
@@ -3354,7 +3220,7 @@
           <a:p>
             <a:fld id="{B22F029A-C8A8-405B-BFC7-FDD186554002}" type="datetimeFigureOut">
               <a:rPr lang="sv-SE" smtClean="0"/>
-              <a:t>2016-02-24</a:t>
+              <a:t>2016-02-28</a:t>
             </a:fld>
             <a:endParaRPr lang="sv-SE"/>
           </a:p>
@@ -3534,7 +3400,7 @@
           <a:p>
             <a:fld id="{B22F029A-C8A8-405B-BFC7-FDD186554002}" type="datetimeFigureOut">
               <a:rPr lang="sv-SE" smtClean="0"/>
-              <a:t>2016-02-24</a:t>
+              <a:t>2016-02-28</a:t>
             </a:fld>
             <a:endParaRPr lang="sv-SE"/>
           </a:p>
@@ -3737,7 +3603,7 @@
           <a:p>
             <a:fld id="{B22F029A-C8A8-405B-BFC7-FDD186554002}" type="datetimeFigureOut">
               <a:rPr lang="sv-SE" smtClean="0"/>
-              <a:t>2016-02-24</a:t>
+              <a:t>2016-02-28</a:t>
             </a:fld>
             <a:endParaRPr lang="sv-SE"/>
           </a:p>
@@ -3907,7 +3773,7 @@
           <a:p>
             <a:fld id="{B22F029A-C8A8-405B-BFC7-FDD186554002}" type="datetimeFigureOut">
               <a:rPr lang="sv-SE" smtClean="0"/>
-              <a:t>2016-02-24</a:t>
+              <a:t>2016-02-28</a:t>
             </a:fld>
             <a:endParaRPr lang="sv-SE"/>
           </a:p>
@@ -4158,7 +4024,7 @@
           <a:p>
             <a:fld id="{B22F029A-C8A8-405B-BFC7-FDD186554002}" type="datetimeFigureOut">
               <a:rPr lang="sv-SE" smtClean="0"/>
-              <a:t>2016-02-24</a:t>
+              <a:t>2016-02-28</a:t>
             </a:fld>
             <a:endParaRPr lang="sv-SE"/>
           </a:p>
@@ -4390,7 +4256,7 @@
           <a:p>
             <a:fld id="{B22F029A-C8A8-405B-BFC7-FDD186554002}" type="datetimeFigureOut">
               <a:rPr lang="sv-SE" smtClean="0"/>
-              <a:t>2016-02-24</a:t>
+              <a:t>2016-02-28</a:t>
             </a:fld>
             <a:endParaRPr lang="sv-SE"/>
           </a:p>
@@ -4737,7 +4603,7 @@
           <a:p>
             <a:fld id="{B22F029A-C8A8-405B-BFC7-FDD186554002}" type="datetimeFigureOut">
               <a:rPr lang="sv-SE" smtClean="0"/>
-              <a:t>2016-02-24</a:t>
+              <a:t>2016-02-28</a:t>
             </a:fld>
             <a:endParaRPr lang="sv-SE"/>
           </a:p>
@@ -4855,7 +4721,7 @@
           <a:p>
             <a:fld id="{B22F029A-C8A8-405B-BFC7-FDD186554002}" type="datetimeFigureOut">
               <a:rPr lang="sv-SE" smtClean="0"/>
-              <a:t>2016-02-24</a:t>
+              <a:t>2016-02-28</a:t>
             </a:fld>
             <a:endParaRPr lang="sv-SE"/>
           </a:p>
@@ -4973,7 +4839,7 @@
           <a:p>
             <a:fld id="{B22F029A-C8A8-405B-BFC7-FDD186554002}" type="datetimeFigureOut">
               <a:rPr lang="sv-SE" smtClean="0"/>
-              <a:t>2016-02-24</a:t>
+              <a:t>2016-02-28</a:t>
             </a:fld>
             <a:endParaRPr lang="sv-SE"/>
           </a:p>
@@ -5257,7 +5123,7 @@
           <a:p>
             <a:fld id="{B22F029A-C8A8-405B-BFC7-FDD186554002}" type="datetimeFigureOut">
               <a:rPr lang="sv-SE" smtClean="0"/>
-              <a:t>2016-02-24</a:t>
+              <a:t>2016-02-28</a:t>
             </a:fld>
             <a:endParaRPr lang="sv-SE"/>
           </a:p>
@@ -5427,7 +5293,7 @@
           <a:p>
             <a:fld id="{B22F029A-C8A8-405B-BFC7-FDD186554002}" type="datetimeFigureOut">
               <a:rPr lang="sv-SE" smtClean="0"/>
-              <a:t>2016-02-24</a:t>
+              <a:t>2016-02-28</a:t>
             </a:fld>
             <a:endParaRPr lang="sv-SE"/>
           </a:p>
@@ -5691,7 +5557,7 @@
           <a:p>
             <a:fld id="{B22F029A-C8A8-405B-BFC7-FDD186554002}" type="datetimeFigureOut">
               <a:rPr lang="sv-SE" smtClean="0"/>
-              <a:t>2016-02-24</a:t>
+              <a:t>2016-02-28</a:t>
             </a:fld>
             <a:endParaRPr lang="sv-SE"/>
           </a:p>
@@ -5861,7 +5727,7 @@
           <a:p>
             <a:fld id="{B22F029A-C8A8-405B-BFC7-FDD186554002}" type="datetimeFigureOut">
               <a:rPr lang="sv-SE" smtClean="0"/>
-              <a:t>2016-02-24</a:t>
+              <a:t>2016-02-28</a:t>
             </a:fld>
             <a:endParaRPr lang="sv-SE"/>
           </a:p>
@@ -6041,7 +5907,7 @@
           <a:p>
             <a:fld id="{B22F029A-C8A8-405B-BFC7-FDD186554002}" type="datetimeFigureOut">
               <a:rPr lang="sv-SE" smtClean="0"/>
-              <a:t>2016-02-24</a:t>
+              <a:t>2016-02-28</a:t>
             </a:fld>
             <a:endParaRPr lang="sv-SE"/>
           </a:p>
@@ -6093,6 +5959,1854 @@
     <p:extLst>
       <p:ext uri="{BB962C8B-B14F-4D97-AF65-F5344CB8AC3E}">
         <p14:creationId xmlns:p14="http://schemas.microsoft.com/office/powerpoint/2010/main" val="626232650"/>
+      </p:ext>
+    </p:extLst>
+  </p:cSld>
+  <p:clrMapOvr>
+    <a:masterClrMapping/>
+  </p:clrMapOvr>
+</p:sldLayout>
+</file>
+
+<file path=ppt/slideLayouts/slideLayout23.xml><?xml version="1.0" encoding="utf-8"?>
+<p:sldLayout xmlns:a="http://schemas.openxmlformats.org/drawingml/2006/main" xmlns:r="http://schemas.openxmlformats.org/officeDocument/2006/relationships" xmlns:p="http://schemas.openxmlformats.org/presentationml/2006/main" showMasterSp="0" type="title" preserve="1">
+  <p:cSld name="Rubrikbild">
+    <p:spTree>
+      <p:nvGrpSpPr>
+        <p:cNvPr id="1" name=""/>
+        <p:cNvGrpSpPr/>
+        <p:nvPr/>
+      </p:nvGrpSpPr>
+      <p:grpSpPr>
+        <a:xfrm>
+          <a:off x="0" y="0"/>
+          <a:ext cx="0" cy="0"/>
+          <a:chOff x="0" y="0"/>
+          <a:chExt cx="0" cy="0"/>
+        </a:xfrm>
+      </p:grpSpPr>
+      <p:grpSp>
+        <p:nvGrpSpPr>
+          <p:cNvPr id="7" name="Group 6"/>
+          <p:cNvGrpSpPr/>
+          <p:nvPr/>
+        </p:nvGrpSpPr>
+        <p:grpSpPr>
+          <a:xfrm>
+            <a:off x="-16934" y="0"/>
+            <a:ext cx="12231160" cy="6856214"/>
+            <a:chOff x="-16934" y="0"/>
+            <a:chExt cx="12231160" cy="6856214"/>
+          </a:xfrm>
+        </p:grpSpPr>
+        <p:pic>
+          <p:nvPicPr>
+            <p:cNvPr id="16" name="Picture 15" descr="HD-PanelTitleR1.png"/>
+            <p:cNvPicPr>
+              <a:picLocks noChangeAspect="1"/>
+            </p:cNvPicPr>
+            <p:nvPr/>
+          </p:nvPicPr>
+          <p:blipFill>
+            <a:blip r:embed="rId2">
+              <a:extLst>
+                <a:ext uri="{28A0092B-C50C-407E-A947-70E740481C1C}">
+                  <a14:useLocalDpi xmlns:a14="http://schemas.microsoft.com/office/drawing/2010/main" val="0"/>
+                </a:ext>
+              </a:extLst>
+            </a:blip>
+            <a:stretch>
+              <a:fillRect/>
+            </a:stretch>
+          </p:blipFill>
+          <p:spPr>
+            <a:xfrm>
+              <a:off x="0" y="0"/>
+              <a:ext cx="12188825" cy="6856214"/>
+            </a:xfrm>
+            <a:prstGeom prst="rect">
+              <a:avLst/>
+            </a:prstGeom>
+          </p:spPr>
+        </p:pic>
+        <p:sp>
+          <p:nvSpPr>
+            <p:cNvPr id="26" name="Rectangle 25"/>
+            <p:cNvSpPr/>
+            <p:nvPr/>
+          </p:nvSpPr>
+          <p:spPr>
+            <a:xfrm>
+              <a:off x="2328332" y="1540931"/>
+              <a:ext cx="7543802" cy="3835401"/>
+            </a:xfrm>
+            <a:prstGeom prst="rect">
+              <a:avLst/>
+            </a:prstGeom>
+            <a:noFill/>
+            <a:ln w="15875">
+              <a:miter lim="800000"/>
+            </a:ln>
+          </p:spPr>
+          <p:style>
+            <a:lnRef idx="1">
+              <a:schemeClr val="accent1"/>
+            </a:lnRef>
+            <a:fillRef idx="3">
+              <a:schemeClr val="accent1"/>
+            </a:fillRef>
+            <a:effectRef idx="2">
+              <a:schemeClr val="accent1"/>
+            </a:effectRef>
+            <a:fontRef idx="minor">
+              <a:schemeClr val="lt1"/>
+            </a:fontRef>
+          </p:style>
+        </p:sp>
+        <p:pic>
+          <p:nvPicPr>
+            <p:cNvPr id="17" name="Picture 16" descr="HDRibbonTitle-UniformTrim.png"/>
+            <p:cNvPicPr>
+              <a:picLocks noChangeAspect="1"/>
+            </p:cNvPicPr>
+            <p:nvPr/>
+          </p:nvPicPr>
+          <p:blipFill rotWithShape="1">
+            <a:blip r:embed="rId3">
+              <a:extLst>
+                <a:ext uri="{28A0092B-C50C-407E-A947-70E740481C1C}">
+                  <a14:useLocalDpi xmlns:a14="http://schemas.microsoft.com/office/drawing/2010/main" val="0"/>
+                </a:ext>
+              </a:extLst>
+            </a:blip>
+            <a:srcRect/>
+            <a:stretch/>
+          </p:blipFill>
+          <p:spPr>
+            <a:xfrm>
+              <a:off x="-16934" y="3147609"/>
+              <a:ext cx="2478024" cy="612648"/>
+            </a:xfrm>
+            <a:prstGeom prst="rect">
+              <a:avLst/>
+            </a:prstGeom>
+          </p:spPr>
+        </p:pic>
+        <p:pic>
+          <p:nvPicPr>
+            <p:cNvPr id="20" name="Picture 19" descr="HDRibbonTitle-UniformTrim.png"/>
+            <p:cNvPicPr>
+              <a:picLocks noChangeAspect="1"/>
+            </p:cNvPicPr>
+            <p:nvPr/>
+          </p:nvPicPr>
+          <p:blipFill rotWithShape="1">
+            <a:blip r:embed="rId3">
+              <a:extLst>
+                <a:ext uri="{28A0092B-C50C-407E-A947-70E740481C1C}">
+                  <a14:useLocalDpi xmlns:a14="http://schemas.microsoft.com/office/drawing/2010/main" val="0"/>
+                </a:ext>
+              </a:extLst>
+            </a:blip>
+            <a:srcRect/>
+            <a:stretch/>
+          </p:blipFill>
+          <p:spPr>
+            <a:xfrm>
+              <a:off x="9736202" y="3147609"/>
+              <a:ext cx="2478024" cy="612648"/>
+            </a:xfrm>
+            <a:prstGeom prst="rect">
+              <a:avLst/>
+            </a:prstGeom>
+          </p:spPr>
+        </p:pic>
+      </p:grpSp>
+      <p:sp>
+        <p:nvSpPr>
+          <p:cNvPr id="2" name="Title 1"/>
+          <p:cNvSpPr>
+            <a:spLocks noGrp="1"/>
+          </p:cNvSpPr>
+          <p:nvPr>
+            <p:ph type="ctrTitle"/>
+          </p:nvPr>
+        </p:nvSpPr>
+        <p:spPr>
+          <a:xfrm>
+            <a:off x="2692398" y="1871131"/>
+            <a:ext cx="6815669" cy="1515533"/>
+          </a:xfrm>
+        </p:spPr>
+        <p:txBody>
+          <a:bodyPr anchor="b">
+            <a:noAutofit/>
+          </a:bodyPr>
+          <a:lstStyle>
+            <a:lvl1pPr algn="ctr">
+              <a:defRPr sz="5400">
+                <a:effectLst/>
+              </a:defRPr>
+            </a:lvl1pPr>
+          </a:lstStyle>
+          <a:p>
+            <a:r>
+              <a:rPr lang="sv-SE" smtClean="0"/>
+              <a:t>Klicka här för att ändra format</a:t>
+            </a:r>
+            <a:endParaRPr lang="en-US" dirty="0"/>
+          </a:p>
+        </p:txBody>
+      </p:sp>
+      <p:sp>
+        <p:nvSpPr>
+          <p:cNvPr id="3" name="Subtitle 2"/>
+          <p:cNvSpPr>
+            <a:spLocks noGrp="1"/>
+          </p:cNvSpPr>
+          <p:nvPr>
+            <p:ph type="subTitle" idx="1"/>
+          </p:nvPr>
+        </p:nvSpPr>
+        <p:spPr>
+          <a:xfrm>
+            <a:off x="2692398" y="3657597"/>
+            <a:ext cx="6815669" cy="1320802"/>
+          </a:xfrm>
+        </p:spPr>
+        <p:txBody>
+          <a:bodyPr anchor="t">
+            <a:normAutofit/>
+          </a:bodyPr>
+          <a:lstStyle>
+            <a:lvl1pPr marL="0" indent="0" algn="ctr">
+              <a:buNone/>
+              <a:defRPr sz="2100">
+                <a:solidFill>
+                  <a:schemeClr val="tx1"/>
+                </a:solidFill>
+              </a:defRPr>
+            </a:lvl1pPr>
+            <a:lvl2pPr marL="457200" indent="0" algn="ctr">
+              <a:buNone/>
+              <a:defRPr>
+                <a:solidFill>
+                  <a:schemeClr val="tx1">
+                    <a:tint val="75000"/>
+                  </a:schemeClr>
+                </a:solidFill>
+              </a:defRPr>
+            </a:lvl2pPr>
+            <a:lvl3pPr marL="914400" indent="0" algn="ctr">
+              <a:buNone/>
+              <a:defRPr>
+                <a:solidFill>
+                  <a:schemeClr val="tx1">
+                    <a:tint val="75000"/>
+                  </a:schemeClr>
+                </a:solidFill>
+              </a:defRPr>
+            </a:lvl3pPr>
+            <a:lvl4pPr marL="1371600" indent="0" algn="ctr">
+              <a:buNone/>
+              <a:defRPr>
+                <a:solidFill>
+                  <a:schemeClr val="tx1">
+                    <a:tint val="75000"/>
+                  </a:schemeClr>
+                </a:solidFill>
+              </a:defRPr>
+            </a:lvl4pPr>
+            <a:lvl5pPr marL="1828800" indent="0" algn="ctr">
+              <a:buNone/>
+              <a:defRPr>
+                <a:solidFill>
+                  <a:schemeClr val="tx1">
+                    <a:tint val="75000"/>
+                  </a:schemeClr>
+                </a:solidFill>
+              </a:defRPr>
+            </a:lvl5pPr>
+            <a:lvl6pPr marL="2286000" indent="0" algn="ctr">
+              <a:buNone/>
+              <a:defRPr>
+                <a:solidFill>
+                  <a:schemeClr val="tx1">
+                    <a:tint val="75000"/>
+                  </a:schemeClr>
+                </a:solidFill>
+              </a:defRPr>
+            </a:lvl6pPr>
+            <a:lvl7pPr marL="2743200" indent="0" algn="ctr">
+              <a:buNone/>
+              <a:defRPr>
+                <a:solidFill>
+                  <a:schemeClr val="tx1">
+                    <a:tint val="75000"/>
+                  </a:schemeClr>
+                </a:solidFill>
+              </a:defRPr>
+            </a:lvl7pPr>
+            <a:lvl8pPr marL="3200400" indent="0" algn="ctr">
+              <a:buNone/>
+              <a:defRPr>
+                <a:solidFill>
+                  <a:schemeClr val="tx1">
+                    <a:tint val="75000"/>
+                  </a:schemeClr>
+                </a:solidFill>
+              </a:defRPr>
+            </a:lvl8pPr>
+            <a:lvl9pPr marL="3657600" indent="0" algn="ctr">
+              <a:buNone/>
+              <a:defRPr>
+                <a:solidFill>
+                  <a:schemeClr val="tx1">
+                    <a:tint val="75000"/>
+                  </a:schemeClr>
+                </a:solidFill>
+              </a:defRPr>
+            </a:lvl9pPr>
+          </a:lstStyle>
+          <a:p>
+            <a:r>
+              <a:rPr lang="sv-SE" smtClean="0"/>
+              <a:t>Klicka här för att ändra format på underrubrik i bakgrunden</a:t>
+            </a:r>
+            <a:endParaRPr lang="en-US" dirty="0"/>
+          </a:p>
+        </p:txBody>
+      </p:sp>
+      <p:sp>
+        <p:nvSpPr>
+          <p:cNvPr id="4" name="Date Placeholder 3"/>
+          <p:cNvSpPr>
+            <a:spLocks noGrp="1"/>
+          </p:cNvSpPr>
+          <p:nvPr>
+            <p:ph type="dt" sz="half" idx="10"/>
+          </p:nvPr>
+        </p:nvSpPr>
+        <p:spPr>
+          <a:xfrm>
+            <a:off x="7983232" y="5037663"/>
+            <a:ext cx="897467" cy="279400"/>
+          </a:xfrm>
+        </p:spPr>
+        <p:txBody>
+          <a:bodyPr/>
+          <a:lstStyle/>
+          <a:p>
+            <a:fld id="{B22F029A-C8A8-405B-BFC7-FDD186554002}" type="datetimeFigureOut">
+              <a:rPr lang="sv-SE" smtClean="0"/>
+              <a:t>2016-02-28</a:t>
+            </a:fld>
+            <a:endParaRPr lang="sv-SE"/>
+          </a:p>
+        </p:txBody>
+      </p:sp>
+      <p:sp>
+        <p:nvSpPr>
+          <p:cNvPr id="5" name="Footer Placeholder 4"/>
+          <p:cNvSpPr>
+            <a:spLocks noGrp="1"/>
+          </p:cNvSpPr>
+          <p:nvPr>
+            <p:ph type="ftr" sz="quarter" idx="11"/>
+          </p:nvPr>
+        </p:nvSpPr>
+        <p:spPr>
+          <a:xfrm>
+            <a:off x="2692397" y="5037663"/>
+            <a:ext cx="5214635" cy="279400"/>
+          </a:xfrm>
+        </p:spPr>
+        <p:txBody>
+          <a:bodyPr/>
+          <a:lstStyle/>
+          <a:p>
+            <a:endParaRPr lang="sv-SE"/>
+          </a:p>
+        </p:txBody>
+      </p:sp>
+      <p:sp>
+        <p:nvSpPr>
+          <p:cNvPr id="6" name="Slide Number Placeholder 5"/>
+          <p:cNvSpPr>
+            <a:spLocks noGrp="1"/>
+          </p:cNvSpPr>
+          <p:nvPr>
+            <p:ph type="sldNum" sz="quarter" idx="12"/>
+          </p:nvPr>
+        </p:nvSpPr>
+        <p:spPr>
+          <a:xfrm>
+            <a:off x="8956900" y="5037663"/>
+            <a:ext cx="551167" cy="279400"/>
+          </a:xfrm>
+        </p:spPr>
+        <p:txBody>
+          <a:bodyPr/>
+          <a:lstStyle/>
+          <a:p>
+            <a:fld id="{649D9218-7159-47E3-84A4-CBF20703587B}" type="slidenum">
+              <a:rPr lang="sv-SE" smtClean="0"/>
+              <a:t>‹#›</a:t>
+            </a:fld>
+            <a:endParaRPr lang="sv-SE"/>
+          </a:p>
+        </p:txBody>
+      </p:sp>
+      <p:cxnSp>
+        <p:nvCxnSpPr>
+          <p:cNvPr id="15" name="Straight Connector 14"/>
+          <p:cNvCxnSpPr/>
+          <p:nvPr/>
+        </p:nvCxnSpPr>
+        <p:spPr>
+          <a:xfrm>
+            <a:off x="2692399" y="3522131"/>
+            <a:ext cx="6815668" cy="0"/>
+          </a:xfrm>
+          <a:prstGeom prst="line">
+            <a:avLst/>
+          </a:prstGeom>
+        </p:spPr>
+        <p:style>
+          <a:lnRef idx="2">
+            <a:schemeClr val="accent1"/>
+          </a:lnRef>
+          <a:fillRef idx="0">
+            <a:schemeClr val="accent1"/>
+          </a:fillRef>
+          <a:effectRef idx="1">
+            <a:schemeClr val="accent1"/>
+          </a:effectRef>
+          <a:fontRef idx="minor">
+            <a:schemeClr val="tx1"/>
+          </a:fontRef>
+        </p:style>
+      </p:cxnSp>
+    </p:spTree>
+    <p:extLst>
+      <p:ext uri="{BB962C8B-B14F-4D97-AF65-F5344CB8AC3E}">
+        <p14:creationId xmlns:p14="http://schemas.microsoft.com/office/powerpoint/2010/main" val="1911127564"/>
+      </p:ext>
+    </p:extLst>
+  </p:cSld>
+  <p:clrMapOvr>
+    <a:masterClrMapping/>
+  </p:clrMapOvr>
+</p:sldLayout>
+</file>
+
+<file path=ppt/slideLayouts/slideLayout24.xml><?xml version="1.0" encoding="utf-8"?>
+<p:sldLayout xmlns:a="http://schemas.openxmlformats.org/drawingml/2006/main" xmlns:r="http://schemas.openxmlformats.org/officeDocument/2006/relationships" xmlns:p="http://schemas.openxmlformats.org/presentationml/2006/main" type="obj" preserve="1">
+  <p:cSld name="Rubrik och innehåll">
+    <p:spTree>
+      <p:nvGrpSpPr>
+        <p:cNvPr id="1" name=""/>
+        <p:cNvGrpSpPr/>
+        <p:nvPr/>
+      </p:nvGrpSpPr>
+      <p:grpSpPr>
+        <a:xfrm>
+          <a:off x="0" y="0"/>
+          <a:ext cx="0" cy="0"/>
+          <a:chOff x="0" y="0"/>
+          <a:chExt cx="0" cy="0"/>
+        </a:xfrm>
+      </p:grpSpPr>
+      <p:cxnSp>
+        <p:nvCxnSpPr>
+          <p:cNvPr id="7" name="Straight Connector 6"/>
+          <p:cNvCxnSpPr/>
+          <p:nvPr/>
+        </p:nvCxnSpPr>
+        <p:spPr>
+          <a:xfrm>
+            <a:off x="1396169" y="2421466"/>
+            <a:ext cx="9407298" cy="0"/>
+          </a:xfrm>
+          <a:prstGeom prst="line">
+            <a:avLst/>
+          </a:prstGeom>
+          <a:ln w="15875"/>
+        </p:spPr>
+        <p:style>
+          <a:lnRef idx="2">
+            <a:schemeClr val="accent1"/>
+          </a:lnRef>
+          <a:fillRef idx="0">
+            <a:schemeClr val="accent1"/>
+          </a:fillRef>
+          <a:effectRef idx="1">
+            <a:schemeClr val="accent1"/>
+          </a:effectRef>
+          <a:fontRef idx="minor">
+            <a:schemeClr val="tx1"/>
+          </a:fontRef>
+        </p:style>
+      </p:cxnSp>
+      <p:sp>
+        <p:nvSpPr>
+          <p:cNvPr id="2" name="Title 1"/>
+          <p:cNvSpPr>
+            <a:spLocks noGrp="1"/>
+          </p:cNvSpPr>
+          <p:nvPr>
+            <p:ph type="title"/>
+          </p:nvPr>
+        </p:nvSpPr>
+        <p:spPr/>
+        <p:txBody>
+          <a:bodyPr/>
+          <a:lstStyle/>
+          <a:p>
+            <a:r>
+              <a:rPr lang="sv-SE" smtClean="0"/>
+              <a:t>Klicka här för att ändra format</a:t>
+            </a:r>
+            <a:endParaRPr lang="en-US" dirty="0"/>
+          </a:p>
+        </p:txBody>
+      </p:sp>
+      <p:sp>
+        <p:nvSpPr>
+          <p:cNvPr id="3" name="Content Placeholder 2"/>
+          <p:cNvSpPr>
+            <a:spLocks noGrp="1"/>
+          </p:cNvSpPr>
+          <p:nvPr>
+            <p:ph idx="1"/>
+          </p:nvPr>
+        </p:nvSpPr>
+        <p:spPr/>
+        <p:txBody>
+          <a:bodyPr/>
+          <a:lstStyle/>
+          <a:p>
+            <a:pPr lvl="0"/>
+            <a:r>
+              <a:rPr lang="sv-SE" smtClean="0"/>
+              <a:t>Klicka här för att ändra format på bakgrundstexten</a:t>
+            </a:r>
+          </a:p>
+          <a:p>
+            <a:pPr lvl="1"/>
+            <a:r>
+              <a:rPr lang="sv-SE" smtClean="0"/>
+              <a:t>Nivå två</a:t>
+            </a:r>
+          </a:p>
+          <a:p>
+            <a:pPr lvl="2"/>
+            <a:r>
+              <a:rPr lang="sv-SE" smtClean="0"/>
+              <a:t>Nivå tre</a:t>
+            </a:r>
+          </a:p>
+          <a:p>
+            <a:pPr lvl="3"/>
+            <a:r>
+              <a:rPr lang="sv-SE" smtClean="0"/>
+              <a:t>Nivå fyra</a:t>
+            </a:r>
+          </a:p>
+          <a:p>
+            <a:pPr lvl="4"/>
+            <a:r>
+              <a:rPr lang="sv-SE" smtClean="0"/>
+              <a:t>Nivå fem</a:t>
+            </a:r>
+            <a:endParaRPr lang="en-US" dirty="0"/>
+          </a:p>
+        </p:txBody>
+      </p:sp>
+      <p:sp>
+        <p:nvSpPr>
+          <p:cNvPr id="4" name="Date Placeholder 3"/>
+          <p:cNvSpPr>
+            <a:spLocks noGrp="1"/>
+          </p:cNvSpPr>
+          <p:nvPr>
+            <p:ph type="dt" sz="half" idx="10"/>
+          </p:nvPr>
+        </p:nvSpPr>
+        <p:spPr/>
+        <p:txBody>
+          <a:bodyPr/>
+          <a:lstStyle/>
+          <a:p>
+            <a:fld id="{B22F029A-C8A8-405B-BFC7-FDD186554002}" type="datetimeFigureOut">
+              <a:rPr lang="sv-SE" smtClean="0"/>
+              <a:t>2016-02-28</a:t>
+            </a:fld>
+            <a:endParaRPr lang="sv-SE"/>
+          </a:p>
+        </p:txBody>
+      </p:sp>
+      <p:sp>
+        <p:nvSpPr>
+          <p:cNvPr id="5" name="Footer Placeholder 4"/>
+          <p:cNvSpPr>
+            <a:spLocks noGrp="1"/>
+          </p:cNvSpPr>
+          <p:nvPr>
+            <p:ph type="ftr" sz="quarter" idx="11"/>
+          </p:nvPr>
+        </p:nvSpPr>
+        <p:spPr/>
+        <p:txBody>
+          <a:bodyPr/>
+          <a:lstStyle/>
+          <a:p>
+            <a:endParaRPr lang="sv-SE"/>
+          </a:p>
+        </p:txBody>
+      </p:sp>
+      <p:sp>
+        <p:nvSpPr>
+          <p:cNvPr id="6" name="Slide Number Placeholder 5"/>
+          <p:cNvSpPr>
+            <a:spLocks noGrp="1"/>
+          </p:cNvSpPr>
+          <p:nvPr>
+            <p:ph type="sldNum" sz="quarter" idx="12"/>
+          </p:nvPr>
+        </p:nvSpPr>
+        <p:spPr/>
+        <p:txBody>
+          <a:bodyPr/>
+          <a:lstStyle/>
+          <a:p>
+            <a:fld id="{649D9218-7159-47E3-84A4-CBF20703587B}" type="slidenum">
+              <a:rPr lang="sv-SE" smtClean="0"/>
+              <a:t>‹#›</a:t>
+            </a:fld>
+            <a:endParaRPr lang="sv-SE"/>
+          </a:p>
+        </p:txBody>
+      </p:sp>
+    </p:spTree>
+    <p:extLst>
+      <p:ext uri="{BB962C8B-B14F-4D97-AF65-F5344CB8AC3E}">
+        <p14:creationId xmlns:p14="http://schemas.microsoft.com/office/powerpoint/2010/main" val="4135663562"/>
+      </p:ext>
+    </p:extLst>
+  </p:cSld>
+  <p:clrMapOvr>
+    <a:masterClrMapping/>
+  </p:clrMapOvr>
+</p:sldLayout>
+</file>
+
+<file path=ppt/slideLayouts/slideLayout25.xml><?xml version="1.0" encoding="utf-8"?>
+<p:sldLayout xmlns:a="http://schemas.openxmlformats.org/drawingml/2006/main" xmlns:r="http://schemas.openxmlformats.org/officeDocument/2006/relationships" xmlns:p="http://schemas.openxmlformats.org/presentationml/2006/main" type="secHead" preserve="1">
+  <p:cSld name="Avsnittsrubrik">
+    <p:spTree>
+      <p:nvGrpSpPr>
+        <p:cNvPr id="1" name=""/>
+        <p:cNvGrpSpPr/>
+        <p:nvPr/>
+      </p:nvGrpSpPr>
+      <p:grpSpPr>
+        <a:xfrm>
+          <a:off x="0" y="0"/>
+          <a:ext cx="0" cy="0"/>
+          <a:chOff x="0" y="0"/>
+          <a:chExt cx="0" cy="0"/>
+        </a:xfrm>
+      </p:grpSpPr>
+      <p:sp>
+        <p:nvSpPr>
+          <p:cNvPr id="2" name="Title 1"/>
+          <p:cNvSpPr>
+            <a:spLocks noGrp="1"/>
+          </p:cNvSpPr>
+          <p:nvPr>
+            <p:ph type="title"/>
+          </p:nvPr>
+        </p:nvSpPr>
+        <p:spPr>
+          <a:xfrm>
+            <a:off x="2015069" y="1752606"/>
+            <a:ext cx="8158688" cy="1822514"/>
+          </a:xfrm>
+        </p:spPr>
+        <p:txBody>
+          <a:bodyPr anchor="b">
+            <a:normAutofit/>
+          </a:bodyPr>
+          <a:lstStyle>
+            <a:lvl1pPr algn="ctr">
+              <a:defRPr sz="4400" b="0" cap="none"/>
+            </a:lvl1pPr>
+          </a:lstStyle>
+          <a:p>
+            <a:r>
+              <a:rPr lang="sv-SE" smtClean="0"/>
+              <a:t>Klicka här för att ändra format</a:t>
+            </a:r>
+            <a:endParaRPr lang="en-US" dirty="0"/>
+          </a:p>
+        </p:txBody>
+      </p:sp>
+      <p:sp>
+        <p:nvSpPr>
+          <p:cNvPr id="3" name="Text Placeholder 2"/>
+          <p:cNvSpPr>
+            <a:spLocks noGrp="1"/>
+          </p:cNvSpPr>
+          <p:nvPr>
+            <p:ph type="body" idx="1"/>
+          </p:nvPr>
+        </p:nvSpPr>
+        <p:spPr>
+          <a:xfrm>
+            <a:off x="2015067" y="3846051"/>
+            <a:ext cx="8158690" cy="954547"/>
+          </a:xfrm>
+        </p:spPr>
+        <p:txBody>
+          <a:bodyPr anchor="t">
+            <a:normAutofit/>
+          </a:bodyPr>
+          <a:lstStyle>
+            <a:lvl1pPr marL="0" indent="0" algn="ctr">
+              <a:buNone/>
+              <a:defRPr sz="2400">
+                <a:solidFill>
+                  <a:schemeClr val="tx1"/>
+                </a:solidFill>
+              </a:defRPr>
+            </a:lvl1pPr>
+            <a:lvl2pPr marL="457200" indent="0">
+              <a:buNone/>
+              <a:defRPr sz="1800">
+                <a:solidFill>
+                  <a:schemeClr val="tx1">
+                    <a:tint val="75000"/>
+                  </a:schemeClr>
+                </a:solidFill>
+              </a:defRPr>
+            </a:lvl2pPr>
+            <a:lvl3pPr marL="914400" indent="0">
+              <a:buNone/>
+              <a:defRPr sz="1600">
+                <a:solidFill>
+                  <a:schemeClr val="tx1">
+                    <a:tint val="75000"/>
+                  </a:schemeClr>
+                </a:solidFill>
+              </a:defRPr>
+            </a:lvl3pPr>
+            <a:lvl4pPr marL="1371600" indent="0">
+              <a:buNone/>
+              <a:defRPr sz="1400">
+                <a:solidFill>
+                  <a:schemeClr val="tx1">
+                    <a:tint val="75000"/>
+                  </a:schemeClr>
+                </a:solidFill>
+              </a:defRPr>
+            </a:lvl4pPr>
+            <a:lvl5pPr marL="1828800" indent="0">
+              <a:buNone/>
+              <a:defRPr sz="1400">
+                <a:solidFill>
+                  <a:schemeClr val="tx1">
+                    <a:tint val="75000"/>
+                  </a:schemeClr>
+                </a:solidFill>
+              </a:defRPr>
+            </a:lvl5pPr>
+            <a:lvl6pPr marL="2286000" indent="0">
+              <a:buNone/>
+              <a:defRPr sz="1400">
+                <a:solidFill>
+                  <a:schemeClr val="tx1">
+                    <a:tint val="75000"/>
+                  </a:schemeClr>
+                </a:solidFill>
+              </a:defRPr>
+            </a:lvl6pPr>
+            <a:lvl7pPr marL="2743200" indent="0">
+              <a:buNone/>
+              <a:defRPr sz="1400">
+                <a:solidFill>
+                  <a:schemeClr val="tx1">
+                    <a:tint val="75000"/>
+                  </a:schemeClr>
+                </a:solidFill>
+              </a:defRPr>
+            </a:lvl7pPr>
+            <a:lvl8pPr marL="3200400" indent="0">
+              <a:buNone/>
+              <a:defRPr sz="1400">
+                <a:solidFill>
+                  <a:schemeClr val="tx1">
+                    <a:tint val="75000"/>
+                  </a:schemeClr>
+                </a:solidFill>
+              </a:defRPr>
+            </a:lvl8pPr>
+            <a:lvl9pPr marL="3657600" indent="0">
+              <a:buNone/>
+              <a:defRPr sz="1400">
+                <a:solidFill>
+                  <a:schemeClr val="tx1">
+                    <a:tint val="75000"/>
+                  </a:schemeClr>
+                </a:solidFill>
+              </a:defRPr>
+            </a:lvl9pPr>
+          </a:lstStyle>
+          <a:p>
+            <a:pPr lvl="0"/>
+            <a:r>
+              <a:rPr lang="sv-SE" smtClean="0"/>
+              <a:t>Klicka här för att ändra format på bakgrundstexten</a:t>
+            </a:r>
+          </a:p>
+        </p:txBody>
+      </p:sp>
+      <p:sp>
+        <p:nvSpPr>
+          <p:cNvPr id="4" name="Date Placeholder 3"/>
+          <p:cNvSpPr>
+            <a:spLocks noGrp="1"/>
+          </p:cNvSpPr>
+          <p:nvPr>
+            <p:ph type="dt" sz="half" idx="10"/>
+          </p:nvPr>
+        </p:nvSpPr>
+        <p:spPr/>
+        <p:txBody>
+          <a:bodyPr/>
+          <a:lstStyle/>
+          <a:p>
+            <a:fld id="{B22F029A-C8A8-405B-BFC7-FDD186554002}" type="datetimeFigureOut">
+              <a:rPr lang="sv-SE" smtClean="0"/>
+              <a:t>2016-02-28</a:t>
+            </a:fld>
+            <a:endParaRPr lang="sv-SE"/>
+          </a:p>
+        </p:txBody>
+      </p:sp>
+      <p:sp>
+        <p:nvSpPr>
+          <p:cNvPr id="5" name="Footer Placeholder 4"/>
+          <p:cNvSpPr>
+            <a:spLocks noGrp="1"/>
+          </p:cNvSpPr>
+          <p:nvPr>
+            <p:ph type="ftr" sz="quarter" idx="11"/>
+          </p:nvPr>
+        </p:nvSpPr>
+        <p:spPr/>
+        <p:txBody>
+          <a:bodyPr/>
+          <a:lstStyle/>
+          <a:p>
+            <a:endParaRPr lang="sv-SE"/>
+          </a:p>
+        </p:txBody>
+      </p:sp>
+      <p:sp>
+        <p:nvSpPr>
+          <p:cNvPr id="6" name="Slide Number Placeholder 5"/>
+          <p:cNvSpPr>
+            <a:spLocks noGrp="1"/>
+          </p:cNvSpPr>
+          <p:nvPr>
+            <p:ph type="sldNum" sz="quarter" idx="12"/>
+          </p:nvPr>
+        </p:nvSpPr>
+        <p:spPr/>
+        <p:txBody>
+          <a:bodyPr/>
+          <a:lstStyle/>
+          <a:p>
+            <a:fld id="{649D9218-7159-47E3-84A4-CBF20703587B}" type="slidenum">
+              <a:rPr lang="sv-SE" smtClean="0"/>
+              <a:t>‹#›</a:t>
+            </a:fld>
+            <a:endParaRPr lang="sv-SE"/>
+          </a:p>
+        </p:txBody>
+      </p:sp>
+      <p:cxnSp>
+        <p:nvCxnSpPr>
+          <p:cNvPr id="16" name="Straight Connector 15"/>
+          <p:cNvCxnSpPr/>
+          <p:nvPr/>
+        </p:nvCxnSpPr>
+        <p:spPr>
+          <a:xfrm>
+            <a:off x="2012723" y="3710585"/>
+            <a:ext cx="8163380" cy="0"/>
+          </a:xfrm>
+          <a:prstGeom prst="line">
+            <a:avLst/>
+          </a:prstGeom>
+          <a:ln w="15875"/>
+        </p:spPr>
+        <p:style>
+          <a:lnRef idx="2">
+            <a:schemeClr val="accent1"/>
+          </a:lnRef>
+          <a:fillRef idx="0">
+            <a:schemeClr val="accent1"/>
+          </a:fillRef>
+          <a:effectRef idx="1">
+            <a:schemeClr val="accent1"/>
+          </a:effectRef>
+          <a:fontRef idx="minor">
+            <a:schemeClr val="tx1"/>
+          </a:fontRef>
+        </p:style>
+      </p:cxnSp>
+    </p:spTree>
+    <p:extLst>
+      <p:ext uri="{BB962C8B-B14F-4D97-AF65-F5344CB8AC3E}">
+        <p14:creationId xmlns:p14="http://schemas.microsoft.com/office/powerpoint/2010/main" val="2499165067"/>
+      </p:ext>
+    </p:extLst>
+  </p:cSld>
+  <p:clrMapOvr>
+    <a:masterClrMapping/>
+  </p:clrMapOvr>
+</p:sldLayout>
+</file>
+
+<file path=ppt/slideLayouts/slideLayout26.xml><?xml version="1.0" encoding="utf-8"?>
+<p:sldLayout xmlns:a="http://schemas.openxmlformats.org/drawingml/2006/main" xmlns:r="http://schemas.openxmlformats.org/officeDocument/2006/relationships" xmlns:p="http://schemas.openxmlformats.org/presentationml/2006/main" type="twoObj" preserve="1">
+  <p:cSld name="Två innehållsdelar">
+    <p:spTree>
+      <p:nvGrpSpPr>
+        <p:cNvPr id="1" name=""/>
+        <p:cNvGrpSpPr/>
+        <p:nvPr/>
+      </p:nvGrpSpPr>
+      <p:grpSpPr>
+        <a:xfrm>
+          <a:off x="0" y="0"/>
+          <a:ext cx="0" cy="0"/>
+          <a:chOff x="0" y="0"/>
+          <a:chExt cx="0" cy="0"/>
+        </a:xfrm>
+      </p:grpSpPr>
+      <p:cxnSp>
+        <p:nvCxnSpPr>
+          <p:cNvPr id="8" name="Straight Connector 7"/>
+          <p:cNvCxnSpPr/>
+          <p:nvPr/>
+        </p:nvCxnSpPr>
+        <p:spPr>
+          <a:xfrm>
+            <a:off x="1396169" y="2421466"/>
+            <a:ext cx="9407298" cy="0"/>
+          </a:xfrm>
+          <a:prstGeom prst="line">
+            <a:avLst/>
+          </a:prstGeom>
+          <a:ln w="15875"/>
+        </p:spPr>
+        <p:style>
+          <a:lnRef idx="2">
+            <a:schemeClr val="accent1"/>
+          </a:lnRef>
+          <a:fillRef idx="0">
+            <a:schemeClr val="accent1"/>
+          </a:fillRef>
+          <a:effectRef idx="1">
+            <a:schemeClr val="accent1"/>
+          </a:effectRef>
+          <a:fontRef idx="minor">
+            <a:schemeClr val="tx1"/>
+          </a:fontRef>
+        </p:style>
+      </p:cxnSp>
+      <p:sp>
+        <p:nvSpPr>
+          <p:cNvPr id="2" name="Title 1"/>
+          <p:cNvSpPr>
+            <a:spLocks noGrp="1"/>
+          </p:cNvSpPr>
+          <p:nvPr>
+            <p:ph type="title"/>
+          </p:nvPr>
+        </p:nvSpPr>
+        <p:spPr/>
+        <p:txBody>
+          <a:bodyPr/>
+          <a:lstStyle/>
+          <a:p>
+            <a:r>
+              <a:rPr lang="sv-SE" smtClean="0"/>
+              <a:t>Klicka här för att ändra format</a:t>
+            </a:r>
+            <a:endParaRPr lang="en-US" dirty="0"/>
+          </a:p>
+        </p:txBody>
+      </p:sp>
+      <p:sp>
+        <p:nvSpPr>
+          <p:cNvPr id="3" name="Content Placeholder 2"/>
+          <p:cNvSpPr>
+            <a:spLocks noGrp="1"/>
+          </p:cNvSpPr>
+          <p:nvPr>
+            <p:ph sz="half" idx="1"/>
+          </p:nvPr>
+        </p:nvSpPr>
+        <p:spPr>
+          <a:xfrm>
+            <a:off x="1298448" y="2560320"/>
+            <a:ext cx="4718304" cy="3310128"/>
+          </a:xfrm>
+        </p:spPr>
+        <p:txBody>
+          <a:bodyPr>
+            <a:normAutofit/>
+          </a:bodyPr>
+          <a:lstStyle/>
+          <a:p>
+            <a:pPr lvl="0"/>
+            <a:r>
+              <a:rPr lang="sv-SE" smtClean="0"/>
+              <a:t>Klicka här för att ändra format på bakgrundstexten</a:t>
+            </a:r>
+          </a:p>
+          <a:p>
+            <a:pPr lvl="1"/>
+            <a:r>
+              <a:rPr lang="sv-SE" smtClean="0"/>
+              <a:t>Nivå två</a:t>
+            </a:r>
+          </a:p>
+          <a:p>
+            <a:pPr lvl="2"/>
+            <a:r>
+              <a:rPr lang="sv-SE" smtClean="0"/>
+              <a:t>Nivå tre</a:t>
+            </a:r>
+          </a:p>
+          <a:p>
+            <a:pPr lvl="3"/>
+            <a:r>
+              <a:rPr lang="sv-SE" smtClean="0"/>
+              <a:t>Nivå fyra</a:t>
+            </a:r>
+          </a:p>
+          <a:p>
+            <a:pPr lvl="4"/>
+            <a:r>
+              <a:rPr lang="sv-SE" smtClean="0"/>
+              <a:t>Nivå fem</a:t>
+            </a:r>
+            <a:endParaRPr lang="en-US" dirty="0"/>
+          </a:p>
+        </p:txBody>
+      </p:sp>
+      <p:sp>
+        <p:nvSpPr>
+          <p:cNvPr id="4" name="Content Placeholder 3"/>
+          <p:cNvSpPr>
+            <a:spLocks noGrp="1"/>
+          </p:cNvSpPr>
+          <p:nvPr>
+            <p:ph sz="half" idx="2"/>
+          </p:nvPr>
+        </p:nvSpPr>
+        <p:spPr>
+          <a:xfrm>
+            <a:off x="6181344" y="2560320"/>
+            <a:ext cx="4718304" cy="3310128"/>
+          </a:xfrm>
+        </p:spPr>
+        <p:txBody>
+          <a:bodyPr>
+            <a:normAutofit/>
+          </a:bodyPr>
+          <a:lstStyle/>
+          <a:p>
+            <a:pPr lvl="0"/>
+            <a:r>
+              <a:rPr lang="sv-SE" smtClean="0"/>
+              <a:t>Klicka här för att ändra format på bakgrundstexten</a:t>
+            </a:r>
+          </a:p>
+          <a:p>
+            <a:pPr lvl="1"/>
+            <a:r>
+              <a:rPr lang="sv-SE" smtClean="0"/>
+              <a:t>Nivå två</a:t>
+            </a:r>
+          </a:p>
+          <a:p>
+            <a:pPr lvl="2"/>
+            <a:r>
+              <a:rPr lang="sv-SE" smtClean="0"/>
+              <a:t>Nivå tre</a:t>
+            </a:r>
+          </a:p>
+          <a:p>
+            <a:pPr lvl="3"/>
+            <a:r>
+              <a:rPr lang="sv-SE" smtClean="0"/>
+              <a:t>Nivå fyra</a:t>
+            </a:r>
+          </a:p>
+          <a:p>
+            <a:pPr lvl="4"/>
+            <a:r>
+              <a:rPr lang="sv-SE" smtClean="0"/>
+              <a:t>Nivå fem</a:t>
+            </a:r>
+            <a:endParaRPr lang="en-US" dirty="0"/>
+          </a:p>
+        </p:txBody>
+      </p:sp>
+      <p:sp>
+        <p:nvSpPr>
+          <p:cNvPr id="5" name="Date Placeholder 4"/>
+          <p:cNvSpPr>
+            <a:spLocks noGrp="1"/>
+          </p:cNvSpPr>
+          <p:nvPr>
+            <p:ph type="dt" sz="half" idx="10"/>
+          </p:nvPr>
+        </p:nvSpPr>
+        <p:spPr/>
+        <p:txBody>
+          <a:bodyPr/>
+          <a:lstStyle/>
+          <a:p>
+            <a:fld id="{B22F029A-C8A8-405B-BFC7-FDD186554002}" type="datetimeFigureOut">
+              <a:rPr lang="sv-SE" smtClean="0"/>
+              <a:t>2016-02-28</a:t>
+            </a:fld>
+            <a:endParaRPr lang="sv-SE"/>
+          </a:p>
+        </p:txBody>
+      </p:sp>
+      <p:sp>
+        <p:nvSpPr>
+          <p:cNvPr id="6" name="Footer Placeholder 5"/>
+          <p:cNvSpPr>
+            <a:spLocks noGrp="1"/>
+          </p:cNvSpPr>
+          <p:nvPr>
+            <p:ph type="ftr" sz="quarter" idx="11"/>
+          </p:nvPr>
+        </p:nvSpPr>
+        <p:spPr/>
+        <p:txBody>
+          <a:bodyPr/>
+          <a:lstStyle/>
+          <a:p>
+            <a:endParaRPr lang="sv-SE"/>
+          </a:p>
+        </p:txBody>
+      </p:sp>
+      <p:sp>
+        <p:nvSpPr>
+          <p:cNvPr id="7" name="Slide Number Placeholder 6"/>
+          <p:cNvSpPr>
+            <a:spLocks noGrp="1"/>
+          </p:cNvSpPr>
+          <p:nvPr>
+            <p:ph type="sldNum" sz="quarter" idx="12"/>
+          </p:nvPr>
+        </p:nvSpPr>
+        <p:spPr/>
+        <p:txBody>
+          <a:bodyPr/>
+          <a:lstStyle/>
+          <a:p>
+            <a:fld id="{649D9218-7159-47E3-84A4-CBF20703587B}" type="slidenum">
+              <a:rPr lang="sv-SE" smtClean="0"/>
+              <a:t>‹#›</a:t>
+            </a:fld>
+            <a:endParaRPr lang="sv-SE"/>
+          </a:p>
+        </p:txBody>
+      </p:sp>
+    </p:spTree>
+    <p:extLst>
+      <p:ext uri="{BB962C8B-B14F-4D97-AF65-F5344CB8AC3E}">
+        <p14:creationId xmlns:p14="http://schemas.microsoft.com/office/powerpoint/2010/main" val="2652998667"/>
+      </p:ext>
+    </p:extLst>
+  </p:cSld>
+  <p:clrMapOvr>
+    <a:masterClrMapping/>
+  </p:clrMapOvr>
+</p:sldLayout>
+</file>
+
+<file path=ppt/slideLayouts/slideLayout27.xml><?xml version="1.0" encoding="utf-8"?>
+<p:sldLayout xmlns:a="http://schemas.openxmlformats.org/drawingml/2006/main" xmlns:r="http://schemas.openxmlformats.org/officeDocument/2006/relationships" xmlns:p="http://schemas.openxmlformats.org/presentationml/2006/main" type="twoTxTwoObj" preserve="1">
+  <p:cSld name="Jämförelse">
+    <p:spTree>
+      <p:nvGrpSpPr>
+        <p:cNvPr id="1" name=""/>
+        <p:cNvGrpSpPr/>
+        <p:nvPr/>
+      </p:nvGrpSpPr>
+      <p:grpSpPr>
+        <a:xfrm>
+          <a:off x="0" y="0"/>
+          <a:ext cx="0" cy="0"/>
+          <a:chOff x="0" y="0"/>
+          <a:chExt cx="0" cy="0"/>
+        </a:xfrm>
+      </p:grpSpPr>
+      <p:sp>
+        <p:nvSpPr>
+          <p:cNvPr id="2" name="Title 1"/>
+          <p:cNvSpPr>
+            <a:spLocks noGrp="1"/>
+          </p:cNvSpPr>
+          <p:nvPr>
+            <p:ph type="title"/>
+          </p:nvPr>
+        </p:nvSpPr>
+        <p:spPr/>
+        <p:txBody>
+          <a:bodyPr/>
+          <a:lstStyle>
+            <a:lvl1pPr>
+              <a:defRPr/>
+            </a:lvl1pPr>
+          </a:lstStyle>
+          <a:p>
+            <a:r>
+              <a:rPr lang="sv-SE" smtClean="0"/>
+              <a:t>Klicka här för att ändra format</a:t>
+            </a:r>
+            <a:endParaRPr lang="en-US" dirty="0"/>
+          </a:p>
+        </p:txBody>
+      </p:sp>
+      <p:sp>
+        <p:nvSpPr>
+          <p:cNvPr id="3" name="Text Placeholder 2"/>
+          <p:cNvSpPr>
+            <a:spLocks noGrp="1"/>
+          </p:cNvSpPr>
+          <p:nvPr>
+            <p:ph type="body" idx="1"/>
+          </p:nvPr>
+        </p:nvSpPr>
+        <p:spPr>
+          <a:xfrm>
+            <a:off x="1295400" y="2658533"/>
+            <a:ext cx="4718304" cy="576262"/>
+          </a:xfrm>
+        </p:spPr>
+        <p:txBody>
+          <a:bodyPr anchor="b">
+            <a:noAutofit/>
+          </a:bodyPr>
+          <a:lstStyle>
+            <a:lvl1pPr marL="0" indent="0">
+              <a:spcBef>
+                <a:spcPts val="672"/>
+              </a:spcBef>
+              <a:spcAft>
+                <a:spcPts val="600"/>
+              </a:spcAft>
+              <a:buNone/>
+              <a:defRPr sz="2800" b="0">
+                <a:solidFill>
+                  <a:schemeClr val="accent1"/>
+                </a:solidFill>
+              </a:defRPr>
+            </a:lvl1pPr>
+            <a:lvl2pPr marL="457200" indent="0">
+              <a:buNone/>
+              <a:defRPr sz="2000" b="1"/>
+            </a:lvl2pPr>
+            <a:lvl3pPr marL="914400" indent="0">
+              <a:buNone/>
+              <a:defRPr sz="1800" b="1"/>
+            </a:lvl3pPr>
+            <a:lvl4pPr marL="1371600" indent="0">
+              <a:buNone/>
+              <a:defRPr sz="1600" b="1"/>
+            </a:lvl4pPr>
+            <a:lvl5pPr marL="1828800" indent="0">
+              <a:buNone/>
+              <a:defRPr sz="1600" b="1"/>
+            </a:lvl5pPr>
+            <a:lvl6pPr marL="2286000" indent="0">
+              <a:buNone/>
+              <a:defRPr sz="1600" b="1"/>
+            </a:lvl6pPr>
+            <a:lvl7pPr marL="2743200" indent="0">
+              <a:buNone/>
+              <a:defRPr sz="1600" b="1"/>
+            </a:lvl7pPr>
+            <a:lvl8pPr marL="3200400" indent="0">
+              <a:buNone/>
+              <a:defRPr sz="1600" b="1"/>
+            </a:lvl8pPr>
+            <a:lvl9pPr marL="3657600" indent="0">
+              <a:buNone/>
+              <a:defRPr sz="1600" b="1"/>
+            </a:lvl9pPr>
+          </a:lstStyle>
+          <a:p>
+            <a:pPr lvl="0"/>
+            <a:r>
+              <a:rPr lang="sv-SE" smtClean="0"/>
+              <a:t>Klicka här för att ändra format på bakgrundstexten</a:t>
+            </a:r>
+          </a:p>
+        </p:txBody>
+      </p:sp>
+      <p:sp>
+        <p:nvSpPr>
+          <p:cNvPr id="4" name="Content Placeholder 3"/>
+          <p:cNvSpPr>
+            <a:spLocks noGrp="1"/>
+          </p:cNvSpPr>
+          <p:nvPr>
+            <p:ph sz="half" idx="2"/>
+          </p:nvPr>
+        </p:nvSpPr>
+        <p:spPr>
+          <a:xfrm>
+            <a:off x="1295400" y="3243262"/>
+            <a:ext cx="4718304" cy="2632605"/>
+          </a:xfrm>
+        </p:spPr>
+        <p:txBody>
+          <a:bodyPr anchor="t">
+            <a:normAutofit/>
+          </a:bodyPr>
+          <a:lstStyle/>
+          <a:p>
+            <a:pPr lvl="0"/>
+            <a:r>
+              <a:rPr lang="sv-SE" smtClean="0"/>
+              <a:t>Klicka här för att ändra format på bakgrundstexten</a:t>
+            </a:r>
+          </a:p>
+          <a:p>
+            <a:pPr lvl="1"/>
+            <a:r>
+              <a:rPr lang="sv-SE" smtClean="0"/>
+              <a:t>Nivå två</a:t>
+            </a:r>
+          </a:p>
+          <a:p>
+            <a:pPr lvl="2"/>
+            <a:r>
+              <a:rPr lang="sv-SE" smtClean="0"/>
+              <a:t>Nivå tre</a:t>
+            </a:r>
+          </a:p>
+          <a:p>
+            <a:pPr lvl="3"/>
+            <a:r>
+              <a:rPr lang="sv-SE" smtClean="0"/>
+              <a:t>Nivå fyra</a:t>
+            </a:r>
+          </a:p>
+          <a:p>
+            <a:pPr lvl="4"/>
+            <a:r>
+              <a:rPr lang="sv-SE" smtClean="0"/>
+              <a:t>Nivå fem</a:t>
+            </a:r>
+            <a:endParaRPr lang="en-US" dirty="0"/>
+          </a:p>
+        </p:txBody>
+      </p:sp>
+      <p:sp>
+        <p:nvSpPr>
+          <p:cNvPr id="5" name="Text Placeholder 4"/>
+          <p:cNvSpPr>
+            <a:spLocks noGrp="1"/>
+          </p:cNvSpPr>
+          <p:nvPr>
+            <p:ph type="body" sz="quarter" idx="3"/>
+          </p:nvPr>
+        </p:nvSpPr>
+        <p:spPr>
+          <a:xfrm>
+            <a:off x="6180670" y="2658533"/>
+            <a:ext cx="4718304" cy="576262"/>
+          </a:xfrm>
+        </p:spPr>
+        <p:txBody>
+          <a:bodyPr anchor="b">
+            <a:noAutofit/>
+          </a:bodyPr>
+          <a:lstStyle>
+            <a:lvl1pPr marL="0" indent="0">
+              <a:spcBef>
+                <a:spcPts val="672"/>
+              </a:spcBef>
+              <a:spcAft>
+                <a:spcPts val="600"/>
+              </a:spcAft>
+              <a:buNone/>
+              <a:defRPr sz="2800" b="0">
+                <a:solidFill>
+                  <a:schemeClr val="accent1"/>
+                </a:solidFill>
+              </a:defRPr>
+            </a:lvl1pPr>
+            <a:lvl2pPr marL="457200" indent="0">
+              <a:buNone/>
+              <a:defRPr sz="2000" b="1"/>
+            </a:lvl2pPr>
+            <a:lvl3pPr marL="914400" indent="0">
+              <a:buNone/>
+              <a:defRPr sz="1800" b="1"/>
+            </a:lvl3pPr>
+            <a:lvl4pPr marL="1371600" indent="0">
+              <a:buNone/>
+              <a:defRPr sz="1600" b="1"/>
+            </a:lvl4pPr>
+            <a:lvl5pPr marL="1828800" indent="0">
+              <a:buNone/>
+              <a:defRPr sz="1600" b="1"/>
+            </a:lvl5pPr>
+            <a:lvl6pPr marL="2286000" indent="0">
+              <a:buNone/>
+              <a:defRPr sz="1600" b="1"/>
+            </a:lvl6pPr>
+            <a:lvl7pPr marL="2743200" indent="0">
+              <a:buNone/>
+              <a:defRPr sz="1600" b="1"/>
+            </a:lvl7pPr>
+            <a:lvl8pPr marL="3200400" indent="0">
+              <a:buNone/>
+              <a:defRPr sz="1600" b="1"/>
+            </a:lvl8pPr>
+            <a:lvl9pPr marL="3657600" indent="0">
+              <a:buNone/>
+              <a:defRPr sz="1600" b="1"/>
+            </a:lvl9pPr>
+          </a:lstStyle>
+          <a:p>
+            <a:pPr lvl="0"/>
+            <a:r>
+              <a:rPr lang="sv-SE" smtClean="0"/>
+              <a:t>Klicka här för att ändra format på bakgrundstexten</a:t>
+            </a:r>
+          </a:p>
+        </p:txBody>
+      </p:sp>
+      <p:sp>
+        <p:nvSpPr>
+          <p:cNvPr id="6" name="Content Placeholder 5"/>
+          <p:cNvSpPr>
+            <a:spLocks noGrp="1"/>
+          </p:cNvSpPr>
+          <p:nvPr>
+            <p:ph sz="quarter" idx="4"/>
+          </p:nvPr>
+        </p:nvSpPr>
+        <p:spPr>
+          <a:xfrm>
+            <a:off x="6180670" y="3243262"/>
+            <a:ext cx="4718304" cy="2632605"/>
+          </a:xfrm>
+        </p:spPr>
+        <p:txBody>
+          <a:bodyPr anchor="t">
+            <a:normAutofit/>
+          </a:bodyPr>
+          <a:lstStyle/>
+          <a:p>
+            <a:pPr lvl="0"/>
+            <a:r>
+              <a:rPr lang="sv-SE" smtClean="0"/>
+              <a:t>Klicka här för att ändra format på bakgrundstexten</a:t>
+            </a:r>
+          </a:p>
+          <a:p>
+            <a:pPr lvl="1"/>
+            <a:r>
+              <a:rPr lang="sv-SE" smtClean="0"/>
+              <a:t>Nivå två</a:t>
+            </a:r>
+          </a:p>
+          <a:p>
+            <a:pPr lvl="2"/>
+            <a:r>
+              <a:rPr lang="sv-SE" smtClean="0"/>
+              <a:t>Nivå tre</a:t>
+            </a:r>
+          </a:p>
+          <a:p>
+            <a:pPr lvl="3"/>
+            <a:r>
+              <a:rPr lang="sv-SE" smtClean="0"/>
+              <a:t>Nivå fyra</a:t>
+            </a:r>
+          </a:p>
+          <a:p>
+            <a:pPr lvl="4"/>
+            <a:r>
+              <a:rPr lang="sv-SE" smtClean="0"/>
+              <a:t>Nivå fem</a:t>
+            </a:r>
+            <a:endParaRPr lang="en-US" dirty="0"/>
+          </a:p>
+        </p:txBody>
+      </p:sp>
+      <p:sp>
+        <p:nvSpPr>
+          <p:cNvPr id="7" name="Date Placeholder 6"/>
+          <p:cNvSpPr>
+            <a:spLocks noGrp="1"/>
+          </p:cNvSpPr>
+          <p:nvPr>
+            <p:ph type="dt" sz="half" idx="10"/>
+          </p:nvPr>
+        </p:nvSpPr>
+        <p:spPr/>
+        <p:txBody>
+          <a:bodyPr/>
+          <a:lstStyle/>
+          <a:p>
+            <a:fld id="{B22F029A-C8A8-405B-BFC7-FDD186554002}" type="datetimeFigureOut">
+              <a:rPr lang="sv-SE" smtClean="0"/>
+              <a:t>2016-02-28</a:t>
+            </a:fld>
+            <a:endParaRPr lang="sv-SE"/>
+          </a:p>
+        </p:txBody>
+      </p:sp>
+      <p:sp>
+        <p:nvSpPr>
+          <p:cNvPr id="8" name="Footer Placeholder 7"/>
+          <p:cNvSpPr>
+            <a:spLocks noGrp="1"/>
+          </p:cNvSpPr>
+          <p:nvPr>
+            <p:ph type="ftr" sz="quarter" idx="11"/>
+          </p:nvPr>
+        </p:nvSpPr>
+        <p:spPr/>
+        <p:txBody>
+          <a:bodyPr/>
+          <a:lstStyle/>
+          <a:p>
+            <a:endParaRPr lang="sv-SE"/>
+          </a:p>
+        </p:txBody>
+      </p:sp>
+      <p:sp>
+        <p:nvSpPr>
+          <p:cNvPr id="9" name="Slide Number Placeholder 8"/>
+          <p:cNvSpPr>
+            <a:spLocks noGrp="1"/>
+          </p:cNvSpPr>
+          <p:nvPr>
+            <p:ph type="sldNum" sz="quarter" idx="12"/>
+          </p:nvPr>
+        </p:nvSpPr>
+        <p:spPr/>
+        <p:txBody>
+          <a:bodyPr/>
+          <a:lstStyle/>
+          <a:p>
+            <a:fld id="{649D9218-7159-47E3-84A4-CBF20703587B}" type="slidenum">
+              <a:rPr lang="sv-SE" smtClean="0"/>
+              <a:t>‹#›</a:t>
+            </a:fld>
+            <a:endParaRPr lang="sv-SE"/>
+          </a:p>
+        </p:txBody>
+      </p:sp>
+      <p:cxnSp>
+        <p:nvCxnSpPr>
+          <p:cNvPr id="18" name="Straight Connector 17"/>
+          <p:cNvCxnSpPr/>
+          <p:nvPr/>
+        </p:nvCxnSpPr>
+        <p:spPr>
+          <a:xfrm>
+            <a:off x="1396169" y="2421466"/>
+            <a:ext cx="9407298" cy="0"/>
+          </a:xfrm>
+          <a:prstGeom prst="line">
+            <a:avLst/>
+          </a:prstGeom>
+          <a:ln w="15875"/>
+        </p:spPr>
+        <p:style>
+          <a:lnRef idx="2">
+            <a:schemeClr val="accent1"/>
+          </a:lnRef>
+          <a:fillRef idx="0">
+            <a:schemeClr val="accent1"/>
+          </a:fillRef>
+          <a:effectRef idx="1">
+            <a:schemeClr val="accent1"/>
+          </a:effectRef>
+          <a:fontRef idx="minor">
+            <a:schemeClr val="tx1"/>
+          </a:fontRef>
+        </p:style>
+      </p:cxnSp>
+    </p:spTree>
+    <p:extLst>
+      <p:ext uri="{BB962C8B-B14F-4D97-AF65-F5344CB8AC3E}">
+        <p14:creationId xmlns:p14="http://schemas.microsoft.com/office/powerpoint/2010/main" val="1815293740"/>
+      </p:ext>
+    </p:extLst>
+  </p:cSld>
+  <p:clrMapOvr>
+    <a:masterClrMapping/>
+  </p:clrMapOvr>
+</p:sldLayout>
+</file>
+
+<file path=ppt/slideLayouts/slideLayout28.xml><?xml version="1.0" encoding="utf-8"?>
+<p:sldLayout xmlns:a="http://schemas.openxmlformats.org/drawingml/2006/main" xmlns:r="http://schemas.openxmlformats.org/officeDocument/2006/relationships" xmlns:p="http://schemas.openxmlformats.org/presentationml/2006/main" type="titleOnly" preserve="1">
+  <p:cSld name="Endast rubrik">
+    <p:spTree>
+      <p:nvGrpSpPr>
+        <p:cNvPr id="1" name=""/>
+        <p:cNvGrpSpPr/>
+        <p:nvPr/>
+      </p:nvGrpSpPr>
+      <p:grpSpPr>
+        <a:xfrm>
+          <a:off x="0" y="0"/>
+          <a:ext cx="0" cy="0"/>
+          <a:chOff x="0" y="0"/>
+          <a:chExt cx="0" cy="0"/>
+        </a:xfrm>
+      </p:grpSpPr>
+      <p:sp>
+        <p:nvSpPr>
+          <p:cNvPr id="2" name="Title 1"/>
+          <p:cNvSpPr>
+            <a:spLocks noGrp="1"/>
+          </p:cNvSpPr>
+          <p:nvPr>
+            <p:ph type="title"/>
+          </p:nvPr>
+        </p:nvSpPr>
+        <p:spPr/>
+        <p:txBody>
+          <a:bodyPr/>
+          <a:lstStyle/>
+          <a:p>
+            <a:r>
+              <a:rPr lang="sv-SE" smtClean="0"/>
+              <a:t>Klicka här för att ändra format</a:t>
+            </a:r>
+            <a:endParaRPr lang="en-US" dirty="0"/>
+          </a:p>
+        </p:txBody>
+      </p:sp>
+      <p:sp>
+        <p:nvSpPr>
+          <p:cNvPr id="3" name="Date Placeholder 2"/>
+          <p:cNvSpPr>
+            <a:spLocks noGrp="1"/>
+          </p:cNvSpPr>
+          <p:nvPr>
+            <p:ph type="dt" sz="half" idx="10"/>
+          </p:nvPr>
+        </p:nvSpPr>
+        <p:spPr/>
+        <p:txBody>
+          <a:bodyPr/>
+          <a:lstStyle/>
+          <a:p>
+            <a:fld id="{B22F029A-C8A8-405B-BFC7-FDD186554002}" type="datetimeFigureOut">
+              <a:rPr lang="sv-SE" smtClean="0"/>
+              <a:t>2016-02-28</a:t>
+            </a:fld>
+            <a:endParaRPr lang="sv-SE"/>
+          </a:p>
+        </p:txBody>
+      </p:sp>
+      <p:sp>
+        <p:nvSpPr>
+          <p:cNvPr id="4" name="Footer Placeholder 3"/>
+          <p:cNvSpPr>
+            <a:spLocks noGrp="1"/>
+          </p:cNvSpPr>
+          <p:nvPr>
+            <p:ph type="ftr" sz="quarter" idx="11"/>
+          </p:nvPr>
+        </p:nvSpPr>
+        <p:spPr/>
+        <p:txBody>
+          <a:bodyPr/>
+          <a:lstStyle/>
+          <a:p>
+            <a:endParaRPr lang="sv-SE"/>
+          </a:p>
+        </p:txBody>
+      </p:sp>
+      <p:sp>
+        <p:nvSpPr>
+          <p:cNvPr id="5" name="Slide Number Placeholder 4"/>
+          <p:cNvSpPr>
+            <a:spLocks noGrp="1"/>
+          </p:cNvSpPr>
+          <p:nvPr>
+            <p:ph type="sldNum" sz="quarter" idx="12"/>
+          </p:nvPr>
+        </p:nvSpPr>
+        <p:spPr/>
+        <p:txBody>
+          <a:bodyPr/>
+          <a:lstStyle/>
+          <a:p>
+            <a:fld id="{649D9218-7159-47E3-84A4-CBF20703587B}" type="slidenum">
+              <a:rPr lang="sv-SE" smtClean="0"/>
+              <a:t>‹#›</a:t>
+            </a:fld>
+            <a:endParaRPr lang="sv-SE"/>
+          </a:p>
+        </p:txBody>
+      </p:sp>
+      <p:cxnSp>
+        <p:nvCxnSpPr>
+          <p:cNvPr id="14" name="Straight Connector 13"/>
+          <p:cNvCxnSpPr/>
+          <p:nvPr/>
+        </p:nvCxnSpPr>
+        <p:spPr>
+          <a:xfrm>
+            <a:off x="1396169" y="2421466"/>
+            <a:ext cx="9407298" cy="0"/>
+          </a:xfrm>
+          <a:prstGeom prst="line">
+            <a:avLst/>
+          </a:prstGeom>
+          <a:ln w="15875"/>
+        </p:spPr>
+        <p:style>
+          <a:lnRef idx="2">
+            <a:schemeClr val="accent1"/>
+          </a:lnRef>
+          <a:fillRef idx="0">
+            <a:schemeClr val="accent1"/>
+          </a:fillRef>
+          <a:effectRef idx="1">
+            <a:schemeClr val="accent1"/>
+          </a:effectRef>
+          <a:fontRef idx="minor">
+            <a:schemeClr val="tx1"/>
+          </a:fontRef>
+        </p:style>
+      </p:cxnSp>
+    </p:spTree>
+    <p:extLst>
+      <p:ext uri="{BB962C8B-B14F-4D97-AF65-F5344CB8AC3E}">
+        <p14:creationId xmlns:p14="http://schemas.microsoft.com/office/powerpoint/2010/main" val="2477844912"/>
+      </p:ext>
+    </p:extLst>
+  </p:cSld>
+  <p:clrMapOvr>
+    <a:masterClrMapping/>
+  </p:clrMapOvr>
+</p:sldLayout>
+</file>
+
+<file path=ppt/slideLayouts/slideLayout29.xml><?xml version="1.0" encoding="utf-8"?>
+<p:sldLayout xmlns:a="http://schemas.openxmlformats.org/drawingml/2006/main" xmlns:r="http://schemas.openxmlformats.org/officeDocument/2006/relationships" xmlns:p="http://schemas.openxmlformats.org/presentationml/2006/main" type="blank" preserve="1">
+  <p:cSld name="Tom">
+    <p:spTree>
+      <p:nvGrpSpPr>
+        <p:cNvPr id="1" name=""/>
+        <p:cNvGrpSpPr/>
+        <p:nvPr/>
+      </p:nvGrpSpPr>
+      <p:grpSpPr>
+        <a:xfrm>
+          <a:off x="0" y="0"/>
+          <a:ext cx="0" cy="0"/>
+          <a:chOff x="0" y="0"/>
+          <a:chExt cx="0" cy="0"/>
+        </a:xfrm>
+      </p:grpSpPr>
+      <p:sp>
+        <p:nvSpPr>
+          <p:cNvPr id="2" name="Date Placeholder 1"/>
+          <p:cNvSpPr>
+            <a:spLocks noGrp="1"/>
+          </p:cNvSpPr>
+          <p:nvPr>
+            <p:ph type="dt" sz="half" idx="10"/>
+          </p:nvPr>
+        </p:nvSpPr>
+        <p:spPr/>
+        <p:txBody>
+          <a:bodyPr/>
+          <a:lstStyle/>
+          <a:p>
+            <a:fld id="{B22F029A-C8A8-405B-BFC7-FDD186554002}" type="datetimeFigureOut">
+              <a:rPr lang="sv-SE" smtClean="0"/>
+              <a:t>2016-02-28</a:t>
+            </a:fld>
+            <a:endParaRPr lang="sv-SE"/>
+          </a:p>
+        </p:txBody>
+      </p:sp>
+      <p:sp>
+        <p:nvSpPr>
+          <p:cNvPr id="3" name="Footer Placeholder 2"/>
+          <p:cNvSpPr>
+            <a:spLocks noGrp="1"/>
+          </p:cNvSpPr>
+          <p:nvPr>
+            <p:ph type="ftr" sz="quarter" idx="11"/>
+          </p:nvPr>
+        </p:nvSpPr>
+        <p:spPr/>
+        <p:txBody>
+          <a:bodyPr/>
+          <a:lstStyle/>
+          <a:p>
+            <a:endParaRPr lang="sv-SE"/>
+          </a:p>
+        </p:txBody>
+      </p:sp>
+      <p:sp>
+        <p:nvSpPr>
+          <p:cNvPr id="4" name="Slide Number Placeholder 3"/>
+          <p:cNvSpPr>
+            <a:spLocks noGrp="1"/>
+          </p:cNvSpPr>
+          <p:nvPr>
+            <p:ph type="sldNum" sz="quarter" idx="12"/>
+          </p:nvPr>
+        </p:nvSpPr>
+        <p:spPr/>
+        <p:txBody>
+          <a:bodyPr/>
+          <a:lstStyle/>
+          <a:p>
+            <a:fld id="{649D9218-7159-47E3-84A4-CBF20703587B}" type="slidenum">
+              <a:rPr lang="sv-SE" smtClean="0"/>
+              <a:t>‹#›</a:t>
+            </a:fld>
+            <a:endParaRPr lang="sv-SE"/>
+          </a:p>
+        </p:txBody>
+      </p:sp>
+    </p:spTree>
+    <p:extLst>
+      <p:ext uri="{BB962C8B-B14F-4D97-AF65-F5344CB8AC3E}">
+        <p14:creationId xmlns:p14="http://schemas.microsoft.com/office/powerpoint/2010/main" val="944015023"/>
       </p:ext>
     </p:extLst>
   </p:cSld>
@@ -6292,7 +8006,7 @@
           <a:p>
             <a:fld id="{B22F029A-C8A8-405B-BFC7-FDD186554002}" type="datetimeFigureOut">
               <a:rPr lang="sv-SE" smtClean="0"/>
-              <a:t>2016-02-24</a:t>
+              <a:t>2016-02-28</a:t>
             </a:fld>
             <a:endParaRPr lang="sv-SE"/>
           </a:p>
@@ -6344,6 +8058,3085 @@
     <p:extLst>
       <p:ext uri="{BB962C8B-B14F-4D97-AF65-F5344CB8AC3E}">
         <p14:creationId xmlns:p14="http://schemas.microsoft.com/office/powerpoint/2010/main" val="1667584706"/>
+      </p:ext>
+    </p:extLst>
+  </p:cSld>
+  <p:clrMapOvr>
+    <a:masterClrMapping/>
+  </p:clrMapOvr>
+</p:sldLayout>
+</file>
+
+<file path=ppt/slideLayouts/slideLayout30.xml><?xml version="1.0" encoding="utf-8"?>
+<p:sldLayout xmlns:a="http://schemas.openxmlformats.org/drawingml/2006/main" xmlns:r="http://schemas.openxmlformats.org/officeDocument/2006/relationships" xmlns:p="http://schemas.openxmlformats.org/presentationml/2006/main" type="objTx" preserve="1">
+  <p:cSld name="Innehåll med bildtext">
+    <p:spTree>
+      <p:nvGrpSpPr>
+        <p:cNvPr id="1" name=""/>
+        <p:cNvGrpSpPr/>
+        <p:nvPr/>
+      </p:nvGrpSpPr>
+      <p:grpSpPr>
+        <a:xfrm>
+          <a:off x="0" y="0"/>
+          <a:ext cx="0" cy="0"/>
+          <a:chOff x="0" y="0"/>
+          <a:chExt cx="0" cy="0"/>
+        </a:xfrm>
+      </p:grpSpPr>
+      <p:sp>
+        <p:nvSpPr>
+          <p:cNvPr id="2" name="Title 1"/>
+          <p:cNvSpPr>
+            <a:spLocks noGrp="1"/>
+          </p:cNvSpPr>
+          <p:nvPr>
+            <p:ph type="title"/>
+          </p:nvPr>
+        </p:nvSpPr>
+        <p:spPr>
+          <a:xfrm>
+            <a:off x="1293811" y="1388534"/>
+            <a:ext cx="3718455" cy="1371600"/>
+          </a:xfrm>
+        </p:spPr>
+        <p:txBody>
+          <a:bodyPr anchor="b">
+            <a:normAutofit/>
+          </a:bodyPr>
+          <a:lstStyle>
+            <a:lvl1pPr algn="ctr">
+              <a:defRPr sz="2400" b="0"/>
+            </a:lvl1pPr>
+          </a:lstStyle>
+          <a:p>
+            <a:r>
+              <a:rPr lang="sv-SE" smtClean="0"/>
+              <a:t>Klicka här för att ändra format</a:t>
+            </a:r>
+            <a:endParaRPr lang="en-US" dirty="0"/>
+          </a:p>
+        </p:txBody>
+      </p:sp>
+      <p:sp>
+        <p:nvSpPr>
+          <p:cNvPr id="3" name="Content Placeholder 2"/>
+          <p:cNvSpPr>
+            <a:spLocks noGrp="1"/>
+          </p:cNvSpPr>
+          <p:nvPr>
+            <p:ph idx="1"/>
+          </p:nvPr>
+        </p:nvSpPr>
+        <p:spPr>
+          <a:xfrm>
+            <a:off x="5418668" y="982131"/>
+            <a:ext cx="5469466" cy="4893735"/>
+          </a:xfrm>
+        </p:spPr>
+        <p:txBody>
+          <a:bodyPr anchor="ctr">
+            <a:normAutofit/>
+          </a:bodyPr>
+          <a:lstStyle/>
+          <a:p>
+            <a:pPr lvl="0"/>
+            <a:r>
+              <a:rPr lang="sv-SE" smtClean="0"/>
+              <a:t>Klicka här för att ändra format på bakgrundstexten</a:t>
+            </a:r>
+          </a:p>
+          <a:p>
+            <a:pPr lvl="1"/>
+            <a:r>
+              <a:rPr lang="sv-SE" smtClean="0"/>
+              <a:t>Nivå två</a:t>
+            </a:r>
+          </a:p>
+          <a:p>
+            <a:pPr lvl="2"/>
+            <a:r>
+              <a:rPr lang="sv-SE" smtClean="0"/>
+              <a:t>Nivå tre</a:t>
+            </a:r>
+          </a:p>
+          <a:p>
+            <a:pPr lvl="3"/>
+            <a:r>
+              <a:rPr lang="sv-SE" smtClean="0"/>
+              <a:t>Nivå fyra</a:t>
+            </a:r>
+          </a:p>
+          <a:p>
+            <a:pPr lvl="4"/>
+            <a:r>
+              <a:rPr lang="sv-SE" smtClean="0"/>
+              <a:t>Nivå fem</a:t>
+            </a:r>
+            <a:endParaRPr lang="en-US" dirty="0"/>
+          </a:p>
+        </p:txBody>
+      </p:sp>
+      <p:sp>
+        <p:nvSpPr>
+          <p:cNvPr id="4" name="Text Placeholder 3"/>
+          <p:cNvSpPr>
+            <a:spLocks noGrp="1"/>
+          </p:cNvSpPr>
+          <p:nvPr>
+            <p:ph type="body" sz="half" idx="2"/>
+          </p:nvPr>
+        </p:nvSpPr>
+        <p:spPr>
+          <a:xfrm>
+            <a:off x="1293811" y="3031065"/>
+            <a:ext cx="3718455" cy="2438404"/>
+          </a:xfrm>
+        </p:spPr>
+        <p:txBody>
+          <a:bodyPr anchor="t">
+            <a:normAutofit/>
+          </a:bodyPr>
+          <a:lstStyle>
+            <a:lvl1pPr marL="0" indent="0" algn="ctr">
+              <a:buNone/>
+              <a:defRPr sz="1600"/>
+            </a:lvl1pPr>
+            <a:lvl2pPr marL="457200" indent="0">
+              <a:buNone/>
+              <a:defRPr sz="1200"/>
+            </a:lvl2pPr>
+            <a:lvl3pPr marL="914400" indent="0">
+              <a:buNone/>
+              <a:defRPr sz="1000"/>
+            </a:lvl3pPr>
+            <a:lvl4pPr marL="1371600" indent="0">
+              <a:buNone/>
+              <a:defRPr sz="900"/>
+            </a:lvl4pPr>
+            <a:lvl5pPr marL="1828800" indent="0">
+              <a:buNone/>
+              <a:defRPr sz="900"/>
+            </a:lvl5pPr>
+            <a:lvl6pPr marL="2286000" indent="0">
+              <a:buNone/>
+              <a:defRPr sz="900"/>
+            </a:lvl6pPr>
+            <a:lvl7pPr marL="2743200" indent="0">
+              <a:buNone/>
+              <a:defRPr sz="900"/>
+            </a:lvl7pPr>
+            <a:lvl8pPr marL="3200400" indent="0">
+              <a:buNone/>
+              <a:defRPr sz="900"/>
+            </a:lvl8pPr>
+            <a:lvl9pPr marL="3657600" indent="0">
+              <a:buNone/>
+              <a:defRPr sz="900"/>
+            </a:lvl9pPr>
+          </a:lstStyle>
+          <a:p>
+            <a:pPr lvl="0"/>
+            <a:r>
+              <a:rPr lang="sv-SE" smtClean="0"/>
+              <a:t>Klicka här för att ändra format på bakgrundstexten</a:t>
+            </a:r>
+          </a:p>
+        </p:txBody>
+      </p:sp>
+      <p:sp>
+        <p:nvSpPr>
+          <p:cNvPr id="5" name="Date Placeholder 4"/>
+          <p:cNvSpPr>
+            <a:spLocks noGrp="1"/>
+          </p:cNvSpPr>
+          <p:nvPr>
+            <p:ph type="dt" sz="half" idx="10"/>
+          </p:nvPr>
+        </p:nvSpPr>
+        <p:spPr/>
+        <p:txBody>
+          <a:bodyPr/>
+          <a:lstStyle/>
+          <a:p>
+            <a:fld id="{B22F029A-C8A8-405B-BFC7-FDD186554002}" type="datetimeFigureOut">
+              <a:rPr lang="sv-SE" smtClean="0"/>
+              <a:t>2016-02-28</a:t>
+            </a:fld>
+            <a:endParaRPr lang="sv-SE"/>
+          </a:p>
+        </p:txBody>
+      </p:sp>
+      <p:sp>
+        <p:nvSpPr>
+          <p:cNvPr id="6" name="Footer Placeholder 5"/>
+          <p:cNvSpPr>
+            <a:spLocks noGrp="1"/>
+          </p:cNvSpPr>
+          <p:nvPr>
+            <p:ph type="ftr" sz="quarter" idx="11"/>
+          </p:nvPr>
+        </p:nvSpPr>
+        <p:spPr/>
+        <p:txBody>
+          <a:bodyPr/>
+          <a:lstStyle/>
+          <a:p>
+            <a:endParaRPr lang="sv-SE"/>
+          </a:p>
+        </p:txBody>
+      </p:sp>
+      <p:sp>
+        <p:nvSpPr>
+          <p:cNvPr id="7" name="Slide Number Placeholder 6"/>
+          <p:cNvSpPr>
+            <a:spLocks noGrp="1"/>
+          </p:cNvSpPr>
+          <p:nvPr>
+            <p:ph type="sldNum" sz="quarter" idx="12"/>
+          </p:nvPr>
+        </p:nvSpPr>
+        <p:spPr/>
+        <p:txBody>
+          <a:bodyPr/>
+          <a:lstStyle/>
+          <a:p>
+            <a:fld id="{649D9218-7159-47E3-84A4-CBF20703587B}" type="slidenum">
+              <a:rPr lang="sv-SE" smtClean="0"/>
+              <a:t>‹#›</a:t>
+            </a:fld>
+            <a:endParaRPr lang="sv-SE"/>
+          </a:p>
+        </p:txBody>
+      </p:sp>
+      <p:cxnSp>
+        <p:nvCxnSpPr>
+          <p:cNvPr id="16" name="Straight Connector 15"/>
+          <p:cNvCxnSpPr/>
+          <p:nvPr/>
+        </p:nvCxnSpPr>
+        <p:spPr>
+          <a:xfrm>
+            <a:off x="1396169" y="2912533"/>
+            <a:ext cx="3514498" cy="0"/>
+          </a:xfrm>
+          <a:prstGeom prst="line">
+            <a:avLst/>
+          </a:prstGeom>
+          <a:ln w="15875"/>
+        </p:spPr>
+        <p:style>
+          <a:lnRef idx="2">
+            <a:schemeClr val="accent1"/>
+          </a:lnRef>
+          <a:fillRef idx="0">
+            <a:schemeClr val="accent1"/>
+          </a:fillRef>
+          <a:effectRef idx="1">
+            <a:schemeClr val="accent1"/>
+          </a:effectRef>
+          <a:fontRef idx="minor">
+            <a:schemeClr val="tx1"/>
+          </a:fontRef>
+        </p:style>
+      </p:cxnSp>
+    </p:spTree>
+    <p:extLst>
+      <p:ext uri="{BB962C8B-B14F-4D97-AF65-F5344CB8AC3E}">
+        <p14:creationId xmlns:p14="http://schemas.microsoft.com/office/powerpoint/2010/main" val="4166630332"/>
+      </p:ext>
+    </p:extLst>
+  </p:cSld>
+  <p:clrMapOvr>
+    <a:masterClrMapping/>
+  </p:clrMapOvr>
+</p:sldLayout>
+</file>
+
+<file path=ppt/slideLayouts/slideLayout31.xml><?xml version="1.0" encoding="utf-8"?>
+<p:sldLayout xmlns:a="http://schemas.openxmlformats.org/drawingml/2006/main" xmlns:r="http://schemas.openxmlformats.org/officeDocument/2006/relationships" xmlns:p="http://schemas.openxmlformats.org/presentationml/2006/main" type="picTx" preserve="1">
+  <p:cSld name="Bild med bildtext">
+    <p:spTree>
+      <p:nvGrpSpPr>
+        <p:cNvPr id="1" name=""/>
+        <p:cNvGrpSpPr/>
+        <p:nvPr/>
+      </p:nvGrpSpPr>
+      <p:grpSpPr>
+        <a:xfrm>
+          <a:off x="0" y="0"/>
+          <a:ext cx="0" cy="0"/>
+          <a:chOff x="0" y="0"/>
+          <a:chExt cx="0" cy="0"/>
+        </a:xfrm>
+      </p:grpSpPr>
+      <p:sp>
+        <p:nvSpPr>
+          <p:cNvPr id="2" name="Title 1"/>
+          <p:cNvSpPr>
+            <a:spLocks noGrp="1"/>
+          </p:cNvSpPr>
+          <p:nvPr>
+            <p:ph type="title"/>
+          </p:nvPr>
+        </p:nvSpPr>
+        <p:spPr>
+          <a:xfrm>
+            <a:off x="1295399" y="1883832"/>
+            <a:ext cx="6241816" cy="1371600"/>
+          </a:xfrm>
+        </p:spPr>
+        <p:txBody>
+          <a:bodyPr anchor="b">
+            <a:normAutofit/>
+          </a:bodyPr>
+          <a:lstStyle>
+            <a:lvl1pPr algn="ctr">
+              <a:defRPr sz="2800" b="0"/>
+            </a:lvl1pPr>
+          </a:lstStyle>
+          <a:p>
+            <a:r>
+              <a:rPr lang="sv-SE" smtClean="0"/>
+              <a:t>Klicka här för att ändra format</a:t>
+            </a:r>
+            <a:endParaRPr lang="en-US" dirty="0"/>
+          </a:p>
+        </p:txBody>
+      </p:sp>
+      <p:sp>
+        <p:nvSpPr>
+          <p:cNvPr id="17" name="Picture Placeholder 2"/>
+          <p:cNvSpPr>
+            <a:spLocks noGrp="1" noChangeAspect="1"/>
+          </p:cNvSpPr>
+          <p:nvPr>
+            <p:ph type="pic" idx="1"/>
+          </p:nvPr>
+        </p:nvSpPr>
+        <p:spPr>
+          <a:xfrm>
+            <a:off x="8094831" y="1041400"/>
+            <a:ext cx="3063347" cy="4775200"/>
+          </a:xfrm>
+          <a:prstGeom prst="roundRect">
+            <a:avLst>
+              <a:gd name="adj" fmla="val 0"/>
+            </a:avLst>
+          </a:prstGeom>
+          <a:ln w="57150" cmpd="thickThin">
+            <a:solidFill>
+              <a:schemeClr val="tx1">
+                <a:lumMod val="50000"/>
+                <a:lumOff val="50000"/>
+              </a:schemeClr>
+            </a:solidFill>
+            <a:miter lim="800000"/>
+          </a:ln>
+          <a:effectLst>
+            <a:innerShdw blurRad="57150" dist="38100" dir="14460000">
+              <a:srgbClr val="000000">
+                <a:alpha val="70000"/>
+              </a:srgbClr>
+            </a:innerShdw>
+          </a:effectLst>
+        </p:spPr>
+        <p:txBody>
+          <a:bodyPr anchor="t">
+            <a:normAutofit/>
+          </a:bodyPr>
+          <a:lstStyle>
+            <a:lvl1pPr marL="0" indent="0" algn="ctr">
+              <a:buNone/>
+              <a:defRPr sz="1600"/>
+            </a:lvl1pPr>
+            <a:lvl2pPr marL="457200" indent="0">
+              <a:buNone/>
+              <a:defRPr sz="1600"/>
+            </a:lvl2pPr>
+            <a:lvl3pPr marL="914400" indent="0">
+              <a:buNone/>
+              <a:defRPr sz="1600"/>
+            </a:lvl3pPr>
+            <a:lvl4pPr marL="1371600" indent="0">
+              <a:buNone/>
+              <a:defRPr sz="1600"/>
+            </a:lvl4pPr>
+            <a:lvl5pPr marL="1828800" indent="0">
+              <a:buNone/>
+              <a:defRPr sz="1600"/>
+            </a:lvl5pPr>
+            <a:lvl6pPr marL="2286000" indent="0">
+              <a:buNone/>
+              <a:defRPr sz="1600"/>
+            </a:lvl6pPr>
+            <a:lvl7pPr marL="2743200" indent="0">
+              <a:buNone/>
+              <a:defRPr sz="1600"/>
+            </a:lvl7pPr>
+            <a:lvl8pPr marL="3200400" indent="0">
+              <a:buNone/>
+              <a:defRPr sz="1600"/>
+            </a:lvl8pPr>
+            <a:lvl9pPr marL="3657600" indent="0">
+              <a:buNone/>
+              <a:defRPr sz="1600"/>
+            </a:lvl9pPr>
+          </a:lstStyle>
+          <a:p>
+            <a:r>
+              <a:rPr lang="sv-SE" smtClean="0"/>
+              <a:t>Klicka på ikonen för att lägga till en bild</a:t>
+            </a:r>
+            <a:endParaRPr lang="en-US" dirty="0"/>
+          </a:p>
+        </p:txBody>
+      </p:sp>
+      <p:sp>
+        <p:nvSpPr>
+          <p:cNvPr id="4" name="Text Placeholder 3"/>
+          <p:cNvSpPr>
+            <a:spLocks noGrp="1"/>
+          </p:cNvSpPr>
+          <p:nvPr>
+            <p:ph type="body" sz="half" idx="2"/>
+          </p:nvPr>
+        </p:nvSpPr>
+        <p:spPr>
+          <a:xfrm>
+            <a:off x="1295399" y="3255432"/>
+            <a:ext cx="6241816" cy="1828800"/>
+          </a:xfrm>
+        </p:spPr>
+        <p:txBody>
+          <a:bodyPr anchor="t">
+            <a:normAutofit/>
+          </a:bodyPr>
+          <a:lstStyle>
+            <a:lvl1pPr marL="0" indent="0" algn="ctr">
+              <a:buNone/>
+              <a:defRPr sz="1800"/>
+            </a:lvl1pPr>
+            <a:lvl2pPr marL="457200" indent="0">
+              <a:buNone/>
+              <a:defRPr sz="1200"/>
+            </a:lvl2pPr>
+            <a:lvl3pPr marL="914400" indent="0">
+              <a:buNone/>
+              <a:defRPr sz="1000"/>
+            </a:lvl3pPr>
+            <a:lvl4pPr marL="1371600" indent="0">
+              <a:buNone/>
+              <a:defRPr sz="900"/>
+            </a:lvl4pPr>
+            <a:lvl5pPr marL="1828800" indent="0">
+              <a:buNone/>
+              <a:defRPr sz="900"/>
+            </a:lvl5pPr>
+            <a:lvl6pPr marL="2286000" indent="0">
+              <a:buNone/>
+              <a:defRPr sz="900"/>
+            </a:lvl6pPr>
+            <a:lvl7pPr marL="2743200" indent="0">
+              <a:buNone/>
+              <a:defRPr sz="900"/>
+            </a:lvl7pPr>
+            <a:lvl8pPr marL="3200400" indent="0">
+              <a:buNone/>
+              <a:defRPr sz="900"/>
+            </a:lvl8pPr>
+            <a:lvl9pPr marL="3657600" indent="0">
+              <a:buNone/>
+              <a:defRPr sz="900"/>
+            </a:lvl9pPr>
+          </a:lstStyle>
+          <a:p>
+            <a:pPr lvl="0"/>
+            <a:r>
+              <a:rPr lang="sv-SE" smtClean="0"/>
+              <a:t>Klicka här för att ändra format på bakgrundstexten</a:t>
+            </a:r>
+          </a:p>
+        </p:txBody>
+      </p:sp>
+      <p:sp>
+        <p:nvSpPr>
+          <p:cNvPr id="5" name="Date Placeholder 4"/>
+          <p:cNvSpPr>
+            <a:spLocks noGrp="1"/>
+          </p:cNvSpPr>
+          <p:nvPr>
+            <p:ph type="dt" sz="half" idx="10"/>
+          </p:nvPr>
+        </p:nvSpPr>
+        <p:spPr/>
+        <p:txBody>
+          <a:bodyPr/>
+          <a:lstStyle/>
+          <a:p>
+            <a:fld id="{B22F029A-C8A8-405B-BFC7-FDD186554002}" type="datetimeFigureOut">
+              <a:rPr lang="sv-SE" smtClean="0"/>
+              <a:t>2016-02-28</a:t>
+            </a:fld>
+            <a:endParaRPr lang="sv-SE"/>
+          </a:p>
+        </p:txBody>
+      </p:sp>
+      <p:sp>
+        <p:nvSpPr>
+          <p:cNvPr id="6" name="Footer Placeholder 5"/>
+          <p:cNvSpPr>
+            <a:spLocks noGrp="1"/>
+          </p:cNvSpPr>
+          <p:nvPr>
+            <p:ph type="ftr" sz="quarter" idx="11"/>
+          </p:nvPr>
+        </p:nvSpPr>
+        <p:spPr/>
+        <p:txBody>
+          <a:bodyPr/>
+          <a:lstStyle/>
+          <a:p>
+            <a:endParaRPr lang="sv-SE"/>
+          </a:p>
+        </p:txBody>
+      </p:sp>
+      <p:sp>
+        <p:nvSpPr>
+          <p:cNvPr id="7" name="Slide Number Placeholder 6"/>
+          <p:cNvSpPr>
+            <a:spLocks noGrp="1"/>
+          </p:cNvSpPr>
+          <p:nvPr>
+            <p:ph type="sldNum" sz="quarter" idx="12"/>
+          </p:nvPr>
+        </p:nvSpPr>
+        <p:spPr/>
+        <p:txBody>
+          <a:bodyPr/>
+          <a:lstStyle/>
+          <a:p>
+            <a:fld id="{649D9218-7159-47E3-84A4-CBF20703587B}" type="slidenum">
+              <a:rPr lang="sv-SE" smtClean="0"/>
+              <a:t>‹#›</a:t>
+            </a:fld>
+            <a:endParaRPr lang="sv-SE"/>
+          </a:p>
+        </p:txBody>
+      </p:sp>
+    </p:spTree>
+    <p:extLst>
+      <p:ext uri="{BB962C8B-B14F-4D97-AF65-F5344CB8AC3E}">
+        <p14:creationId xmlns:p14="http://schemas.microsoft.com/office/powerpoint/2010/main" val="1495041877"/>
+      </p:ext>
+    </p:extLst>
+  </p:cSld>
+  <p:clrMapOvr>
+    <a:masterClrMapping/>
+  </p:clrMapOvr>
+</p:sldLayout>
+</file>
+
+<file path=ppt/slideLayouts/slideLayout32.xml><?xml version="1.0" encoding="utf-8"?>
+<p:sldLayout xmlns:a="http://schemas.openxmlformats.org/drawingml/2006/main" xmlns:r="http://schemas.openxmlformats.org/officeDocument/2006/relationships" xmlns:p="http://schemas.openxmlformats.org/presentationml/2006/main" preserve="1">
+  <p:cSld name="Panoramabild med bildtext">
+    <p:spTree>
+      <p:nvGrpSpPr>
+        <p:cNvPr id="1" name=""/>
+        <p:cNvGrpSpPr/>
+        <p:nvPr/>
+      </p:nvGrpSpPr>
+      <p:grpSpPr>
+        <a:xfrm>
+          <a:off x="0" y="0"/>
+          <a:ext cx="0" cy="0"/>
+          <a:chOff x="0" y="0"/>
+          <a:chExt cx="0" cy="0"/>
+        </a:xfrm>
+      </p:grpSpPr>
+      <p:sp>
+        <p:nvSpPr>
+          <p:cNvPr id="2" name="Title 1"/>
+          <p:cNvSpPr>
+            <a:spLocks noGrp="1"/>
+          </p:cNvSpPr>
+          <p:nvPr>
+            <p:ph type="title"/>
+          </p:nvPr>
+        </p:nvSpPr>
+        <p:spPr>
+          <a:xfrm>
+            <a:off x="1295401" y="4815415"/>
+            <a:ext cx="9609666" cy="566738"/>
+          </a:xfrm>
+        </p:spPr>
+        <p:txBody>
+          <a:bodyPr anchor="b">
+            <a:normAutofit/>
+          </a:bodyPr>
+          <a:lstStyle>
+            <a:lvl1pPr algn="ctr">
+              <a:defRPr sz="2400" b="0"/>
+            </a:lvl1pPr>
+          </a:lstStyle>
+          <a:p>
+            <a:r>
+              <a:rPr lang="sv-SE" smtClean="0"/>
+              <a:t>Klicka här för att ändra format</a:t>
+            </a:r>
+            <a:endParaRPr lang="en-US" dirty="0"/>
+          </a:p>
+        </p:txBody>
+      </p:sp>
+      <p:sp>
+        <p:nvSpPr>
+          <p:cNvPr id="3" name="Picture Placeholder 2"/>
+          <p:cNvSpPr>
+            <a:spLocks noGrp="1" noChangeAspect="1"/>
+          </p:cNvSpPr>
+          <p:nvPr>
+            <p:ph type="pic" idx="1"/>
+          </p:nvPr>
+        </p:nvSpPr>
+        <p:spPr>
+          <a:xfrm>
+            <a:off x="1041427" y="1041399"/>
+            <a:ext cx="10105972" cy="3335869"/>
+          </a:xfrm>
+          <a:prstGeom prst="roundRect">
+            <a:avLst>
+              <a:gd name="adj" fmla="val 0"/>
+            </a:avLst>
+          </a:prstGeom>
+          <a:ln w="57150" cmpd="thickThin">
+            <a:solidFill>
+              <a:schemeClr val="tx1">
+                <a:lumMod val="50000"/>
+                <a:lumOff val="50000"/>
+              </a:schemeClr>
+            </a:solidFill>
+            <a:miter lim="800000"/>
+          </a:ln>
+          <a:effectLst>
+            <a:innerShdw blurRad="57150" dist="38100" dir="14460000">
+              <a:srgbClr val="000000">
+                <a:alpha val="70000"/>
+              </a:srgbClr>
+            </a:innerShdw>
+          </a:effectLst>
+        </p:spPr>
+        <p:txBody>
+          <a:bodyPr anchor="t">
+            <a:normAutofit/>
+          </a:bodyPr>
+          <a:lstStyle>
+            <a:lvl1pPr marL="0" indent="0" algn="ctr">
+              <a:buNone/>
+              <a:defRPr sz="1600"/>
+            </a:lvl1pPr>
+            <a:lvl2pPr marL="457200" indent="0">
+              <a:buNone/>
+              <a:defRPr sz="1600"/>
+            </a:lvl2pPr>
+            <a:lvl3pPr marL="914400" indent="0">
+              <a:buNone/>
+              <a:defRPr sz="1600"/>
+            </a:lvl3pPr>
+            <a:lvl4pPr marL="1371600" indent="0">
+              <a:buNone/>
+              <a:defRPr sz="1600"/>
+            </a:lvl4pPr>
+            <a:lvl5pPr marL="1828800" indent="0">
+              <a:buNone/>
+              <a:defRPr sz="1600"/>
+            </a:lvl5pPr>
+            <a:lvl6pPr marL="2286000" indent="0">
+              <a:buNone/>
+              <a:defRPr sz="1600"/>
+            </a:lvl6pPr>
+            <a:lvl7pPr marL="2743200" indent="0">
+              <a:buNone/>
+              <a:defRPr sz="1600"/>
+            </a:lvl7pPr>
+            <a:lvl8pPr marL="3200400" indent="0">
+              <a:buNone/>
+              <a:defRPr sz="1600"/>
+            </a:lvl8pPr>
+            <a:lvl9pPr marL="3657600" indent="0">
+              <a:buNone/>
+              <a:defRPr sz="1600"/>
+            </a:lvl9pPr>
+          </a:lstStyle>
+          <a:p>
+            <a:r>
+              <a:rPr lang="sv-SE" smtClean="0"/>
+              <a:t>Klicka på ikonen för att lägga till en bild</a:t>
+            </a:r>
+            <a:endParaRPr lang="en-US" dirty="0"/>
+          </a:p>
+        </p:txBody>
+      </p:sp>
+      <p:sp>
+        <p:nvSpPr>
+          <p:cNvPr id="4" name="Text Placeholder 3"/>
+          <p:cNvSpPr>
+            <a:spLocks noGrp="1"/>
+          </p:cNvSpPr>
+          <p:nvPr>
+            <p:ph type="body" sz="half" idx="2"/>
+          </p:nvPr>
+        </p:nvSpPr>
+        <p:spPr>
+          <a:xfrm>
+            <a:off x="1295401" y="5382153"/>
+            <a:ext cx="9609666" cy="493712"/>
+          </a:xfrm>
+        </p:spPr>
+        <p:txBody>
+          <a:bodyPr>
+            <a:normAutofit/>
+          </a:bodyPr>
+          <a:lstStyle>
+            <a:lvl1pPr marL="0" indent="0" algn="ctr">
+              <a:buNone/>
+              <a:defRPr sz="1400"/>
+            </a:lvl1pPr>
+            <a:lvl2pPr marL="457200" indent="0">
+              <a:buNone/>
+              <a:defRPr sz="1200"/>
+            </a:lvl2pPr>
+            <a:lvl3pPr marL="914400" indent="0">
+              <a:buNone/>
+              <a:defRPr sz="1000"/>
+            </a:lvl3pPr>
+            <a:lvl4pPr marL="1371600" indent="0">
+              <a:buNone/>
+              <a:defRPr sz="900"/>
+            </a:lvl4pPr>
+            <a:lvl5pPr marL="1828800" indent="0">
+              <a:buNone/>
+              <a:defRPr sz="900"/>
+            </a:lvl5pPr>
+            <a:lvl6pPr marL="2286000" indent="0">
+              <a:buNone/>
+              <a:defRPr sz="900"/>
+            </a:lvl6pPr>
+            <a:lvl7pPr marL="2743200" indent="0">
+              <a:buNone/>
+              <a:defRPr sz="900"/>
+            </a:lvl7pPr>
+            <a:lvl8pPr marL="3200400" indent="0">
+              <a:buNone/>
+              <a:defRPr sz="900"/>
+            </a:lvl8pPr>
+            <a:lvl9pPr marL="3657600" indent="0">
+              <a:buNone/>
+              <a:defRPr sz="900"/>
+            </a:lvl9pPr>
+          </a:lstStyle>
+          <a:p>
+            <a:pPr lvl="0"/>
+            <a:r>
+              <a:rPr lang="sv-SE" smtClean="0"/>
+              <a:t>Klicka här för att ändra format på bakgrundstexten</a:t>
+            </a:r>
+          </a:p>
+        </p:txBody>
+      </p:sp>
+      <p:sp>
+        <p:nvSpPr>
+          <p:cNvPr id="5" name="Date Placeholder 4"/>
+          <p:cNvSpPr>
+            <a:spLocks noGrp="1"/>
+          </p:cNvSpPr>
+          <p:nvPr>
+            <p:ph type="dt" sz="half" idx="10"/>
+          </p:nvPr>
+        </p:nvSpPr>
+        <p:spPr/>
+        <p:txBody>
+          <a:bodyPr/>
+          <a:lstStyle/>
+          <a:p>
+            <a:fld id="{B22F029A-C8A8-405B-BFC7-FDD186554002}" type="datetimeFigureOut">
+              <a:rPr lang="sv-SE" smtClean="0"/>
+              <a:t>2016-02-28</a:t>
+            </a:fld>
+            <a:endParaRPr lang="sv-SE"/>
+          </a:p>
+        </p:txBody>
+      </p:sp>
+      <p:sp>
+        <p:nvSpPr>
+          <p:cNvPr id="6" name="Footer Placeholder 5"/>
+          <p:cNvSpPr>
+            <a:spLocks noGrp="1"/>
+          </p:cNvSpPr>
+          <p:nvPr>
+            <p:ph type="ftr" sz="quarter" idx="11"/>
+          </p:nvPr>
+        </p:nvSpPr>
+        <p:spPr/>
+        <p:txBody>
+          <a:bodyPr/>
+          <a:lstStyle/>
+          <a:p>
+            <a:endParaRPr lang="sv-SE"/>
+          </a:p>
+        </p:txBody>
+      </p:sp>
+      <p:sp>
+        <p:nvSpPr>
+          <p:cNvPr id="7" name="Slide Number Placeholder 6"/>
+          <p:cNvSpPr>
+            <a:spLocks noGrp="1"/>
+          </p:cNvSpPr>
+          <p:nvPr>
+            <p:ph type="sldNum" sz="quarter" idx="12"/>
+          </p:nvPr>
+        </p:nvSpPr>
+        <p:spPr/>
+        <p:txBody>
+          <a:bodyPr/>
+          <a:lstStyle/>
+          <a:p>
+            <a:fld id="{649D9218-7159-47E3-84A4-CBF20703587B}" type="slidenum">
+              <a:rPr lang="sv-SE" smtClean="0"/>
+              <a:t>‹#›</a:t>
+            </a:fld>
+            <a:endParaRPr lang="sv-SE"/>
+          </a:p>
+        </p:txBody>
+      </p:sp>
+    </p:spTree>
+    <p:extLst>
+      <p:ext uri="{BB962C8B-B14F-4D97-AF65-F5344CB8AC3E}">
+        <p14:creationId xmlns:p14="http://schemas.microsoft.com/office/powerpoint/2010/main" val="897680737"/>
+      </p:ext>
+    </p:extLst>
+  </p:cSld>
+  <p:clrMapOvr>
+    <a:masterClrMapping/>
+  </p:clrMapOvr>
+</p:sldLayout>
+</file>
+
+<file path=ppt/slideLayouts/slideLayout33.xml><?xml version="1.0" encoding="utf-8"?>
+<p:sldLayout xmlns:a="http://schemas.openxmlformats.org/drawingml/2006/main" xmlns:r="http://schemas.openxmlformats.org/officeDocument/2006/relationships" xmlns:p="http://schemas.openxmlformats.org/presentationml/2006/main" preserve="1">
+  <p:cSld name="Titel och bildtext">
+    <p:spTree>
+      <p:nvGrpSpPr>
+        <p:cNvPr id="1" name=""/>
+        <p:cNvGrpSpPr/>
+        <p:nvPr/>
+      </p:nvGrpSpPr>
+      <p:grpSpPr>
+        <a:xfrm>
+          <a:off x="0" y="0"/>
+          <a:ext cx="0" cy="0"/>
+          <a:chOff x="0" y="0"/>
+          <a:chExt cx="0" cy="0"/>
+        </a:xfrm>
+      </p:grpSpPr>
+      <p:sp>
+        <p:nvSpPr>
+          <p:cNvPr id="2" name="Title 1"/>
+          <p:cNvSpPr>
+            <a:spLocks noGrp="1"/>
+          </p:cNvSpPr>
+          <p:nvPr>
+            <p:ph type="title"/>
+          </p:nvPr>
+        </p:nvSpPr>
+        <p:spPr>
+          <a:xfrm>
+            <a:off x="1303868" y="982132"/>
+            <a:ext cx="9592732" cy="2954868"/>
+          </a:xfrm>
+        </p:spPr>
+        <p:txBody>
+          <a:bodyPr anchor="ctr">
+            <a:normAutofit/>
+          </a:bodyPr>
+          <a:lstStyle>
+            <a:lvl1pPr algn="ctr">
+              <a:defRPr sz="3200" b="0" cap="none"/>
+            </a:lvl1pPr>
+          </a:lstStyle>
+          <a:p>
+            <a:r>
+              <a:rPr lang="sv-SE" smtClean="0"/>
+              <a:t>Klicka här för att ändra format</a:t>
+            </a:r>
+            <a:endParaRPr lang="en-US" dirty="0"/>
+          </a:p>
+        </p:txBody>
+      </p:sp>
+      <p:sp>
+        <p:nvSpPr>
+          <p:cNvPr id="3" name="Text Placeholder 2"/>
+          <p:cNvSpPr>
+            <a:spLocks noGrp="1"/>
+          </p:cNvSpPr>
+          <p:nvPr>
+            <p:ph type="body" idx="1"/>
+          </p:nvPr>
+        </p:nvSpPr>
+        <p:spPr>
+          <a:xfrm>
+            <a:off x="1303868" y="4343399"/>
+            <a:ext cx="9592732" cy="1532467"/>
+          </a:xfrm>
+        </p:spPr>
+        <p:txBody>
+          <a:bodyPr anchor="ctr">
+            <a:normAutofit/>
+          </a:bodyPr>
+          <a:lstStyle>
+            <a:lvl1pPr marL="0" indent="0" algn="ctr">
+              <a:buNone/>
+              <a:defRPr sz="2000">
+                <a:solidFill>
+                  <a:schemeClr val="tx1"/>
+                </a:solidFill>
+              </a:defRPr>
+            </a:lvl1pPr>
+            <a:lvl2pPr marL="457200" indent="0">
+              <a:buNone/>
+              <a:defRPr sz="1800">
+                <a:solidFill>
+                  <a:schemeClr val="tx1">
+                    <a:tint val="75000"/>
+                  </a:schemeClr>
+                </a:solidFill>
+              </a:defRPr>
+            </a:lvl2pPr>
+            <a:lvl3pPr marL="914400" indent="0">
+              <a:buNone/>
+              <a:defRPr sz="1600">
+                <a:solidFill>
+                  <a:schemeClr val="tx1">
+                    <a:tint val="75000"/>
+                  </a:schemeClr>
+                </a:solidFill>
+              </a:defRPr>
+            </a:lvl3pPr>
+            <a:lvl4pPr marL="1371600" indent="0">
+              <a:buNone/>
+              <a:defRPr sz="1400">
+                <a:solidFill>
+                  <a:schemeClr val="tx1">
+                    <a:tint val="75000"/>
+                  </a:schemeClr>
+                </a:solidFill>
+              </a:defRPr>
+            </a:lvl4pPr>
+            <a:lvl5pPr marL="1828800" indent="0">
+              <a:buNone/>
+              <a:defRPr sz="1400">
+                <a:solidFill>
+                  <a:schemeClr val="tx1">
+                    <a:tint val="75000"/>
+                  </a:schemeClr>
+                </a:solidFill>
+              </a:defRPr>
+            </a:lvl5pPr>
+            <a:lvl6pPr marL="2286000" indent="0">
+              <a:buNone/>
+              <a:defRPr sz="1400">
+                <a:solidFill>
+                  <a:schemeClr val="tx1">
+                    <a:tint val="75000"/>
+                  </a:schemeClr>
+                </a:solidFill>
+              </a:defRPr>
+            </a:lvl6pPr>
+            <a:lvl7pPr marL="2743200" indent="0">
+              <a:buNone/>
+              <a:defRPr sz="1400">
+                <a:solidFill>
+                  <a:schemeClr val="tx1">
+                    <a:tint val="75000"/>
+                  </a:schemeClr>
+                </a:solidFill>
+              </a:defRPr>
+            </a:lvl7pPr>
+            <a:lvl8pPr marL="3200400" indent="0">
+              <a:buNone/>
+              <a:defRPr sz="1400">
+                <a:solidFill>
+                  <a:schemeClr val="tx1">
+                    <a:tint val="75000"/>
+                  </a:schemeClr>
+                </a:solidFill>
+              </a:defRPr>
+            </a:lvl8pPr>
+            <a:lvl9pPr marL="3657600" indent="0">
+              <a:buNone/>
+              <a:defRPr sz="1400">
+                <a:solidFill>
+                  <a:schemeClr val="tx1">
+                    <a:tint val="75000"/>
+                  </a:schemeClr>
+                </a:solidFill>
+              </a:defRPr>
+            </a:lvl9pPr>
+          </a:lstStyle>
+          <a:p>
+            <a:pPr lvl="0"/>
+            <a:r>
+              <a:rPr lang="sv-SE" smtClean="0"/>
+              <a:t>Klicka här för att ändra format på bakgrundstexten</a:t>
+            </a:r>
+          </a:p>
+        </p:txBody>
+      </p:sp>
+      <p:sp>
+        <p:nvSpPr>
+          <p:cNvPr id="4" name="Date Placeholder 3"/>
+          <p:cNvSpPr>
+            <a:spLocks noGrp="1"/>
+          </p:cNvSpPr>
+          <p:nvPr>
+            <p:ph type="dt" sz="half" idx="10"/>
+          </p:nvPr>
+        </p:nvSpPr>
+        <p:spPr/>
+        <p:txBody>
+          <a:bodyPr/>
+          <a:lstStyle/>
+          <a:p>
+            <a:fld id="{B22F029A-C8A8-405B-BFC7-FDD186554002}" type="datetimeFigureOut">
+              <a:rPr lang="sv-SE" smtClean="0"/>
+              <a:t>2016-02-28</a:t>
+            </a:fld>
+            <a:endParaRPr lang="sv-SE"/>
+          </a:p>
+        </p:txBody>
+      </p:sp>
+      <p:sp>
+        <p:nvSpPr>
+          <p:cNvPr id="5" name="Footer Placeholder 4"/>
+          <p:cNvSpPr>
+            <a:spLocks noGrp="1"/>
+          </p:cNvSpPr>
+          <p:nvPr>
+            <p:ph type="ftr" sz="quarter" idx="11"/>
+          </p:nvPr>
+        </p:nvSpPr>
+        <p:spPr/>
+        <p:txBody>
+          <a:bodyPr/>
+          <a:lstStyle/>
+          <a:p>
+            <a:endParaRPr lang="sv-SE"/>
+          </a:p>
+        </p:txBody>
+      </p:sp>
+      <p:sp>
+        <p:nvSpPr>
+          <p:cNvPr id="6" name="Slide Number Placeholder 5"/>
+          <p:cNvSpPr>
+            <a:spLocks noGrp="1"/>
+          </p:cNvSpPr>
+          <p:nvPr>
+            <p:ph type="sldNum" sz="quarter" idx="12"/>
+          </p:nvPr>
+        </p:nvSpPr>
+        <p:spPr/>
+        <p:txBody>
+          <a:bodyPr/>
+          <a:lstStyle/>
+          <a:p>
+            <a:fld id="{649D9218-7159-47E3-84A4-CBF20703587B}" type="slidenum">
+              <a:rPr lang="sv-SE" smtClean="0"/>
+              <a:t>‹#›</a:t>
+            </a:fld>
+            <a:endParaRPr lang="sv-SE"/>
+          </a:p>
+        </p:txBody>
+      </p:sp>
+      <p:cxnSp>
+        <p:nvCxnSpPr>
+          <p:cNvPr id="15" name="Straight Connector 14"/>
+          <p:cNvCxnSpPr/>
+          <p:nvPr/>
+        </p:nvCxnSpPr>
+        <p:spPr>
+          <a:xfrm>
+            <a:off x="1396169" y="4140199"/>
+            <a:ext cx="9407298" cy="0"/>
+          </a:xfrm>
+          <a:prstGeom prst="line">
+            <a:avLst/>
+          </a:prstGeom>
+          <a:ln w="15875"/>
+        </p:spPr>
+        <p:style>
+          <a:lnRef idx="2">
+            <a:schemeClr val="accent1"/>
+          </a:lnRef>
+          <a:fillRef idx="0">
+            <a:schemeClr val="accent1"/>
+          </a:fillRef>
+          <a:effectRef idx="1">
+            <a:schemeClr val="accent1"/>
+          </a:effectRef>
+          <a:fontRef idx="minor">
+            <a:schemeClr val="tx1"/>
+          </a:fontRef>
+        </p:style>
+      </p:cxnSp>
+    </p:spTree>
+    <p:extLst>
+      <p:ext uri="{BB962C8B-B14F-4D97-AF65-F5344CB8AC3E}">
+        <p14:creationId xmlns:p14="http://schemas.microsoft.com/office/powerpoint/2010/main" val="773392376"/>
+      </p:ext>
+    </p:extLst>
+  </p:cSld>
+  <p:clrMapOvr>
+    <a:masterClrMapping/>
+  </p:clrMapOvr>
+</p:sldLayout>
+</file>
+
+<file path=ppt/slideLayouts/slideLayout34.xml><?xml version="1.0" encoding="utf-8"?>
+<p:sldLayout xmlns:a="http://schemas.openxmlformats.org/drawingml/2006/main" xmlns:r="http://schemas.openxmlformats.org/officeDocument/2006/relationships" xmlns:p="http://schemas.openxmlformats.org/presentationml/2006/main" preserve="1">
+  <p:cSld name="Citat med beskrivning">
+    <p:spTree>
+      <p:nvGrpSpPr>
+        <p:cNvPr id="1" name=""/>
+        <p:cNvGrpSpPr/>
+        <p:nvPr/>
+      </p:nvGrpSpPr>
+      <p:grpSpPr>
+        <a:xfrm>
+          <a:off x="0" y="0"/>
+          <a:ext cx="0" cy="0"/>
+          <a:chOff x="0" y="0"/>
+          <a:chExt cx="0" cy="0"/>
+        </a:xfrm>
+      </p:grpSpPr>
+      <p:sp>
+        <p:nvSpPr>
+          <p:cNvPr id="2" name="Title 1"/>
+          <p:cNvSpPr>
+            <a:spLocks noGrp="1"/>
+          </p:cNvSpPr>
+          <p:nvPr>
+            <p:ph type="title"/>
+          </p:nvPr>
+        </p:nvSpPr>
+        <p:spPr>
+          <a:xfrm>
+            <a:off x="1446213" y="982132"/>
+            <a:ext cx="9296398" cy="2370668"/>
+          </a:xfrm>
+        </p:spPr>
+        <p:txBody>
+          <a:bodyPr anchor="ctr">
+            <a:normAutofit/>
+          </a:bodyPr>
+          <a:lstStyle>
+            <a:lvl1pPr algn="ctr">
+              <a:defRPr sz="3200" b="0" cap="none">
+                <a:solidFill>
+                  <a:schemeClr val="tx1"/>
+                </a:solidFill>
+              </a:defRPr>
+            </a:lvl1pPr>
+          </a:lstStyle>
+          <a:p>
+            <a:r>
+              <a:rPr lang="sv-SE" smtClean="0"/>
+              <a:t>Klicka här för att ändra format</a:t>
+            </a:r>
+            <a:endParaRPr lang="en-US" dirty="0"/>
+          </a:p>
+        </p:txBody>
+      </p:sp>
+      <p:sp>
+        <p:nvSpPr>
+          <p:cNvPr id="10" name="Text Placeholder 9"/>
+          <p:cNvSpPr>
+            <a:spLocks noGrp="1"/>
+          </p:cNvSpPr>
+          <p:nvPr>
+            <p:ph type="body" sz="quarter" idx="13"/>
+          </p:nvPr>
+        </p:nvSpPr>
+        <p:spPr>
+          <a:xfrm>
+            <a:off x="1674812" y="3352800"/>
+            <a:ext cx="8839202" cy="584200"/>
+          </a:xfrm>
+        </p:spPr>
+        <p:txBody>
+          <a:bodyPr anchor="ctr">
+            <a:normAutofit/>
+          </a:bodyPr>
+          <a:lstStyle>
+            <a:lvl1pPr marL="0" indent="0" algn="r">
+              <a:buFontTx/>
+              <a:buNone/>
+              <a:defRPr sz="2000"/>
+            </a:lvl1pPr>
+            <a:lvl2pPr marL="457200" indent="0">
+              <a:buFontTx/>
+              <a:buNone/>
+              <a:defRPr/>
+            </a:lvl2pPr>
+            <a:lvl3pPr marL="914400" indent="0">
+              <a:buFontTx/>
+              <a:buNone/>
+              <a:defRPr/>
+            </a:lvl3pPr>
+            <a:lvl4pPr marL="1371600" indent="0">
+              <a:buFontTx/>
+              <a:buNone/>
+              <a:defRPr/>
+            </a:lvl4pPr>
+            <a:lvl5pPr marL="1828800" indent="0">
+              <a:buFontTx/>
+              <a:buNone/>
+              <a:defRPr/>
+            </a:lvl5pPr>
+          </a:lstStyle>
+          <a:p>
+            <a:pPr lvl="0"/>
+            <a:r>
+              <a:rPr lang="sv-SE" smtClean="0"/>
+              <a:t>Klicka här för att ändra format på bakgrundstexten</a:t>
+            </a:r>
+          </a:p>
+        </p:txBody>
+      </p:sp>
+      <p:sp>
+        <p:nvSpPr>
+          <p:cNvPr id="3" name="Text Placeholder 2"/>
+          <p:cNvSpPr>
+            <a:spLocks noGrp="1"/>
+          </p:cNvSpPr>
+          <p:nvPr>
+            <p:ph type="body" idx="1"/>
+          </p:nvPr>
+        </p:nvSpPr>
+        <p:spPr>
+          <a:xfrm>
+            <a:off x="1295401" y="4343399"/>
+            <a:ext cx="9609666" cy="1532467"/>
+          </a:xfrm>
+        </p:spPr>
+        <p:txBody>
+          <a:bodyPr anchor="ctr">
+            <a:normAutofit/>
+          </a:bodyPr>
+          <a:lstStyle>
+            <a:lvl1pPr marL="0" indent="0" algn="ctr">
+              <a:buNone/>
+              <a:defRPr sz="2000">
+                <a:solidFill>
+                  <a:schemeClr val="tx1"/>
+                </a:solidFill>
+              </a:defRPr>
+            </a:lvl1pPr>
+            <a:lvl2pPr marL="457200" indent="0">
+              <a:buNone/>
+              <a:defRPr sz="1800">
+                <a:solidFill>
+                  <a:schemeClr val="tx1">
+                    <a:tint val="75000"/>
+                  </a:schemeClr>
+                </a:solidFill>
+              </a:defRPr>
+            </a:lvl2pPr>
+            <a:lvl3pPr marL="914400" indent="0">
+              <a:buNone/>
+              <a:defRPr sz="1600">
+                <a:solidFill>
+                  <a:schemeClr val="tx1">
+                    <a:tint val="75000"/>
+                  </a:schemeClr>
+                </a:solidFill>
+              </a:defRPr>
+            </a:lvl3pPr>
+            <a:lvl4pPr marL="1371600" indent="0">
+              <a:buNone/>
+              <a:defRPr sz="1400">
+                <a:solidFill>
+                  <a:schemeClr val="tx1">
+                    <a:tint val="75000"/>
+                  </a:schemeClr>
+                </a:solidFill>
+              </a:defRPr>
+            </a:lvl4pPr>
+            <a:lvl5pPr marL="1828800" indent="0">
+              <a:buNone/>
+              <a:defRPr sz="1400">
+                <a:solidFill>
+                  <a:schemeClr val="tx1">
+                    <a:tint val="75000"/>
+                  </a:schemeClr>
+                </a:solidFill>
+              </a:defRPr>
+            </a:lvl5pPr>
+            <a:lvl6pPr marL="2286000" indent="0">
+              <a:buNone/>
+              <a:defRPr sz="1400">
+                <a:solidFill>
+                  <a:schemeClr val="tx1">
+                    <a:tint val="75000"/>
+                  </a:schemeClr>
+                </a:solidFill>
+              </a:defRPr>
+            </a:lvl6pPr>
+            <a:lvl7pPr marL="2743200" indent="0">
+              <a:buNone/>
+              <a:defRPr sz="1400">
+                <a:solidFill>
+                  <a:schemeClr val="tx1">
+                    <a:tint val="75000"/>
+                  </a:schemeClr>
+                </a:solidFill>
+              </a:defRPr>
+            </a:lvl7pPr>
+            <a:lvl8pPr marL="3200400" indent="0">
+              <a:buNone/>
+              <a:defRPr sz="1400">
+                <a:solidFill>
+                  <a:schemeClr val="tx1">
+                    <a:tint val="75000"/>
+                  </a:schemeClr>
+                </a:solidFill>
+              </a:defRPr>
+            </a:lvl8pPr>
+            <a:lvl9pPr marL="3657600" indent="0">
+              <a:buNone/>
+              <a:defRPr sz="1400">
+                <a:solidFill>
+                  <a:schemeClr val="tx1">
+                    <a:tint val="75000"/>
+                  </a:schemeClr>
+                </a:solidFill>
+              </a:defRPr>
+            </a:lvl9pPr>
+          </a:lstStyle>
+          <a:p>
+            <a:pPr lvl="0"/>
+            <a:r>
+              <a:rPr lang="sv-SE" smtClean="0"/>
+              <a:t>Klicka här för att ändra format på bakgrundstexten</a:t>
+            </a:r>
+          </a:p>
+        </p:txBody>
+      </p:sp>
+      <p:sp>
+        <p:nvSpPr>
+          <p:cNvPr id="4" name="Date Placeholder 3"/>
+          <p:cNvSpPr>
+            <a:spLocks noGrp="1"/>
+          </p:cNvSpPr>
+          <p:nvPr>
+            <p:ph type="dt" sz="half" idx="10"/>
+          </p:nvPr>
+        </p:nvSpPr>
+        <p:spPr/>
+        <p:txBody>
+          <a:bodyPr/>
+          <a:lstStyle/>
+          <a:p>
+            <a:fld id="{B22F029A-C8A8-405B-BFC7-FDD186554002}" type="datetimeFigureOut">
+              <a:rPr lang="sv-SE" smtClean="0"/>
+              <a:t>2016-02-28</a:t>
+            </a:fld>
+            <a:endParaRPr lang="sv-SE"/>
+          </a:p>
+        </p:txBody>
+      </p:sp>
+      <p:sp>
+        <p:nvSpPr>
+          <p:cNvPr id="5" name="Footer Placeholder 4"/>
+          <p:cNvSpPr>
+            <a:spLocks noGrp="1"/>
+          </p:cNvSpPr>
+          <p:nvPr>
+            <p:ph type="ftr" sz="quarter" idx="11"/>
+          </p:nvPr>
+        </p:nvSpPr>
+        <p:spPr/>
+        <p:txBody>
+          <a:bodyPr/>
+          <a:lstStyle/>
+          <a:p>
+            <a:endParaRPr lang="sv-SE"/>
+          </a:p>
+        </p:txBody>
+      </p:sp>
+      <p:sp>
+        <p:nvSpPr>
+          <p:cNvPr id="6" name="Slide Number Placeholder 5"/>
+          <p:cNvSpPr>
+            <a:spLocks noGrp="1"/>
+          </p:cNvSpPr>
+          <p:nvPr>
+            <p:ph type="sldNum" sz="quarter" idx="12"/>
+          </p:nvPr>
+        </p:nvSpPr>
+        <p:spPr/>
+        <p:txBody>
+          <a:bodyPr/>
+          <a:lstStyle/>
+          <a:p>
+            <a:fld id="{649D9218-7159-47E3-84A4-CBF20703587B}" type="slidenum">
+              <a:rPr lang="sv-SE" smtClean="0"/>
+              <a:t>‹#›</a:t>
+            </a:fld>
+            <a:endParaRPr lang="sv-SE"/>
+          </a:p>
+        </p:txBody>
+      </p:sp>
+      <p:sp>
+        <p:nvSpPr>
+          <p:cNvPr id="14" name="TextBox 13"/>
+          <p:cNvSpPr txBox="1"/>
+          <p:nvPr/>
+        </p:nvSpPr>
+        <p:spPr>
+          <a:xfrm>
+            <a:off x="862013" y="879961"/>
+            <a:ext cx="609600" cy="584776"/>
+          </a:xfrm>
+          <a:prstGeom prst="rect">
+            <a:avLst/>
+          </a:prstGeom>
+        </p:spPr>
+        <p:txBody>
+          <a:bodyPr vert="horz" lIns="91440" tIns="45720" rIns="91440" bIns="45720" rtlCol="0" anchor="ctr">
+            <a:noAutofit/>
+          </a:bodyPr>
+          <a:lstStyle/>
+          <a:p>
+            <a:pPr lvl="0"/>
+            <a:r>
+              <a:rPr lang="en-US" sz="8000" dirty="0">
+                <a:solidFill>
+                  <a:schemeClr val="tx1"/>
+                </a:solidFill>
+                <a:effectLst/>
+              </a:rPr>
+              <a:t>“</a:t>
+            </a:r>
+          </a:p>
+        </p:txBody>
+      </p:sp>
+      <p:sp>
+        <p:nvSpPr>
+          <p:cNvPr id="15" name="TextBox 14"/>
+          <p:cNvSpPr txBox="1"/>
+          <p:nvPr/>
+        </p:nvSpPr>
+        <p:spPr>
+          <a:xfrm>
+            <a:off x="10600267" y="2827870"/>
+            <a:ext cx="609600" cy="584776"/>
+          </a:xfrm>
+          <a:prstGeom prst="rect">
+            <a:avLst/>
+          </a:prstGeom>
+        </p:spPr>
+        <p:txBody>
+          <a:bodyPr vert="horz" lIns="91440" tIns="45720" rIns="91440" bIns="45720" rtlCol="0" anchor="ctr">
+            <a:noAutofit/>
+          </a:bodyPr>
+          <a:lstStyle/>
+          <a:p>
+            <a:pPr lvl="0" algn="r"/>
+            <a:r>
+              <a:rPr lang="en-US" sz="8000" dirty="0">
+                <a:solidFill>
+                  <a:schemeClr val="tx1"/>
+                </a:solidFill>
+                <a:effectLst/>
+              </a:rPr>
+              <a:t>”</a:t>
+            </a:r>
+          </a:p>
+        </p:txBody>
+      </p:sp>
+      <p:cxnSp>
+        <p:nvCxnSpPr>
+          <p:cNvPr id="19" name="Straight Connector 18"/>
+          <p:cNvCxnSpPr/>
+          <p:nvPr/>
+        </p:nvCxnSpPr>
+        <p:spPr>
+          <a:xfrm>
+            <a:off x="1396169" y="4140199"/>
+            <a:ext cx="9407298" cy="0"/>
+          </a:xfrm>
+          <a:prstGeom prst="line">
+            <a:avLst/>
+          </a:prstGeom>
+          <a:ln w="15875"/>
+        </p:spPr>
+        <p:style>
+          <a:lnRef idx="2">
+            <a:schemeClr val="accent1"/>
+          </a:lnRef>
+          <a:fillRef idx="0">
+            <a:schemeClr val="accent1"/>
+          </a:fillRef>
+          <a:effectRef idx="1">
+            <a:schemeClr val="accent1"/>
+          </a:effectRef>
+          <a:fontRef idx="minor">
+            <a:schemeClr val="tx1"/>
+          </a:fontRef>
+        </p:style>
+      </p:cxnSp>
+    </p:spTree>
+    <p:extLst>
+      <p:ext uri="{BB962C8B-B14F-4D97-AF65-F5344CB8AC3E}">
+        <p14:creationId xmlns:p14="http://schemas.microsoft.com/office/powerpoint/2010/main" val="3685950172"/>
+      </p:ext>
+    </p:extLst>
+  </p:cSld>
+  <p:clrMapOvr>
+    <a:masterClrMapping/>
+  </p:clrMapOvr>
+</p:sldLayout>
+</file>
+
+<file path=ppt/slideLayouts/slideLayout35.xml><?xml version="1.0" encoding="utf-8"?>
+<p:sldLayout xmlns:a="http://schemas.openxmlformats.org/drawingml/2006/main" xmlns:r="http://schemas.openxmlformats.org/officeDocument/2006/relationships" xmlns:p="http://schemas.openxmlformats.org/presentationml/2006/main" preserve="1">
+  <p:cSld name="Namnkort">
+    <p:spTree>
+      <p:nvGrpSpPr>
+        <p:cNvPr id="1" name=""/>
+        <p:cNvGrpSpPr/>
+        <p:nvPr/>
+      </p:nvGrpSpPr>
+      <p:grpSpPr>
+        <a:xfrm>
+          <a:off x="0" y="0"/>
+          <a:ext cx="0" cy="0"/>
+          <a:chOff x="0" y="0"/>
+          <a:chExt cx="0" cy="0"/>
+        </a:xfrm>
+      </p:grpSpPr>
+      <p:sp>
+        <p:nvSpPr>
+          <p:cNvPr id="2" name="Title 1"/>
+          <p:cNvSpPr>
+            <a:spLocks noGrp="1"/>
+          </p:cNvSpPr>
+          <p:nvPr>
+            <p:ph type="title"/>
+          </p:nvPr>
+        </p:nvSpPr>
+        <p:spPr>
+          <a:xfrm>
+            <a:off x="1295402" y="3308581"/>
+            <a:ext cx="9609668" cy="1468800"/>
+          </a:xfrm>
+        </p:spPr>
+        <p:txBody>
+          <a:bodyPr anchor="b">
+            <a:normAutofit/>
+          </a:bodyPr>
+          <a:lstStyle>
+            <a:lvl1pPr algn="l">
+              <a:defRPr sz="3200" b="0" cap="none"/>
+            </a:lvl1pPr>
+          </a:lstStyle>
+          <a:p>
+            <a:r>
+              <a:rPr lang="sv-SE" smtClean="0"/>
+              <a:t>Klicka här för att ändra format</a:t>
+            </a:r>
+            <a:endParaRPr lang="en-US" dirty="0"/>
+          </a:p>
+        </p:txBody>
+      </p:sp>
+      <p:sp>
+        <p:nvSpPr>
+          <p:cNvPr id="3" name="Text Placeholder 2"/>
+          <p:cNvSpPr>
+            <a:spLocks noGrp="1"/>
+          </p:cNvSpPr>
+          <p:nvPr>
+            <p:ph type="body" idx="1"/>
+          </p:nvPr>
+        </p:nvSpPr>
+        <p:spPr>
+          <a:xfrm>
+            <a:off x="1295401" y="4777381"/>
+            <a:ext cx="9609668" cy="860400"/>
+          </a:xfrm>
+        </p:spPr>
+        <p:txBody>
+          <a:bodyPr anchor="t">
+            <a:normAutofit/>
+          </a:bodyPr>
+          <a:lstStyle>
+            <a:lvl1pPr marL="0" indent="0" algn="l">
+              <a:buNone/>
+              <a:defRPr sz="2000">
+                <a:solidFill>
+                  <a:schemeClr val="tx1"/>
+                </a:solidFill>
+              </a:defRPr>
+            </a:lvl1pPr>
+            <a:lvl2pPr marL="457200" indent="0">
+              <a:buNone/>
+              <a:defRPr sz="1800">
+                <a:solidFill>
+                  <a:schemeClr val="tx1">
+                    <a:tint val="75000"/>
+                  </a:schemeClr>
+                </a:solidFill>
+              </a:defRPr>
+            </a:lvl2pPr>
+            <a:lvl3pPr marL="914400" indent="0">
+              <a:buNone/>
+              <a:defRPr sz="1600">
+                <a:solidFill>
+                  <a:schemeClr val="tx1">
+                    <a:tint val="75000"/>
+                  </a:schemeClr>
+                </a:solidFill>
+              </a:defRPr>
+            </a:lvl3pPr>
+            <a:lvl4pPr marL="1371600" indent="0">
+              <a:buNone/>
+              <a:defRPr sz="1400">
+                <a:solidFill>
+                  <a:schemeClr val="tx1">
+                    <a:tint val="75000"/>
+                  </a:schemeClr>
+                </a:solidFill>
+              </a:defRPr>
+            </a:lvl4pPr>
+            <a:lvl5pPr marL="1828800" indent="0">
+              <a:buNone/>
+              <a:defRPr sz="1400">
+                <a:solidFill>
+                  <a:schemeClr val="tx1">
+                    <a:tint val="75000"/>
+                  </a:schemeClr>
+                </a:solidFill>
+              </a:defRPr>
+            </a:lvl5pPr>
+            <a:lvl6pPr marL="2286000" indent="0">
+              <a:buNone/>
+              <a:defRPr sz="1400">
+                <a:solidFill>
+                  <a:schemeClr val="tx1">
+                    <a:tint val="75000"/>
+                  </a:schemeClr>
+                </a:solidFill>
+              </a:defRPr>
+            </a:lvl6pPr>
+            <a:lvl7pPr marL="2743200" indent="0">
+              <a:buNone/>
+              <a:defRPr sz="1400">
+                <a:solidFill>
+                  <a:schemeClr val="tx1">
+                    <a:tint val="75000"/>
+                  </a:schemeClr>
+                </a:solidFill>
+              </a:defRPr>
+            </a:lvl7pPr>
+            <a:lvl8pPr marL="3200400" indent="0">
+              <a:buNone/>
+              <a:defRPr sz="1400">
+                <a:solidFill>
+                  <a:schemeClr val="tx1">
+                    <a:tint val="75000"/>
+                  </a:schemeClr>
+                </a:solidFill>
+              </a:defRPr>
+            </a:lvl8pPr>
+            <a:lvl9pPr marL="3657600" indent="0">
+              <a:buNone/>
+              <a:defRPr sz="1400">
+                <a:solidFill>
+                  <a:schemeClr val="tx1">
+                    <a:tint val="75000"/>
+                  </a:schemeClr>
+                </a:solidFill>
+              </a:defRPr>
+            </a:lvl9pPr>
+          </a:lstStyle>
+          <a:p>
+            <a:pPr lvl="0"/>
+            <a:r>
+              <a:rPr lang="sv-SE" smtClean="0"/>
+              <a:t>Klicka här för att ändra format på bakgrundstexten</a:t>
+            </a:r>
+          </a:p>
+        </p:txBody>
+      </p:sp>
+      <p:sp>
+        <p:nvSpPr>
+          <p:cNvPr id="4" name="Date Placeholder 3"/>
+          <p:cNvSpPr>
+            <a:spLocks noGrp="1"/>
+          </p:cNvSpPr>
+          <p:nvPr>
+            <p:ph type="dt" sz="half" idx="10"/>
+          </p:nvPr>
+        </p:nvSpPr>
+        <p:spPr/>
+        <p:txBody>
+          <a:bodyPr/>
+          <a:lstStyle/>
+          <a:p>
+            <a:fld id="{B22F029A-C8A8-405B-BFC7-FDD186554002}" type="datetimeFigureOut">
+              <a:rPr lang="sv-SE" smtClean="0"/>
+              <a:t>2016-02-28</a:t>
+            </a:fld>
+            <a:endParaRPr lang="sv-SE"/>
+          </a:p>
+        </p:txBody>
+      </p:sp>
+      <p:sp>
+        <p:nvSpPr>
+          <p:cNvPr id="5" name="Footer Placeholder 4"/>
+          <p:cNvSpPr>
+            <a:spLocks noGrp="1"/>
+          </p:cNvSpPr>
+          <p:nvPr>
+            <p:ph type="ftr" sz="quarter" idx="11"/>
+          </p:nvPr>
+        </p:nvSpPr>
+        <p:spPr/>
+        <p:txBody>
+          <a:bodyPr/>
+          <a:lstStyle/>
+          <a:p>
+            <a:endParaRPr lang="sv-SE"/>
+          </a:p>
+        </p:txBody>
+      </p:sp>
+      <p:sp>
+        <p:nvSpPr>
+          <p:cNvPr id="6" name="Slide Number Placeholder 5"/>
+          <p:cNvSpPr>
+            <a:spLocks noGrp="1"/>
+          </p:cNvSpPr>
+          <p:nvPr>
+            <p:ph type="sldNum" sz="quarter" idx="12"/>
+          </p:nvPr>
+        </p:nvSpPr>
+        <p:spPr/>
+        <p:txBody>
+          <a:bodyPr/>
+          <a:lstStyle/>
+          <a:p>
+            <a:fld id="{649D9218-7159-47E3-84A4-CBF20703587B}" type="slidenum">
+              <a:rPr lang="sv-SE" smtClean="0"/>
+              <a:t>‹#›</a:t>
+            </a:fld>
+            <a:endParaRPr lang="sv-SE"/>
+          </a:p>
+        </p:txBody>
+      </p:sp>
+    </p:spTree>
+    <p:extLst>
+      <p:ext uri="{BB962C8B-B14F-4D97-AF65-F5344CB8AC3E}">
+        <p14:creationId xmlns:p14="http://schemas.microsoft.com/office/powerpoint/2010/main" val="2085296458"/>
+      </p:ext>
+    </p:extLst>
+  </p:cSld>
+  <p:clrMapOvr>
+    <a:masterClrMapping/>
+  </p:clrMapOvr>
+</p:sldLayout>
+</file>
+
+<file path=ppt/slideLayouts/slideLayout36.xml><?xml version="1.0" encoding="utf-8"?>
+<p:sldLayout xmlns:a="http://schemas.openxmlformats.org/drawingml/2006/main" xmlns:r="http://schemas.openxmlformats.org/officeDocument/2006/relationships" xmlns:p="http://schemas.openxmlformats.org/presentationml/2006/main" preserve="1">
+  <p:cSld name="Namnkort för citat">
+    <p:spTree>
+      <p:nvGrpSpPr>
+        <p:cNvPr id="1" name=""/>
+        <p:cNvGrpSpPr/>
+        <p:nvPr/>
+      </p:nvGrpSpPr>
+      <p:grpSpPr>
+        <a:xfrm>
+          <a:off x="0" y="0"/>
+          <a:ext cx="0" cy="0"/>
+          <a:chOff x="0" y="0"/>
+          <a:chExt cx="0" cy="0"/>
+        </a:xfrm>
+      </p:grpSpPr>
+      <p:sp>
+        <p:nvSpPr>
+          <p:cNvPr id="2" name="Title 1"/>
+          <p:cNvSpPr>
+            <a:spLocks noGrp="1"/>
+          </p:cNvSpPr>
+          <p:nvPr>
+            <p:ph type="title"/>
+          </p:nvPr>
+        </p:nvSpPr>
+        <p:spPr>
+          <a:xfrm>
+            <a:off x="1446213" y="982132"/>
+            <a:ext cx="9296398" cy="2243668"/>
+          </a:xfrm>
+        </p:spPr>
+        <p:txBody>
+          <a:bodyPr anchor="ctr">
+            <a:normAutofit/>
+          </a:bodyPr>
+          <a:lstStyle>
+            <a:lvl1pPr algn="ctr">
+              <a:defRPr sz="3200" b="0" cap="none">
+                <a:solidFill>
+                  <a:schemeClr val="tx1"/>
+                </a:solidFill>
+              </a:defRPr>
+            </a:lvl1pPr>
+          </a:lstStyle>
+          <a:p>
+            <a:r>
+              <a:rPr lang="sv-SE" smtClean="0"/>
+              <a:t>Klicka här för att ändra format</a:t>
+            </a:r>
+            <a:endParaRPr lang="en-US" dirty="0"/>
+          </a:p>
+        </p:txBody>
+      </p:sp>
+      <p:sp>
+        <p:nvSpPr>
+          <p:cNvPr id="23" name="Text Placeholder 2"/>
+          <p:cNvSpPr>
+            <a:spLocks noGrp="1"/>
+          </p:cNvSpPr>
+          <p:nvPr>
+            <p:ph type="body" idx="13"/>
+          </p:nvPr>
+        </p:nvSpPr>
+        <p:spPr>
+          <a:xfrm>
+            <a:off x="1295401" y="3639312"/>
+            <a:ext cx="9609668" cy="886968"/>
+          </a:xfrm>
+        </p:spPr>
+        <p:txBody>
+          <a:bodyPr anchor="b">
+            <a:normAutofit/>
+          </a:bodyPr>
+          <a:lstStyle>
+            <a:lvl1pPr marL="0" indent="0" algn="l">
+              <a:spcBef>
+                <a:spcPts val="0"/>
+              </a:spcBef>
+              <a:buNone/>
+              <a:defRPr sz="2400">
+                <a:solidFill>
+                  <a:schemeClr val="tx1"/>
+                </a:solidFill>
+              </a:defRPr>
+            </a:lvl1pPr>
+            <a:lvl2pPr marL="457200" indent="0">
+              <a:buNone/>
+              <a:defRPr sz="1800">
+                <a:solidFill>
+                  <a:schemeClr val="tx1">
+                    <a:tint val="75000"/>
+                  </a:schemeClr>
+                </a:solidFill>
+              </a:defRPr>
+            </a:lvl2pPr>
+            <a:lvl3pPr marL="914400" indent="0">
+              <a:buNone/>
+              <a:defRPr sz="1600">
+                <a:solidFill>
+                  <a:schemeClr val="tx1">
+                    <a:tint val="75000"/>
+                  </a:schemeClr>
+                </a:solidFill>
+              </a:defRPr>
+            </a:lvl3pPr>
+            <a:lvl4pPr marL="1371600" indent="0">
+              <a:buNone/>
+              <a:defRPr sz="1400">
+                <a:solidFill>
+                  <a:schemeClr val="tx1">
+                    <a:tint val="75000"/>
+                  </a:schemeClr>
+                </a:solidFill>
+              </a:defRPr>
+            </a:lvl4pPr>
+            <a:lvl5pPr marL="1828800" indent="0">
+              <a:buNone/>
+              <a:defRPr sz="1400">
+                <a:solidFill>
+                  <a:schemeClr val="tx1">
+                    <a:tint val="75000"/>
+                  </a:schemeClr>
+                </a:solidFill>
+              </a:defRPr>
+            </a:lvl5pPr>
+            <a:lvl6pPr marL="2286000" indent="0">
+              <a:buNone/>
+              <a:defRPr sz="1400">
+                <a:solidFill>
+                  <a:schemeClr val="tx1">
+                    <a:tint val="75000"/>
+                  </a:schemeClr>
+                </a:solidFill>
+              </a:defRPr>
+            </a:lvl6pPr>
+            <a:lvl7pPr marL="2743200" indent="0">
+              <a:buNone/>
+              <a:defRPr sz="1400">
+                <a:solidFill>
+                  <a:schemeClr val="tx1">
+                    <a:tint val="75000"/>
+                  </a:schemeClr>
+                </a:solidFill>
+              </a:defRPr>
+            </a:lvl7pPr>
+            <a:lvl8pPr marL="3200400" indent="0">
+              <a:buNone/>
+              <a:defRPr sz="1400">
+                <a:solidFill>
+                  <a:schemeClr val="tx1">
+                    <a:tint val="75000"/>
+                  </a:schemeClr>
+                </a:solidFill>
+              </a:defRPr>
+            </a:lvl8pPr>
+            <a:lvl9pPr marL="3657600" indent="0">
+              <a:buNone/>
+              <a:defRPr sz="1400">
+                <a:solidFill>
+                  <a:schemeClr val="tx1">
+                    <a:tint val="75000"/>
+                  </a:schemeClr>
+                </a:solidFill>
+              </a:defRPr>
+            </a:lvl9pPr>
+          </a:lstStyle>
+          <a:p>
+            <a:pPr lvl="0"/>
+            <a:r>
+              <a:rPr lang="sv-SE" smtClean="0"/>
+              <a:t>Klicka här för att ändra format på bakgrundstexten</a:t>
+            </a:r>
+          </a:p>
+        </p:txBody>
+      </p:sp>
+      <p:sp>
+        <p:nvSpPr>
+          <p:cNvPr id="3" name="Text Placeholder 2"/>
+          <p:cNvSpPr>
+            <a:spLocks noGrp="1"/>
+          </p:cNvSpPr>
+          <p:nvPr>
+            <p:ph type="body" idx="1"/>
+          </p:nvPr>
+        </p:nvSpPr>
+        <p:spPr>
+          <a:xfrm>
+            <a:off x="1295401" y="4529667"/>
+            <a:ext cx="9609668" cy="1346200"/>
+          </a:xfrm>
+        </p:spPr>
+        <p:txBody>
+          <a:bodyPr anchor="t">
+            <a:normAutofit/>
+          </a:bodyPr>
+          <a:lstStyle>
+            <a:lvl1pPr marL="0" indent="0" algn="l">
+              <a:buNone/>
+              <a:defRPr sz="1800">
+                <a:solidFill>
+                  <a:schemeClr val="tx1"/>
+                </a:solidFill>
+              </a:defRPr>
+            </a:lvl1pPr>
+            <a:lvl2pPr marL="457200" indent="0">
+              <a:buNone/>
+              <a:defRPr sz="1800">
+                <a:solidFill>
+                  <a:schemeClr val="tx1">
+                    <a:tint val="75000"/>
+                  </a:schemeClr>
+                </a:solidFill>
+              </a:defRPr>
+            </a:lvl2pPr>
+            <a:lvl3pPr marL="914400" indent="0">
+              <a:buNone/>
+              <a:defRPr sz="1600">
+                <a:solidFill>
+                  <a:schemeClr val="tx1">
+                    <a:tint val="75000"/>
+                  </a:schemeClr>
+                </a:solidFill>
+              </a:defRPr>
+            </a:lvl3pPr>
+            <a:lvl4pPr marL="1371600" indent="0">
+              <a:buNone/>
+              <a:defRPr sz="1400">
+                <a:solidFill>
+                  <a:schemeClr val="tx1">
+                    <a:tint val="75000"/>
+                  </a:schemeClr>
+                </a:solidFill>
+              </a:defRPr>
+            </a:lvl4pPr>
+            <a:lvl5pPr marL="1828800" indent="0">
+              <a:buNone/>
+              <a:defRPr sz="1400">
+                <a:solidFill>
+                  <a:schemeClr val="tx1">
+                    <a:tint val="75000"/>
+                  </a:schemeClr>
+                </a:solidFill>
+              </a:defRPr>
+            </a:lvl5pPr>
+            <a:lvl6pPr marL="2286000" indent="0">
+              <a:buNone/>
+              <a:defRPr sz="1400">
+                <a:solidFill>
+                  <a:schemeClr val="tx1">
+                    <a:tint val="75000"/>
+                  </a:schemeClr>
+                </a:solidFill>
+              </a:defRPr>
+            </a:lvl6pPr>
+            <a:lvl7pPr marL="2743200" indent="0">
+              <a:buNone/>
+              <a:defRPr sz="1400">
+                <a:solidFill>
+                  <a:schemeClr val="tx1">
+                    <a:tint val="75000"/>
+                  </a:schemeClr>
+                </a:solidFill>
+              </a:defRPr>
+            </a:lvl7pPr>
+            <a:lvl8pPr marL="3200400" indent="0">
+              <a:buNone/>
+              <a:defRPr sz="1400">
+                <a:solidFill>
+                  <a:schemeClr val="tx1">
+                    <a:tint val="75000"/>
+                  </a:schemeClr>
+                </a:solidFill>
+              </a:defRPr>
+            </a:lvl8pPr>
+            <a:lvl9pPr marL="3657600" indent="0">
+              <a:buNone/>
+              <a:defRPr sz="1400">
+                <a:solidFill>
+                  <a:schemeClr val="tx1">
+                    <a:tint val="75000"/>
+                  </a:schemeClr>
+                </a:solidFill>
+              </a:defRPr>
+            </a:lvl9pPr>
+          </a:lstStyle>
+          <a:p>
+            <a:pPr lvl="0"/>
+            <a:r>
+              <a:rPr lang="sv-SE" smtClean="0"/>
+              <a:t>Klicka här för att ändra format på bakgrundstexten</a:t>
+            </a:r>
+          </a:p>
+        </p:txBody>
+      </p:sp>
+      <p:sp>
+        <p:nvSpPr>
+          <p:cNvPr id="4" name="Date Placeholder 3"/>
+          <p:cNvSpPr>
+            <a:spLocks noGrp="1"/>
+          </p:cNvSpPr>
+          <p:nvPr>
+            <p:ph type="dt" sz="half" idx="10"/>
+          </p:nvPr>
+        </p:nvSpPr>
+        <p:spPr/>
+        <p:txBody>
+          <a:bodyPr/>
+          <a:lstStyle/>
+          <a:p>
+            <a:fld id="{B22F029A-C8A8-405B-BFC7-FDD186554002}" type="datetimeFigureOut">
+              <a:rPr lang="sv-SE" smtClean="0"/>
+              <a:t>2016-02-28</a:t>
+            </a:fld>
+            <a:endParaRPr lang="sv-SE"/>
+          </a:p>
+        </p:txBody>
+      </p:sp>
+      <p:sp>
+        <p:nvSpPr>
+          <p:cNvPr id="5" name="Footer Placeholder 4"/>
+          <p:cNvSpPr>
+            <a:spLocks noGrp="1"/>
+          </p:cNvSpPr>
+          <p:nvPr>
+            <p:ph type="ftr" sz="quarter" idx="11"/>
+          </p:nvPr>
+        </p:nvSpPr>
+        <p:spPr/>
+        <p:txBody>
+          <a:bodyPr/>
+          <a:lstStyle/>
+          <a:p>
+            <a:endParaRPr lang="sv-SE"/>
+          </a:p>
+        </p:txBody>
+      </p:sp>
+      <p:sp>
+        <p:nvSpPr>
+          <p:cNvPr id="6" name="Slide Number Placeholder 5"/>
+          <p:cNvSpPr>
+            <a:spLocks noGrp="1"/>
+          </p:cNvSpPr>
+          <p:nvPr>
+            <p:ph type="sldNum" sz="quarter" idx="12"/>
+          </p:nvPr>
+        </p:nvSpPr>
+        <p:spPr/>
+        <p:txBody>
+          <a:bodyPr/>
+          <a:lstStyle/>
+          <a:p>
+            <a:fld id="{649D9218-7159-47E3-84A4-CBF20703587B}" type="slidenum">
+              <a:rPr lang="sv-SE" smtClean="0"/>
+              <a:t>‹#›</a:t>
+            </a:fld>
+            <a:endParaRPr lang="sv-SE"/>
+          </a:p>
+        </p:txBody>
+      </p:sp>
+      <p:sp>
+        <p:nvSpPr>
+          <p:cNvPr id="12" name="TextBox 11"/>
+          <p:cNvSpPr txBox="1"/>
+          <p:nvPr/>
+        </p:nvSpPr>
+        <p:spPr>
+          <a:xfrm>
+            <a:off x="862013" y="879961"/>
+            <a:ext cx="609600" cy="584776"/>
+          </a:xfrm>
+          <a:prstGeom prst="rect">
+            <a:avLst/>
+          </a:prstGeom>
+        </p:spPr>
+        <p:txBody>
+          <a:bodyPr vert="horz" lIns="91440" tIns="45720" rIns="91440" bIns="45720" rtlCol="0" anchor="ctr">
+            <a:noAutofit/>
+          </a:bodyPr>
+          <a:lstStyle/>
+          <a:p>
+            <a:pPr lvl="0"/>
+            <a:r>
+              <a:rPr lang="en-US" sz="8000" dirty="0">
+                <a:solidFill>
+                  <a:schemeClr val="tx1"/>
+                </a:solidFill>
+                <a:effectLst/>
+              </a:rPr>
+              <a:t>“</a:t>
+            </a:r>
+          </a:p>
+        </p:txBody>
+      </p:sp>
+      <p:sp>
+        <p:nvSpPr>
+          <p:cNvPr id="13" name="TextBox 12"/>
+          <p:cNvSpPr txBox="1"/>
+          <p:nvPr/>
+        </p:nvSpPr>
+        <p:spPr>
+          <a:xfrm>
+            <a:off x="10600267" y="2599261"/>
+            <a:ext cx="609600" cy="584776"/>
+          </a:xfrm>
+          <a:prstGeom prst="rect">
+            <a:avLst/>
+          </a:prstGeom>
+        </p:spPr>
+        <p:txBody>
+          <a:bodyPr vert="horz" lIns="91440" tIns="45720" rIns="91440" bIns="45720" rtlCol="0" anchor="ctr">
+            <a:noAutofit/>
+          </a:bodyPr>
+          <a:lstStyle/>
+          <a:p>
+            <a:pPr lvl="0" algn="r"/>
+            <a:r>
+              <a:rPr lang="en-US" sz="8000" dirty="0">
+                <a:solidFill>
+                  <a:schemeClr val="tx1"/>
+                </a:solidFill>
+                <a:effectLst/>
+              </a:rPr>
+              <a:t>”</a:t>
+            </a:r>
+          </a:p>
+        </p:txBody>
+      </p:sp>
+      <p:cxnSp>
+        <p:nvCxnSpPr>
+          <p:cNvPr id="26" name="Straight Connector 25"/>
+          <p:cNvCxnSpPr/>
+          <p:nvPr/>
+        </p:nvCxnSpPr>
+        <p:spPr>
+          <a:xfrm>
+            <a:off x="1396169" y="3429000"/>
+            <a:ext cx="9407298" cy="0"/>
+          </a:xfrm>
+          <a:prstGeom prst="line">
+            <a:avLst/>
+          </a:prstGeom>
+          <a:ln w="15875"/>
+        </p:spPr>
+        <p:style>
+          <a:lnRef idx="2">
+            <a:schemeClr val="accent1"/>
+          </a:lnRef>
+          <a:fillRef idx="0">
+            <a:schemeClr val="accent1"/>
+          </a:fillRef>
+          <a:effectRef idx="1">
+            <a:schemeClr val="accent1"/>
+          </a:effectRef>
+          <a:fontRef idx="minor">
+            <a:schemeClr val="tx1"/>
+          </a:fontRef>
+        </p:style>
+      </p:cxnSp>
+    </p:spTree>
+    <p:extLst>
+      <p:ext uri="{BB962C8B-B14F-4D97-AF65-F5344CB8AC3E}">
+        <p14:creationId xmlns:p14="http://schemas.microsoft.com/office/powerpoint/2010/main" val="3209782812"/>
+      </p:ext>
+    </p:extLst>
+  </p:cSld>
+  <p:clrMapOvr>
+    <a:masterClrMapping/>
+  </p:clrMapOvr>
+</p:sldLayout>
+</file>
+
+<file path=ppt/slideLayouts/slideLayout37.xml><?xml version="1.0" encoding="utf-8"?>
+<p:sldLayout xmlns:a="http://schemas.openxmlformats.org/drawingml/2006/main" xmlns:r="http://schemas.openxmlformats.org/officeDocument/2006/relationships" xmlns:p="http://schemas.openxmlformats.org/presentationml/2006/main" preserve="1">
+  <p:cSld name="Sant eller falskt">
+    <p:spTree>
+      <p:nvGrpSpPr>
+        <p:cNvPr id="1" name=""/>
+        <p:cNvGrpSpPr/>
+        <p:nvPr/>
+      </p:nvGrpSpPr>
+      <p:grpSpPr>
+        <a:xfrm>
+          <a:off x="0" y="0"/>
+          <a:ext cx="0" cy="0"/>
+          <a:chOff x="0" y="0"/>
+          <a:chExt cx="0" cy="0"/>
+        </a:xfrm>
+      </p:grpSpPr>
+      <p:sp>
+        <p:nvSpPr>
+          <p:cNvPr id="2" name="Title 1"/>
+          <p:cNvSpPr>
+            <a:spLocks noGrp="1"/>
+          </p:cNvSpPr>
+          <p:nvPr>
+            <p:ph type="title"/>
+          </p:nvPr>
+        </p:nvSpPr>
+        <p:spPr>
+          <a:xfrm>
+            <a:off x="1295401" y="982132"/>
+            <a:ext cx="9609666" cy="2243668"/>
+          </a:xfrm>
+        </p:spPr>
+        <p:txBody>
+          <a:bodyPr vert="horz" lIns="91440" tIns="45720" rIns="91440" bIns="45720" rtlCol="0" anchor="ctr">
+            <a:normAutofit/>
+          </a:bodyPr>
+          <a:lstStyle>
+            <a:lvl1pPr>
+              <a:defRPr lang="en-US" b="0" dirty="0"/>
+            </a:lvl1pPr>
+          </a:lstStyle>
+          <a:p>
+            <a:pPr marL="0" lvl="0"/>
+            <a:r>
+              <a:rPr lang="sv-SE" smtClean="0"/>
+              <a:t>Klicka här för att ändra format</a:t>
+            </a:r>
+            <a:endParaRPr lang="en-US" dirty="0"/>
+          </a:p>
+        </p:txBody>
+      </p:sp>
+      <p:sp>
+        <p:nvSpPr>
+          <p:cNvPr id="20" name="Text Placeholder 2"/>
+          <p:cNvSpPr>
+            <a:spLocks noGrp="1"/>
+          </p:cNvSpPr>
+          <p:nvPr>
+            <p:ph type="body" idx="13"/>
+          </p:nvPr>
+        </p:nvSpPr>
+        <p:spPr>
+          <a:xfrm>
+            <a:off x="1295401" y="3630168"/>
+            <a:ext cx="9609668" cy="841248"/>
+          </a:xfrm>
+        </p:spPr>
+        <p:txBody>
+          <a:bodyPr anchor="b">
+            <a:normAutofit/>
+          </a:bodyPr>
+          <a:lstStyle>
+            <a:lvl1pPr marL="0" indent="0" algn="l">
+              <a:spcBef>
+                <a:spcPts val="0"/>
+              </a:spcBef>
+              <a:buNone/>
+              <a:defRPr sz="2800">
+                <a:solidFill>
+                  <a:schemeClr val="tx1"/>
+                </a:solidFill>
+              </a:defRPr>
+            </a:lvl1pPr>
+            <a:lvl2pPr marL="457200" indent="0">
+              <a:buNone/>
+              <a:defRPr sz="1800">
+                <a:solidFill>
+                  <a:schemeClr val="tx1">
+                    <a:tint val="75000"/>
+                  </a:schemeClr>
+                </a:solidFill>
+              </a:defRPr>
+            </a:lvl2pPr>
+            <a:lvl3pPr marL="914400" indent="0">
+              <a:buNone/>
+              <a:defRPr sz="1600">
+                <a:solidFill>
+                  <a:schemeClr val="tx1">
+                    <a:tint val="75000"/>
+                  </a:schemeClr>
+                </a:solidFill>
+              </a:defRPr>
+            </a:lvl3pPr>
+            <a:lvl4pPr marL="1371600" indent="0">
+              <a:buNone/>
+              <a:defRPr sz="1400">
+                <a:solidFill>
+                  <a:schemeClr val="tx1">
+                    <a:tint val="75000"/>
+                  </a:schemeClr>
+                </a:solidFill>
+              </a:defRPr>
+            </a:lvl4pPr>
+            <a:lvl5pPr marL="1828800" indent="0">
+              <a:buNone/>
+              <a:defRPr sz="1400">
+                <a:solidFill>
+                  <a:schemeClr val="tx1">
+                    <a:tint val="75000"/>
+                  </a:schemeClr>
+                </a:solidFill>
+              </a:defRPr>
+            </a:lvl5pPr>
+            <a:lvl6pPr marL="2286000" indent="0">
+              <a:buNone/>
+              <a:defRPr sz="1400">
+                <a:solidFill>
+                  <a:schemeClr val="tx1">
+                    <a:tint val="75000"/>
+                  </a:schemeClr>
+                </a:solidFill>
+              </a:defRPr>
+            </a:lvl6pPr>
+            <a:lvl7pPr marL="2743200" indent="0">
+              <a:buNone/>
+              <a:defRPr sz="1400">
+                <a:solidFill>
+                  <a:schemeClr val="tx1">
+                    <a:tint val="75000"/>
+                  </a:schemeClr>
+                </a:solidFill>
+              </a:defRPr>
+            </a:lvl7pPr>
+            <a:lvl8pPr marL="3200400" indent="0">
+              <a:buNone/>
+              <a:defRPr sz="1400">
+                <a:solidFill>
+                  <a:schemeClr val="tx1">
+                    <a:tint val="75000"/>
+                  </a:schemeClr>
+                </a:solidFill>
+              </a:defRPr>
+            </a:lvl8pPr>
+            <a:lvl9pPr marL="3657600" indent="0">
+              <a:buNone/>
+              <a:defRPr sz="1400">
+                <a:solidFill>
+                  <a:schemeClr val="tx1">
+                    <a:tint val="75000"/>
+                  </a:schemeClr>
+                </a:solidFill>
+              </a:defRPr>
+            </a:lvl9pPr>
+          </a:lstStyle>
+          <a:p>
+            <a:pPr lvl="0"/>
+            <a:r>
+              <a:rPr lang="sv-SE" smtClean="0"/>
+              <a:t>Klicka här för att ändra format på bakgrundstexten</a:t>
+            </a:r>
+          </a:p>
+        </p:txBody>
+      </p:sp>
+      <p:sp>
+        <p:nvSpPr>
+          <p:cNvPr id="3" name="Text Placeholder 2"/>
+          <p:cNvSpPr>
+            <a:spLocks noGrp="1"/>
+          </p:cNvSpPr>
+          <p:nvPr>
+            <p:ph type="body" idx="1"/>
+          </p:nvPr>
+        </p:nvSpPr>
+        <p:spPr>
+          <a:xfrm>
+            <a:off x="1295400" y="4470399"/>
+            <a:ext cx="9609670" cy="1405467"/>
+          </a:xfrm>
+        </p:spPr>
+        <p:txBody>
+          <a:bodyPr anchor="t">
+            <a:normAutofit/>
+          </a:bodyPr>
+          <a:lstStyle>
+            <a:lvl1pPr marL="0" indent="0" algn="l">
+              <a:buNone/>
+              <a:defRPr sz="1800">
+                <a:solidFill>
+                  <a:schemeClr val="tx1"/>
+                </a:solidFill>
+              </a:defRPr>
+            </a:lvl1pPr>
+            <a:lvl2pPr marL="457200" indent="0">
+              <a:buNone/>
+              <a:defRPr sz="1800">
+                <a:solidFill>
+                  <a:schemeClr val="tx1">
+                    <a:tint val="75000"/>
+                  </a:schemeClr>
+                </a:solidFill>
+              </a:defRPr>
+            </a:lvl2pPr>
+            <a:lvl3pPr marL="914400" indent="0">
+              <a:buNone/>
+              <a:defRPr sz="1600">
+                <a:solidFill>
+                  <a:schemeClr val="tx1">
+                    <a:tint val="75000"/>
+                  </a:schemeClr>
+                </a:solidFill>
+              </a:defRPr>
+            </a:lvl3pPr>
+            <a:lvl4pPr marL="1371600" indent="0">
+              <a:buNone/>
+              <a:defRPr sz="1400">
+                <a:solidFill>
+                  <a:schemeClr val="tx1">
+                    <a:tint val="75000"/>
+                  </a:schemeClr>
+                </a:solidFill>
+              </a:defRPr>
+            </a:lvl4pPr>
+            <a:lvl5pPr marL="1828800" indent="0">
+              <a:buNone/>
+              <a:defRPr sz="1400">
+                <a:solidFill>
+                  <a:schemeClr val="tx1">
+                    <a:tint val="75000"/>
+                  </a:schemeClr>
+                </a:solidFill>
+              </a:defRPr>
+            </a:lvl5pPr>
+            <a:lvl6pPr marL="2286000" indent="0">
+              <a:buNone/>
+              <a:defRPr sz="1400">
+                <a:solidFill>
+                  <a:schemeClr val="tx1">
+                    <a:tint val="75000"/>
+                  </a:schemeClr>
+                </a:solidFill>
+              </a:defRPr>
+            </a:lvl6pPr>
+            <a:lvl7pPr marL="2743200" indent="0">
+              <a:buNone/>
+              <a:defRPr sz="1400">
+                <a:solidFill>
+                  <a:schemeClr val="tx1">
+                    <a:tint val="75000"/>
+                  </a:schemeClr>
+                </a:solidFill>
+              </a:defRPr>
+            </a:lvl7pPr>
+            <a:lvl8pPr marL="3200400" indent="0">
+              <a:buNone/>
+              <a:defRPr sz="1400">
+                <a:solidFill>
+                  <a:schemeClr val="tx1">
+                    <a:tint val="75000"/>
+                  </a:schemeClr>
+                </a:solidFill>
+              </a:defRPr>
+            </a:lvl8pPr>
+            <a:lvl9pPr marL="3657600" indent="0">
+              <a:buNone/>
+              <a:defRPr sz="1400">
+                <a:solidFill>
+                  <a:schemeClr val="tx1">
+                    <a:tint val="75000"/>
+                  </a:schemeClr>
+                </a:solidFill>
+              </a:defRPr>
+            </a:lvl9pPr>
+          </a:lstStyle>
+          <a:p>
+            <a:pPr lvl="0"/>
+            <a:r>
+              <a:rPr lang="sv-SE" smtClean="0"/>
+              <a:t>Klicka här för att ändra format på bakgrundstexten</a:t>
+            </a:r>
+          </a:p>
+        </p:txBody>
+      </p:sp>
+      <p:sp>
+        <p:nvSpPr>
+          <p:cNvPr id="4" name="Date Placeholder 3"/>
+          <p:cNvSpPr>
+            <a:spLocks noGrp="1"/>
+          </p:cNvSpPr>
+          <p:nvPr>
+            <p:ph type="dt" sz="half" idx="10"/>
+          </p:nvPr>
+        </p:nvSpPr>
+        <p:spPr/>
+        <p:txBody>
+          <a:bodyPr/>
+          <a:lstStyle/>
+          <a:p>
+            <a:fld id="{B22F029A-C8A8-405B-BFC7-FDD186554002}" type="datetimeFigureOut">
+              <a:rPr lang="sv-SE" smtClean="0"/>
+              <a:t>2016-02-28</a:t>
+            </a:fld>
+            <a:endParaRPr lang="sv-SE"/>
+          </a:p>
+        </p:txBody>
+      </p:sp>
+      <p:sp>
+        <p:nvSpPr>
+          <p:cNvPr id="5" name="Footer Placeholder 4"/>
+          <p:cNvSpPr>
+            <a:spLocks noGrp="1"/>
+          </p:cNvSpPr>
+          <p:nvPr>
+            <p:ph type="ftr" sz="quarter" idx="11"/>
+          </p:nvPr>
+        </p:nvSpPr>
+        <p:spPr/>
+        <p:txBody>
+          <a:bodyPr/>
+          <a:lstStyle/>
+          <a:p>
+            <a:endParaRPr lang="sv-SE"/>
+          </a:p>
+        </p:txBody>
+      </p:sp>
+      <p:sp>
+        <p:nvSpPr>
+          <p:cNvPr id="6" name="Slide Number Placeholder 5"/>
+          <p:cNvSpPr>
+            <a:spLocks noGrp="1"/>
+          </p:cNvSpPr>
+          <p:nvPr>
+            <p:ph type="sldNum" sz="quarter" idx="12"/>
+          </p:nvPr>
+        </p:nvSpPr>
+        <p:spPr/>
+        <p:txBody>
+          <a:bodyPr/>
+          <a:lstStyle/>
+          <a:p>
+            <a:fld id="{649D9218-7159-47E3-84A4-CBF20703587B}" type="slidenum">
+              <a:rPr lang="sv-SE" smtClean="0"/>
+              <a:t>‹#›</a:t>
+            </a:fld>
+            <a:endParaRPr lang="sv-SE"/>
+          </a:p>
+        </p:txBody>
+      </p:sp>
+      <p:cxnSp>
+        <p:nvCxnSpPr>
+          <p:cNvPr id="15" name="Straight Connector 14"/>
+          <p:cNvCxnSpPr/>
+          <p:nvPr/>
+        </p:nvCxnSpPr>
+        <p:spPr>
+          <a:xfrm>
+            <a:off x="1396169" y="3429000"/>
+            <a:ext cx="9407298" cy="0"/>
+          </a:xfrm>
+          <a:prstGeom prst="line">
+            <a:avLst/>
+          </a:prstGeom>
+          <a:ln w="15875"/>
+        </p:spPr>
+        <p:style>
+          <a:lnRef idx="2">
+            <a:schemeClr val="accent1"/>
+          </a:lnRef>
+          <a:fillRef idx="0">
+            <a:schemeClr val="accent1"/>
+          </a:fillRef>
+          <a:effectRef idx="1">
+            <a:schemeClr val="accent1"/>
+          </a:effectRef>
+          <a:fontRef idx="minor">
+            <a:schemeClr val="tx1"/>
+          </a:fontRef>
+        </p:style>
+      </p:cxnSp>
+    </p:spTree>
+    <p:extLst>
+      <p:ext uri="{BB962C8B-B14F-4D97-AF65-F5344CB8AC3E}">
+        <p14:creationId xmlns:p14="http://schemas.microsoft.com/office/powerpoint/2010/main" val="1257725690"/>
+      </p:ext>
+    </p:extLst>
+  </p:cSld>
+  <p:clrMapOvr>
+    <a:masterClrMapping/>
+  </p:clrMapOvr>
+</p:sldLayout>
+</file>
+
+<file path=ppt/slideLayouts/slideLayout38.xml><?xml version="1.0" encoding="utf-8"?>
+<p:sldLayout xmlns:a="http://schemas.openxmlformats.org/drawingml/2006/main" xmlns:r="http://schemas.openxmlformats.org/officeDocument/2006/relationships" xmlns:p="http://schemas.openxmlformats.org/presentationml/2006/main" type="vertTx" preserve="1">
+  <p:cSld name="Rubrik och lodrät text">
+    <p:spTree>
+      <p:nvGrpSpPr>
+        <p:cNvPr id="1" name=""/>
+        <p:cNvGrpSpPr/>
+        <p:nvPr/>
+      </p:nvGrpSpPr>
+      <p:grpSpPr>
+        <a:xfrm>
+          <a:off x="0" y="0"/>
+          <a:ext cx="0" cy="0"/>
+          <a:chOff x="0" y="0"/>
+          <a:chExt cx="0" cy="0"/>
+        </a:xfrm>
+      </p:grpSpPr>
+      <p:sp>
+        <p:nvSpPr>
+          <p:cNvPr id="2" name="Title 1"/>
+          <p:cNvSpPr>
+            <a:spLocks noGrp="1"/>
+          </p:cNvSpPr>
+          <p:nvPr>
+            <p:ph type="title"/>
+          </p:nvPr>
+        </p:nvSpPr>
+        <p:spPr/>
+        <p:txBody>
+          <a:bodyPr/>
+          <a:lstStyle>
+            <a:lvl1pPr algn="ctr">
+              <a:defRPr/>
+            </a:lvl1pPr>
+          </a:lstStyle>
+          <a:p>
+            <a:r>
+              <a:rPr lang="sv-SE" smtClean="0"/>
+              <a:t>Klicka här för att ändra format</a:t>
+            </a:r>
+            <a:endParaRPr lang="en-US" dirty="0"/>
+          </a:p>
+        </p:txBody>
+      </p:sp>
+      <p:sp>
+        <p:nvSpPr>
+          <p:cNvPr id="3" name="Vertical Text Placeholder 2"/>
+          <p:cNvSpPr>
+            <a:spLocks noGrp="1"/>
+          </p:cNvSpPr>
+          <p:nvPr>
+            <p:ph type="body" orient="vert" idx="1"/>
+          </p:nvPr>
+        </p:nvSpPr>
+        <p:spPr/>
+        <p:txBody>
+          <a:bodyPr vert="eaVert" anchor="t"/>
+          <a:lstStyle/>
+          <a:p>
+            <a:pPr lvl="0"/>
+            <a:r>
+              <a:rPr lang="sv-SE" smtClean="0"/>
+              <a:t>Klicka här för att ändra format på bakgrundstexten</a:t>
+            </a:r>
+          </a:p>
+          <a:p>
+            <a:pPr lvl="1"/>
+            <a:r>
+              <a:rPr lang="sv-SE" smtClean="0"/>
+              <a:t>Nivå två</a:t>
+            </a:r>
+          </a:p>
+          <a:p>
+            <a:pPr lvl="2"/>
+            <a:r>
+              <a:rPr lang="sv-SE" smtClean="0"/>
+              <a:t>Nivå tre</a:t>
+            </a:r>
+          </a:p>
+          <a:p>
+            <a:pPr lvl="3"/>
+            <a:r>
+              <a:rPr lang="sv-SE" smtClean="0"/>
+              <a:t>Nivå fyra</a:t>
+            </a:r>
+          </a:p>
+          <a:p>
+            <a:pPr lvl="4"/>
+            <a:r>
+              <a:rPr lang="sv-SE" smtClean="0"/>
+              <a:t>Nivå fem</a:t>
+            </a:r>
+            <a:endParaRPr lang="en-US" dirty="0"/>
+          </a:p>
+        </p:txBody>
+      </p:sp>
+      <p:sp>
+        <p:nvSpPr>
+          <p:cNvPr id="4" name="Date Placeholder 3"/>
+          <p:cNvSpPr>
+            <a:spLocks noGrp="1"/>
+          </p:cNvSpPr>
+          <p:nvPr>
+            <p:ph type="dt" sz="half" idx="10"/>
+          </p:nvPr>
+        </p:nvSpPr>
+        <p:spPr/>
+        <p:txBody>
+          <a:bodyPr/>
+          <a:lstStyle/>
+          <a:p>
+            <a:fld id="{B22F029A-C8A8-405B-BFC7-FDD186554002}" type="datetimeFigureOut">
+              <a:rPr lang="sv-SE" smtClean="0"/>
+              <a:t>2016-02-28</a:t>
+            </a:fld>
+            <a:endParaRPr lang="sv-SE"/>
+          </a:p>
+        </p:txBody>
+      </p:sp>
+      <p:sp>
+        <p:nvSpPr>
+          <p:cNvPr id="5" name="Footer Placeholder 4"/>
+          <p:cNvSpPr>
+            <a:spLocks noGrp="1"/>
+          </p:cNvSpPr>
+          <p:nvPr>
+            <p:ph type="ftr" sz="quarter" idx="11"/>
+          </p:nvPr>
+        </p:nvSpPr>
+        <p:spPr/>
+        <p:txBody>
+          <a:bodyPr/>
+          <a:lstStyle/>
+          <a:p>
+            <a:endParaRPr lang="sv-SE"/>
+          </a:p>
+        </p:txBody>
+      </p:sp>
+      <p:sp>
+        <p:nvSpPr>
+          <p:cNvPr id="6" name="Slide Number Placeholder 5"/>
+          <p:cNvSpPr>
+            <a:spLocks noGrp="1"/>
+          </p:cNvSpPr>
+          <p:nvPr>
+            <p:ph type="sldNum" sz="quarter" idx="12"/>
+          </p:nvPr>
+        </p:nvSpPr>
+        <p:spPr/>
+        <p:txBody>
+          <a:bodyPr/>
+          <a:lstStyle/>
+          <a:p>
+            <a:fld id="{649D9218-7159-47E3-84A4-CBF20703587B}" type="slidenum">
+              <a:rPr lang="sv-SE" smtClean="0"/>
+              <a:t>‹#›</a:t>
+            </a:fld>
+            <a:endParaRPr lang="sv-SE"/>
+          </a:p>
+        </p:txBody>
+      </p:sp>
+      <p:cxnSp>
+        <p:nvCxnSpPr>
+          <p:cNvPr id="14" name="Straight Connector 13"/>
+          <p:cNvCxnSpPr/>
+          <p:nvPr/>
+        </p:nvCxnSpPr>
+        <p:spPr>
+          <a:xfrm>
+            <a:off x="1396169" y="2421466"/>
+            <a:ext cx="9407298" cy="0"/>
+          </a:xfrm>
+          <a:prstGeom prst="line">
+            <a:avLst/>
+          </a:prstGeom>
+          <a:ln w="15875"/>
+        </p:spPr>
+        <p:style>
+          <a:lnRef idx="2">
+            <a:schemeClr val="accent1"/>
+          </a:lnRef>
+          <a:fillRef idx="0">
+            <a:schemeClr val="accent1"/>
+          </a:fillRef>
+          <a:effectRef idx="1">
+            <a:schemeClr val="accent1"/>
+          </a:effectRef>
+          <a:fontRef idx="minor">
+            <a:schemeClr val="tx1"/>
+          </a:fontRef>
+        </p:style>
+      </p:cxnSp>
+    </p:spTree>
+    <p:extLst>
+      <p:ext uri="{BB962C8B-B14F-4D97-AF65-F5344CB8AC3E}">
+        <p14:creationId xmlns:p14="http://schemas.microsoft.com/office/powerpoint/2010/main" val="1585281151"/>
+      </p:ext>
+    </p:extLst>
+  </p:cSld>
+  <p:clrMapOvr>
+    <a:masterClrMapping/>
+  </p:clrMapOvr>
+</p:sldLayout>
+</file>
+
+<file path=ppt/slideLayouts/slideLayout39.xml><?xml version="1.0" encoding="utf-8"?>
+<p:sldLayout xmlns:a="http://schemas.openxmlformats.org/drawingml/2006/main" xmlns:r="http://schemas.openxmlformats.org/officeDocument/2006/relationships" xmlns:p="http://schemas.openxmlformats.org/presentationml/2006/main" type="vertTitleAndTx" preserve="1">
+  <p:cSld name="Lodrät rubrik och text">
+    <p:spTree>
+      <p:nvGrpSpPr>
+        <p:cNvPr id="1" name=""/>
+        <p:cNvGrpSpPr/>
+        <p:nvPr/>
+      </p:nvGrpSpPr>
+      <p:grpSpPr>
+        <a:xfrm>
+          <a:off x="0" y="0"/>
+          <a:ext cx="0" cy="0"/>
+          <a:chOff x="0" y="0"/>
+          <a:chExt cx="0" cy="0"/>
+        </a:xfrm>
+      </p:grpSpPr>
+      <p:sp>
+        <p:nvSpPr>
+          <p:cNvPr id="2" name="Vertical Title 1"/>
+          <p:cNvSpPr>
+            <a:spLocks noGrp="1"/>
+          </p:cNvSpPr>
+          <p:nvPr>
+            <p:ph type="title" orient="vert"/>
+          </p:nvPr>
+        </p:nvSpPr>
+        <p:spPr>
+          <a:xfrm>
+            <a:off x="8999356" y="982131"/>
+            <a:ext cx="1890895" cy="4893735"/>
+          </a:xfrm>
+        </p:spPr>
+        <p:txBody>
+          <a:bodyPr vert="eaVert"/>
+          <a:lstStyle/>
+          <a:p>
+            <a:r>
+              <a:rPr lang="sv-SE" smtClean="0"/>
+              <a:t>Klicka här för att ändra format</a:t>
+            </a:r>
+            <a:endParaRPr lang="en-US" dirty="0"/>
+          </a:p>
+        </p:txBody>
+      </p:sp>
+      <p:sp>
+        <p:nvSpPr>
+          <p:cNvPr id="3" name="Vertical Text Placeholder 2"/>
+          <p:cNvSpPr>
+            <a:spLocks noGrp="1"/>
+          </p:cNvSpPr>
+          <p:nvPr>
+            <p:ph type="body" orient="vert" idx="1"/>
+          </p:nvPr>
+        </p:nvSpPr>
+        <p:spPr>
+          <a:xfrm>
+            <a:off x="1295398" y="982132"/>
+            <a:ext cx="7433025" cy="4893734"/>
+          </a:xfrm>
+        </p:spPr>
+        <p:txBody>
+          <a:bodyPr vert="eaVert" anchor="t"/>
+          <a:lstStyle/>
+          <a:p>
+            <a:pPr lvl="0"/>
+            <a:r>
+              <a:rPr lang="sv-SE" smtClean="0"/>
+              <a:t>Klicka här för att ändra format på bakgrundstexten</a:t>
+            </a:r>
+          </a:p>
+          <a:p>
+            <a:pPr lvl="1"/>
+            <a:r>
+              <a:rPr lang="sv-SE" smtClean="0"/>
+              <a:t>Nivå två</a:t>
+            </a:r>
+          </a:p>
+          <a:p>
+            <a:pPr lvl="2"/>
+            <a:r>
+              <a:rPr lang="sv-SE" smtClean="0"/>
+              <a:t>Nivå tre</a:t>
+            </a:r>
+          </a:p>
+          <a:p>
+            <a:pPr lvl="3"/>
+            <a:r>
+              <a:rPr lang="sv-SE" smtClean="0"/>
+              <a:t>Nivå fyra</a:t>
+            </a:r>
+          </a:p>
+          <a:p>
+            <a:pPr lvl="4"/>
+            <a:r>
+              <a:rPr lang="sv-SE" smtClean="0"/>
+              <a:t>Nivå fem</a:t>
+            </a:r>
+            <a:endParaRPr lang="en-US" dirty="0"/>
+          </a:p>
+        </p:txBody>
+      </p:sp>
+      <p:sp>
+        <p:nvSpPr>
+          <p:cNvPr id="4" name="Date Placeholder 3"/>
+          <p:cNvSpPr>
+            <a:spLocks noGrp="1"/>
+          </p:cNvSpPr>
+          <p:nvPr>
+            <p:ph type="dt" sz="half" idx="10"/>
+          </p:nvPr>
+        </p:nvSpPr>
+        <p:spPr/>
+        <p:txBody>
+          <a:bodyPr/>
+          <a:lstStyle/>
+          <a:p>
+            <a:fld id="{B22F029A-C8A8-405B-BFC7-FDD186554002}" type="datetimeFigureOut">
+              <a:rPr lang="sv-SE" smtClean="0"/>
+              <a:t>2016-02-28</a:t>
+            </a:fld>
+            <a:endParaRPr lang="sv-SE"/>
+          </a:p>
+        </p:txBody>
+      </p:sp>
+      <p:sp>
+        <p:nvSpPr>
+          <p:cNvPr id="5" name="Footer Placeholder 4"/>
+          <p:cNvSpPr>
+            <a:spLocks noGrp="1"/>
+          </p:cNvSpPr>
+          <p:nvPr>
+            <p:ph type="ftr" sz="quarter" idx="11"/>
+          </p:nvPr>
+        </p:nvSpPr>
+        <p:spPr/>
+        <p:txBody>
+          <a:bodyPr/>
+          <a:lstStyle/>
+          <a:p>
+            <a:endParaRPr lang="sv-SE"/>
+          </a:p>
+        </p:txBody>
+      </p:sp>
+      <p:sp>
+        <p:nvSpPr>
+          <p:cNvPr id="6" name="Slide Number Placeholder 5"/>
+          <p:cNvSpPr>
+            <a:spLocks noGrp="1"/>
+          </p:cNvSpPr>
+          <p:nvPr>
+            <p:ph type="sldNum" sz="quarter" idx="12"/>
+          </p:nvPr>
+        </p:nvSpPr>
+        <p:spPr/>
+        <p:txBody>
+          <a:bodyPr/>
+          <a:lstStyle/>
+          <a:p>
+            <a:fld id="{649D9218-7159-47E3-84A4-CBF20703587B}" type="slidenum">
+              <a:rPr lang="sv-SE" smtClean="0"/>
+              <a:t>‹#›</a:t>
+            </a:fld>
+            <a:endParaRPr lang="sv-SE"/>
+          </a:p>
+        </p:txBody>
+      </p:sp>
+      <p:cxnSp>
+        <p:nvCxnSpPr>
+          <p:cNvPr id="14" name="Straight Connector 13"/>
+          <p:cNvCxnSpPr/>
+          <p:nvPr/>
+        </p:nvCxnSpPr>
+        <p:spPr>
+          <a:xfrm>
+            <a:off x="8863890" y="990600"/>
+            <a:ext cx="0" cy="4876800"/>
+          </a:xfrm>
+          <a:prstGeom prst="line">
+            <a:avLst/>
+          </a:prstGeom>
+          <a:ln w="15875"/>
+        </p:spPr>
+        <p:style>
+          <a:lnRef idx="2">
+            <a:schemeClr val="accent1"/>
+          </a:lnRef>
+          <a:fillRef idx="0">
+            <a:schemeClr val="accent1"/>
+          </a:fillRef>
+          <a:effectRef idx="1">
+            <a:schemeClr val="accent1"/>
+          </a:effectRef>
+          <a:fontRef idx="minor">
+            <a:schemeClr val="tx1"/>
+          </a:fontRef>
+        </p:style>
+      </p:cxnSp>
+    </p:spTree>
+    <p:extLst>
+      <p:ext uri="{BB962C8B-B14F-4D97-AF65-F5344CB8AC3E}">
+        <p14:creationId xmlns:p14="http://schemas.microsoft.com/office/powerpoint/2010/main" val="1618816172"/>
       </p:ext>
     </p:extLst>
   </p:cSld>
@@ -6524,7 +11317,7 @@
           <a:p>
             <a:fld id="{B22F029A-C8A8-405B-BFC7-FDD186554002}" type="datetimeFigureOut">
               <a:rPr lang="sv-SE" smtClean="0"/>
-              <a:t>2016-02-24</a:t>
+              <a:t>2016-02-28</a:t>
             </a:fld>
             <a:endParaRPr lang="sv-SE"/>
           </a:p>
@@ -6871,7 +11664,7 @@
           <a:p>
             <a:fld id="{B22F029A-C8A8-405B-BFC7-FDD186554002}" type="datetimeFigureOut">
               <a:rPr lang="sv-SE" smtClean="0"/>
-              <a:t>2016-02-24</a:t>
+              <a:t>2016-02-28</a:t>
             </a:fld>
             <a:endParaRPr lang="sv-SE"/>
           </a:p>
@@ -6989,7 +11782,7 @@
           <a:p>
             <a:fld id="{B22F029A-C8A8-405B-BFC7-FDD186554002}" type="datetimeFigureOut">
               <a:rPr lang="sv-SE" smtClean="0"/>
-              <a:t>2016-02-24</a:t>
+              <a:t>2016-02-28</a:t>
             </a:fld>
             <a:endParaRPr lang="sv-SE"/>
           </a:p>
@@ -7107,7 +11900,7 @@
           <a:p>
             <a:fld id="{B22F029A-C8A8-405B-BFC7-FDD186554002}" type="datetimeFigureOut">
               <a:rPr lang="sv-SE" smtClean="0"/>
-              <a:t>2016-02-24</a:t>
+              <a:t>2016-02-28</a:t>
             </a:fld>
             <a:endParaRPr lang="sv-SE"/>
           </a:p>
@@ -7391,7 +12184,7 @@
           <a:p>
             <a:fld id="{B22F029A-C8A8-405B-BFC7-FDD186554002}" type="datetimeFigureOut">
               <a:rPr lang="sv-SE" smtClean="0"/>
-              <a:t>2016-02-24</a:t>
+              <a:t>2016-02-28</a:t>
             </a:fld>
             <a:endParaRPr lang="sv-SE"/>
           </a:p>
@@ -7655,7 +12448,7 @@
           <a:p>
             <a:fld id="{B22F029A-C8A8-405B-BFC7-FDD186554002}" type="datetimeFigureOut">
               <a:rPr lang="sv-SE" smtClean="0"/>
-              <a:t>2016-02-24</a:t>
+              <a:t>2016-02-28</a:t>
             </a:fld>
             <a:endParaRPr lang="sv-SE"/>
           </a:p>
@@ -7869,7 +12662,7 @@
           <a:p>
             <a:fld id="{B22F029A-C8A8-405B-BFC7-FDD186554002}" type="datetimeFigureOut">
               <a:rPr lang="sv-SE" smtClean="0"/>
-              <a:t>2016-02-24</a:t>
+              <a:t>2016-02-28</a:t>
             </a:fld>
             <a:endParaRPr lang="sv-SE"/>
           </a:p>
@@ -8399,7 +13192,7 @@
           <a:p>
             <a:fld id="{B22F029A-C8A8-405B-BFC7-FDD186554002}" type="datetimeFigureOut">
               <a:rPr lang="sv-SE" smtClean="0"/>
-              <a:t>2016-02-24</a:t>
+              <a:t>2016-02-28</a:t>
             </a:fld>
             <a:endParaRPr lang="sv-SE"/>
           </a:p>
@@ -8776,6 +13569,822 @@
 </p:sldMaster>
 </file>
 
+<file path=ppt/slideMasters/slideMaster3.xml><?xml version="1.0" encoding="utf-8"?>
+<p:sldMaster xmlns:a="http://schemas.openxmlformats.org/drawingml/2006/main" xmlns:r="http://schemas.openxmlformats.org/officeDocument/2006/relationships" xmlns:p="http://schemas.openxmlformats.org/presentationml/2006/main">
+  <p:cSld>
+    <p:bg>
+      <p:bgRef idx="1003">
+        <a:schemeClr val="bg1"/>
+      </p:bgRef>
+    </p:bg>
+    <p:spTree>
+      <p:nvGrpSpPr>
+        <p:cNvPr id="1" name=""/>
+        <p:cNvGrpSpPr/>
+        <p:nvPr/>
+      </p:nvGrpSpPr>
+      <p:grpSpPr>
+        <a:xfrm>
+          <a:off x="0" y="0"/>
+          <a:ext cx="0" cy="0"/>
+          <a:chOff x="0" y="0"/>
+          <a:chExt cx="0" cy="0"/>
+        </a:xfrm>
+      </p:grpSpPr>
+      <p:grpSp>
+        <p:nvGrpSpPr>
+          <p:cNvPr id="7" name="Group 6"/>
+          <p:cNvGrpSpPr/>
+          <p:nvPr/>
+        </p:nvGrpSpPr>
+        <p:grpSpPr>
+          <a:xfrm>
+            <a:off x="-15736" y="0"/>
+            <a:ext cx="12229962" cy="6856214"/>
+            <a:chOff x="-15736" y="0"/>
+            <a:chExt cx="12229962" cy="6856214"/>
+          </a:xfrm>
+        </p:grpSpPr>
+        <p:pic>
+          <p:nvPicPr>
+            <p:cNvPr id="8" name="Picture 7" descr="HD-PanelContent.png"/>
+            <p:cNvPicPr>
+              <a:picLocks noChangeAspect="1"/>
+            </p:cNvPicPr>
+            <p:nvPr/>
+          </p:nvPicPr>
+          <p:blipFill>
+            <a:blip r:embed="rId19">
+              <a:extLst>
+                <a:ext uri="{28A0092B-C50C-407E-A947-70E740481C1C}">
+                  <a14:useLocalDpi xmlns:a14="http://schemas.microsoft.com/office/drawing/2010/main" val="0"/>
+                </a:ext>
+              </a:extLst>
+            </a:blip>
+            <a:stretch>
+              <a:fillRect/>
+            </a:stretch>
+          </p:blipFill>
+          <p:spPr>
+            <a:xfrm>
+              <a:off x="0" y="0"/>
+              <a:ext cx="12188825" cy="6856214"/>
+            </a:xfrm>
+            <a:prstGeom prst="rect">
+              <a:avLst/>
+            </a:prstGeom>
+          </p:spPr>
+        </p:pic>
+        <p:sp>
+          <p:nvSpPr>
+            <p:cNvPr id="9" name="Rectangle 8"/>
+            <p:cNvSpPr/>
+            <p:nvPr/>
+          </p:nvSpPr>
+          <p:spPr>
+            <a:xfrm>
+              <a:off x="608012" y="609600"/>
+              <a:ext cx="10972800" cy="5638800"/>
+            </a:xfrm>
+            <a:prstGeom prst="rect">
+              <a:avLst/>
+            </a:prstGeom>
+            <a:noFill/>
+            <a:ln w="15875" cap="flat">
+              <a:miter lim="800000"/>
+            </a:ln>
+          </p:spPr>
+          <p:style>
+            <a:lnRef idx="1">
+              <a:schemeClr val="accent1"/>
+            </a:lnRef>
+            <a:fillRef idx="3">
+              <a:schemeClr val="accent1"/>
+            </a:fillRef>
+            <a:effectRef idx="2">
+              <a:schemeClr val="accent1"/>
+            </a:effectRef>
+            <a:fontRef idx="minor">
+              <a:schemeClr val="lt1"/>
+            </a:fontRef>
+          </p:style>
+        </p:sp>
+        <p:pic>
+          <p:nvPicPr>
+            <p:cNvPr id="10" name="Picture 9" descr="HDRibbonContent-UniformTrim.png"/>
+            <p:cNvPicPr>
+              <a:picLocks noChangeAspect="1"/>
+            </p:cNvPicPr>
+            <p:nvPr/>
+          </p:nvPicPr>
+          <p:blipFill rotWithShape="1">
+            <a:blip r:embed="rId20">
+              <a:extLst>
+                <a:ext uri="{28A0092B-C50C-407E-A947-70E740481C1C}">
+                  <a14:useLocalDpi xmlns:a14="http://schemas.microsoft.com/office/drawing/2010/main" val="0"/>
+                </a:ext>
+              </a:extLst>
+            </a:blip>
+            <a:srcRect/>
+            <a:stretch/>
+          </p:blipFill>
+          <p:spPr>
+            <a:xfrm>
+              <a:off x="-15736" y="3153832"/>
+              <a:ext cx="777240" cy="606425"/>
+            </a:xfrm>
+            <a:prstGeom prst="rect">
+              <a:avLst/>
+            </a:prstGeom>
+          </p:spPr>
+        </p:pic>
+        <p:pic>
+          <p:nvPicPr>
+            <p:cNvPr id="11" name="Picture 10" descr="HDRibbonContent-UniformTrim.png"/>
+            <p:cNvPicPr>
+              <a:picLocks noChangeAspect="1"/>
+            </p:cNvPicPr>
+            <p:nvPr/>
+          </p:nvPicPr>
+          <p:blipFill rotWithShape="1">
+            <a:blip r:embed="rId20">
+              <a:extLst>
+                <a:ext uri="{28A0092B-C50C-407E-A947-70E740481C1C}">
+                  <a14:useLocalDpi xmlns:a14="http://schemas.microsoft.com/office/drawing/2010/main" val="0"/>
+                </a:ext>
+              </a:extLst>
+            </a:blip>
+            <a:srcRect/>
+            <a:stretch/>
+          </p:blipFill>
+          <p:spPr>
+            <a:xfrm>
+              <a:off x="11436986" y="3153832"/>
+              <a:ext cx="777240" cy="606425"/>
+            </a:xfrm>
+            <a:prstGeom prst="rect">
+              <a:avLst/>
+            </a:prstGeom>
+          </p:spPr>
+        </p:pic>
+      </p:grpSp>
+      <p:sp>
+        <p:nvSpPr>
+          <p:cNvPr id="2" name="Title Placeholder 1"/>
+          <p:cNvSpPr>
+            <a:spLocks noGrp="1"/>
+          </p:cNvSpPr>
+          <p:nvPr>
+            <p:ph type="title"/>
+          </p:nvPr>
+        </p:nvSpPr>
+        <p:spPr>
+          <a:xfrm>
+            <a:off x="1295402" y="982132"/>
+            <a:ext cx="9601196" cy="1303867"/>
+          </a:xfrm>
+          <a:prstGeom prst="rect">
+            <a:avLst/>
+          </a:prstGeom>
+          <a:effectLst/>
+        </p:spPr>
+        <p:txBody>
+          <a:bodyPr vert="horz" lIns="91440" tIns="45720" rIns="91440" bIns="45720" rtlCol="0" anchor="ctr">
+            <a:normAutofit/>
+          </a:bodyPr>
+          <a:lstStyle/>
+          <a:p>
+            <a:r>
+              <a:rPr lang="sv-SE" smtClean="0"/>
+              <a:t>Klicka här för att ändra format</a:t>
+            </a:r>
+            <a:endParaRPr lang="en-US" dirty="0"/>
+          </a:p>
+        </p:txBody>
+      </p:sp>
+      <p:sp>
+        <p:nvSpPr>
+          <p:cNvPr id="3" name="Text Placeholder 2"/>
+          <p:cNvSpPr>
+            <a:spLocks noGrp="1"/>
+          </p:cNvSpPr>
+          <p:nvPr>
+            <p:ph type="body" idx="1"/>
+          </p:nvPr>
+        </p:nvSpPr>
+        <p:spPr>
+          <a:xfrm>
+            <a:off x="1295401" y="2556932"/>
+            <a:ext cx="9601196" cy="3318936"/>
+          </a:xfrm>
+          <a:prstGeom prst="rect">
+            <a:avLst/>
+          </a:prstGeom>
+        </p:spPr>
+        <p:txBody>
+          <a:bodyPr vert="horz" lIns="91440" tIns="45720" rIns="91440" bIns="45720" rtlCol="0" anchor="t">
+            <a:normAutofit/>
+          </a:bodyPr>
+          <a:lstStyle/>
+          <a:p>
+            <a:pPr lvl="0"/>
+            <a:r>
+              <a:rPr lang="sv-SE" smtClean="0"/>
+              <a:t>Klicka här för att ändra format på bakgrundstexten</a:t>
+            </a:r>
+          </a:p>
+          <a:p>
+            <a:pPr lvl="1"/>
+            <a:r>
+              <a:rPr lang="sv-SE" smtClean="0"/>
+              <a:t>Nivå två</a:t>
+            </a:r>
+          </a:p>
+          <a:p>
+            <a:pPr lvl="2"/>
+            <a:r>
+              <a:rPr lang="sv-SE" smtClean="0"/>
+              <a:t>Nivå tre</a:t>
+            </a:r>
+          </a:p>
+          <a:p>
+            <a:pPr lvl="3"/>
+            <a:r>
+              <a:rPr lang="sv-SE" smtClean="0"/>
+              <a:t>Nivå fyra</a:t>
+            </a:r>
+          </a:p>
+          <a:p>
+            <a:pPr lvl="4"/>
+            <a:r>
+              <a:rPr lang="sv-SE" smtClean="0"/>
+              <a:t>Nivå fem</a:t>
+            </a:r>
+            <a:endParaRPr lang="en-US" dirty="0"/>
+          </a:p>
+        </p:txBody>
+      </p:sp>
+      <p:sp>
+        <p:nvSpPr>
+          <p:cNvPr id="4" name="Date Placeholder 3"/>
+          <p:cNvSpPr>
+            <a:spLocks noGrp="1"/>
+          </p:cNvSpPr>
+          <p:nvPr>
+            <p:ph type="dt" sz="half" idx="2"/>
+          </p:nvPr>
+        </p:nvSpPr>
+        <p:spPr>
+          <a:xfrm>
+            <a:off x="8677501" y="5969000"/>
+            <a:ext cx="1600200" cy="279400"/>
+          </a:xfrm>
+          <a:prstGeom prst="rect">
+            <a:avLst/>
+          </a:prstGeom>
+        </p:spPr>
+        <p:txBody>
+          <a:bodyPr vert="horz" lIns="91440" tIns="45720" rIns="91440" bIns="45720" rtlCol="0" anchor="ctr"/>
+          <a:lstStyle>
+            <a:lvl1pPr algn="r">
+              <a:defRPr sz="1000" b="0" i="0">
+                <a:solidFill>
+                  <a:schemeClr val="tx1"/>
+                </a:solidFill>
+                <a:effectLst/>
+                <a:latin typeface="+mn-lt"/>
+              </a:defRPr>
+            </a:lvl1pPr>
+          </a:lstStyle>
+          <a:p>
+            <a:fld id="{B22F029A-C8A8-405B-BFC7-FDD186554002}" type="datetimeFigureOut">
+              <a:rPr lang="sv-SE" smtClean="0"/>
+              <a:t>2016-02-28</a:t>
+            </a:fld>
+            <a:endParaRPr lang="sv-SE"/>
+          </a:p>
+        </p:txBody>
+      </p:sp>
+      <p:sp>
+        <p:nvSpPr>
+          <p:cNvPr id="5" name="Footer Placeholder 4"/>
+          <p:cNvSpPr>
+            <a:spLocks noGrp="1"/>
+          </p:cNvSpPr>
+          <p:nvPr>
+            <p:ph type="ftr" sz="quarter" idx="3"/>
+          </p:nvPr>
+        </p:nvSpPr>
+        <p:spPr>
+          <a:xfrm>
+            <a:off x="1295401" y="5969000"/>
+            <a:ext cx="7305900" cy="279400"/>
+          </a:xfrm>
+          <a:prstGeom prst="rect">
+            <a:avLst/>
+          </a:prstGeom>
+        </p:spPr>
+        <p:txBody>
+          <a:bodyPr vert="horz" lIns="91440" tIns="45720" rIns="91440" bIns="45720" rtlCol="0" anchor="ctr"/>
+          <a:lstStyle>
+            <a:lvl1pPr algn="l">
+              <a:defRPr sz="1000" b="0" i="0">
+                <a:solidFill>
+                  <a:schemeClr val="tx1"/>
+                </a:solidFill>
+                <a:effectLst/>
+                <a:latin typeface="+mn-lt"/>
+              </a:defRPr>
+            </a:lvl1pPr>
+          </a:lstStyle>
+          <a:p>
+            <a:endParaRPr lang="sv-SE"/>
+          </a:p>
+        </p:txBody>
+      </p:sp>
+      <p:sp>
+        <p:nvSpPr>
+          <p:cNvPr id="6" name="Slide Number Placeholder 5"/>
+          <p:cNvSpPr>
+            <a:spLocks noGrp="1"/>
+          </p:cNvSpPr>
+          <p:nvPr>
+            <p:ph type="sldNum" sz="quarter" idx="4"/>
+          </p:nvPr>
+        </p:nvSpPr>
+        <p:spPr>
+          <a:xfrm>
+            <a:off x="10353901" y="5969000"/>
+            <a:ext cx="542697" cy="279400"/>
+          </a:xfrm>
+          <a:prstGeom prst="rect">
+            <a:avLst/>
+          </a:prstGeom>
+        </p:spPr>
+        <p:txBody>
+          <a:bodyPr vert="horz" lIns="91440" tIns="45720" rIns="91440" bIns="45720" rtlCol="0" anchor="ctr"/>
+          <a:lstStyle>
+            <a:lvl1pPr algn="r">
+              <a:defRPr sz="1000" b="0" i="0">
+                <a:solidFill>
+                  <a:schemeClr val="tx1"/>
+                </a:solidFill>
+                <a:effectLst/>
+                <a:latin typeface="+mn-lt"/>
+              </a:defRPr>
+            </a:lvl1pPr>
+          </a:lstStyle>
+          <a:p>
+            <a:fld id="{649D9218-7159-47E3-84A4-CBF20703587B}" type="slidenum">
+              <a:rPr lang="sv-SE" smtClean="0"/>
+              <a:t>‹#›</a:t>
+            </a:fld>
+            <a:endParaRPr lang="sv-SE"/>
+          </a:p>
+        </p:txBody>
+      </p:sp>
+    </p:spTree>
+    <p:extLst>
+      <p:ext uri="{BB962C8B-B14F-4D97-AF65-F5344CB8AC3E}">
+        <p14:creationId xmlns:p14="http://schemas.microsoft.com/office/powerpoint/2010/main" val="421065507"/>
+      </p:ext>
+    </p:extLst>
+  </p:cSld>
+  <p:clrMap bg1="lt1" tx1="dk1" bg2="lt2" tx2="dk2" accent1="accent1" accent2="accent2" accent3="accent3" accent4="accent4" accent5="accent5" accent6="accent6" hlink="hlink" folHlink="folHlink"/>
+  <p:sldLayoutIdLst>
+    <p:sldLayoutId id="2147484043" r:id="rId1"/>
+    <p:sldLayoutId id="2147484044" r:id="rId2"/>
+    <p:sldLayoutId id="2147484045" r:id="rId3"/>
+    <p:sldLayoutId id="2147484046" r:id="rId4"/>
+    <p:sldLayoutId id="2147484047" r:id="rId5"/>
+    <p:sldLayoutId id="2147484048" r:id="rId6"/>
+    <p:sldLayoutId id="2147484049" r:id="rId7"/>
+    <p:sldLayoutId id="2147484050" r:id="rId8"/>
+    <p:sldLayoutId id="2147484051" r:id="rId9"/>
+    <p:sldLayoutId id="2147484052" r:id="rId10"/>
+    <p:sldLayoutId id="2147484053" r:id="rId11"/>
+    <p:sldLayoutId id="2147484054" r:id="rId12"/>
+    <p:sldLayoutId id="2147484055" r:id="rId13"/>
+    <p:sldLayoutId id="2147484056" r:id="rId14"/>
+    <p:sldLayoutId id="2147484057" r:id="rId15"/>
+    <p:sldLayoutId id="2147484058" r:id="rId16"/>
+    <p:sldLayoutId id="2147484059" r:id="rId17"/>
+  </p:sldLayoutIdLst>
+  <p:txStyles>
+    <p:titleStyle>
+      <a:lvl1pPr algn="ctr" defTabSz="457200" rtl="0" eaLnBrk="1" latinLnBrk="0" hangingPunct="1">
+        <a:spcBef>
+          <a:spcPct val="0"/>
+        </a:spcBef>
+        <a:buNone/>
+        <a:defRPr sz="4400" kern="1200" cap="none">
+          <a:ln w="3175" cmpd="sng">
+            <a:noFill/>
+          </a:ln>
+          <a:solidFill>
+            <a:schemeClr val="tx1">
+              <a:lumMod val="85000"/>
+              <a:lumOff val="15000"/>
+            </a:schemeClr>
+          </a:solidFill>
+          <a:effectLst/>
+          <a:latin typeface="+mj-lt"/>
+          <a:ea typeface="+mj-ea"/>
+          <a:cs typeface="+mj-cs"/>
+        </a:defRPr>
+      </a:lvl1pPr>
+      <a:lvl2pPr eaLnBrk="1" hangingPunct="1">
+        <a:defRPr>
+          <a:solidFill>
+            <a:schemeClr val="tx2"/>
+          </a:solidFill>
+        </a:defRPr>
+      </a:lvl2pPr>
+      <a:lvl3pPr eaLnBrk="1" hangingPunct="1">
+        <a:defRPr>
+          <a:solidFill>
+            <a:schemeClr val="tx2"/>
+          </a:solidFill>
+        </a:defRPr>
+      </a:lvl3pPr>
+      <a:lvl4pPr eaLnBrk="1" hangingPunct="1">
+        <a:defRPr>
+          <a:solidFill>
+            <a:schemeClr val="tx2"/>
+          </a:solidFill>
+        </a:defRPr>
+      </a:lvl4pPr>
+      <a:lvl5pPr eaLnBrk="1" hangingPunct="1">
+        <a:defRPr>
+          <a:solidFill>
+            <a:schemeClr val="tx2"/>
+          </a:solidFill>
+        </a:defRPr>
+      </a:lvl5pPr>
+      <a:lvl6pPr eaLnBrk="1" hangingPunct="1">
+        <a:defRPr>
+          <a:solidFill>
+            <a:schemeClr val="tx2"/>
+          </a:solidFill>
+        </a:defRPr>
+      </a:lvl6pPr>
+      <a:lvl7pPr eaLnBrk="1" hangingPunct="1">
+        <a:defRPr>
+          <a:solidFill>
+            <a:schemeClr val="tx2"/>
+          </a:solidFill>
+        </a:defRPr>
+      </a:lvl7pPr>
+      <a:lvl8pPr eaLnBrk="1" hangingPunct="1">
+        <a:defRPr>
+          <a:solidFill>
+            <a:schemeClr val="tx2"/>
+          </a:solidFill>
+        </a:defRPr>
+      </a:lvl8pPr>
+      <a:lvl9pPr eaLnBrk="1" hangingPunct="1">
+        <a:defRPr>
+          <a:solidFill>
+            <a:schemeClr val="tx2"/>
+          </a:solidFill>
+        </a:defRPr>
+      </a:lvl9pPr>
+    </p:titleStyle>
+    <p:bodyStyle>
+      <a:lvl1pPr marL="285750" indent="-285750" algn="l" defTabSz="457200" rtl="0" eaLnBrk="1" latinLnBrk="0" hangingPunct="1">
+        <a:spcBef>
+          <a:spcPct val="20000"/>
+        </a:spcBef>
+        <a:spcAft>
+          <a:spcPts val="600"/>
+        </a:spcAft>
+        <a:buClr>
+          <a:schemeClr val="accent1"/>
+        </a:buClr>
+        <a:buSzPct val="115000"/>
+        <a:buFont typeface="Arial"/>
+        <a:buChar char="•"/>
+        <a:defRPr sz="2400" kern="1200" cap="none">
+          <a:solidFill>
+            <a:schemeClr val="tx1">
+              <a:lumMod val="85000"/>
+              <a:lumOff val="15000"/>
+            </a:schemeClr>
+          </a:solidFill>
+          <a:effectLst/>
+          <a:latin typeface="+mn-lt"/>
+          <a:ea typeface="+mn-ea"/>
+          <a:cs typeface="+mn-cs"/>
+        </a:defRPr>
+      </a:lvl1pPr>
+      <a:lvl2pPr marL="742950" indent="-285750" algn="l" defTabSz="457200" rtl="0" eaLnBrk="1" latinLnBrk="0" hangingPunct="1">
+        <a:spcBef>
+          <a:spcPct val="20000"/>
+        </a:spcBef>
+        <a:spcAft>
+          <a:spcPts val="600"/>
+        </a:spcAft>
+        <a:buClr>
+          <a:schemeClr val="accent1"/>
+        </a:buClr>
+        <a:buSzPct val="115000"/>
+        <a:buFont typeface="Arial"/>
+        <a:buChar char="•"/>
+        <a:defRPr sz="2000" kern="1200" cap="none">
+          <a:solidFill>
+            <a:schemeClr val="tx1">
+              <a:lumMod val="85000"/>
+              <a:lumOff val="15000"/>
+            </a:schemeClr>
+          </a:solidFill>
+          <a:effectLst/>
+          <a:latin typeface="+mn-lt"/>
+          <a:ea typeface="+mn-ea"/>
+          <a:cs typeface="+mn-cs"/>
+        </a:defRPr>
+      </a:lvl2pPr>
+      <a:lvl3pPr marL="1200150" indent="-285750" algn="l" defTabSz="457200" rtl="0" eaLnBrk="1" latinLnBrk="0" hangingPunct="1">
+        <a:spcBef>
+          <a:spcPct val="20000"/>
+        </a:spcBef>
+        <a:spcAft>
+          <a:spcPts val="600"/>
+        </a:spcAft>
+        <a:buClr>
+          <a:schemeClr val="accent1"/>
+        </a:buClr>
+        <a:buSzPct val="115000"/>
+        <a:buFont typeface="Arial"/>
+        <a:buChar char="•"/>
+        <a:defRPr sz="1800" kern="1200" cap="none">
+          <a:solidFill>
+            <a:schemeClr val="tx1">
+              <a:lumMod val="85000"/>
+              <a:lumOff val="15000"/>
+            </a:schemeClr>
+          </a:solidFill>
+          <a:effectLst/>
+          <a:latin typeface="+mn-lt"/>
+          <a:ea typeface="+mn-ea"/>
+          <a:cs typeface="+mn-cs"/>
+        </a:defRPr>
+      </a:lvl3pPr>
+      <a:lvl4pPr marL="1543050" indent="-171450" algn="l" defTabSz="457200" rtl="0" eaLnBrk="1" latinLnBrk="0" hangingPunct="1">
+        <a:spcBef>
+          <a:spcPct val="20000"/>
+        </a:spcBef>
+        <a:spcAft>
+          <a:spcPts val="600"/>
+        </a:spcAft>
+        <a:buClr>
+          <a:schemeClr val="accent1"/>
+        </a:buClr>
+        <a:buSzPct val="115000"/>
+        <a:buFont typeface="Arial"/>
+        <a:buChar char="•"/>
+        <a:defRPr sz="1600" kern="1200" cap="none">
+          <a:solidFill>
+            <a:schemeClr val="tx1">
+              <a:lumMod val="85000"/>
+              <a:lumOff val="15000"/>
+            </a:schemeClr>
+          </a:solidFill>
+          <a:effectLst/>
+          <a:latin typeface="+mn-lt"/>
+          <a:ea typeface="+mn-ea"/>
+          <a:cs typeface="+mn-cs"/>
+        </a:defRPr>
+      </a:lvl4pPr>
+      <a:lvl5pPr marL="2000250" indent="-171450" algn="l" defTabSz="457200" rtl="0" eaLnBrk="1" latinLnBrk="0" hangingPunct="1">
+        <a:spcBef>
+          <a:spcPct val="20000"/>
+        </a:spcBef>
+        <a:spcAft>
+          <a:spcPts val="600"/>
+        </a:spcAft>
+        <a:buClr>
+          <a:schemeClr val="accent1"/>
+        </a:buClr>
+        <a:buSzPct val="115000"/>
+        <a:buFont typeface="Arial"/>
+        <a:buChar char="•"/>
+        <a:defRPr sz="1400" kern="1200" cap="none">
+          <a:solidFill>
+            <a:schemeClr val="tx1">
+              <a:lumMod val="85000"/>
+              <a:lumOff val="15000"/>
+            </a:schemeClr>
+          </a:solidFill>
+          <a:effectLst/>
+          <a:latin typeface="+mn-lt"/>
+          <a:ea typeface="+mn-ea"/>
+          <a:cs typeface="+mn-cs"/>
+        </a:defRPr>
+      </a:lvl5pPr>
+      <a:lvl6pPr marL="2514600" indent="-228600" algn="l" defTabSz="457200" rtl="0" eaLnBrk="1" latinLnBrk="0" hangingPunct="1">
+        <a:spcBef>
+          <a:spcPct val="20000"/>
+        </a:spcBef>
+        <a:spcAft>
+          <a:spcPts val="600"/>
+        </a:spcAft>
+        <a:buClr>
+          <a:schemeClr val="accent1"/>
+        </a:buClr>
+        <a:buSzPct val="115000"/>
+        <a:buFont typeface="Arial"/>
+        <a:buChar char="•"/>
+        <a:defRPr sz="1400" kern="1200" cap="none">
+          <a:solidFill>
+            <a:schemeClr val="tx1">
+              <a:lumMod val="85000"/>
+              <a:lumOff val="15000"/>
+            </a:schemeClr>
+          </a:solidFill>
+          <a:effectLst/>
+          <a:latin typeface="+mn-lt"/>
+          <a:ea typeface="+mn-ea"/>
+          <a:cs typeface="+mn-cs"/>
+        </a:defRPr>
+      </a:lvl6pPr>
+      <a:lvl7pPr marL="2971800" indent="-228600" algn="l" defTabSz="457200" rtl="0" eaLnBrk="1" latinLnBrk="0" hangingPunct="1">
+        <a:spcBef>
+          <a:spcPct val="20000"/>
+        </a:spcBef>
+        <a:spcAft>
+          <a:spcPts val="600"/>
+        </a:spcAft>
+        <a:buClr>
+          <a:schemeClr val="accent1"/>
+        </a:buClr>
+        <a:buSzPct val="115000"/>
+        <a:buFont typeface="Arial"/>
+        <a:buChar char="•"/>
+        <a:defRPr sz="1400" kern="1200" cap="none">
+          <a:solidFill>
+            <a:schemeClr val="tx1">
+              <a:lumMod val="85000"/>
+              <a:lumOff val="15000"/>
+            </a:schemeClr>
+          </a:solidFill>
+          <a:effectLst/>
+          <a:latin typeface="+mn-lt"/>
+          <a:ea typeface="+mn-ea"/>
+          <a:cs typeface="+mn-cs"/>
+        </a:defRPr>
+      </a:lvl7pPr>
+      <a:lvl8pPr marL="3429000" indent="-228600" algn="l" defTabSz="457200" rtl="0" eaLnBrk="1" latinLnBrk="0" hangingPunct="1">
+        <a:spcBef>
+          <a:spcPct val="20000"/>
+        </a:spcBef>
+        <a:spcAft>
+          <a:spcPts val="600"/>
+        </a:spcAft>
+        <a:buClr>
+          <a:schemeClr val="accent1"/>
+        </a:buClr>
+        <a:buSzPct val="115000"/>
+        <a:buFont typeface="Arial"/>
+        <a:buChar char="•"/>
+        <a:defRPr sz="1400" kern="1200" cap="none">
+          <a:solidFill>
+            <a:schemeClr val="tx1">
+              <a:lumMod val="85000"/>
+              <a:lumOff val="15000"/>
+            </a:schemeClr>
+          </a:solidFill>
+          <a:effectLst/>
+          <a:latin typeface="+mn-lt"/>
+          <a:ea typeface="+mn-ea"/>
+          <a:cs typeface="+mn-cs"/>
+        </a:defRPr>
+      </a:lvl8pPr>
+      <a:lvl9pPr marL="3886200" indent="-228600" algn="l" defTabSz="457200" rtl="0" eaLnBrk="1" latinLnBrk="0" hangingPunct="1">
+        <a:spcBef>
+          <a:spcPct val="20000"/>
+        </a:spcBef>
+        <a:spcAft>
+          <a:spcPts val="600"/>
+        </a:spcAft>
+        <a:buClr>
+          <a:schemeClr val="accent1"/>
+        </a:buClr>
+        <a:buSzPct val="115000"/>
+        <a:buFont typeface="Arial"/>
+        <a:buChar char="•"/>
+        <a:defRPr sz="1400" kern="1200" cap="none">
+          <a:solidFill>
+            <a:schemeClr val="tx1">
+              <a:lumMod val="85000"/>
+              <a:lumOff val="15000"/>
+            </a:schemeClr>
+          </a:solidFill>
+          <a:effectLst/>
+          <a:latin typeface="+mn-lt"/>
+          <a:ea typeface="+mn-ea"/>
+          <a:cs typeface="+mn-cs"/>
+        </a:defRPr>
+      </a:lvl9pPr>
+    </p:bodyStyle>
+    <p:otherStyle>
+      <a:defPPr>
+        <a:defRPr lang="en-US"/>
+      </a:defPPr>
+      <a:lvl1pPr marL="0" algn="l" defTabSz="457200" rtl="0" eaLnBrk="1" latinLnBrk="0" hangingPunct="1">
+        <a:defRPr sz="1800" kern="1200">
+          <a:solidFill>
+            <a:schemeClr val="tx1"/>
+          </a:solidFill>
+          <a:latin typeface="+mn-lt"/>
+          <a:ea typeface="+mn-ea"/>
+          <a:cs typeface="+mn-cs"/>
+        </a:defRPr>
+      </a:lvl1pPr>
+      <a:lvl2pPr marL="457200" algn="l" defTabSz="457200" rtl="0" eaLnBrk="1" latinLnBrk="0" hangingPunct="1">
+        <a:defRPr sz="1800" kern="1200">
+          <a:solidFill>
+            <a:schemeClr val="tx1"/>
+          </a:solidFill>
+          <a:latin typeface="+mn-lt"/>
+          <a:ea typeface="+mn-ea"/>
+          <a:cs typeface="+mn-cs"/>
+        </a:defRPr>
+      </a:lvl2pPr>
+      <a:lvl3pPr marL="914400" algn="l" defTabSz="457200" rtl="0" eaLnBrk="1" latinLnBrk="0" hangingPunct="1">
+        <a:defRPr sz="1800" kern="1200">
+          <a:solidFill>
+            <a:schemeClr val="tx1"/>
+          </a:solidFill>
+          <a:latin typeface="+mn-lt"/>
+          <a:ea typeface="+mn-ea"/>
+          <a:cs typeface="+mn-cs"/>
+        </a:defRPr>
+      </a:lvl3pPr>
+      <a:lvl4pPr marL="1371600" algn="l" defTabSz="457200" rtl="0" eaLnBrk="1" latinLnBrk="0" hangingPunct="1">
+        <a:defRPr sz="1800" kern="1200">
+          <a:solidFill>
+            <a:schemeClr val="tx1"/>
+          </a:solidFill>
+          <a:latin typeface="+mn-lt"/>
+          <a:ea typeface="+mn-ea"/>
+          <a:cs typeface="+mn-cs"/>
+        </a:defRPr>
+      </a:lvl4pPr>
+      <a:lvl5pPr marL="1828800" algn="l" defTabSz="457200" rtl="0" eaLnBrk="1" latinLnBrk="0" hangingPunct="1">
+        <a:defRPr sz="1800" kern="1200">
+          <a:solidFill>
+            <a:schemeClr val="tx1"/>
+          </a:solidFill>
+          <a:latin typeface="+mn-lt"/>
+          <a:ea typeface="+mn-ea"/>
+          <a:cs typeface="+mn-cs"/>
+        </a:defRPr>
+      </a:lvl5pPr>
+      <a:lvl6pPr marL="2286000" algn="l" defTabSz="457200" rtl="0" eaLnBrk="1" latinLnBrk="0" hangingPunct="1">
+        <a:defRPr sz="1800" kern="1200">
+          <a:solidFill>
+            <a:schemeClr val="tx1"/>
+          </a:solidFill>
+          <a:latin typeface="+mn-lt"/>
+          <a:ea typeface="+mn-ea"/>
+          <a:cs typeface="+mn-cs"/>
+        </a:defRPr>
+      </a:lvl6pPr>
+      <a:lvl7pPr marL="2743200" algn="l" defTabSz="457200" rtl="0" eaLnBrk="1" latinLnBrk="0" hangingPunct="1">
+        <a:defRPr sz="1800" kern="1200">
+          <a:solidFill>
+            <a:schemeClr val="tx1"/>
+          </a:solidFill>
+          <a:latin typeface="+mn-lt"/>
+          <a:ea typeface="+mn-ea"/>
+          <a:cs typeface="+mn-cs"/>
+        </a:defRPr>
+      </a:lvl7pPr>
+      <a:lvl8pPr marL="3200400" algn="l" defTabSz="457200" rtl="0" eaLnBrk="1" latinLnBrk="0" hangingPunct="1">
+        <a:defRPr sz="1800" kern="1200">
+          <a:solidFill>
+            <a:schemeClr val="tx1"/>
+          </a:solidFill>
+          <a:latin typeface="+mn-lt"/>
+          <a:ea typeface="+mn-ea"/>
+          <a:cs typeface="+mn-cs"/>
+        </a:defRPr>
+      </a:lvl8pPr>
+      <a:lvl9pPr marL="3657600" algn="l" defTabSz="457200" rtl="0" eaLnBrk="1" latinLnBrk="0" hangingPunct="1">
+        <a:defRPr sz="1800" kern="1200">
+          <a:solidFill>
+            <a:schemeClr val="tx1"/>
+          </a:solidFill>
+          <a:latin typeface="+mn-lt"/>
+          <a:ea typeface="+mn-ea"/>
+          <a:cs typeface="+mn-cs"/>
+        </a:defRPr>
+      </a:lvl9pPr>
+    </p:otherStyle>
+  </p:txStyles>
+</p:sldMaster>
+</file>
+
 <file path=ppt/slides/slide1.xml><?xml version="1.0" encoding="utf-8"?>
 <p:sld xmlns:a="http://schemas.openxmlformats.org/drawingml/2006/main" xmlns:r="http://schemas.openxmlformats.org/officeDocument/2006/relationships" xmlns:p="http://schemas.openxmlformats.org/presentationml/2006/main">
   <p:cSld>
@@ -8891,6 +14500,59 @@
 </p:sld>
 </file>
 
+<file path=ppt/slides/slide10.xml><?xml version="1.0" encoding="utf-8"?>
+<p:sld xmlns:a="http://schemas.openxmlformats.org/drawingml/2006/main" xmlns:r="http://schemas.openxmlformats.org/officeDocument/2006/relationships" xmlns:p="http://schemas.openxmlformats.org/presentationml/2006/main">
+  <p:cSld>
+    <p:spTree>
+      <p:nvGrpSpPr>
+        <p:cNvPr id="1" name=""/>
+        <p:cNvGrpSpPr/>
+        <p:nvPr/>
+      </p:nvGrpSpPr>
+      <p:grpSpPr>
+        <a:xfrm>
+          <a:off x="0" y="0"/>
+          <a:ext cx="0" cy="0"/>
+          <a:chOff x="0" y="0"/>
+          <a:chExt cx="0" cy="0"/>
+        </a:xfrm>
+      </p:grpSpPr>
+      <p:sp>
+        <p:nvSpPr>
+          <p:cNvPr id="5" name="Rubrik 4"/>
+          <p:cNvSpPr>
+            <a:spLocks noGrp="1"/>
+          </p:cNvSpPr>
+          <p:nvPr>
+            <p:ph type="title"/>
+          </p:nvPr>
+        </p:nvSpPr>
+        <p:spPr/>
+        <p:txBody>
+          <a:bodyPr/>
+          <a:lstStyle/>
+          <a:p>
+            <a:r>
+              <a:rPr lang="sv-SE" dirty="0" smtClean="0"/>
+              <a:t>Frågor?</a:t>
+            </a:r>
+            <a:endParaRPr lang="sv-SE" dirty="0"/>
+          </a:p>
+        </p:txBody>
+      </p:sp>
+    </p:spTree>
+    <p:extLst>
+      <p:ext uri="{BB962C8B-B14F-4D97-AF65-F5344CB8AC3E}">
+        <p14:creationId xmlns:p14="http://schemas.microsoft.com/office/powerpoint/2010/main" val="3335762518"/>
+      </p:ext>
+    </p:extLst>
+  </p:cSld>
+  <p:clrMapOvr>
+    <a:masterClrMapping/>
+  </p:clrMapOvr>
+</p:sld>
+</file>
+
 <file path=ppt/slides/slide2.xml><?xml version="1.0" encoding="utf-8"?>
 <p:sld xmlns:a="http://schemas.openxmlformats.org/drawingml/2006/main" xmlns:r="http://schemas.openxmlformats.org/officeDocument/2006/relationships" xmlns:p="http://schemas.openxmlformats.org/presentationml/2006/main">
   <p:cSld>
@@ -8920,13 +14582,15 @@
         </p:nvSpPr>
         <p:spPr/>
         <p:txBody>
-          <a:bodyPr/>
+          <a:bodyPr>
+            <a:normAutofit/>
+          </a:bodyPr>
           <a:lstStyle/>
           <a:p>
             <a:pPr algn="ctr"/>
             <a:r>
               <a:rPr lang="sv-SE" b="1" dirty="0" smtClean="0"/>
-              <a:t>Statistik</a:t>
+              <a:t>Statistik 2010-2016</a:t>
             </a:r>
             <a:endParaRPr lang="sv-SE" b="1" dirty="0"/>
           </a:p>
@@ -8939,14 +14603,14 @@
           <p:nvPr>
             <p:extLst>
               <p:ext uri="{D42A27DB-BD31-4B8C-83A1-F6EECF244321}">
-                <p14:modId xmlns:p14="http://schemas.microsoft.com/office/powerpoint/2010/main" val="14646213"/>
+                <p14:modId xmlns:p14="http://schemas.microsoft.com/office/powerpoint/2010/main" val="596738294"/>
               </p:ext>
             </p:extLst>
           </p:nvPr>
         </p:nvGraphicFramePr>
         <p:xfrm>
-          <a:off x="0" y="1825625"/>
-          <a:ext cx="6094800" cy="5032374"/>
+          <a:off x="976800" y="1955408"/>
+          <a:ext cx="5120640" cy="4396153"/>
         </p:xfrm>
         <a:graphic>
           <a:graphicData uri="http://schemas.openxmlformats.org/drawingml/2006/chart">
@@ -8961,14 +14625,14 @@
           <p:nvPr>
             <p:extLst>
               <p:ext uri="{D42A27DB-BD31-4B8C-83A1-F6EECF244321}">
-                <p14:modId xmlns:p14="http://schemas.microsoft.com/office/powerpoint/2010/main" val="3993483135"/>
+                <p14:modId xmlns:p14="http://schemas.microsoft.com/office/powerpoint/2010/main" val="4275330053"/>
               </p:ext>
             </p:extLst>
           </p:nvPr>
         </p:nvGraphicFramePr>
         <p:xfrm>
-          <a:off x="6093600" y="1825623"/>
-          <a:ext cx="6098400" cy="5032375"/>
+          <a:off x="6096000" y="1955408"/>
+          <a:ext cx="5119200" cy="4395600"/>
         </p:xfrm>
         <a:graphic>
           <a:graphicData uri="http://schemas.openxmlformats.org/drawingml/2006/chart">
@@ -9044,14 +14708,14 @@
           <p:nvPr>
             <p:extLst>
               <p:ext uri="{D42A27DB-BD31-4B8C-83A1-F6EECF244321}">
-                <p14:modId xmlns:p14="http://schemas.microsoft.com/office/powerpoint/2010/main" val="3964151176"/>
+                <p14:modId xmlns:p14="http://schemas.microsoft.com/office/powerpoint/2010/main" val="2150043569"/>
               </p:ext>
             </p:extLst>
           </p:nvPr>
         </p:nvGraphicFramePr>
         <p:xfrm>
-          <a:off x="2254008" y="1690688"/>
-          <a:ext cx="7683984" cy="5167312"/>
+          <a:off x="2891705" y="1948375"/>
+          <a:ext cx="6408590" cy="4403188"/>
         </p:xfrm>
         <a:graphic>
           <a:graphicData uri="http://schemas.openxmlformats.org/drawingml/2006/chart">
@@ -9076,6 +14740,620 @@
       </p:par>
     </p:tnLst>
   </p:timing>
+</p:sld>
+</file>
+
+<file path=ppt/slides/slide4.xml><?xml version="1.0" encoding="utf-8"?>
+<p:sld xmlns:a="http://schemas.openxmlformats.org/drawingml/2006/main" xmlns:r="http://schemas.openxmlformats.org/officeDocument/2006/relationships" xmlns:p="http://schemas.openxmlformats.org/presentationml/2006/main">
+  <p:cSld>
+    <p:spTree>
+      <p:nvGrpSpPr>
+        <p:cNvPr id="1" name=""/>
+        <p:cNvGrpSpPr/>
+        <p:nvPr/>
+      </p:nvGrpSpPr>
+      <p:grpSpPr>
+        <a:xfrm>
+          <a:off x="0" y="0"/>
+          <a:ext cx="0" cy="0"/>
+          <a:chOff x="0" y="0"/>
+          <a:chExt cx="0" cy="0"/>
+        </a:xfrm>
+      </p:grpSpPr>
+      <p:sp>
+        <p:nvSpPr>
+          <p:cNvPr id="2" name="Rubrik 1"/>
+          <p:cNvSpPr>
+            <a:spLocks noGrp="1"/>
+          </p:cNvSpPr>
+          <p:nvPr>
+            <p:ph type="title"/>
+          </p:nvPr>
+        </p:nvSpPr>
+        <p:spPr/>
+        <p:txBody>
+          <a:bodyPr>
+            <a:normAutofit/>
+          </a:bodyPr>
+          <a:lstStyle/>
+          <a:p>
+            <a:r>
+              <a:rPr lang="sv-SE" dirty="0" smtClean="0"/>
+              <a:t>Vårt projekt</a:t>
+            </a:r>
+            <a:endParaRPr lang="sv-SE" dirty="0"/>
+          </a:p>
+        </p:txBody>
+      </p:sp>
+      <p:sp>
+        <p:nvSpPr>
+          <p:cNvPr id="3" name="Platshållare för innehåll 2"/>
+          <p:cNvSpPr>
+            <a:spLocks noGrp="1"/>
+          </p:cNvSpPr>
+          <p:nvPr>
+            <p:ph idx="1"/>
+          </p:nvPr>
+        </p:nvSpPr>
+        <p:spPr/>
+        <p:txBody>
+          <a:bodyPr/>
+          <a:lstStyle/>
+          <a:p>
+            <a:r>
+              <a:rPr lang="sv-SE" dirty="0" err="1" smtClean="0"/>
+              <a:t>Tutorial</a:t>
+            </a:r>
+            <a:endParaRPr lang="sv-SE" dirty="0" smtClean="0"/>
+          </a:p>
+          <a:p>
+            <a:r>
+              <a:rPr lang="sv-SE" dirty="0" smtClean="0"/>
+              <a:t>Till för alla</a:t>
+            </a:r>
+          </a:p>
+          <a:p>
+            <a:r>
+              <a:rPr lang="sv-SE" dirty="0" smtClean="0"/>
+              <a:t>Lättsamt och lärorikt</a:t>
+            </a:r>
+          </a:p>
+          <a:p>
+            <a:r>
+              <a:rPr lang="sv-SE" dirty="0" smtClean="0"/>
+              <a:t>Programmering</a:t>
+            </a:r>
+          </a:p>
+          <a:p>
+            <a:r>
+              <a:rPr lang="sv-SE" dirty="0" err="1" smtClean="0"/>
+              <a:t>Learnyouahaskell</a:t>
+            </a:r>
+            <a:endParaRPr lang="sv-SE" dirty="0" smtClean="0"/>
+          </a:p>
+        </p:txBody>
+      </p:sp>
+    </p:spTree>
+    <p:extLst>
+      <p:ext uri="{BB962C8B-B14F-4D97-AF65-F5344CB8AC3E}">
+        <p14:creationId xmlns:p14="http://schemas.microsoft.com/office/powerpoint/2010/main" val="2390353693"/>
+      </p:ext>
+    </p:extLst>
+  </p:cSld>
+  <p:clrMapOvr>
+    <a:masterClrMapping/>
+  </p:clrMapOvr>
+</p:sld>
+</file>
+
+<file path=ppt/slides/slide5.xml><?xml version="1.0" encoding="utf-8"?>
+<p:sld xmlns:a="http://schemas.openxmlformats.org/drawingml/2006/main" xmlns:r="http://schemas.openxmlformats.org/officeDocument/2006/relationships" xmlns:p="http://schemas.openxmlformats.org/presentationml/2006/main">
+  <p:cSld>
+    <p:spTree>
+      <p:nvGrpSpPr>
+        <p:cNvPr id="1" name=""/>
+        <p:cNvGrpSpPr/>
+        <p:nvPr/>
+      </p:nvGrpSpPr>
+      <p:grpSpPr>
+        <a:xfrm>
+          <a:off x="0" y="0"/>
+          <a:ext cx="0" cy="0"/>
+          <a:chOff x="0" y="0"/>
+          <a:chExt cx="0" cy="0"/>
+        </a:xfrm>
+      </p:grpSpPr>
+      <p:sp>
+        <p:nvSpPr>
+          <p:cNvPr id="2" name="Rubrik 1"/>
+          <p:cNvSpPr>
+            <a:spLocks noGrp="1"/>
+          </p:cNvSpPr>
+          <p:nvPr>
+            <p:ph type="title"/>
+          </p:nvPr>
+        </p:nvSpPr>
+        <p:spPr>
+          <a:xfrm>
+            <a:off x="1295402" y="982132"/>
+            <a:ext cx="9601196" cy="1303867"/>
+          </a:xfrm>
+        </p:spPr>
+        <p:txBody>
+          <a:bodyPr>
+            <a:normAutofit/>
+          </a:bodyPr>
+          <a:lstStyle/>
+          <a:p>
+            <a:r>
+              <a:rPr lang="sv-SE" dirty="0" smtClean="0"/>
+              <a:t>Undersökningar</a:t>
+            </a:r>
+            <a:endParaRPr lang="sv-SE" dirty="0"/>
+          </a:p>
+        </p:txBody>
+      </p:sp>
+      <p:sp>
+        <p:nvSpPr>
+          <p:cNvPr id="3" name="Platshållare för innehåll 2"/>
+          <p:cNvSpPr>
+            <a:spLocks noGrp="1"/>
+          </p:cNvSpPr>
+          <p:nvPr>
+            <p:ph idx="1"/>
+          </p:nvPr>
+        </p:nvSpPr>
+        <p:spPr/>
+        <p:txBody>
+          <a:bodyPr/>
+          <a:lstStyle/>
+          <a:p>
+            <a:r>
+              <a:rPr lang="sv-SE" dirty="0" smtClean="0"/>
+              <a:t>Intervju med examinatorer</a:t>
+            </a:r>
+          </a:p>
+          <a:p>
+            <a:r>
+              <a:rPr lang="sv-SE" dirty="0" smtClean="0"/>
+              <a:t>Enkät till studenter</a:t>
+            </a:r>
+          </a:p>
+          <a:p>
+            <a:r>
+              <a:rPr lang="sv-SE" dirty="0" smtClean="0"/>
+              <a:t>Kontakta oss i pausen!</a:t>
+            </a:r>
+          </a:p>
+        </p:txBody>
+      </p:sp>
+    </p:spTree>
+    <p:extLst>
+      <p:ext uri="{BB962C8B-B14F-4D97-AF65-F5344CB8AC3E}">
+        <p14:creationId xmlns:p14="http://schemas.microsoft.com/office/powerpoint/2010/main" val="513652797"/>
+      </p:ext>
+    </p:extLst>
+  </p:cSld>
+  <p:clrMapOvr>
+    <a:masterClrMapping/>
+  </p:clrMapOvr>
+</p:sld>
+</file>
+
+<file path=ppt/slides/slide6.xml><?xml version="1.0" encoding="utf-8"?>
+<p:sld xmlns:a="http://schemas.openxmlformats.org/drawingml/2006/main" xmlns:r="http://schemas.openxmlformats.org/officeDocument/2006/relationships" xmlns:p="http://schemas.openxmlformats.org/presentationml/2006/main">
+  <p:cSld>
+    <p:spTree>
+      <p:nvGrpSpPr>
+        <p:cNvPr id="1" name=""/>
+        <p:cNvGrpSpPr/>
+        <p:nvPr/>
+      </p:nvGrpSpPr>
+      <p:grpSpPr>
+        <a:xfrm>
+          <a:off x="0" y="0"/>
+          <a:ext cx="0" cy="0"/>
+          <a:chOff x="0" y="0"/>
+          <a:chExt cx="0" cy="0"/>
+        </a:xfrm>
+      </p:grpSpPr>
+      <p:sp>
+        <p:nvSpPr>
+          <p:cNvPr id="2" name="Rubrik 1"/>
+          <p:cNvSpPr>
+            <a:spLocks noGrp="1"/>
+          </p:cNvSpPr>
+          <p:nvPr>
+            <p:ph type="title"/>
+          </p:nvPr>
+        </p:nvSpPr>
+        <p:spPr/>
+        <p:txBody>
+          <a:bodyPr>
+            <a:normAutofit/>
+          </a:bodyPr>
+          <a:lstStyle/>
+          <a:p>
+            <a:r>
+              <a:rPr lang="sv-SE" dirty="0" err="1" smtClean="0"/>
+              <a:t>Tutorial</a:t>
+            </a:r>
+            <a:endParaRPr lang="sv-SE" dirty="0"/>
+          </a:p>
+        </p:txBody>
+      </p:sp>
+      <p:sp>
+        <p:nvSpPr>
+          <p:cNvPr id="3" name="Platshållare för innehåll 2"/>
+          <p:cNvSpPr>
+            <a:spLocks noGrp="1"/>
+          </p:cNvSpPr>
+          <p:nvPr>
+            <p:ph idx="1"/>
+          </p:nvPr>
+        </p:nvSpPr>
+        <p:spPr/>
+        <p:txBody>
+          <a:bodyPr/>
+          <a:lstStyle/>
+          <a:p>
+            <a:r>
+              <a:rPr lang="sv-SE" dirty="0" smtClean="0"/>
+              <a:t>PDF</a:t>
+            </a:r>
+          </a:p>
+          <a:p>
+            <a:r>
+              <a:rPr lang="sv-SE" dirty="0" smtClean="0"/>
+              <a:t>Uppgifter till kapitlen</a:t>
+            </a:r>
+            <a:endParaRPr lang="sv-SE" dirty="0"/>
+          </a:p>
+          <a:p>
+            <a:r>
+              <a:rPr lang="sv-SE" dirty="0" smtClean="0"/>
+              <a:t>Komplement, inte ersättning</a:t>
+            </a:r>
+            <a:endParaRPr lang="sv-SE" dirty="0"/>
+          </a:p>
+        </p:txBody>
+      </p:sp>
+    </p:spTree>
+    <p:extLst>
+      <p:ext uri="{BB962C8B-B14F-4D97-AF65-F5344CB8AC3E}">
+        <p14:creationId xmlns:p14="http://schemas.microsoft.com/office/powerpoint/2010/main" val="2018478518"/>
+      </p:ext>
+    </p:extLst>
+  </p:cSld>
+  <p:clrMapOvr>
+    <a:masterClrMapping/>
+  </p:clrMapOvr>
+</p:sld>
+</file>
+
+<file path=ppt/slides/slide7.xml><?xml version="1.0" encoding="utf-8"?>
+<p:sld xmlns:a="http://schemas.openxmlformats.org/drawingml/2006/main" xmlns:r="http://schemas.openxmlformats.org/officeDocument/2006/relationships" xmlns:p="http://schemas.openxmlformats.org/presentationml/2006/main">
+  <p:cSld>
+    <p:spTree>
+      <p:nvGrpSpPr>
+        <p:cNvPr id="1" name=""/>
+        <p:cNvGrpSpPr/>
+        <p:nvPr/>
+      </p:nvGrpSpPr>
+      <p:grpSpPr>
+        <a:xfrm>
+          <a:off x="0" y="0"/>
+          <a:ext cx="0" cy="0"/>
+          <a:chOff x="0" y="0"/>
+          <a:chExt cx="0" cy="0"/>
+        </a:xfrm>
+      </p:grpSpPr>
+      <p:sp>
+        <p:nvSpPr>
+          <p:cNvPr id="2" name="Rubrik 1"/>
+          <p:cNvSpPr>
+            <a:spLocks noGrp="1"/>
+          </p:cNvSpPr>
+          <p:nvPr>
+            <p:ph type="title"/>
+          </p:nvPr>
+        </p:nvSpPr>
+        <p:spPr/>
+        <p:txBody>
+          <a:bodyPr/>
+          <a:lstStyle/>
+          <a:p>
+            <a:r>
+              <a:rPr lang="sv-SE" dirty="0" smtClean="0"/>
+              <a:t>Bakgrund</a:t>
+            </a:r>
+            <a:endParaRPr lang="sv-SE" dirty="0"/>
+          </a:p>
+        </p:txBody>
+      </p:sp>
+      <p:sp>
+        <p:nvSpPr>
+          <p:cNvPr id="3" name="Platshållare för innehåll 2"/>
+          <p:cNvSpPr>
+            <a:spLocks noGrp="1"/>
+          </p:cNvSpPr>
+          <p:nvPr>
+            <p:ph idx="1"/>
+          </p:nvPr>
+        </p:nvSpPr>
+        <p:spPr/>
+        <p:txBody>
+          <a:bodyPr/>
+          <a:lstStyle/>
+          <a:p>
+            <a:r>
+              <a:rPr lang="sv-SE" dirty="0" smtClean="0"/>
+              <a:t>PA</a:t>
+            </a:r>
+          </a:p>
+          <a:p>
+            <a:r>
+              <a:rPr lang="sv-SE" dirty="0" err="1" smtClean="0"/>
+              <a:t>DSLsofMath</a:t>
+            </a:r>
+            <a:r>
+              <a:rPr lang="sv-SE" dirty="0" smtClean="0"/>
+              <a:t> – Kurs</a:t>
+            </a:r>
+          </a:p>
+          <a:p>
+            <a:endParaRPr lang="sv-SE" dirty="0"/>
+          </a:p>
+        </p:txBody>
+      </p:sp>
+    </p:spTree>
+    <p:extLst>
+      <p:ext uri="{BB962C8B-B14F-4D97-AF65-F5344CB8AC3E}">
+        <p14:creationId xmlns:p14="http://schemas.microsoft.com/office/powerpoint/2010/main" val="312239096"/>
+      </p:ext>
+    </p:extLst>
+  </p:cSld>
+  <p:clrMapOvr>
+    <a:masterClrMapping/>
+  </p:clrMapOvr>
+</p:sld>
+</file>
+
+<file path=ppt/slides/slide8.xml><?xml version="1.0" encoding="utf-8"?>
+<p:sld xmlns:a="http://schemas.openxmlformats.org/drawingml/2006/main" xmlns:r="http://schemas.openxmlformats.org/officeDocument/2006/relationships" xmlns:p="http://schemas.openxmlformats.org/presentationml/2006/main">
+  <p:cSld>
+    <p:spTree>
+      <p:nvGrpSpPr>
+        <p:cNvPr id="1" name=""/>
+        <p:cNvGrpSpPr/>
+        <p:nvPr/>
+      </p:nvGrpSpPr>
+      <p:grpSpPr>
+        <a:xfrm>
+          <a:off x="0" y="0"/>
+          <a:ext cx="0" cy="0"/>
+          <a:chOff x="0" y="0"/>
+          <a:chExt cx="0" cy="0"/>
+        </a:xfrm>
+      </p:grpSpPr>
+      <p:sp>
+        <p:nvSpPr>
+          <p:cNvPr id="2" name="Rubrik 1"/>
+          <p:cNvSpPr>
+            <a:spLocks noGrp="1"/>
+          </p:cNvSpPr>
+          <p:nvPr>
+            <p:ph type="title"/>
+          </p:nvPr>
+        </p:nvSpPr>
+        <p:spPr/>
+        <p:txBody>
+          <a:bodyPr/>
+          <a:lstStyle/>
+          <a:p>
+            <a:r>
+              <a:rPr lang="sv-SE" dirty="0" smtClean="0"/>
+              <a:t>Tekniskt</a:t>
+            </a:r>
+            <a:endParaRPr lang="sv-SE" dirty="0"/>
+          </a:p>
+        </p:txBody>
+      </p:sp>
+      <p:sp>
+        <p:nvSpPr>
+          <p:cNvPr id="3" name="Platshållare för innehåll 2"/>
+          <p:cNvSpPr>
+            <a:spLocks noGrp="1"/>
+          </p:cNvSpPr>
+          <p:nvPr>
+            <p:ph idx="1"/>
+          </p:nvPr>
+        </p:nvSpPr>
+        <p:spPr/>
+        <p:txBody>
+          <a:bodyPr/>
+          <a:lstStyle/>
+          <a:p>
+            <a:r>
+              <a:rPr lang="sv-SE" dirty="0" smtClean="0"/>
+              <a:t>Domän Specifika Språk</a:t>
+            </a:r>
+          </a:p>
+          <a:p>
+            <a:r>
+              <a:rPr lang="sv-SE" dirty="0" err="1" smtClean="0"/>
+              <a:t>Haskell</a:t>
+            </a:r>
+            <a:endParaRPr lang="sv-SE" dirty="0" smtClean="0"/>
+          </a:p>
+          <a:p>
+            <a:endParaRPr lang="sv-SE" dirty="0"/>
+          </a:p>
+        </p:txBody>
+      </p:sp>
+    </p:spTree>
+    <p:extLst>
+      <p:ext uri="{BB962C8B-B14F-4D97-AF65-F5344CB8AC3E}">
+        <p14:creationId xmlns:p14="http://schemas.microsoft.com/office/powerpoint/2010/main" val="1452589047"/>
+      </p:ext>
+    </p:extLst>
+  </p:cSld>
+  <p:clrMapOvr>
+    <a:masterClrMapping/>
+  </p:clrMapOvr>
+</p:sld>
+</file>
+
+<file path=ppt/slides/slide9.xml><?xml version="1.0" encoding="utf-8"?>
+<p:sld xmlns:a="http://schemas.openxmlformats.org/drawingml/2006/main" xmlns:r="http://schemas.openxmlformats.org/officeDocument/2006/relationships" xmlns:p="http://schemas.openxmlformats.org/presentationml/2006/main">
+  <p:cSld>
+    <p:spTree>
+      <p:nvGrpSpPr>
+        <p:cNvPr id="1" name=""/>
+        <p:cNvGrpSpPr/>
+        <p:nvPr/>
+      </p:nvGrpSpPr>
+      <p:grpSpPr>
+        <a:xfrm>
+          <a:off x="0" y="0"/>
+          <a:ext cx="0" cy="0"/>
+          <a:chOff x="0" y="0"/>
+          <a:chExt cx="0" cy="0"/>
+        </a:xfrm>
+      </p:grpSpPr>
+      <p:sp>
+        <p:nvSpPr>
+          <p:cNvPr id="2" name="Rubrik 1"/>
+          <p:cNvSpPr>
+            <a:spLocks noGrp="1"/>
+          </p:cNvSpPr>
+          <p:nvPr>
+            <p:ph type="title"/>
+          </p:nvPr>
+        </p:nvSpPr>
+        <p:spPr/>
+        <p:txBody>
+          <a:bodyPr/>
+          <a:lstStyle/>
+          <a:p>
+            <a:r>
+              <a:rPr lang="sv-SE" dirty="0" smtClean="0"/>
+              <a:t>Framtid</a:t>
+            </a:r>
+            <a:endParaRPr lang="sv-SE" dirty="0"/>
+          </a:p>
+        </p:txBody>
+      </p:sp>
+      <p:sp>
+        <p:nvSpPr>
+          <p:cNvPr id="4" name="Platshållare för innehåll 3"/>
+          <p:cNvSpPr>
+            <a:spLocks noGrp="1"/>
+          </p:cNvSpPr>
+          <p:nvPr>
+            <p:ph sz="half" idx="1"/>
+          </p:nvPr>
+        </p:nvSpPr>
+        <p:spPr/>
+        <p:txBody>
+          <a:bodyPr/>
+          <a:lstStyle/>
+          <a:p>
+            <a:pPr marL="0" indent="0">
+              <a:buNone/>
+            </a:pPr>
+            <a:r>
+              <a:rPr lang="sv-SE" dirty="0" smtClean="0"/>
+              <a:t>Avklarat</a:t>
+            </a:r>
+          </a:p>
+          <a:p>
+            <a:r>
+              <a:rPr lang="sv-SE" dirty="0" smtClean="0"/>
+              <a:t>Efterforskningar</a:t>
+            </a:r>
+          </a:p>
+          <a:p>
+            <a:r>
+              <a:rPr lang="sv-SE" dirty="0" smtClean="0"/>
+              <a:t>Inlärning	</a:t>
+            </a:r>
+            <a:endParaRPr lang="sv-SE" dirty="0"/>
+          </a:p>
+        </p:txBody>
+      </p:sp>
+      <p:sp>
+        <p:nvSpPr>
+          <p:cNvPr id="5" name="Platshållare för innehåll 4"/>
+          <p:cNvSpPr>
+            <a:spLocks noGrp="1"/>
+          </p:cNvSpPr>
+          <p:nvPr>
+            <p:ph sz="half" idx="2"/>
+          </p:nvPr>
+        </p:nvSpPr>
+        <p:spPr/>
+        <p:txBody>
+          <a:bodyPr/>
+          <a:lstStyle/>
+          <a:p>
+            <a:pPr marL="0" indent="0">
+              <a:buNone/>
+            </a:pPr>
+            <a:r>
+              <a:rPr lang="sv-SE" dirty="0" smtClean="0"/>
+              <a:t>Att göra</a:t>
+            </a:r>
+          </a:p>
+          <a:p>
+            <a:r>
+              <a:rPr lang="sv-SE" dirty="0" smtClean="0"/>
+              <a:t>Utlärning</a:t>
+            </a:r>
+          </a:p>
+          <a:p>
+            <a:r>
+              <a:rPr lang="sv-SE" dirty="0" smtClean="0"/>
+              <a:t>Uppgifter</a:t>
+            </a:r>
+          </a:p>
+          <a:p>
+            <a:r>
+              <a:rPr lang="sv-SE" dirty="0" smtClean="0"/>
+              <a:t>Testa </a:t>
+            </a:r>
+            <a:r>
+              <a:rPr lang="sv-SE" dirty="0" err="1" smtClean="0"/>
+              <a:t>tutorial</a:t>
+            </a:r>
+            <a:endParaRPr lang="sv-SE" dirty="0" smtClean="0"/>
+          </a:p>
+          <a:p>
+            <a:r>
+              <a:rPr lang="sv-SE" dirty="0" smtClean="0"/>
+              <a:t>Färdigställa </a:t>
+            </a:r>
+            <a:r>
+              <a:rPr lang="sv-SE" dirty="0" err="1" smtClean="0"/>
+              <a:t>tutorial</a:t>
+            </a:r>
+            <a:endParaRPr lang="sv-SE" dirty="0" smtClean="0"/>
+          </a:p>
+          <a:p>
+            <a:endParaRPr lang="sv-SE" dirty="0"/>
+          </a:p>
+        </p:txBody>
+      </p:sp>
+    </p:spTree>
+    <p:extLst>
+      <p:ext uri="{BB962C8B-B14F-4D97-AF65-F5344CB8AC3E}">
+        <p14:creationId xmlns:p14="http://schemas.microsoft.com/office/powerpoint/2010/main" val="599470262"/>
+      </p:ext>
+    </p:extLst>
+  </p:cSld>
+  <p:clrMapOvr>
+    <a:masterClrMapping/>
+  </p:clrMapOvr>
 </p:sld>
 </file>
 
@@ -9583,4 +15861,237 @@
   <a:objectDefaults/>
   <a:extraClrSchemeLst/>
 </a:theme>
+</file>
+
+<file path=ppt/theme/theme3.xml><?xml version="1.0" encoding="utf-8"?>
+<a:theme xmlns:a="http://schemas.openxmlformats.org/drawingml/2006/main" name="Organiskt">
+  <a:themeElements>
+    <a:clrScheme name="Organiskt">
+      <a:dk1>
+        <a:sysClr val="windowText" lastClr="000000"/>
+      </a:dk1>
+      <a:lt1>
+        <a:sysClr val="window" lastClr="FFFFFF"/>
+      </a:lt1>
+      <a:dk2>
+        <a:srgbClr val="212121"/>
+      </a:dk2>
+      <a:lt2>
+        <a:srgbClr val="DADADA"/>
+      </a:lt2>
+      <a:accent1>
+        <a:srgbClr val="83992A"/>
+      </a:accent1>
+      <a:accent2>
+        <a:srgbClr val="3C9770"/>
+      </a:accent2>
+      <a:accent3>
+        <a:srgbClr val="44709D"/>
+      </a:accent3>
+      <a:accent4>
+        <a:srgbClr val="A23C33"/>
+      </a:accent4>
+      <a:accent5>
+        <a:srgbClr val="D97828"/>
+      </a:accent5>
+      <a:accent6>
+        <a:srgbClr val="DEB340"/>
+      </a:accent6>
+      <a:hlink>
+        <a:srgbClr val="A8BF4D"/>
+      </a:hlink>
+      <a:folHlink>
+        <a:srgbClr val="B4CA80"/>
+      </a:folHlink>
+    </a:clrScheme>
+    <a:fontScheme name="Organiskt">
+      <a:majorFont>
+        <a:latin typeface="Garamond" panose="02020404030301010803"/>
+        <a:ea typeface=""/>
+        <a:cs typeface=""/>
+        <a:font script="Jpan" typeface="ＭＳ Ｐゴシック"/>
+        <a:font script="Hang" typeface="돋움"/>
+        <a:font script="Hans" typeface="方正舒体"/>
+        <a:font script="Hant" typeface="微軟正黑體"/>
+        <a:font script="Arab" typeface="Arial"/>
+        <a:font script="Hebr" typeface="Arial"/>
+        <a:font script="Thai" typeface="Cordia New"/>
+        <a:font script="Ethi" typeface="Nyala"/>
+        <a:font script="Beng" typeface="Vrinda"/>
+        <a:font script="Gujr" typeface="Shruti"/>
+        <a:font script="Khmr" typeface="DaunPenh"/>
+        <a:font script="Knda" typeface="Tunga"/>
+        <a:font script="Guru" typeface="Raavi"/>
+        <a:font script="Cans" typeface="Euphemia"/>
+        <a:font script="Cher" typeface="Plantagenet Cherokee"/>
+        <a:font script="Yiii" typeface="Microsoft Yi Baiti"/>
+        <a:font script="Tibt" typeface="Microsoft Himalaya"/>
+        <a:font script="Thaa" typeface="MV Boli"/>
+        <a:font script="Deva" typeface="Mangal"/>
+        <a:font script="Telu" typeface="Gautami"/>
+        <a:font script="Taml" typeface="Latha"/>
+        <a:font script="Syrc" typeface="Estrangelo Edessa"/>
+        <a:font script="Orya" typeface="Kalinga"/>
+        <a:font script="Mlym" typeface="Kartika"/>
+        <a:font script="Laoo" typeface="DokChampa"/>
+        <a:font script="Sinh" typeface="Iskoola Pota"/>
+        <a:font script="Mong" typeface="Mongolian Baiti"/>
+        <a:font script="Viet" typeface="Arial"/>
+        <a:font script="Uigh" typeface="Microsoft Uighur"/>
+        <a:font script="Geor" typeface="Sylfaen"/>
+      </a:majorFont>
+      <a:minorFont>
+        <a:latin typeface="Garamond" panose="02020404030301010803"/>
+        <a:ea typeface=""/>
+        <a:cs typeface=""/>
+        <a:font script="Jpan" typeface="ＭＳ Ｐ明朝"/>
+        <a:font script="Hang" typeface="바탕"/>
+        <a:font script="Hans" typeface="方正舒体"/>
+        <a:font script="Hant" typeface="新細明體"/>
+        <a:font script="Arab" typeface="Times New Roman"/>
+        <a:font script="Hebr" typeface="Times New Roman"/>
+        <a:font script="Thai" typeface="Angsana New"/>
+        <a:font script="Ethi" typeface="Nyala"/>
+        <a:font script="Beng" typeface="Vrinda"/>
+        <a:font script="Gujr" typeface="Shruti"/>
+        <a:font script="Khmr" typeface="MoolBoran"/>
+        <a:font script="Knda" typeface="Tunga"/>
+        <a:font script="Guru" typeface="Raavi"/>
+        <a:font script="Cans" typeface="Euphemia"/>
+        <a:font script="Cher" typeface="Plantagenet Cherokee"/>
+        <a:font script="Yiii" typeface="Microsoft Yi Baiti"/>
+        <a:font script="Tibt" typeface="Microsoft Himalaya"/>
+        <a:font script="Thaa" typeface="MV Boli"/>
+        <a:font script="Deva" typeface="Mangal"/>
+        <a:font script="Telu" typeface="Gautami"/>
+        <a:font script="Taml" typeface="Latha"/>
+        <a:font script="Syrc" typeface="Estrangelo Edessa"/>
+        <a:font script="Orya" typeface="Kalinga"/>
+        <a:font script="Mlym" typeface="Kartika"/>
+        <a:font script="Laoo" typeface="DokChampa"/>
+        <a:font script="Sinh" typeface="Iskoola Pota"/>
+        <a:font script="Mong" typeface="Mongolian Baiti"/>
+        <a:font script="Viet" typeface="Times New Roman"/>
+        <a:font script="Uigh" typeface="Microsoft Uighur"/>
+        <a:font script="Geor" typeface="Sylfaen"/>
+      </a:minorFont>
+    </a:fontScheme>
+    <a:fmtScheme name="Organiskt">
+      <a:fillStyleLst>
+        <a:solidFill>
+          <a:schemeClr val="phClr"/>
+        </a:solidFill>
+        <a:gradFill rotWithShape="1">
+          <a:gsLst>
+            <a:gs pos="0">
+              <a:schemeClr val="phClr">
+                <a:tint val="60000"/>
+                <a:lumMod val="110000"/>
+              </a:schemeClr>
+            </a:gs>
+            <a:gs pos="100000">
+              <a:schemeClr val="phClr">
+                <a:tint val="82000"/>
+              </a:schemeClr>
+            </a:gs>
+          </a:gsLst>
+          <a:lin ang="5400000" scaled="0"/>
+        </a:gradFill>
+        <a:blipFill>
+          <a:blip xmlns:r="http://schemas.openxmlformats.org/officeDocument/2006/relationships" r:embed="rId1">
+            <a:duotone>
+              <a:schemeClr val="phClr">
+                <a:shade val="74000"/>
+                <a:satMod val="130000"/>
+                <a:lumMod val="90000"/>
+              </a:schemeClr>
+              <a:schemeClr val="phClr">
+                <a:tint val="94000"/>
+                <a:satMod val="120000"/>
+                <a:lumMod val="104000"/>
+              </a:schemeClr>
+            </a:duotone>
+          </a:blip>
+          <a:tile tx="0" ty="0" sx="100000" sy="100000" flip="none" algn="tl"/>
+        </a:blipFill>
+      </a:fillStyleLst>
+      <a:lnStyleLst>
+        <a:ln w="9525" cap="flat" cmpd="sng" algn="ctr">
+          <a:solidFill>
+            <a:schemeClr val="phClr"/>
+          </a:solidFill>
+          <a:prstDash val="solid"/>
+        </a:ln>
+        <a:ln w="15875" cap="flat" cmpd="sng" algn="ctr">
+          <a:solidFill>
+            <a:schemeClr val="phClr"/>
+          </a:solidFill>
+          <a:prstDash val="solid"/>
+        </a:ln>
+        <a:ln w="25400" cap="flat" cmpd="sng" algn="ctr">
+          <a:solidFill>
+            <a:schemeClr val="phClr"/>
+          </a:solidFill>
+          <a:prstDash val="solid"/>
+        </a:ln>
+      </a:lnStyleLst>
+      <a:effectStyleLst>
+        <a:effectStyle>
+          <a:effectLst/>
+        </a:effectStyle>
+        <a:effectStyle>
+          <a:effectLst>
+            <a:innerShdw blurRad="25400" dist="12700" dir="13500000">
+              <a:srgbClr val="000000">
+                <a:alpha val="45000"/>
+              </a:srgbClr>
+            </a:innerShdw>
+          </a:effectLst>
+        </a:effectStyle>
+        <a:effectStyle>
+          <a:effectLst>
+            <a:outerShdw blurRad="38100" dist="25400" dir="5400000" rotWithShape="0">
+              <a:srgbClr val="000000">
+                <a:alpha val="60000"/>
+              </a:srgbClr>
+            </a:outerShdw>
+          </a:effectLst>
+        </a:effectStyle>
+      </a:effectStyleLst>
+      <a:bgFillStyleLst>
+        <a:solidFill>
+          <a:schemeClr val="phClr"/>
+        </a:solidFill>
+        <a:gradFill rotWithShape="1">
+          <a:gsLst>
+            <a:gs pos="0">
+              <a:schemeClr val="phClr">
+                <a:tint val="90000"/>
+                <a:lumMod val="110000"/>
+              </a:schemeClr>
+            </a:gs>
+            <a:gs pos="100000">
+              <a:schemeClr val="phClr">
+                <a:shade val="88000"/>
+                <a:lumMod val="98000"/>
+              </a:schemeClr>
+            </a:gs>
+          </a:gsLst>
+          <a:lin ang="5400000" scaled="0"/>
+        </a:gradFill>
+        <a:blipFill>
+          <a:blip xmlns:r="http://schemas.openxmlformats.org/officeDocument/2006/relationships" r:embed="rId2"/>
+          <a:stretch/>
+        </a:blipFill>
+      </a:bgFillStyleLst>
+    </a:fmtScheme>
+  </a:themeElements>
+  <a:objectDefaults/>
+  <a:extraClrSchemeLst/>
+  <a:extLst>
+    <a:ext uri="{05A4C25C-085E-4340-85A3-A5531E510DB2}">
+      <thm15:themeFamily xmlns:thm15="http://schemas.microsoft.com/office/thememl/2012/main" name="Organic" id="{28CDC826-8792-45C0-861B-85EB3ADEDA33}" vid="{7DAC20F1-423D-49E2-BD0B-50532748BAD0}"/>
+    </a:ext>
+  </a:extLst>
+</a:theme>
 </file>
--- a/Dokument/Halvtidspresentation/DSLsofMath.pptx
+++ b/Dokument/Halvtidspresentation/DSLsofMath.pptx
@@ -6,17 +6,25 @@
     <p:sldMasterId id="2147483776" r:id="rId2"/>
     <p:sldMasterId id="2147484042" r:id="rId3"/>
   </p:sldMasterIdLst>
+  <p:notesMasterIdLst>
+    <p:notesMasterId r:id="rId16"/>
+  </p:notesMasterIdLst>
+  <p:handoutMasterIdLst>
+    <p:handoutMasterId r:id="rId17"/>
+  </p:handoutMasterIdLst>
   <p:sldIdLst>
     <p:sldId id="256" r:id="rId4"/>
-    <p:sldId id="257" r:id="rId5"/>
-    <p:sldId id="258" r:id="rId6"/>
-    <p:sldId id="259" r:id="rId7"/>
-    <p:sldId id="260" r:id="rId8"/>
-    <p:sldId id="261" r:id="rId9"/>
-    <p:sldId id="262" r:id="rId10"/>
-    <p:sldId id="263" r:id="rId11"/>
-    <p:sldId id="264" r:id="rId12"/>
-    <p:sldId id="265" r:id="rId13"/>
+    <p:sldId id="266" r:id="rId5"/>
+    <p:sldId id="257" r:id="rId6"/>
+    <p:sldId id="258" r:id="rId7"/>
+    <p:sldId id="259" r:id="rId8"/>
+    <p:sldId id="267" r:id="rId9"/>
+    <p:sldId id="260" r:id="rId10"/>
+    <p:sldId id="261" r:id="rId11"/>
+    <p:sldId id="262" r:id="rId12"/>
+    <p:sldId id="263" r:id="rId13"/>
+    <p:sldId id="264" r:id="rId14"/>
+    <p:sldId id="265" r:id="rId15"/>
   </p:sldIdLst>
   <p:sldSz cx="12192000" cy="6858000"/>
   <p:notesSz cx="6858000" cy="9144000"/>
@@ -157,10 +165,9 @@
               </a:defRPr>
             </a:pPr>
             <a:r>
-              <a:rPr lang="en-US" dirty="0" err="1" smtClean="0"/>
+              <a:rPr lang="en-US"/>
               <a:t>Reglerteknik</a:t>
             </a:r>
-            <a:endParaRPr lang="en-US" dirty="0" smtClean="0"/>
           </a:p>
         </c:rich>
       </c:tx>
@@ -196,7 +203,17 @@
     </c:title>
     <c:autoTitleDeleted val="0"/>
     <c:plotArea>
-      <c:layout/>
+      <c:layout>
+        <c:manualLayout>
+          <c:layoutTarget val="inner"/>
+          <c:xMode val="edge"/>
+          <c:yMode val="edge"/>
+          <c:x val="0.21470480252468441"/>
+          <c:y val="0.21526798544090706"/>
+          <c:w val="0.59787233627046621"/>
+          <c:h val="0.69640183132843647"/>
+        </c:manualLayout>
+      </c:layout>
       <c:pieChart>
         <c:varyColors val="1"/>
         <c:ser>
@@ -213,18 +230,27 @@
               </c:strCache>
             </c:strRef>
           </c:tx>
-          <c:spPr>
-            <a:solidFill>
-              <a:srgbClr val="FF0000"/>
-            </a:solidFill>
-          </c:spPr>
           <c:dPt>
             <c:idx val="0"/>
             <c:bubble3D val="0"/>
             <c:spPr>
-              <a:solidFill>
-                <a:srgbClr val="00B050"/>
-              </a:solidFill>
+              <a:blipFill>
+                <a:blip xmlns:r="http://schemas.openxmlformats.org/officeDocument/2006/relationships" r:embed="rId3">
+                  <a:duotone>
+                    <a:schemeClr val="accent1">
+                      <a:shade val="74000"/>
+                      <a:satMod val="130000"/>
+                      <a:lumMod val="90000"/>
+                    </a:schemeClr>
+                    <a:schemeClr val="accent1">
+                      <a:tint val="94000"/>
+                      <a:satMod val="120000"/>
+                      <a:lumMod val="104000"/>
+                    </a:schemeClr>
+                  </a:duotone>
+                </a:blip>
+                <a:tile tx="0" ty="0" sx="100000" sy="100000" flip="none" algn="tl"/>
+              </a:blipFill>
               <a:ln>
                 <a:noFill/>
               </a:ln>
@@ -241,9 +267,23 @@
             <c:idx val="1"/>
             <c:bubble3D val="0"/>
             <c:spPr>
-              <a:solidFill>
-                <a:srgbClr val="FF0000"/>
-              </a:solidFill>
+              <a:blipFill>
+                <a:blip xmlns:r="http://schemas.openxmlformats.org/officeDocument/2006/relationships" r:embed="rId3">
+                  <a:duotone>
+                    <a:schemeClr val="accent2">
+                      <a:shade val="74000"/>
+                      <a:satMod val="130000"/>
+                      <a:lumMod val="90000"/>
+                    </a:schemeClr>
+                    <a:schemeClr val="accent2">
+                      <a:tint val="94000"/>
+                      <a:satMod val="120000"/>
+                      <a:lumMod val="104000"/>
+                    </a:schemeClr>
+                  </a:duotone>
+                </a:blip>
+                <a:tile tx="0" ty="0" sx="100000" sy="100000" flip="none" algn="tl"/>
+              </a:blipFill>
               <a:ln>
                 <a:noFill/>
               </a:ln>
@@ -262,22 +302,87 @@
               <c:layout/>
               <c:tx>
                 <c:rich>
-                  <a:bodyPr/>
+                  <a:bodyPr rot="0" spcFirstLastPara="1" vertOverflow="ellipsis" vert="horz" wrap="square" lIns="38100" tIns="19050" rIns="38100" bIns="19050" anchor="ctr" anchorCtr="1">
+                    <a:spAutoFit/>
+                  </a:bodyPr>
                   <a:lstStyle/>
                   <a:p>
+                    <a:pPr>
+                      <a:defRPr sz="1400" b="1" i="0" u="none" strike="noStrike" kern="1200" baseline="0">
+                        <a:solidFill>
+                          <a:schemeClr val="tx1"/>
+                        </a:solidFill>
+                        <a:latin typeface="+mn-lt"/>
+                        <a:ea typeface="+mn-ea"/>
+                        <a:cs typeface="+mn-cs"/>
+                      </a:defRPr>
+                    </a:pPr>
+                    <a:r>
+                      <a:rPr lang="en-US" sz="1400" b="1">
+                        <a:solidFill>
+                          <a:schemeClr val="tx1"/>
+                        </a:solidFill>
+                      </a:rPr>
+                      <a:t>Godkända </a:t>
+                    </a:r>
+                  </a:p>
+                  <a:p>
+                    <a:pPr>
+                      <a:defRPr sz="1400" b="1">
+                        <a:solidFill>
+                          <a:schemeClr val="tx1"/>
+                        </a:solidFill>
+                      </a:defRPr>
+                    </a:pPr>
                     <a:fld id="{FE74F4E9-206A-4A11-A159-4F4A16622E8B}" type="PERCENTAGE">
-                      <a:rPr lang="en-US" sz="2000" b="1"/>
-                      <a:pPr/>
+                      <a:rPr lang="en-US" sz="1400" b="1">
+                        <a:solidFill>
+                          <a:schemeClr val="tx1"/>
+                        </a:solidFill>
+                      </a:rPr>
+                      <a:pPr>
+                        <a:defRPr sz="1400" b="1">
+                          <a:solidFill>
+                            <a:schemeClr val="tx1"/>
+                          </a:solidFill>
+                        </a:defRPr>
+                      </a:pPr>
                       <a:t>[PROCENT]</a:t>
                     </a:fld>
                     <a:endParaRPr lang="sv-SE"/>
                   </a:p>
                 </c:rich>
               </c:tx>
-              <c:dLblPos val="ctr"/>
+              <c:spPr>
+                <a:noFill/>
+                <a:ln>
+                  <a:noFill/>
+                </a:ln>
+                <a:effectLst/>
+              </c:spPr>
+              <c:txPr>
+                <a:bodyPr rot="0" spcFirstLastPara="1" vertOverflow="ellipsis" vert="horz" wrap="square" lIns="38100" tIns="19050" rIns="38100" bIns="19050" anchor="ctr" anchorCtr="1">
+                  <a:spAutoFit/>
+                </a:bodyPr>
+                <a:lstStyle/>
+                <a:p>
+                  <a:pPr>
+                    <a:defRPr sz="1400" b="1" i="0" u="none" strike="noStrike" kern="1200" baseline="0">
+                      <a:solidFill>
+                        <a:schemeClr val="tx1"/>
+                      </a:solidFill>
+                      <a:latin typeface="+mn-lt"/>
+                      <a:ea typeface="+mn-ea"/>
+                      <a:cs typeface="+mn-cs"/>
+                    </a:defRPr>
+                  </a:pPr>
+                  <a:endParaRPr lang="sv-SE"/>
+                </a:p>
+              </c:txPr>
+              <c:dLblPos val="inEnd"/>
               <c:showLegendKey val="0"/>
               <c:showVal val="0"/>
-              <c:showCatName val="0"/>
+              <c:showCatName val="1"/>
               <c:showSerName val="0"/>
               <c:showPercent val="1"/>
               <c:showBubbleSize val="0"/>
@@ -305,12 +410,9 @@
                 <a:lstStyle/>
                 <a:p>
                   <a:pPr>
-                    <a:defRPr sz="2000" b="1" i="0" u="none" strike="noStrike" kern="1200" baseline="0">
+                    <a:defRPr sz="1400" b="1" i="0" u="none" strike="noStrike" kern="1200" baseline="0">
                       <a:solidFill>
-                        <a:schemeClr val="tx1">
-                          <a:lumMod val="75000"/>
-                          <a:lumOff val="25000"/>
-                        </a:schemeClr>
+                        <a:schemeClr val="tx1"/>
                       </a:solidFill>
                       <a:latin typeface="+mn-lt"/>
                       <a:ea typeface="+mn-ea"/>
@@ -320,10 +422,10 @@
                   <a:endParaRPr lang="sv-SE"/>
                 </a:p>
               </c:txPr>
-              <c:dLblPos val="ctr"/>
+              <c:dLblPos val="inEnd"/>
               <c:showLegendKey val="0"/>
               <c:showVal val="0"/>
-              <c:showCatName val="0"/>
+              <c:showCatName val="1"/>
               <c:showSerName val="0"/>
               <c:showPercent val="1"/>
               <c:showBubbleSize val="0"/>
@@ -342,12 +444,9 @@
               <a:lstStyle/>
               <a:p>
                 <a:pPr>
-                  <a:defRPr sz="1197" b="0" i="0" u="none" strike="noStrike" kern="1200" baseline="0">
+                  <a:defRPr sz="1400" b="1" i="0" u="none" strike="noStrike" kern="1200" baseline="0">
                     <a:solidFill>
-                      <a:schemeClr val="tx1">
-                        <a:lumMod val="75000"/>
-                        <a:lumOff val="25000"/>
-                      </a:schemeClr>
+                      <a:schemeClr val="tx1"/>
                     </a:solidFill>
                     <a:latin typeface="+mn-lt"/>
                     <a:ea typeface="+mn-ea"/>
@@ -357,351 +456,10 @@
                 <a:endParaRPr lang="sv-SE"/>
               </a:p>
             </c:txPr>
-            <c:dLblPos val="ctr"/>
+            <c:dLblPos val="inEnd"/>
             <c:showLegendKey val="0"/>
             <c:showVal val="0"/>
-            <c:showCatName val="0"/>
-            <c:showSerName val="0"/>
-            <c:showPercent val="1"/>
-            <c:showBubbleSize val="0"/>
-            <c:showLeaderLines val="1"/>
-            <c:leaderLines>
-              <c:spPr>
-                <a:ln w="9525" cap="flat" cmpd="sng" algn="ctr">
-                  <a:solidFill>
-                    <a:schemeClr val="tx1">
-                      <a:lumMod val="35000"/>
-                      <a:lumOff val="65000"/>
-                    </a:schemeClr>
-                  </a:solidFill>
-                  <a:round/>
-                </a:ln>
-                <a:effectLst/>
-              </c:spPr>
-            </c:leaderLines>
-            <c:extLst>
-              <c:ext xmlns:c15="http://schemas.microsoft.com/office/drawing/2012/chart" uri="{CE6537A1-D6FC-4f65-9D91-7224C49458BB}"/>
-            </c:extLst>
-          </c:dLbls>
-          <c:cat>
-            <c:strRef>
-              <c:f>Blad1!$A$2:$A$5</c:f>
-              <c:strCache>
-                <c:ptCount val="2"/>
-                <c:pt idx="0">
-                  <c:v>Godkända</c:v>
-                </c:pt>
-                <c:pt idx="1">
-                  <c:v>Underkända</c:v>
-                </c:pt>
-              </c:strCache>
-            </c:strRef>
-          </c:cat>
-          <c:val>
-            <c:numRef>
-              <c:f>Blad1!$B$2:$B$5</c:f>
-              <c:numCache>
-                <c:formatCode>0%</c:formatCode>
-                <c:ptCount val="2"/>
-                <c:pt idx="0">
-                  <c:v>0.53</c:v>
-                </c:pt>
-                <c:pt idx="1">
-                  <c:v>0.47</c:v>
-                </c:pt>
-              </c:numCache>
-            </c:numRef>
-          </c:val>
-          <c:extLst/>
-        </c:ser>
-        <c:dLbls>
-          <c:dLblPos val="ctr"/>
-          <c:showLegendKey val="0"/>
-          <c:showVal val="0"/>
-          <c:showCatName val="0"/>
-          <c:showSerName val="0"/>
-          <c:showPercent val="1"/>
-          <c:showBubbleSize val="0"/>
-          <c:showLeaderLines val="1"/>
-        </c:dLbls>
-        <c:firstSliceAng val="0"/>
-      </c:pieChart>
-      <c:spPr>
-        <a:noFill/>
-        <a:ln>
-          <a:noFill/>
-        </a:ln>
-        <a:effectLst/>
-      </c:spPr>
-    </c:plotArea>
-    <c:legend>
-      <c:legendPos val="b"/>
-      <c:layout/>
-      <c:overlay val="0"/>
-      <c:spPr>
-        <a:noFill/>
-        <a:ln>
-          <a:noFill/>
-        </a:ln>
-        <a:effectLst/>
-      </c:spPr>
-      <c:txPr>
-        <a:bodyPr rot="0" spcFirstLastPara="1" vertOverflow="ellipsis" vert="horz" wrap="square" anchor="ctr" anchorCtr="1"/>
-        <a:lstStyle/>
-        <a:p>
-          <a:pPr>
-            <a:defRPr sz="2000" b="0" i="0" u="none" strike="noStrike" kern="1200" baseline="0">
-              <a:solidFill>
-                <a:schemeClr val="tx1">
-                  <a:lumMod val="65000"/>
-                  <a:lumOff val="35000"/>
-                </a:schemeClr>
-              </a:solidFill>
-              <a:latin typeface="+mn-lt"/>
-              <a:ea typeface="+mn-ea"/>
-              <a:cs typeface="+mn-cs"/>
-            </a:defRPr>
-          </a:pPr>
-          <a:endParaRPr lang="sv-SE"/>
-        </a:p>
-      </c:txPr>
-    </c:legend>
-    <c:plotVisOnly val="1"/>
-    <c:dispBlanksAs val="gap"/>
-    <c:showDLblsOverMax val="0"/>
-  </c:chart>
-  <c:spPr>
-    <a:noFill/>
-    <a:ln>
-      <a:noFill/>
-    </a:ln>
-    <a:effectLst/>
-  </c:spPr>
-  <c:txPr>
-    <a:bodyPr/>
-    <a:lstStyle/>
-    <a:p>
-      <a:pPr>
-        <a:defRPr/>
-      </a:pPr>
-      <a:endParaRPr lang="sv-SE"/>
-    </a:p>
-  </c:txPr>
-  <c:externalData r:id="rId3">
-    <c:autoUpdate val="0"/>
-  </c:externalData>
-</c:chartSpace>
-</file>
-
-<file path=ppt/charts/chart2.xml><?xml version="1.0" encoding="utf-8"?>
-<c:chartSpace xmlns:c="http://schemas.openxmlformats.org/drawingml/2006/chart" xmlns:a="http://schemas.openxmlformats.org/drawingml/2006/main" xmlns:r="http://schemas.openxmlformats.org/officeDocument/2006/relationships">
-  <c:date1904 val="0"/>
-  <c:lang val="sv-SE"/>
-  <c:roundedCorners val="0"/>
-  <mc:AlternateContent xmlns:mc="http://schemas.openxmlformats.org/markup-compatibility/2006">
-    <mc:Choice xmlns:c14="http://schemas.microsoft.com/office/drawing/2007/8/2/chart" Requires="c14">
-      <c14:style val="102"/>
-    </mc:Choice>
-    <mc:Fallback>
-      <c:style val="2"/>
-    </mc:Fallback>
-  </mc:AlternateContent>
-  <c:chart>
-    <c:title>
-      <c:tx>
-        <c:rich>
-          <a:bodyPr rot="0" spcFirstLastPara="1" vertOverflow="ellipsis" vert="horz" wrap="square" anchor="ctr" anchorCtr="1"/>
-          <a:lstStyle/>
-          <a:p>
-            <a:pPr>
-              <a:defRPr sz="2128" b="1" i="0" u="none" strike="noStrike" kern="1200" baseline="0">
-                <a:solidFill>
-                  <a:schemeClr val="tx1">
-                    <a:lumMod val="65000"/>
-                    <a:lumOff val="35000"/>
-                  </a:schemeClr>
-                </a:solidFill>
-                <a:latin typeface="+mn-lt"/>
-                <a:ea typeface="+mn-ea"/>
-                <a:cs typeface="+mn-cs"/>
-              </a:defRPr>
-            </a:pPr>
-            <a:r>
-              <a:rPr lang="en-US" dirty="0"/>
-              <a:t>Transformer, Signaler &amp; </a:t>
-            </a:r>
-            <a:r>
-              <a:rPr lang="en-US" dirty="0" smtClean="0"/>
-              <a:t>System</a:t>
-            </a:r>
-            <a:endParaRPr lang="en-US" dirty="0"/>
-          </a:p>
-        </c:rich>
-      </c:tx>
-      <c:layout/>
-      <c:overlay val="0"/>
-      <c:spPr>
-        <a:noFill/>
-        <a:ln>
-          <a:noFill/>
-        </a:ln>
-        <a:effectLst/>
-      </c:spPr>
-      <c:txPr>
-        <a:bodyPr rot="0" spcFirstLastPara="1" vertOverflow="ellipsis" vert="horz" wrap="square" anchor="ctr" anchorCtr="1"/>
-        <a:lstStyle/>
-        <a:p>
-          <a:pPr>
-            <a:defRPr sz="2128" b="1" i="0" u="none" strike="noStrike" kern="1200" baseline="0">
-              <a:solidFill>
-                <a:schemeClr val="tx1">
-                  <a:lumMod val="65000"/>
-                  <a:lumOff val="35000"/>
-                </a:schemeClr>
-              </a:solidFill>
-              <a:latin typeface="+mn-lt"/>
-              <a:ea typeface="+mn-ea"/>
-              <a:cs typeface="+mn-cs"/>
-            </a:defRPr>
-          </a:pPr>
-          <a:endParaRPr lang="sv-SE"/>
-        </a:p>
-      </c:txPr>
-    </c:title>
-    <c:autoTitleDeleted val="0"/>
-    <c:plotArea>
-      <c:layout/>
-      <c:pieChart>
-        <c:varyColors val="1"/>
-        <c:ser>
-          <c:idx val="0"/>
-          <c:order val="0"/>
-          <c:tx>
-            <c:strRef>
-              <c:f>Blad1!$B$1</c:f>
-              <c:strCache>
-                <c:ptCount val="1"/>
-                <c:pt idx="0">
-                  <c:v>TSS 2010-2016</c:v>
-                </c:pt>
-              </c:strCache>
-            </c:strRef>
-          </c:tx>
-          <c:spPr>
-            <a:solidFill>
-              <a:srgbClr val="FF0000"/>
-            </a:solidFill>
-          </c:spPr>
-          <c:dPt>
-            <c:idx val="0"/>
-            <c:bubble3D val="0"/>
-            <c:spPr>
-              <a:solidFill>
-                <a:srgbClr val="00B050"/>
-              </a:solidFill>
-              <a:ln>
-                <a:noFill/>
-              </a:ln>
-              <a:effectLst>
-                <a:outerShdw blurRad="38100" dist="25400" dir="5400000" rotWithShape="0">
-                  <a:srgbClr val="000000">
-                    <a:alpha val="60000"/>
-                  </a:srgbClr>
-                </a:outerShdw>
-              </a:effectLst>
-            </c:spPr>
-          </c:dPt>
-          <c:dPt>
-            <c:idx val="1"/>
-            <c:bubble3D val="0"/>
-            <c:spPr>
-              <a:solidFill>
-                <a:srgbClr val="FF0000"/>
-              </a:solidFill>
-              <a:ln>
-                <a:noFill/>
-              </a:ln>
-              <a:effectLst>
-                <a:outerShdw blurRad="38100" dist="25400" dir="5400000" rotWithShape="0">
-                  <a:srgbClr val="000000">
-                    <a:alpha val="60000"/>
-                  </a:srgbClr>
-                </a:outerShdw>
-              </a:effectLst>
-            </c:spPr>
-          </c:dPt>
-          <c:dPt>
-            <c:idx val="2"/>
-            <c:bubble3D val="0"/>
-            <c:spPr>
-              <a:solidFill>
-                <a:srgbClr val="FF0000"/>
-              </a:solidFill>
-              <a:ln>
-                <a:noFill/>
-              </a:ln>
-              <a:effectLst>
-                <a:outerShdw blurRad="38100" dist="25400" dir="5400000" rotWithShape="0">
-                  <a:srgbClr val="000000">
-                    <a:alpha val="60000"/>
-                  </a:srgbClr>
-                </a:outerShdw>
-              </a:effectLst>
-            </c:spPr>
-          </c:dPt>
-          <c:dPt>
-            <c:idx val="3"/>
-            <c:bubble3D val="0"/>
-            <c:spPr>
-              <a:solidFill>
-                <a:srgbClr val="FF0000"/>
-              </a:solidFill>
-              <a:ln>
-                <a:noFill/>
-              </a:ln>
-              <a:effectLst>
-                <a:outerShdw blurRad="38100" dist="25400" dir="5400000" rotWithShape="0">
-                  <a:srgbClr val="000000">
-                    <a:alpha val="60000"/>
-                  </a:srgbClr>
-                </a:outerShdw>
-              </a:effectLst>
-            </c:spPr>
-          </c:dPt>
-          <c:dLbls>
-            <c:spPr>
-              <a:noFill/>
-              <a:ln>
-                <a:noFill/>
-              </a:ln>
-              <a:effectLst/>
-            </c:spPr>
-            <c:txPr>
-              <a:bodyPr rot="0" spcFirstLastPara="1" vertOverflow="ellipsis" vert="horz" wrap="square" lIns="38100" tIns="19050" rIns="38100" bIns="19050" anchor="ctr" anchorCtr="1">
-                <a:spAutoFit/>
-              </a:bodyPr>
-              <a:lstStyle/>
-              <a:p>
-                <a:pPr>
-                  <a:defRPr sz="2000" b="1" i="0" u="none" strike="noStrike" kern="1200" baseline="0">
-                    <a:solidFill>
-                      <a:schemeClr val="tx1">
-                        <a:lumMod val="75000"/>
-                        <a:lumOff val="25000"/>
-                      </a:schemeClr>
-                    </a:solidFill>
-                    <a:latin typeface="+mn-lt"/>
-                    <a:ea typeface="+mn-ea"/>
-                    <a:cs typeface="+mn-cs"/>
-                  </a:defRPr>
-                </a:pPr>
-                <a:endParaRPr lang="sv-SE"/>
-              </a:p>
-            </c:txPr>
-            <c:dLblPos val="ctr"/>
-            <c:showLegendKey val="0"/>
-            <c:showVal val="0"/>
-            <c:showCatName val="0"/>
+            <c:showCatName val="1"/>
             <c:showSerName val="0"/>
             <c:showPercent val="1"/>
             <c:showBubbleSize val="0"/>
@@ -745,19 +503,20 @@
               <c:f>Blad1!$B$2:$B$5</c:f>
               <c:numCache>
                 <c:formatCode>0%</c:formatCode>
-                <c:ptCount val="4"/>
+                <c:ptCount val="2"/>
                 <c:pt idx="0">
-                  <c:v>0.51</c:v>
+                  <c:v>0.53</c:v>
                 </c:pt>
                 <c:pt idx="1">
-                  <c:v>0.49</c:v>
+                  <c:v>0.47</c:v>
                 </c:pt>
               </c:numCache>
             </c:numRef>
           </c:val>
+          <c:extLst/>
         </c:ser>
         <c:dLbls>
-          <c:dLblPos val="ctr"/>
+          <c:dLblPos val="inEnd"/>
           <c:showLegendKey val="0"/>
           <c:showVal val="0"/>
           <c:showCatName val="0"/>
@@ -776,46 +535,6 @@
         <a:effectLst/>
       </c:spPr>
     </c:plotArea>
-    <c:legend>
-      <c:legendPos val="b"/>
-      <c:legendEntry>
-        <c:idx val="2"/>
-        <c:delete val="1"/>
-      </c:legendEntry>
-      <c:legendEntry>
-        <c:idx val="3"/>
-        <c:delete val="1"/>
-      </c:legendEntry>
-      <c:layout/>
-      <c:overlay val="0"/>
-      <c:spPr>
-        <a:noFill/>
-        <a:ln>
-          <a:noFill/>
-        </a:ln>
-        <a:effectLst/>
-      </c:spPr>
-      <c:txPr>
-        <a:bodyPr rot="0" spcFirstLastPara="1" vertOverflow="ellipsis" vert="horz" wrap="square" anchor="ctr" anchorCtr="1"/>
-        <a:lstStyle/>
-        <a:p>
-          <a:pPr>
-            <a:defRPr sz="2000" b="0" i="0" u="none" strike="noStrike" kern="1200" baseline="0">
-              <a:solidFill>
-                <a:schemeClr val="tx1">
-                  <a:lumMod val="65000"/>
-                  <a:lumOff val="35000"/>
-                </a:schemeClr>
-              </a:solidFill>
-              <a:latin typeface="+mn-lt"/>
-              <a:ea typeface="+mn-ea"/>
-              <a:cs typeface="+mn-cs"/>
-            </a:defRPr>
-          </a:pPr>
-          <a:endParaRPr lang="sv-SE"/>
-        </a:p>
-      </c:txPr>
-    </c:legend>
     <c:plotVisOnly val="1"/>
     <c:dispBlanksAs val="gap"/>
     <c:showDLblsOverMax val="0"/>
@@ -837,7 +556,428 @@
       <a:endParaRPr lang="sv-SE"/>
     </a:p>
   </c:txPr>
-  <c:externalData r:id="rId3">
+  <c:externalData r:id="rId4">
+    <c:autoUpdate val="0"/>
+  </c:externalData>
+</c:chartSpace>
+</file>
+
+<file path=ppt/charts/chart2.xml><?xml version="1.0" encoding="utf-8"?>
+<c:chartSpace xmlns:c="http://schemas.openxmlformats.org/drawingml/2006/chart" xmlns:a="http://schemas.openxmlformats.org/drawingml/2006/main" xmlns:r="http://schemas.openxmlformats.org/officeDocument/2006/relationships">
+  <c:date1904 val="0"/>
+  <c:lang val="sv-SE"/>
+  <c:roundedCorners val="0"/>
+  <mc:AlternateContent xmlns:mc="http://schemas.openxmlformats.org/markup-compatibility/2006">
+    <mc:Choice xmlns:c14="http://schemas.microsoft.com/office/drawing/2007/8/2/chart" Requires="c14">
+      <c14:style val="102"/>
+    </mc:Choice>
+    <mc:Fallback>
+      <c:style val="2"/>
+    </mc:Fallback>
+  </mc:AlternateContent>
+  <c:chart>
+    <c:title>
+      <c:tx>
+        <c:rich>
+          <a:bodyPr rot="0" spcFirstLastPara="1" vertOverflow="ellipsis" vert="horz" wrap="square" anchor="ctr" anchorCtr="1"/>
+          <a:lstStyle/>
+          <a:p>
+            <a:pPr>
+              <a:defRPr sz="2128" b="1" i="0" u="none" strike="noStrike" kern="1200" baseline="0">
+                <a:solidFill>
+                  <a:schemeClr val="tx1">
+                    <a:lumMod val="65000"/>
+                    <a:lumOff val="35000"/>
+                  </a:schemeClr>
+                </a:solidFill>
+                <a:latin typeface="+mn-lt"/>
+                <a:ea typeface="+mn-ea"/>
+                <a:cs typeface="+mn-cs"/>
+              </a:defRPr>
+            </a:pPr>
+            <a:r>
+              <a:rPr lang="en-US"/>
+              <a:t>Transformer, Signaler &amp; System</a:t>
+            </a:r>
+          </a:p>
+        </c:rich>
+      </c:tx>
+      <c:layout/>
+      <c:overlay val="0"/>
+      <c:spPr>
+        <a:noFill/>
+        <a:ln>
+          <a:noFill/>
+        </a:ln>
+        <a:effectLst/>
+      </c:spPr>
+      <c:txPr>
+        <a:bodyPr rot="0" spcFirstLastPara="1" vertOverflow="ellipsis" vert="horz" wrap="square" anchor="ctr" anchorCtr="1"/>
+        <a:lstStyle/>
+        <a:p>
+          <a:pPr>
+            <a:defRPr sz="2128" b="1" i="0" u="none" strike="noStrike" kern="1200" baseline="0">
+              <a:solidFill>
+                <a:schemeClr val="tx1">
+                  <a:lumMod val="65000"/>
+                  <a:lumOff val="35000"/>
+                </a:schemeClr>
+              </a:solidFill>
+              <a:latin typeface="+mn-lt"/>
+              <a:ea typeface="+mn-ea"/>
+              <a:cs typeface="+mn-cs"/>
+            </a:defRPr>
+          </a:pPr>
+          <a:endParaRPr lang="sv-SE"/>
+        </a:p>
+      </c:txPr>
+    </c:title>
+    <c:autoTitleDeleted val="0"/>
+    <c:plotArea>
+      <c:layout>
+        <c:manualLayout>
+          <c:layoutTarget val="inner"/>
+          <c:xMode val="edge"/>
+          <c:yMode val="edge"/>
+          <c:x val="0.21814795280512581"/>
+          <c:y val="0.2049761124761125"/>
+          <c:w val="0.60339779653070791"/>
+          <c:h val="0.7027286377286377"/>
+        </c:manualLayout>
+      </c:layout>
+      <c:pieChart>
+        <c:varyColors val="1"/>
+        <c:ser>
+          <c:idx val="0"/>
+          <c:order val="0"/>
+          <c:tx>
+            <c:strRef>
+              <c:f>Blad1!$B$1</c:f>
+              <c:strCache>
+                <c:ptCount val="1"/>
+                <c:pt idx="0">
+                  <c:v>TSS 2010-2016</c:v>
+                </c:pt>
+              </c:strCache>
+            </c:strRef>
+          </c:tx>
+          <c:dPt>
+            <c:idx val="0"/>
+            <c:bubble3D val="0"/>
+            <c:spPr>
+              <a:blipFill>
+                <a:blip xmlns:r="http://schemas.openxmlformats.org/officeDocument/2006/relationships" r:embed="rId3">
+                  <a:duotone>
+                    <a:schemeClr val="accent1">
+                      <a:shade val="74000"/>
+                      <a:satMod val="130000"/>
+                      <a:lumMod val="90000"/>
+                    </a:schemeClr>
+                    <a:schemeClr val="accent1">
+                      <a:tint val="94000"/>
+                      <a:satMod val="120000"/>
+                      <a:lumMod val="104000"/>
+                    </a:schemeClr>
+                  </a:duotone>
+                </a:blip>
+                <a:tile tx="0" ty="0" sx="100000" sy="100000" flip="none" algn="tl"/>
+              </a:blipFill>
+              <a:ln>
+                <a:noFill/>
+              </a:ln>
+              <a:effectLst>
+                <a:outerShdw blurRad="38100" dist="25400" dir="5400000" rotWithShape="0">
+                  <a:srgbClr val="000000">
+                    <a:alpha val="60000"/>
+                  </a:srgbClr>
+                </a:outerShdw>
+              </a:effectLst>
+            </c:spPr>
+          </c:dPt>
+          <c:dPt>
+            <c:idx val="1"/>
+            <c:bubble3D val="0"/>
+            <c:spPr>
+              <a:blipFill>
+                <a:blip xmlns:r="http://schemas.openxmlformats.org/officeDocument/2006/relationships" r:embed="rId3">
+                  <a:duotone>
+                    <a:schemeClr val="accent2">
+                      <a:shade val="74000"/>
+                      <a:satMod val="130000"/>
+                      <a:lumMod val="90000"/>
+                    </a:schemeClr>
+                    <a:schemeClr val="accent2">
+                      <a:tint val="94000"/>
+                      <a:satMod val="120000"/>
+                      <a:lumMod val="104000"/>
+                    </a:schemeClr>
+                  </a:duotone>
+                </a:blip>
+                <a:tile tx="0" ty="0" sx="100000" sy="100000" flip="none" algn="tl"/>
+              </a:blipFill>
+              <a:ln>
+                <a:noFill/>
+              </a:ln>
+              <a:effectLst>
+                <a:outerShdw blurRad="38100" dist="25400" dir="5400000" rotWithShape="0">
+                  <a:srgbClr val="000000">
+                    <a:alpha val="60000"/>
+                  </a:srgbClr>
+                </a:outerShdw>
+              </a:effectLst>
+            </c:spPr>
+          </c:dPt>
+          <c:dPt>
+            <c:idx val="2"/>
+            <c:bubble3D val="0"/>
+            <c:spPr>
+              <a:blipFill>
+                <a:blip xmlns:r="http://schemas.openxmlformats.org/officeDocument/2006/relationships" r:embed="rId3">
+                  <a:duotone>
+                    <a:schemeClr val="accent3">
+                      <a:shade val="74000"/>
+                      <a:satMod val="130000"/>
+                      <a:lumMod val="90000"/>
+                    </a:schemeClr>
+                    <a:schemeClr val="accent3">
+                      <a:tint val="94000"/>
+                      <a:satMod val="120000"/>
+                      <a:lumMod val="104000"/>
+                    </a:schemeClr>
+                  </a:duotone>
+                </a:blip>
+                <a:tile tx="0" ty="0" sx="100000" sy="100000" flip="none" algn="tl"/>
+              </a:blipFill>
+              <a:ln>
+                <a:noFill/>
+              </a:ln>
+              <a:effectLst>
+                <a:outerShdw blurRad="38100" dist="25400" dir="5400000" rotWithShape="0">
+                  <a:srgbClr val="000000">
+                    <a:alpha val="60000"/>
+                  </a:srgbClr>
+                </a:outerShdw>
+              </a:effectLst>
+            </c:spPr>
+          </c:dPt>
+          <c:dPt>
+            <c:idx val="3"/>
+            <c:bubble3D val="0"/>
+            <c:spPr>
+              <a:blipFill>
+                <a:blip xmlns:r="http://schemas.openxmlformats.org/officeDocument/2006/relationships" r:embed="rId3">
+                  <a:duotone>
+                    <a:schemeClr val="accent4">
+                      <a:shade val="74000"/>
+                      <a:satMod val="130000"/>
+                      <a:lumMod val="90000"/>
+                    </a:schemeClr>
+                    <a:schemeClr val="accent4">
+                      <a:tint val="94000"/>
+                      <a:satMod val="120000"/>
+                      <a:lumMod val="104000"/>
+                    </a:schemeClr>
+                  </a:duotone>
+                </a:blip>
+                <a:tile tx="0" ty="0" sx="100000" sy="100000" flip="none" algn="tl"/>
+              </a:blipFill>
+              <a:ln>
+                <a:noFill/>
+              </a:ln>
+              <a:effectLst>
+                <a:outerShdw blurRad="38100" dist="25400" dir="5400000" rotWithShape="0">
+                  <a:srgbClr val="000000">
+                    <a:alpha val="60000"/>
+                  </a:srgbClr>
+                </a:outerShdw>
+              </a:effectLst>
+            </c:spPr>
+          </c:dPt>
+          <c:dLbls>
+            <c:dLbl>
+              <c:idx val="0"/>
+              <c:spPr>
+                <a:noFill/>
+                <a:ln>
+                  <a:noFill/>
+                </a:ln>
+                <a:effectLst/>
+              </c:spPr>
+              <c:txPr>
+                <a:bodyPr rot="0" spcFirstLastPara="1" vertOverflow="ellipsis" vert="horz" wrap="square" lIns="38100" tIns="19050" rIns="38100" bIns="19050" anchor="ctr" anchorCtr="1">
+                  <a:spAutoFit/>
+                </a:bodyPr>
+                <a:lstStyle/>
+                <a:p>
+                  <a:pPr>
+                    <a:defRPr sz="1400" b="1" i="0" u="none" strike="noStrike" kern="1200" baseline="0">
+                      <a:solidFill>
+                        <a:schemeClr val="tx1"/>
+                      </a:solidFill>
+                      <a:latin typeface="+mn-lt"/>
+                      <a:ea typeface="+mn-ea"/>
+                      <a:cs typeface="+mn-cs"/>
+                    </a:defRPr>
+                  </a:pPr>
+                  <a:endParaRPr lang="sv-SE"/>
+                </a:p>
+              </c:txPr>
+              <c:dLblPos val="inEnd"/>
+              <c:showLegendKey val="0"/>
+              <c:showVal val="0"/>
+              <c:showCatName val="1"/>
+              <c:showSerName val="0"/>
+              <c:showPercent val="1"/>
+              <c:showBubbleSize val="0"/>
+            </c:dLbl>
+            <c:dLbl>
+              <c:idx val="1"/>
+              <c:spPr>
+                <a:noFill/>
+                <a:ln>
+                  <a:noFill/>
+                </a:ln>
+                <a:effectLst/>
+              </c:spPr>
+              <c:txPr>
+                <a:bodyPr rot="0" spcFirstLastPara="1" vertOverflow="ellipsis" vert="horz" wrap="square" lIns="38100" tIns="19050" rIns="38100" bIns="19050" anchor="ctr" anchorCtr="1">
+                  <a:spAutoFit/>
+                </a:bodyPr>
+                <a:lstStyle/>
+                <a:p>
+                  <a:pPr>
+                    <a:defRPr sz="1400" b="1" i="0" u="none" strike="noStrike" kern="1200" baseline="0">
+                      <a:solidFill>
+                        <a:schemeClr val="tx1"/>
+                      </a:solidFill>
+                      <a:latin typeface="+mn-lt"/>
+                      <a:ea typeface="+mn-ea"/>
+                      <a:cs typeface="+mn-cs"/>
+                    </a:defRPr>
+                  </a:pPr>
+                  <a:endParaRPr lang="sv-SE"/>
+                </a:p>
+              </c:txPr>
+              <c:dLblPos val="inEnd"/>
+              <c:showLegendKey val="0"/>
+              <c:showVal val="0"/>
+              <c:showCatName val="1"/>
+              <c:showSerName val="0"/>
+              <c:showPercent val="1"/>
+              <c:showBubbleSize val="0"/>
+            </c:dLbl>
+            <c:spPr>
+              <a:noFill/>
+              <a:ln>
+                <a:noFill/>
+              </a:ln>
+              <a:effectLst/>
+            </c:spPr>
+            <c:txPr>
+              <a:bodyPr rot="0" spcFirstLastPara="1" vertOverflow="ellipsis" vert="horz" wrap="square" lIns="38100" tIns="19050" rIns="38100" bIns="19050" anchor="ctr" anchorCtr="1">
+                <a:spAutoFit/>
+              </a:bodyPr>
+              <a:lstStyle/>
+              <a:p>
+                <a:pPr>
+                  <a:defRPr sz="1400" b="1" i="0" u="none" strike="noStrike" kern="1200" baseline="0">
+                    <a:solidFill>
+                      <a:schemeClr val="tx1"/>
+                    </a:solidFill>
+                    <a:latin typeface="+mn-lt"/>
+                    <a:ea typeface="+mn-ea"/>
+                    <a:cs typeface="+mn-cs"/>
+                  </a:defRPr>
+                </a:pPr>
+                <a:endParaRPr lang="sv-SE"/>
+              </a:p>
+            </c:txPr>
+            <c:dLblPos val="inEnd"/>
+            <c:showLegendKey val="0"/>
+            <c:showVal val="0"/>
+            <c:showCatName val="1"/>
+            <c:showSerName val="0"/>
+            <c:showPercent val="1"/>
+            <c:showBubbleSize val="0"/>
+            <c:showLeaderLines val="0"/>
+            <c:extLst>
+              <c:ext xmlns:c15="http://schemas.microsoft.com/office/drawing/2012/chart" uri="{CE6537A1-D6FC-4f65-9D91-7224C49458BB}">
+                <c15:layout/>
+              </c:ext>
+            </c:extLst>
+          </c:dLbls>
+          <c:cat>
+            <c:strRef>
+              <c:f>Blad1!$A$2:$A$5</c:f>
+              <c:strCache>
+                <c:ptCount val="2"/>
+                <c:pt idx="0">
+                  <c:v>Godkända</c:v>
+                </c:pt>
+                <c:pt idx="1">
+                  <c:v>Underkända</c:v>
+                </c:pt>
+              </c:strCache>
+            </c:strRef>
+          </c:cat>
+          <c:val>
+            <c:numRef>
+              <c:f>Blad1!$B$2:$B$5</c:f>
+              <c:numCache>
+                <c:formatCode>0%</c:formatCode>
+                <c:ptCount val="4"/>
+                <c:pt idx="0">
+                  <c:v>0.51</c:v>
+                </c:pt>
+                <c:pt idx="1">
+                  <c:v>0.49</c:v>
+                </c:pt>
+              </c:numCache>
+            </c:numRef>
+          </c:val>
+        </c:ser>
+        <c:dLbls>
+          <c:dLblPos val="inEnd"/>
+          <c:showLegendKey val="0"/>
+          <c:showVal val="0"/>
+          <c:showCatName val="0"/>
+          <c:showSerName val="0"/>
+          <c:showPercent val="1"/>
+          <c:showBubbleSize val="0"/>
+          <c:showLeaderLines val="0"/>
+        </c:dLbls>
+        <c:firstSliceAng val="0"/>
+      </c:pieChart>
+      <c:spPr>
+        <a:noFill/>
+        <a:ln>
+          <a:noFill/>
+        </a:ln>
+        <a:effectLst/>
+      </c:spPr>
+    </c:plotArea>
+    <c:plotVisOnly val="1"/>
+    <c:dispBlanksAs val="gap"/>
+    <c:showDLblsOverMax val="0"/>
+  </c:chart>
+  <c:spPr>
+    <a:noFill/>
+    <a:ln>
+      <a:noFill/>
+    </a:ln>
+    <a:effectLst/>
+  </c:spPr>
+  <c:txPr>
+    <a:bodyPr/>
+    <a:lstStyle/>
+    <a:p>
+      <a:pPr>
+        <a:defRPr/>
+      </a:pPr>
+      <a:endParaRPr lang="sv-SE"/>
+    </a:p>
+  </c:txPr>
+  <c:externalData r:id="rId4">
     <c:autoUpdate val="0"/>
   </c:externalData>
 </c:chartSpace>
@@ -907,13 +1047,29 @@
               </c:strCache>
             </c:strRef>
           </c:tx>
+          <c:explosion val="1"/>
           <c:dPt>
             <c:idx val="0"/>
             <c:bubble3D val="0"/>
+            <c:explosion val="0"/>
             <c:spPr>
-              <a:solidFill>
-                <a:srgbClr val="00B050"/>
-              </a:solidFill>
+              <a:blipFill>
+                <a:blip xmlns:r="http://schemas.openxmlformats.org/officeDocument/2006/relationships" r:embed="rId3">
+                  <a:duotone>
+                    <a:schemeClr val="accent1">
+                      <a:shade val="74000"/>
+                      <a:satMod val="130000"/>
+                      <a:lumMod val="90000"/>
+                    </a:schemeClr>
+                    <a:schemeClr val="accent1">
+                      <a:tint val="94000"/>
+                      <a:satMod val="120000"/>
+                      <a:lumMod val="104000"/>
+                    </a:schemeClr>
+                  </a:duotone>
+                </a:blip>
+                <a:tile tx="0" ty="0" sx="100000" sy="100000" flip="none" algn="tl"/>
+              </a:blipFill>
               <a:ln>
                 <a:noFill/>
               </a:ln>
@@ -929,6 +1085,41 @@
           <c:dPt>
             <c:idx val="1"/>
             <c:bubble3D val="0"/>
+            <c:explosion val="0"/>
+            <c:spPr>
+              <a:blipFill>
+                <a:blip xmlns:r="http://schemas.openxmlformats.org/officeDocument/2006/relationships" r:embed="rId3">
+                  <a:duotone>
+                    <a:schemeClr val="accent2">
+                      <a:shade val="74000"/>
+                      <a:satMod val="130000"/>
+                      <a:lumMod val="90000"/>
+                    </a:schemeClr>
+                    <a:schemeClr val="accent2">
+                      <a:tint val="94000"/>
+                      <a:satMod val="120000"/>
+                      <a:lumMod val="104000"/>
+                    </a:schemeClr>
+                  </a:duotone>
+                </a:blip>
+                <a:tile tx="0" ty="0" sx="100000" sy="100000" flip="none" algn="tl"/>
+              </a:blipFill>
+              <a:ln>
+                <a:noFill/>
+              </a:ln>
+              <a:effectLst>
+                <a:outerShdw blurRad="38100" dist="25400" dir="5400000" rotWithShape="0">
+                  <a:srgbClr val="000000">
+                    <a:alpha val="60000"/>
+                  </a:srgbClr>
+                </a:outerShdw>
+              </a:effectLst>
+            </c:spPr>
+          </c:dPt>
+          <c:dPt>
+            <c:idx val="2"/>
+            <c:bubble3D val="0"/>
+            <c:explosion val="0"/>
             <c:spPr>
               <a:solidFill>
                 <a:srgbClr val="FF0000"/>
@@ -946,12 +1137,26 @@
             </c:spPr>
           </c:dPt>
           <c:dPt>
-            <c:idx val="2"/>
+            <c:idx val="3"/>
             <c:bubble3D val="0"/>
             <c:spPr>
-              <a:solidFill>
-                <a:srgbClr val="C00000"/>
-              </a:solidFill>
+              <a:blipFill>
+                <a:blip xmlns:r="http://schemas.openxmlformats.org/officeDocument/2006/relationships" r:embed="rId3">
+                  <a:duotone>
+                    <a:schemeClr val="accent4">
+                      <a:shade val="74000"/>
+                      <a:satMod val="130000"/>
+                      <a:lumMod val="90000"/>
+                    </a:schemeClr>
+                    <a:schemeClr val="accent4">
+                      <a:tint val="94000"/>
+                      <a:satMod val="120000"/>
+                      <a:lumMod val="104000"/>
+                    </a:schemeClr>
+                  </a:duotone>
+                </a:blip>
+                <a:tile tx="0" ty="0" sx="100000" sy="100000" flip="none" algn="tl"/>
+              </a:blipFill>
               <a:ln>
                 <a:noFill/>
               </a:ln>
@@ -965,153 +1170,6 @@
             </c:spPr>
           </c:dPt>
           <c:dLbls>
-            <c:dLbl>
-              <c:idx val="0"/>
-              <c:layout/>
-              <c:tx>
-                <c:rich>
-                  <a:bodyPr/>
-                  <a:lstStyle/>
-                  <a:p>
-                    <a:fld id="{A291E79A-CF60-4BD9-8082-E6316F8AF498}" type="PERCENTAGE">
-                      <a:rPr lang="en-US" sz="2000" b="1" smtClean="0"/>
-                      <a:pPr/>
-                      <a:t>[PROCENT]</a:t>
-                    </a:fld>
-                    <a:endParaRPr lang="sv-SE"/>
-                  </a:p>
-                </c:rich>
-              </c:tx>
-              <c:dLblPos val="ctr"/>
-              <c:showLegendKey val="0"/>
-              <c:showVal val="0"/>
-              <c:showCatName val="0"/>
-              <c:showSerName val="0"/>
-              <c:showPercent val="1"/>
-              <c:showBubbleSize val="0"/>
-              <c:extLst>
-                <c:ext xmlns:c15="http://schemas.microsoft.com/office/drawing/2012/chart" uri="{CE6537A1-D6FC-4f65-9D91-7224C49458BB}">
-                  <c15:layout/>
-                  <c15:dlblFieldTable/>
-                  <c15:showDataLabelsRange val="0"/>
-                </c:ext>
-              </c:extLst>
-            </c:dLbl>
-            <c:dLbl>
-              <c:idx val="1"/>
-              <c:layout/>
-              <c:tx>
-                <c:rich>
-                  <a:bodyPr rot="0" spcFirstLastPara="1" vertOverflow="ellipsis" vert="horz" wrap="square" lIns="38100" tIns="19050" rIns="38100" bIns="19050" anchor="ctr" anchorCtr="1">
-                    <a:noAutofit/>
-                  </a:bodyPr>
-                  <a:lstStyle/>
-                  <a:p>
-                    <a:pPr>
-                      <a:defRPr sz="1197" b="0" i="0" u="none" strike="noStrike" kern="1200" baseline="0">
-                        <a:solidFill>
-                          <a:schemeClr val="tx1">
-                            <a:lumMod val="75000"/>
-                            <a:lumOff val="25000"/>
-                          </a:schemeClr>
-                        </a:solidFill>
-                        <a:latin typeface="+mn-lt"/>
-                        <a:ea typeface="+mn-ea"/>
-                        <a:cs typeface="+mn-cs"/>
-                      </a:defRPr>
-                    </a:pPr>
-                    <a:fld id="{DB949E36-679F-4D4D-BF02-E2DD7E9C1D90}" type="PERCENTAGE">
-                      <a:rPr lang="en-US" sz="2000" b="1"/>
-                      <a:pPr>
-                        <a:defRPr/>
-                      </a:pPr>
-                      <a:t>[PROCENT]</a:t>
-                    </a:fld>
-                    <a:endParaRPr lang="sv-SE"/>
-                  </a:p>
-                </c:rich>
-              </c:tx>
-              <c:spPr>
-                <a:noFill/>
-                <a:ln>
-                  <a:noFill/>
-                </a:ln>
-                <a:effectLst/>
-              </c:spPr>
-              <c:txPr>
-                <a:bodyPr rot="0" spcFirstLastPara="1" vertOverflow="ellipsis" vert="horz" wrap="square" lIns="38100" tIns="19050" rIns="38100" bIns="19050" anchor="ctr" anchorCtr="1">
-                  <a:noAutofit/>
-                </a:bodyPr>
-                <a:lstStyle/>
-                <a:p>
-                  <a:pPr>
-                    <a:defRPr sz="1197" b="0" i="0" u="none" strike="noStrike" kern="1200" baseline="0">
-                      <a:solidFill>
-                        <a:schemeClr val="tx1">
-                          <a:lumMod val="75000"/>
-                          <a:lumOff val="25000"/>
-                        </a:schemeClr>
-                      </a:solidFill>
-                      <a:latin typeface="+mn-lt"/>
-                      <a:ea typeface="+mn-ea"/>
-                      <a:cs typeface="+mn-cs"/>
-                    </a:defRPr>
-                  </a:pPr>
-                  <a:endParaRPr lang="sv-SE"/>
-                </a:p>
-              </c:txPr>
-              <c:dLblPos val="ctr"/>
-              <c:showLegendKey val="0"/>
-              <c:showVal val="0"/>
-              <c:showCatName val="0"/>
-              <c:showSerName val="0"/>
-              <c:showPercent val="1"/>
-              <c:showBubbleSize val="0"/>
-              <c:extLst>
-                <c:ext xmlns:c15="http://schemas.microsoft.com/office/drawing/2012/chart" uri="{CE6537A1-D6FC-4f65-9D91-7224C49458BB}">
-                  <c15:layout>
-                    <c:manualLayout>
-                      <c:w val="7.0276044302018323E-2"/>
-                      <c:h val="4.1801230504370547E-2"/>
-                    </c:manualLayout>
-                  </c15:layout>
-                  <c15:dlblFieldTable/>
-                  <c15:showDataLabelsRange val="0"/>
-                </c:ext>
-              </c:extLst>
-            </c:dLbl>
-            <c:dLbl>
-              <c:idx val="2"/>
-              <c:layout/>
-              <c:tx>
-                <c:rich>
-                  <a:bodyPr/>
-                  <a:lstStyle/>
-                  <a:p>
-                    <a:fld id="{E598082B-F2B6-47BD-8BD4-DC1A0EC7FD9A}" type="PERCENTAGE">
-                      <a:rPr lang="en-US" sz="2000" b="1" smtClean="0"/>
-                      <a:pPr/>
-                      <a:t>[PROCENT]</a:t>
-                    </a:fld>
-                    <a:endParaRPr lang="sv-SE"/>
-                  </a:p>
-                </c:rich>
-              </c:tx>
-              <c:dLblPos val="ctr"/>
-              <c:showLegendKey val="0"/>
-              <c:showVal val="0"/>
-              <c:showCatName val="0"/>
-              <c:showSerName val="0"/>
-              <c:showPercent val="1"/>
-              <c:showBubbleSize val="0"/>
-              <c:extLst>
-                <c:ext xmlns:c15="http://schemas.microsoft.com/office/drawing/2012/chart" uri="{CE6537A1-D6FC-4f65-9D91-7224C49458BB}">
-                  <c15:layout/>
-                  <c15:dlblFieldTable/>
-                  <c15:showDataLabelsRange val="0"/>
-                </c:ext>
-              </c:extLst>
-            </c:dLbl>
             <c:spPr>
               <a:noFill/>
               <a:ln>
@@ -1126,12 +1184,13 @@
               <a:lstStyle/>
               <a:p>
                 <a:pPr>
-                  <a:defRPr sz="1197" b="0" i="0" u="none" strike="noStrike" kern="1200" baseline="0">
+                  <a:defRPr sz="1400" b="1" i="0" u="none" strike="noStrike" kern="1200" baseline="0">
+                    <a:ln w="0" cmpd="sng">
+                      <a:noFill/>
+                      <a:round/>
+                    </a:ln>
                     <a:solidFill>
-                      <a:schemeClr val="tx1">
-                        <a:lumMod val="75000"/>
-                        <a:lumOff val="25000"/>
-                      </a:schemeClr>
+                      <a:schemeClr val="tx1"/>
                     </a:solidFill>
                     <a:latin typeface="+mn-lt"/>
                     <a:ea typeface="+mn-ea"/>
@@ -1141,10 +1200,10 @@
                 <a:endParaRPr lang="sv-SE"/>
               </a:p>
             </c:txPr>
-            <c:dLblPos val="ctr"/>
+            <c:dLblPos val="inEnd"/>
             <c:showLegendKey val="0"/>
             <c:showVal val="0"/>
-            <c:showCatName val="0"/>
+            <c:showCatName val="1"/>
             <c:showSerName val="0"/>
             <c:showPercent val="1"/>
             <c:showBubbleSize val="0"/>
@@ -1164,12 +1223,14 @@
               </c:spPr>
             </c:leaderLines>
             <c:extLst>
-              <c:ext xmlns:c15="http://schemas.microsoft.com/office/drawing/2012/chart" uri="{CE6537A1-D6FC-4f65-9D91-7224C49458BB}"/>
+              <c:ext xmlns:c15="http://schemas.microsoft.com/office/drawing/2012/chart" uri="{CE6537A1-D6FC-4f65-9D91-7224C49458BB}">
+                <c15:layout/>
+              </c:ext>
             </c:extLst>
           </c:dLbls>
           <c:cat>
             <c:strRef>
-              <c:f>Blad1!$A$2:$A$4</c:f>
+              <c:f>Blad1!$A$2:$A$5</c:f>
               <c:strCache>
                 <c:ptCount val="3"/>
                 <c:pt idx="0">
@@ -1186,17 +1247,17 @@
           </c:cat>
           <c:val>
             <c:numRef>
-              <c:f>Blad1!$B$2:$B$4</c:f>
+              <c:f>Blad1!$B$2:$B$5</c:f>
               <c:numCache>
                 <c:formatCode>General</c:formatCode>
-                <c:ptCount val="3"/>
+                <c:ptCount val="4"/>
                 <c:pt idx="0">
                   <c:v>38</c:v>
                 </c:pt>
                 <c:pt idx="1">
                   <c:v>36</c:v>
                 </c:pt>
-                <c:pt idx="2" formatCode="0">
+                <c:pt idx="2">
                   <c:v>48</c:v>
                 </c:pt>
               </c:numCache>
@@ -1223,38 +1284,6 @@
         <a:effectLst/>
       </c:spPr>
     </c:plotArea>
-    <c:legend>
-      <c:legendPos val="b"/>
-      <c:layout/>
-      <c:overlay val="0"/>
-      <c:spPr>
-        <a:noFill/>
-        <a:ln>
-          <a:noFill/>
-        </a:ln>
-        <a:effectLst/>
-      </c:spPr>
-      <c:txPr>
-        <a:bodyPr rot="0" spcFirstLastPara="1" vertOverflow="ellipsis" vert="horz" wrap="square" anchor="ctr" anchorCtr="1"/>
-        <a:lstStyle/>
-        <a:p>
-          <a:pPr>
-            <a:defRPr sz="2000" b="0" i="0" u="none" strike="noStrike" kern="1200" baseline="0">
-              <a:solidFill>
-                <a:schemeClr val="tx1">
-                  <a:lumMod val="65000"/>
-                  <a:lumOff val="35000"/>
-                </a:schemeClr>
-              </a:solidFill>
-              <a:latin typeface="+mn-lt"/>
-              <a:ea typeface="+mn-ea"/>
-              <a:cs typeface="+mn-cs"/>
-            </a:defRPr>
-          </a:pPr>
-          <a:endParaRPr lang="sv-SE"/>
-        </a:p>
-      </c:txPr>
-    </c:legend>
     <c:plotVisOnly val="1"/>
     <c:dispBlanksAs val="gap"/>
     <c:showDLblsOverMax val="0"/>
@@ -1276,7 +1305,7 @@
       <a:endParaRPr lang="sv-SE"/>
     </a:p>
   </c:txPr>
-  <c:externalData r:id="rId3">
+  <c:externalData r:id="rId4">
     <c:autoUpdate val="0"/>
   </c:externalData>
 </c:chartSpace>
@@ -2908,6 +2937,753 @@
 </cs:chartStyle>
 </file>
 
+<file path=ppt/handoutMasters/handoutMaster1.xml><?xml version="1.0" encoding="utf-8"?>
+<p:handoutMaster xmlns:a="http://schemas.openxmlformats.org/drawingml/2006/main" xmlns:r="http://schemas.openxmlformats.org/officeDocument/2006/relationships" xmlns:p="http://schemas.openxmlformats.org/presentationml/2006/main">
+  <p:cSld>
+    <p:bg>
+      <p:bgRef idx="1001">
+        <a:schemeClr val="bg1"/>
+      </p:bgRef>
+    </p:bg>
+    <p:spTree>
+      <p:nvGrpSpPr>
+        <p:cNvPr id="1" name=""/>
+        <p:cNvGrpSpPr/>
+        <p:nvPr/>
+      </p:nvGrpSpPr>
+      <p:grpSpPr>
+        <a:xfrm>
+          <a:off x="0" y="0"/>
+          <a:ext cx="0" cy="0"/>
+          <a:chOff x="0" y="0"/>
+          <a:chExt cx="0" cy="0"/>
+        </a:xfrm>
+      </p:grpSpPr>
+      <p:sp>
+        <p:nvSpPr>
+          <p:cNvPr id="2" name="Platshållare för sidhuvud 1"/>
+          <p:cNvSpPr>
+            <a:spLocks noGrp="1"/>
+          </p:cNvSpPr>
+          <p:nvPr>
+            <p:ph type="hdr" sz="quarter"/>
+          </p:nvPr>
+        </p:nvSpPr>
+        <p:spPr>
+          <a:xfrm>
+            <a:off x="0" y="0"/>
+            <a:ext cx="2971800" cy="458788"/>
+          </a:xfrm>
+          <a:prstGeom prst="rect">
+            <a:avLst/>
+          </a:prstGeom>
+        </p:spPr>
+        <p:txBody>
+          <a:bodyPr vert="horz" lIns="91440" tIns="45720" rIns="91440" bIns="45720" rtlCol="0"/>
+          <a:lstStyle>
+            <a:lvl1pPr algn="l">
+              <a:defRPr sz="1200"/>
+            </a:lvl1pPr>
+          </a:lstStyle>
+          <a:p>
+            <a:r>
+              <a:rPr lang="en-US" smtClean="0"/>
+              <a:t>DSLsofMath (Domain Specific Languages of Mathematics)</a:t>
+            </a:r>
+            <a:endParaRPr lang="sv-SE"/>
+          </a:p>
+        </p:txBody>
+      </p:sp>
+      <p:sp>
+        <p:nvSpPr>
+          <p:cNvPr id="3" name="Platshållare för datum 2"/>
+          <p:cNvSpPr>
+            <a:spLocks noGrp="1"/>
+          </p:cNvSpPr>
+          <p:nvPr>
+            <p:ph type="dt" sz="quarter" idx="1"/>
+          </p:nvPr>
+        </p:nvSpPr>
+        <p:spPr>
+          <a:xfrm>
+            <a:off x="3884613" y="0"/>
+            <a:ext cx="2971800" cy="458788"/>
+          </a:xfrm>
+          <a:prstGeom prst="rect">
+            <a:avLst/>
+          </a:prstGeom>
+        </p:spPr>
+        <p:txBody>
+          <a:bodyPr vert="horz" lIns="91440" tIns="45720" rIns="91440" bIns="45720" rtlCol="0"/>
+          <a:lstStyle>
+            <a:lvl1pPr algn="r">
+              <a:defRPr sz="1200"/>
+            </a:lvl1pPr>
+          </a:lstStyle>
+          <a:p>
+            <a:fld id="{92A3465A-3AD9-49C2-A53A-6DC66D83CBFC}" type="datetimeFigureOut">
+              <a:rPr lang="sv-SE" smtClean="0"/>
+              <a:t>2016-02-29</a:t>
+            </a:fld>
+            <a:endParaRPr lang="sv-SE"/>
+          </a:p>
+        </p:txBody>
+      </p:sp>
+      <p:sp>
+        <p:nvSpPr>
+          <p:cNvPr id="4" name="Platshållare för sidfot 3"/>
+          <p:cNvSpPr>
+            <a:spLocks noGrp="1"/>
+          </p:cNvSpPr>
+          <p:nvPr>
+            <p:ph type="ftr" sz="quarter" idx="2"/>
+          </p:nvPr>
+        </p:nvSpPr>
+        <p:spPr>
+          <a:xfrm>
+            <a:off x="0" y="8685213"/>
+            <a:ext cx="2971800" cy="458787"/>
+          </a:xfrm>
+          <a:prstGeom prst="rect">
+            <a:avLst/>
+          </a:prstGeom>
+        </p:spPr>
+        <p:txBody>
+          <a:bodyPr vert="horz" lIns="91440" tIns="45720" rIns="91440" bIns="45720" rtlCol="0" anchor="b"/>
+          <a:lstStyle>
+            <a:lvl1pPr algn="l">
+              <a:defRPr sz="1200"/>
+            </a:lvl1pPr>
+          </a:lstStyle>
+          <a:p>
+            <a:r>
+              <a:rPr lang="en-US" smtClean="0"/>
+              <a:t>DSLsofMath (Domain Specific Languages of Mathematics)</a:t>
+            </a:r>
+            <a:endParaRPr lang="sv-SE"/>
+          </a:p>
+        </p:txBody>
+      </p:sp>
+      <p:sp>
+        <p:nvSpPr>
+          <p:cNvPr id="5" name="Platshållare för bildnummer 4"/>
+          <p:cNvSpPr>
+            <a:spLocks noGrp="1"/>
+          </p:cNvSpPr>
+          <p:nvPr>
+            <p:ph type="sldNum" sz="quarter" idx="3"/>
+          </p:nvPr>
+        </p:nvSpPr>
+        <p:spPr>
+          <a:xfrm>
+            <a:off x="3884613" y="8685213"/>
+            <a:ext cx="2971800" cy="458787"/>
+          </a:xfrm>
+          <a:prstGeom prst="rect">
+            <a:avLst/>
+          </a:prstGeom>
+        </p:spPr>
+        <p:txBody>
+          <a:bodyPr vert="horz" lIns="91440" tIns="45720" rIns="91440" bIns="45720" rtlCol="0" anchor="b"/>
+          <a:lstStyle>
+            <a:lvl1pPr algn="r">
+              <a:defRPr sz="1200"/>
+            </a:lvl1pPr>
+          </a:lstStyle>
+          <a:p>
+            <a:fld id="{247031E2-69CA-4386-8599-99F94E29F0C3}" type="slidenum">
+              <a:rPr lang="sv-SE" smtClean="0"/>
+              <a:t>‹#›</a:t>
+            </a:fld>
+            <a:endParaRPr lang="sv-SE"/>
+          </a:p>
+        </p:txBody>
+      </p:sp>
+    </p:spTree>
+    <p:extLst>
+      <p:ext uri="{BB962C8B-B14F-4D97-AF65-F5344CB8AC3E}">
+        <p14:creationId xmlns:p14="http://schemas.microsoft.com/office/powerpoint/2010/main" val="2323599268"/>
+      </p:ext>
+    </p:extLst>
+  </p:cSld>
+  <p:clrMap bg1="lt1" tx1="dk1" bg2="lt2" tx2="dk2" accent1="accent1" accent2="accent2" accent3="accent3" accent4="accent4" accent5="accent5" accent6="accent6" hlink="hlink" folHlink="folHlink"/>
+  <p:hf hdr="0" dt="0"/>
+</p:handoutMaster>
+</file>
+
+<file path=ppt/notesMasters/notesMaster1.xml><?xml version="1.0" encoding="utf-8"?>
+<p:notesMaster xmlns:a="http://schemas.openxmlformats.org/drawingml/2006/main" xmlns:r="http://schemas.openxmlformats.org/officeDocument/2006/relationships" xmlns:p="http://schemas.openxmlformats.org/presentationml/2006/main">
+  <p:cSld>
+    <p:bg>
+      <p:bgRef idx="1001">
+        <a:schemeClr val="bg1"/>
+      </p:bgRef>
+    </p:bg>
+    <p:spTree>
+      <p:nvGrpSpPr>
+        <p:cNvPr id="1" name=""/>
+        <p:cNvGrpSpPr/>
+        <p:nvPr/>
+      </p:nvGrpSpPr>
+      <p:grpSpPr>
+        <a:xfrm>
+          <a:off x="0" y="0"/>
+          <a:ext cx="0" cy="0"/>
+          <a:chOff x="0" y="0"/>
+          <a:chExt cx="0" cy="0"/>
+        </a:xfrm>
+      </p:grpSpPr>
+      <p:sp>
+        <p:nvSpPr>
+          <p:cNvPr id="2" name="Platshållare för sidhuvud 1"/>
+          <p:cNvSpPr>
+            <a:spLocks noGrp="1"/>
+          </p:cNvSpPr>
+          <p:nvPr>
+            <p:ph type="hdr" sz="quarter"/>
+          </p:nvPr>
+        </p:nvSpPr>
+        <p:spPr>
+          <a:xfrm>
+            <a:off x="0" y="0"/>
+            <a:ext cx="2971800" cy="458788"/>
+          </a:xfrm>
+          <a:prstGeom prst="rect">
+            <a:avLst/>
+          </a:prstGeom>
+        </p:spPr>
+        <p:txBody>
+          <a:bodyPr vert="horz" lIns="91440" tIns="45720" rIns="91440" bIns="45720" rtlCol="0"/>
+          <a:lstStyle>
+            <a:lvl1pPr algn="l">
+              <a:defRPr sz="1200"/>
+            </a:lvl1pPr>
+          </a:lstStyle>
+          <a:p>
+            <a:r>
+              <a:rPr lang="en-US" smtClean="0"/>
+              <a:t>DSLsofMath (Domain Specific Languages of Mathematics)</a:t>
+            </a:r>
+            <a:endParaRPr lang="sv-SE"/>
+          </a:p>
+        </p:txBody>
+      </p:sp>
+      <p:sp>
+        <p:nvSpPr>
+          <p:cNvPr id="3" name="Platshållare för datum 2"/>
+          <p:cNvSpPr>
+            <a:spLocks noGrp="1"/>
+          </p:cNvSpPr>
+          <p:nvPr>
+            <p:ph type="dt" idx="1"/>
+          </p:nvPr>
+        </p:nvSpPr>
+        <p:spPr>
+          <a:xfrm>
+            <a:off x="3884613" y="0"/>
+            <a:ext cx="2971800" cy="458788"/>
+          </a:xfrm>
+          <a:prstGeom prst="rect">
+            <a:avLst/>
+          </a:prstGeom>
+        </p:spPr>
+        <p:txBody>
+          <a:bodyPr vert="horz" lIns="91440" tIns="45720" rIns="91440" bIns="45720" rtlCol="0"/>
+          <a:lstStyle>
+            <a:lvl1pPr algn="r">
+              <a:defRPr sz="1200"/>
+            </a:lvl1pPr>
+          </a:lstStyle>
+          <a:p>
+            <a:fld id="{B6D4FE38-2602-4213-8EC0-D519448B5F8D}" type="datetimeFigureOut">
+              <a:rPr lang="sv-SE" smtClean="0"/>
+              <a:t>2016-02-29</a:t>
+            </a:fld>
+            <a:endParaRPr lang="sv-SE"/>
+          </a:p>
+        </p:txBody>
+      </p:sp>
+      <p:sp>
+        <p:nvSpPr>
+          <p:cNvPr id="4" name="Platshållare för bildobjekt 3"/>
+          <p:cNvSpPr>
+            <a:spLocks noGrp="1" noRot="1" noChangeAspect="1"/>
+          </p:cNvSpPr>
+          <p:nvPr>
+            <p:ph type="sldImg" idx="2"/>
+          </p:nvPr>
+        </p:nvSpPr>
+        <p:spPr>
+          <a:xfrm>
+            <a:off x="685800" y="1143000"/>
+            <a:ext cx="5486400" cy="3086100"/>
+          </a:xfrm>
+          <a:prstGeom prst="rect">
+            <a:avLst/>
+          </a:prstGeom>
+          <a:noFill/>
+          <a:ln w="12700">
+            <a:solidFill>
+              <a:prstClr val="black"/>
+            </a:solidFill>
+          </a:ln>
+        </p:spPr>
+        <p:txBody>
+          <a:bodyPr vert="horz" lIns="91440" tIns="45720" rIns="91440" bIns="45720" rtlCol="0" anchor="ctr"/>
+          <a:lstStyle/>
+          <a:p>
+            <a:endParaRPr lang="sv-SE"/>
+          </a:p>
+        </p:txBody>
+      </p:sp>
+      <p:sp>
+        <p:nvSpPr>
+          <p:cNvPr id="5" name="Platshållare för anteckningar 4"/>
+          <p:cNvSpPr>
+            <a:spLocks noGrp="1"/>
+          </p:cNvSpPr>
+          <p:nvPr>
+            <p:ph type="body" sz="quarter" idx="3"/>
+          </p:nvPr>
+        </p:nvSpPr>
+        <p:spPr>
+          <a:xfrm>
+            <a:off x="685800" y="4400550"/>
+            <a:ext cx="5486400" cy="3600450"/>
+          </a:xfrm>
+          <a:prstGeom prst="rect">
+            <a:avLst/>
+          </a:prstGeom>
+        </p:spPr>
+        <p:txBody>
+          <a:bodyPr vert="horz" lIns="91440" tIns="45720" rIns="91440" bIns="45720" rtlCol="0"/>
+          <a:lstStyle/>
+          <a:p>
+            <a:pPr lvl="0"/>
+            <a:r>
+              <a:rPr lang="sv-SE" smtClean="0"/>
+              <a:t>Klicka här för att ändra format på bakgrundstexten</a:t>
+            </a:r>
+          </a:p>
+          <a:p>
+            <a:pPr lvl="1"/>
+            <a:r>
+              <a:rPr lang="sv-SE" smtClean="0"/>
+              <a:t>Nivå två</a:t>
+            </a:r>
+          </a:p>
+          <a:p>
+            <a:pPr lvl="2"/>
+            <a:r>
+              <a:rPr lang="sv-SE" smtClean="0"/>
+              <a:t>Nivå tre</a:t>
+            </a:r>
+          </a:p>
+          <a:p>
+            <a:pPr lvl="3"/>
+            <a:r>
+              <a:rPr lang="sv-SE" smtClean="0"/>
+              <a:t>Nivå fyra</a:t>
+            </a:r>
+          </a:p>
+          <a:p>
+            <a:pPr lvl="4"/>
+            <a:r>
+              <a:rPr lang="sv-SE" smtClean="0"/>
+              <a:t>Nivå fem</a:t>
+            </a:r>
+            <a:endParaRPr lang="sv-SE"/>
+          </a:p>
+        </p:txBody>
+      </p:sp>
+      <p:sp>
+        <p:nvSpPr>
+          <p:cNvPr id="6" name="Platshållare för sidfot 5"/>
+          <p:cNvSpPr>
+            <a:spLocks noGrp="1"/>
+          </p:cNvSpPr>
+          <p:nvPr>
+            <p:ph type="ftr" sz="quarter" idx="4"/>
+          </p:nvPr>
+        </p:nvSpPr>
+        <p:spPr>
+          <a:xfrm>
+            <a:off x="0" y="8685213"/>
+            <a:ext cx="2971800" cy="458787"/>
+          </a:xfrm>
+          <a:prstGeom prst="rect">
+            <a:avLst/>
+          </a:prstGeom>
+        </p:spPr>
+        <p:txBody>
+          <a:bodyPr vert="horz" lIns="91440" tIns="45720" rIns="91440" bIns="45720" rtlCol="0" anchor="b"/>
+          <a:lstStyle>
+            <a:lvl1pPr algn="l">
+              <a:defRPr sz="1200"/>
+            </a:lvl1pPr>
+          </a:lstStyle>
+          <a:p>
+            <a:r>
+              <a:rPr lang="en-US" smtClean="0"/>
+              <a:t>DSLsofMath (Domain Specific Languages of Mathematics)</a:t>
+            </a:r>
+            <a:endParaRPr lang="sv-SE"/>
+          </a:p>
+        </p:txBody>
+      </p:sp>
+      <p:sp>
+        <p:nvSpPr>
+          <p:cNvPr id="7" name="Platshållare för bildnummer 6"/>
+          <p:cNvSpPr>
+            <a:spLocks noGrp="1"/>
+          </p:cNvSpPr>
+          <p:nvPr>
+            <p:ph type="sldNum" sz="quarter" idx="5"/>
+          </p:nvPr>
+        </p:nvSpPr>
+        <p:spPr>
+          <a:xfrm>
+            <a:off x="3884613" y="8685213"/>
+            <a:ext cx="2971800" cy="458787"/>
+          </a:xfrm>
+          <a:prstGeom prst="rect">
+            <a:avLst/>
+          </a:prstGeom>
+        </p:spPr>
+        <p:txBody>
+          <a:bodyPr vert="horz" lIns="91440" tIns="45720" rIns="91440" bIns="45720" rtlCol="0" anchor="b"/>
+          <a:lstStyle>
+            <a:lvl1pPr algn="r">
+              <a:defRPr sz="1200"/>
+            </a:lvl1pPr>
+          </a:lstStyle>
+          <a:p>
+            <a:fld id="{B2CCEF81-EADC-4B0D-9B0F-40AD33C83124}" type="slidenum">
+              <a:rPr lang="sv-SE" smtClean="0"/>
+              <a:t>‹#›</a:t>
+            </a:fld>
+            <a:endParaRPr lang="sv-SE"/>
+          </a:p>
+        </p:txBody>
+      </p:sp>
+    </p:spTree>
+    <p:extLst>
+      <p:ext uri="{BB962C8B-B14F-4D97-AF65-F5344CB8AC3E}">
+        <p14:creationId xmlns:p14="http://schemas.microsoft.com/office/powerpoint/2010/main" val="1380118931"/>
+      </p:ext>
+    </p:extLst>
+  </p:cSld>
+  <p:clrMap bg1="lt1" tx1="dk1" bg2="lt2" tx2="dk2" accent1="accent1" accent2="accent2" accent3="accent3" accent4="accent4" accent5="accent5" accent6="accent6" hlink="hlink" folHlink="folHlink"/>
+  <p:hf hdr="0" dt="0"/>
+  <p:notesStyle>
+    <a:lvl1pPr marL="0" algn="l" defTabSz="914400" rtl="0" eaLnBrk="1" latinLnBrk="0" hangingPunct="1">
+      <a:defRPr sz="1200" kern="1200">
+        <a:solidFill>
+          <a:schemeClr val="tx1"/>
+        </a:solidFill>
+        <a:latin typeface="+mn-lt"/>
+        <a:ea typeface="+mn-ea"/>
+        <a:cs typeface="+mn-cs"/>
+      </a:defRPr>
+    </a:lvl1pPr>
+    <a:lvl2pPr marL="457200" algn="l" defTabSz="914400" rtl="0" eaLnBrk="1" latinLnBrk="0" hangingPunct="1">
+      <a:defRPr sz="1200" kern="1200">
+        <a:solidFill>
+          <a:schemeClr val="tx1"/>
+        </a:solidFill>
+        <a:latin typeface="+mn-lt"/>
+        <a:ea typeface="+mn-ea"/>
+        <a:cs typeface="+mn-cs"/>
+      </a:defRPr>
+    </a:lvl2pPr>
+    <a:lvl3pPr marL="914400" algn="l" defTabSz="914400" rtl="0" eaLnBrk="1" latinLnBrk="0" hangingPunct="1">
+      <a:defRPr sz="1200" kern="1200">
+        <a:solidFill>
+          <a:schemeClr val="tx1"/>
+        </a:solidFill>
+        <a:latin typeface="+mn-lt"/>
+        <a:ea typeface="+mn-ea"/>
+        <a:cs typeface="+mn-cs"/>
+      </a:defRPr>
+    </a:lvl3pPr>
+    <a:lvl4pPr marL="1371600" algn="l" defTabSz="914400" rtl="0" eaLnBrk="1" latinLnBrk="0" hangingPunct="1">
+      <a:defRPr sz="1200" kern="1200">
+        <a:solidFill>
+          <a:schemeClr val="tx1"/>
+        </a:solidFill>
+        <a:latin typeface="+mn-lt"/>
+        <a:ea typeface="+mn-ea"/>
+        <a:cs typeface="+mn-cs"/>
+      </a:defRPr>
+    </a:lvl4pPr>
+    <a:lvl5pPr marL="1828800" algn="l" defTabSz="914400" rtl="0" eaLnBrk="1" latinLnBrk="0" hangingPunct="1">
+      <a:defRPr sz="1200" kern="1200">
+        <a:solidFill>
+          <a:schemeClr val="tx1"/>
+        </a:solidFill>
+        <a:latin typeface="+mn-lt"/>
+        <a:ea typeface="+mn-ea"/>
+        <a:cs typeface="+mn-cs"/>
+      </a:defRPr>
+    </a:lvl5pPr>
+    <a:lvl6pPr marL="2286000" algn="l" defTabSz="914400" rtl="0" eaLnBrk="1" latinLnBrk="0" hangingPunct="1">
+      <a:defRPr sz="1200" kern="1200">
+        <a:solidFill>
+          <a:schemeClr val="tx1"/>
+        </a:solidFill>
+        <a:latin typeface="+mn-lt"/>
+        <a:ea typeface="+mn-ea"/>
+        <a:cs typeface="+mn-cs"/>
+      </a:defRPr>
+    </a:lvl6pPr>
+    <a:lvl7pPr marL="2743200" algn="l" defTabSz="914400" rtl="0" eaLnBrk="1" latinLnBrk="0" hangingPunct="1">
+      <a:defRPr sz="1200" kern="1200">
+        <a:solidFill>
+          <a:schemeClr val="tx1"/>
+        </a:solidFill>
+        <a:latin typeface="+mn-lt"/>
+        <a:ea typeface="+mn-ea"/>
+        <a:cs typeface="+mn-cs"/>
+      </a:defRPr>
+    </a:lvl7pPr>
+    <a:lvl8pPr marL="3200400" algn="l" defTabSz="914400" rtl="0" eaLnBrk="1" latinLnBrk="0" hangingPunct="1">
+      <a:defRPr sz="1200" kern="1200">
+        <a:solidFill>
+          <a:schemeClr val="tx1"/>
+        </a:solidFill>
+        <a:latin typeface="+mn-lt"/>
+        <a:ea typeface="+mn-ea"/>
+        <a:cs typeface="+mn-cs"/>
+      </a:defRPr>
+    </a:lvl8pPr>
+    <a:lvl9pPr marL="3657600" algn="l" defTabSz="914400" rtl="0" eaLnBrk="1" latinLnBrk="0" hangingPunct="1">
+      <a:defRPr sz="1200" kern="1200">
+        <a:solidFill>
+          <a:schemeClr val="tx1"/>
+        </a:solidFill>
+        <a:latin typeface="+mn-lt"/>
+        <a:ea typeface="+mn-ea"/>
+        <a:cs typeface="+mn-cs"/>
+      </a:defRPr>
+    </a:lvl9pPr>
+  </p:notesStyle>
+</p:notesMaster>
+</file>
+
+<file path=ppt/notesSlides/notesSlide1.xml><?xml version="1.0" encoding="utf-8"?>
+<p:notes xmlns:a="http://schemas.openxmlformats.org/drawingml/2006/main" xmlns:r="http://schemas.openxmlformats.org/officeDocument/2006/relationships" xmlns:p="http://schemas.openxmlformats.org/presentationml/2006/main">
+  <p:cSld>
+    <p:spTree>
+      <p:nvGrpSpPr>
+        <p:cNvPr id="1" name=""/>
+        <p:cNvGrpSpPr/>
+        <p:nvPr/>
+      </p:nvGrpSpPr>
+      <p:grpSpPr>
+        <a:xfrm>
+          <a:off x="0" y="0"/>
+          <a:ext cx="0" cy="0"/>
+          <a:chOff x="0" y="0"/>
+          <a:chExt cx="0" cy="0"/>
+        </a:xfrm>
+      </p:grpSpPr>
+      <p:sp>
+        <p:nvSpPr>
+          <p:cNvPr id="2" name="Platshållare för bildobjekt 1"/>
+          <p:cNvSpPr>
+            <a:spLocks noGrp="1" noRot="1" noChangeAspect="1"/>
+          </p:cNvSpPr>
+          <p:nvPr>
+            <p:ph type="sldImg"/>
+          </p:nvPr>
+        </p:nvSpPr>
+        <p:spPr/>
+      </p:sp>
+      <p:sp>
+        <p:nvSpPr>
+          <p:cNvPr id="3" name="Platshållare för anteckningar 2"/>
+          <p:cNvSpPr>
+            <a:spLocks noGrp="1"/>
+          </p:cNvSpPr>
+          <p:nvPr>
+            <p:ph type="body" idx="1"/>
+          </p:nvPr>
+        </p:nvSpPr>
+        <p:spPr/>
+        <p:txBody>
+          <a:bodyPr/>
+          <a:lstStyle/>
+          <a:p>
+            <a:endParaRPr lang="sv-SE"/>
+          </a:p>
+        </p:txBody>
+      </p:sp>
+      <p:sp>
+        <p:nvSpPr>
+          <p:cNvPr id="4" name="Platshållare för bildnummer 3"/>
+          <p:cNvSpPr>
+            <a:spLocks noGrp="1"/>
+          </p:cNvSpPr>
+          <p:nvPr>
+            <p:ph type="sldNum" sz="quarter" idx="10"/>
+          </p:nvPr>
+        </p:nvSpPr>
+        <p:spPr/>
+        <p:txBody>
+          <a:bodyPr/>
+          <a:lstStyle/>
+          <a:p>
+            <a:fld id="{B2CCEF81-EADC-4B0D-9B0F-40AD33C83124}" type="slidenum">
+              <a:rPr lang="sv-SE" smtClean="0"/>
+              <a:t>2</a:t>
+            </a:fld>
+            <a:endParaRPr lang="sv-SE"/>
+          </a:p>
+        </p:txBody>
+      </p:sp>
+      <p:sp>
+        <p:nvSpPr>
+          <p:cNvPr id="5" name="Platshållare för sidfot 4"/>
+          <p:cNvSpPr>
+            <a:spLocks noGrp="1"/>
+          </p:cNvSpPr>
+          <p:nvPr>
+            <p:ph type="ftr" sz="quarter" idx="11"/>
+          </p:nvPr>
+        </p:nvSpPr>
+        <p:spPr/>
+        <p:txBody>
+          <a:bodyPr/>
+          <a:lstStyle/>
+          <a:p>
+            <a:r>
+              <a:rPr lang="en-US" smtClean="0"/>
+              <a:t>DSLsofMath (Domain Specific Languages of Mathematics)</a:t>
+            </a:r>
+            <a:endParaRPr lang="sv-SE"/>
+          </a:p>
+        </p:txBody>
+      </p:sp>
+    </p:spTree>
+    <p:extLst>
+      <p:ext uri="{BB962C8B-B14F-4D97-AF65-F5344CB8AC3E}">
+        <p14:creationId xmlns:p14="http://schemas.microsoft.com/office/powerpoint/2010/main" val="27667052"/>
+      </p:ext>
+    </p:extLst>
+  </p:cSld>
+  <p:clrMapOvr>
+    <a:masterClrMapping/>
+  </p:clrMapOvr>
+</p:notes>
+</file>
+
+<file path=ppt/notesSlides/notesSlide2.xml><?xml version="1.0" encoding="utf-8"?>
+<p:notes xmlns:a="http://schemas.openxmlformats.org/drawingml/2006/main" xmlns:r="http://schemas.openxmlformats.org/officeDocument/2006/relationships" xmlns:p="http://schemas.openxmlformats.org/presentationml/2006/main">
+  <p:cSld>
+    <p:spTree>
+      <p:nvGrpSpPr>
+        <p:cNvPr id="1" name=""/>
+        <p:cNvGrpSpPr/>
+        <p:nvPr/>
+      </p:nvGrpSpPr>
+      <p:grpSpPr>
+        <a:xfrm>
+          <a:off x="0" y="0"/>
+          <a:ext cx="0" cy="0"/>
+          <a:chOff x="0" y="0"/>
+          <a:chExt cx="0" cy="0"/>
+        </a:xfrm>
+      </p:grpSpPr>
+      <p:sp>
+        <p:nvSpPr>
+          <p:cNvPr id="2" name="Platshållare för bildobjekt 1"/>
+          <p:cNvSpPr>
+            <a:spLocks noGrp="1" noRot="1" noChangeAspect="1"/>
+          </p:cNvSpPr>
+          <p:nvPr>
+            <p:ph type="sldImg"/>
+          </p:nvPr>
+        </p:nvSpPr>
+        <p:spPr/>
+      </p:sp>
+      <p:sp>
+        <p:nvSpPr>
+          <p:cNvPr id="3" name="Platshållare för anteckningar 2"/>
+          <p:cNvSpPr>
+            <a:spLocks noGrp="1"/>
+          </p:cNvSpPr>
+          <p:nvPr>
+            <p:ph type="body" idx="1"/>
+          </p:nvPr>
+        </p:nvSpPr>
+        <p:spPr/>
+        <p:txBody>
+          <a:bodyPr/>
+          <a:lstStyle/>
+          <a:p>
+            <a:endParaRPr lang="sv-SE"/>
+          </a:p>
+        </p:txBody>
+      </p:sp>
+      <p:sp>
+        <p:nvSpPr>
+          <p:cNvPr id="4" name="Platshållare för sidfot 3"/>
+          <p:cNvSpPr>
+            <a:spLocks noGrp="1"/>
+          </p:cNvSpPr>
+          <p:nvPr>
+            <p:ph type="ftr" sz="quarter" idx="10"/>
+          </p:nvPr>
+        </p:nvSpPr>
+        <p:spPr/>
+        <p:txBody>
+          <a:bodyPr/>
+          <a:lstStyle/>
+          <a:p>
+            <a:r>
+              <a:rPr lang="en-US" smtClean="0"/>
+              <a:t>DSLsofMath (Domain Specific Languages of Mathematics)</a:t>
+            </a:r>
+            <a:endParaRPr lang="sv-SE"/>
+          </a:p>
+        </p:txBody>
+      </p:sp>
+      <p:sp>
+        <p:nvSpPr>
+          <p:cNvPr id="5" name="Platshållare för bildnummer 4"/>
+          <p:cNvSpPr>
+            <a:spLocks noGrp="1"/>
+          </p:cNvSpPr>
+          <p:nvPr>
+            <p:ph type="sldNum" sz="quarter" idx="11"/>
+          </p:nvPr>
+        </p:nvSpPr>
+        <p:spPr/>
+        <p:txBody>
+          <a:bodyPr/>
+          <a:lstStyle/>
+          <a:p>
+            <a:fld id="{B2CCEF81-EADC-4B0D-9B0F-40AD33C83124}" type="slidenum">
+              <a:rPr lang="sv-SE" smtClean="0"/>
+              <a:t>8</a:t>
+            </a:fld>
+            <a:endParaRPr lang="sv-SE"/>
+          </a:p>
+        </p:txBody>
+      </p:sp>
+    </p:spTree>
+    <p:extLst>
+      <p:ext uri="{BB962C8B-B14F-4D97-AF65-F5344CB8AC3E}">
+        <p14:creationId xmlns:p14="http://schemas.microsoft.com/office/powerpoint/2010/main" val="3507335418"/>
+      </p:ext>
+    </p:extLst>
+  </p:cSld>
+  <p:clrMapOvr>
+    <a:masterClrMapping/>
+  </p:clrMapOvr>
+</p:notes>
+</file>
+
 <file path=ppt/slideLayouts/slideLayout1.xml><?xml version="1.0" encoding="utf-8"?>
 <p:sldLayout xmlns:a="http://schemas.openxmlformats.org/drawingml/2006/main" xmlns:r="http://schemas.openxmlformats.org/officeDocument/2006/relationships" xmlns:p="http://schemas.openxmlformats.org/presentationml/2006/main" type="title" preserve="1">
   <p:cSld name="Rubrikbild">
@@ -3050,7 +3826,7 @@
           <a:p>
             <a:fld id="{B22F029A-C8A8-405B-BFC7-FDD186554002}" type="datetimeFigureOut">
               <a:rPr lang="sv-SE" smtClean="0"/>
-              <a:t>2016-02-28</a:t>
+              <a:t>2016-02-29</a:t>
             </a:fld>
             <a:endParaRPr lang="sv-SE"/>
           </a:p>
@@ -3220,7 +3996,7 @@
           <a:p>
             <a:fld id="{B22F029A-C8A8-405B-BFC7-FDD186554002}" type="datetimeFigureOut">
               <a:rPr lang="sv-SE" smtClean="0"/>
-              <a:t>2016-02-28</a:t>
+              <a:t>2016-02-29</a:t>
             </a:fld>
             <a:endParaRPr lang="sv-SE"/>
           </a:p>
@@ -3400,7 +4176,7 @@
           <a:p>
             <a:fld id="{B22F029A-C8A8-405B-BFC7-FDD186554002}" type="datetimeFigureOut">
               <a:rPr lang="sv-SE" smtClean="0"/>
-              <a:t>2016-02-28</a:t>
+              <a:t>2016-02-29</a:t>
             </a:fld>
             <a:endParaRPr lang="sv-SE"/>
           </a:p>
@@ -3603,7 +4379,7 @@
           <a:p>
             <a:fld id="{B22F029A-C8A8-405B-BFC7-FDD186554002}" type="datetimeFigureOut">
               <a:rPr lang="sv-SE" smtClean="0"/>
-              <a:t>2016-02-28</a:t>
+              <a:t>2016-02-29</a:t>
             </a:fld>
             <a:endParaRPr lang="sv-SE"/>
           </a:p>
@@ -3773,7 +4549,7 @@
           <a:p>
             <a:fld id="{B22F029A-C8A8-405B-BFC7-FDD186554002}" type="datetimeFigureOut">
               <a:rPr lang="sv-SE" smtClean="0"/>
-              <a:t>2016-02-28</a:t>
+              <a:t>2016-02-29</a:t>
             </a:fld>
             <a:endParaRPr lang="sv-SE"/>
           </a:p>
@@ -4024,7 +4800,7 @@
           <a:p>
             <a:fld id="{B22F029A-C8A8-405B-BFC7-FDD186554002}" type="datetimeFigureOut">
               <a:rPr lang="sv-SE" smtClean="0"/>
-              <a:t>2016-02-28</a:t>
+              <a:t>2016-02-29</a:t>
             </a:fld>
             <a:endParaRPr lang="sv-SE"/>
           </a:p>
@@ -4256,7 +5032,7 @@
           <a:p>
             <a:fld id="{B22F029A-C8A8-405B-BFC7-FDD186554002}" type="datetimeFigureOut">
               <a:rPr lang="sv-SE" smtClean="0"/>
-              <a:t>2016-02-28</a:t>
+              <a:t>2016-02-29</a:t>
             </a:fld>
             <a:endParaRPr lang="sv-SE"/>
           </a:p>
@@ -4603,7 +5379,7 @@
           <a:p>
             <a:fld id="{B22F029A-C8A8-405B-BFC7-FDD186554002}" type="datetimeFigureOut">
               <a:rPr lang="sv-SE" smtClean="0"/>
-              <a:t>2016-02-28</a:t>
+              <a:t>2016-02-29</a:t>
             </a:fld>
             <a:endParaRPr lang="sv-SE"/>
           </a:p>
@@ -4721,7 +5497,7 @@
           <a:p>
             <a:fld id="{B22F029A-C8A8-405B-BFC7-FDD186554002}" type="datetimeFigureOut">
               <a:rPr lang="sv-SE" smtClean="0"/>
-              <a:t>2016-02-28</a:t>
+              <a:t>2016-02-29</a:t>
             </a:fld>
             <a:endParaRPr lang="sv-SE"/>
           </a:p>
@@ -4839,7 +5615,7 @@
           <a:p>
             <a:fld id="{B22F029A-C8A8-405B-BFC7-FDD186554002}" type="datetimeFigureOut">
               <a:rPr lang="sv-SE" smtClean="0"/>
-              <a:t>2016-02-28</a:t>
+              <a:t>2016-02-29</a:t>
             </a:fld>
             <a:endParaRPr lang="sv-SE"/>
           </a:p>
@@ -5123,7 +5899,7 @@
           <a:p>
             <a:fld id="{B22F029A-C8A8-405B-BFC7-FDD186554002}" type="datetimeFigureOut">
               <a:rPr lang="sv-SE" smtClean="0"/>
-              <a:t>2016-02-28</a:t>
+              <a:t>2016-02-29</a:t>
             </a:fld>
             <a:endParaRPr lang="sv-SE"/>
           </a:p>
@@ -5293,7 +6069,7 @@
           <a:p>
             <a:fld id="{B22F029A-C8A8-405B-BFC7-FDD186554002}" type="datetimeFigureOut">
               <a:rPr lang="sv-SE" smtClean="0"/>
-              <a:t>2016-02-28</a:t>
+              <a:t>2016-02-29</a:t>
             </a:fld>
             <a:endParaRPr lang="sv-SE"/>
           </a:p>
@@ -5557,7 +6333,7 @@
           <a:p>
             <a:fld id="{B22F029A-C8A8-405B-BFC7-FDD186554002}" type="datetimeFigureOut">
               <a:rPr lang="sv-SE" smtClean="0"/>
-              <a:t>2016-02-28</a:t>
+              <a:t>2016-02-29</a:t>
             </a:fld>
             <a:endParaRPr lang="sv-SE"/>
           </a:p>
@@ -5727,7 +6503,7 @@
           <a:p>
             <a:fld id="{B22F029A-C8A8-405B-BFC7-FDD186554002}" type="datetimeFigureOut">
               <a:rPr lang="sv-SE" smtClean="0"/>
-              <a:t>2016-02-28</a:t>
+              <a:t>2016-02-29</a:t>
             </a:fld>
             <a:endParaRPr lang="sv-SE"/>
           </a:p>
@@ -5907,7 +6683,7 @@
           <a:p>
             <a:fld id="{B22F029A-C8A8-405B-BFC7-FDD186554002}" type="datetimeFigureOut">
               <a:rPr lang="sv-SE" smtClean="0"/>
-              <a:t>2016-02-28</a:t>
+              <a:t>2016-02-29</a:t>
             </a:fld>
             <a:endParaRPr lang="sv-SE"/>
           </a:p>
@@ -6299,7 +7075,7 @@
           <a:p>
             <a:fld id="{B22F029A-C8A8-405B-BFC7-FDD186554002}" type="datetimeFigureOut">
               <a:rPr lang="sv-SE" smtClean="0"/>
-              <a:t>2016-02-28</a:t>
+              <a:t>2016-02-29</a:t>
             </a:fld>
             <a:endParaRPr lang="sv-SE"/>
           </a:p>
@@ -6540,7 +7316,7 @@
           <a:p>
             <a:fld id="{B22F029A-C8A8-405B-BFC7-FDD186554002}" type="datetimeFigureOut">
               <a:rPr lang="sv-SE" smtClean="0"/>
-              <a:t>2016-02-28</a:t>
+              <a:t>2016-02-29</a:t>
             </a:fld>
             <a:endParaRPr lang="sv-SE"/>
           </a:p>
@@ -6788,7 +7564,7 @@
           <a:p>
             <a:fld id="{B22F029A-C8A8-405B-BFC7-FDD186554002}" type="datetimeFigureOut">
               <a:rPr lang="sv-SE" smtClean="0"/>
-              <a:t>2016-02-28</a:t>
+              <a:t>2016-02-29</a:t>
             </a:fld>
             <a:endParaRPr lang="sv-SE"/>
           </a:p>
@@ -7086,7 +7862,7 @@
           <a:p>
             <a:fld id="{B22F029A-C8A8-405B-BFC7-FDD186554002}" type="datetimeFigureOut">
               <a:rPr lang="sv-SE" smtClean="0"/>
-              <a:t>2016-02-28</a:t>
+              <a:t>2016-02-29</a:t>
             </a:fld>
             <a:endParaRPr lang="sv-SE"/>
           </a:p>
@@ -7480,7 +8256,7 @@
           <a:p>
             <a:fld id="{B22F029A-C8A8-405B-BFC7-FDD186554002}" type="datetimeFigureOut">
               <a:rPr lang="sv-SE" smtClean="0"/>
-              <a:t>2016-02-28</a:t>
+              <a:t>2016-02-29</a:t>
             </a:fld>
             <a:endParaRPr lang="sv-SE"/>
           </a:p>
@@ -7629,7 +8405,7 @@
           <a:p>
             <a:fld id="{B22F029A-C8A8-405B-BFC7-FDD186554002}" type="datetimeFigureOut">
               <a:rPr lang="sv-SE" smtClean="0"/>
-              <a:t>2016-02-28</a:t>
+              <a:t>2016-02-29</a:t>
             </a:fld>
             <a:endParaRPr lang="sv-SE"/>
           </a:p>
@@ -7755,7 +8531,7 @@
           <a:p>
             <a:fld id="{B22F029A-C8A8-405B-BFC7-FDD186554002}" type="datetimeFigureOut">
               <a:rPr lang="sv-SE" smtClean="0"/>
-              <a:t>2016-02-28</a:t>
+              <a:t>2016-02-29</a:t>
             </a:fld>
             <a:endParaRPr lang="sv-SE"/>
           </a:p>
@@ -8006,7 +8782,7 @@
           <a:p>
             <a:fld id="{B22F029A-C8A8-405B-BFC7-FDD186554002}" type="datetimeFigureOut">
               <a:rPr lang="sv-SE" smtClean="0"/>
-              <a:t>2016-02-28</a:t>
+              <a:t>2016-02-29</a:t>
             </a:fld>
             <a:endParaRPr lang="sv-SE"/>
           </a:p>
@@ -8261,7 +9037,7 @@
           <a:p>
             <a:fld id="{B22F029A-C8A8-405B-BFC7-FDD186554002}" type="datetimeFigureOut">
               <a:rPr lang="sv-SE" smtClean="0"/>
-              <a:t>2016-02-28</a:t>
+              <a:t>2016-02-29</a:t>
             </a:fld>
             <a:endParaRPr lang="sv-SE"/>
           </a:p>
@@ -8576,7 +9352,7 @@
           <a:p>
             <a:fld id="{B22F029A-C8A8-405B-BFC7-FDD186554002}" type="datetimeFigureOut">
               <a:rPr lang="sv-SE" smtClean="0"/>
-              <a:t>2016-02-28</a:t>
+              <a:t>2016-02-29</a:t>
             </a:fld>
             <a:endParaRPr lang="sv-SE"/>
           </a:p>
@@ -8860,7 +9636,7 @@
           <a:p>
             <a:fld id="{B22F029A-C8A8-405B-BFC7-FDD186554002}" type="datetimeFigureOut">
               <a:rPr lang="sv-SE" smtClean="0"/>
-              <a:t>2016-02-28</a:t>
+              <a:t>2016-02-29</a:t>
             </a:fld>
             <a:endParaRPr lang="sv-SE"/>
           </a:p>
@@ -9108,7 +9884,7 @@
           <a:p>
             <a:fld id="{B22F029A-C8A8-405B-BFC7-FDD186554002}" type="datetimeFigureOut">
               <a:rPr lang="sv-SE" smtClean="0"/>
-              <a:t>2016-02-28</a:t>
+              <a:t>2016-02-29</a:t>
             </a:fld>
             <a:endParaRPr lang="sv-SE"/>
           </a:p>
@@ -9447,7 +10223,7 @@
           <a:p>
             <a:fld id="{B22F029A-C8A8-405B-BFC7-FDD186554002}" type="datetimeFigureOut">
               <a:rPr lang="sv-SE" smtClean="0"/>
-              <a:t>2016-02-28</a:t>
+              <a:t>2016-02-29</a:t>
             </a:fld>
             <a:endParaRPr lang="sv-SE"/>
           </a:p>
@@ -9794,7 +10570,7 @@
           <a:p>
             <a:fld id="{B22F029A-C8A8-405B-BFC7-FDD186554002}" type="datetimeFigureOut">
               <a:rPr lang="sv-SE" smtClean="0"/>
-              <a:t>2016-02-28</a:t>
+              <a:t>2016-02-29</a:t>
             </a:fld>
             <a:endParaRPr lang="sv-SE"/>
           </a:p>
@@ -10168,7 +10944,7 @@
           <a:p>
             <a:fld id="{B22F029A-C8A8-405B-BFC7-FDD186554002}" type="datetimeFigureOut">
               <a:rPr lang="sv-SE" smtClean="0"/>
-              <a:t>2016-02-28</a:t>
+              <a:t>2016-02-29</a:t>
             </a:fld>
             <a:endParaRPr lang="sv-SE"/>
           </a:p>
@@ -10638,7 +11414,7 @@
           <a:p>
             <a:fld id="{B22F029A-C8A8-405B-BFC7-FDD186554002}" type="datetimeFigureOut">
               <a:rPr lang="sv-SE" smtClean="0"/>
-              <a:t>2016-02-28</a:t>
+              <a:t>2016-02-29</a:t>
             </a:fld>
             <a:endParaRPr lang="sv-SE"/>
           </a:p>
@@ -10843,7 +11619,7 @@
           <a:p>
             <a:fld id="{B22F029A-C8A8-405B-BFC7-FDD186554002}" type="datetimeFigureOut">
               <a:rPr lang="sv-SE" smtClean="0"/>
-              <a:t>2016-02-28</a:t>
+              <a:t>2016-02-29</a:t>
             </a:fld>
             <a:endParaRPr lang="sv-SE"/>
           </a:p>
@@ -11054,7 +11830,7 @@
           <a:p>
             <a:fld id="{B22F029A-C8A8-405B-BFC7-FDD186554002}" type="datetimeFigureOut">
               <a:rPr lang="sv-SE" smtClean="0"/>
-              <a:t>2016-02-28</a:t>
+              <a:t>2016-02-29</a:t>
             </a:fld>
             <a:endParaRPr lang="sv-SE"/>
           </a:p>
@@ -11317,7 +12093,7 @@
           <a:p>
             <a:fld id="{B22F029A-C8A8-405B-BFC7-FDD186554002}" type="datetimeFigureOut">
               <a:rPr lang="sv-SE" smtClean="0"/>
-              <a:t>2016-02-28</a:t>
+              <a:t>2016-02-29</a:t>
             </a:fld>
             <a:endParaRPr lang="sv-SE"/>
           </a:p>
@@ -11664,7 +12440,7 @@
           <a:p>
             <a:fld id="{B22F029A-C8A8-405B-BFC7-FDD186554002}" type="datetimeFigureOut">
               <a:rPr lang="sv-SE" smtClean="0"/>
-              <a:t>2016-02-28</a:t>
+              <a:t>2016-02-29</a:t>
             </a:fld>
             <a:endParaRPr lang="sv-SE"/>
           </a:p>
@@ -11782,7 +12558,7 @@
           <a:p>
             <a:fld id="{B22F029A-C8A8-405B-BFC7-FDD186554002}" type="datetimeFigureOut">
               <a:rPr lang="sv-SE" smtClean="0"/>
-              <a:t>2016-02-28</a:t>
+              <a:t>2016-02-29</a:t>
             </a:fld>
             <a:endParaRPr lang="sv-SE"/>
           </a:p>
@@ -11900,7 +12676,7 @@
           <a:p>
             <a:fld id="{B22F029A-C8A8-405B-BFC7-FDD186554002}" type="datetimeFigureOut">
               <a:rPr lang="sv-SE" smtClean="0"/>
-              <a:t>2016-02-28</a:t>
+              <a:t>2016-02-29</a:t>
             </a:fld>
             <a:endParaRPr lang="sv-SE"/>
           </a:p>
@@ -12184,7 +12960,7 @@
           <a:p>
             <a:fld id="{B22F029A-C8A8-405B-BFC7-FDD186554002}" type="datetimeFigureOut">
               <a:rPr lang="sv-SE" smtClean="0"/>
-              <a:t>2016-02-28</a:t>
+              <a:t>2016-02-29</a:t>
             </a:fld>
             <a:endParaRPr lang="sv-SE"/>
           </a:p>
@@ -12448,7 +13224,7 @@
           <a:p>
             <a:fld id="{B22F029A-C8A8-405B-BFC7-FDD186554002}" type="datetimeFigureOut">
               <a:rPr lang="sv-SE" smtClean="0"/>
-              <a:t>2016-02-28</a:t>
+              <a:t>2016-02-29</a:t>
             </a:fld>
             <a:endParaRPr lang="sv-SE"/>
           </a:p>
@@ -12662,7 +13438,7 @@
           <a:p>
             <a:fld id="{B22F029A-C8A8-405B-BFC7-FDD186554002}" type="datetimeFigureOut">
               <a:rPr lang="sv-SE" smtClean="0"/>
-              <a:t>2016-02-28</a:t>
+              <a:t>2016-02-29</a:t>
             </a:fld>
             <a:endParaRPr lang="sv-SE"/>
           </a:p>
@@ -13192,7 +13968,7 @@
           <a:p>
             <a:fld id="{B22F029A-C8A8-405B-BFC7-FDD186554002}" type="datetimeFigureOut">
               <a:rPr lang="sv-SE" smtClean="0"/>
-              <a:t>2016-02-28</a:t>
+              <a:t>2016-02-29</a:t>
             </a:fld>
             <a:endParaRPr lang="sv-SE"/>
           </a:p>
@@ -13859,7 +14635,7 @@
           <a:p>
             <a:fld id="{B22F029A-C8A8-405B-BFC7-FDD186554002}" type="datetimeFigureOut">
               <a:rPr lang="sv-SE" smtClean="0"/>
-              <a:t>2016-02-28</a:t>
+              <a:t>2016-02-29</a:t>
             </a:fld>
             <a:endParaRPr lang="sv-SE"/>
           </a:p>
@@ -14437,46 +15213,48 @@
         </p:nvSpPr>
         <p:spPr/>
         <p:txBody>
-          <a:bodyPr/>
-          <a:lstStyle/>
-          <a:p>
-            <a:r>
-              <a:rPr lang="sv-SE" dirty="0" err="1" smtClean="0"/>
+          <a:bodyPr>
+            <a:normAutofit/>
+          </a:bodyPr>
+          <a:lstStyle/>
+          <a:p>
+            <a:r>
+              <a:rPr lang="sv-SE" sz="2800" dirty="0" err="1" smtClean="0"/>
               <a:t>Domain</a:t>
             </a:r>
             <a:r>
-              <a:rPr lang="sv-SE" dirty="0" smtClean="0"/>
+              <a:rPr lang="sv-SE" sz="2800" dirty="0" smtClean="0"/>
               <a:t> </a:t>
             </a:r>
             <a:r>
-              <a:rPr lang="sv-SE" dirty="0" err="1" smtClean="0"/>
+              <a:rPr lang="sv-SE" sz="2800" dirty="0" err="1" smtClean="0"/>
               <a:t>Specific</a:t>
             </a:r>
             <a:r>
-              <a:rPr lang="sv-SE" dirty="0" smtClean="0"/>
+              <a:rPr lang="sv-SE" sz="2800" dirty="0" smtClean="0"/>
               <a:t> </a:t>
             </a:r>
             <a:r>
-              <a:rPr lang="sv-SE" dirty="0" err="1" smtClean="0"/>
+              <a:rPr lang="sv-SE" sz="2800" dirty="0" err="1" smtClean="0"/>
               <a:t>Languages</a:t>
             </a:r>
             <a:r>
-              <a:rPr lang="sv-SE" dirty="0" smtClean="0"/>
+              <a:rPr lang="sv-SE" sz="2800" dirty="0" smtClean="0"/>
               <a:t> </a:t>
             </a:r>
             <a:r>
-              <a:rPr lang="sv-SE" dirty="0" err="1" smtClean="0"/>
+              <a:rPr lang="sv-SE" sz="2800" dirty="0" err="1" smtClean="0"/>
               <a:t>of</a:t>
             </a:r>
             <a:r>
-              <a:rPr lang="sv-SE" dirty="0" smtClean="0"/>
+              <a:rPr lang="sv-SE" sz="2800" dirty="0" smtClean="0"/>
               <a:t> </a:t>
             </a:r>
             <a:r>
-              <a:rPr lang="sv-SE" dirty="0" err="1" smtClean="0"/>
+              <a:rPr lang="sv-SE" sz="2800" dirty="0" err="1" smtClean="0"/>
               <a:t>Mathematics</a:t>
             </a:r>
-            <a:endParaRPr lang="sv-SE" dirty="0"/>
+            <a:endParaRPr lang="sv-SE" sz="2800" dirty="0"/>
           </a:p>
         </p:txBody>
       </p:sp>
@@ -14519,6 +15297,627 @@
       </p:grpSpPr>
       <p:sp>
         <p:nvSpPr>
+          <p:cNvPr id="2" name="Rubrik 1"/>
+          <p:cNvSpPr>
+            <a:spLocks noGrp="1"/>
+          </p:cNvSpPr>
+          <p:nvPr>
+            <p:ph type="title"/>
+          </p:nvPr>
+        </p:nvSpPr>
+        <p:spPr/>
+        <p:txBody>
+          <a:bodyPr/>
+          <a:lstStyle/>
+          <a:p>
+            <a:r>
+              <a:rPr lang="sv-SE" dirty="0" smtClean="0"/>
+              <a:t>Tekniskt</a:t>
+            </a:r>
+            <a:endParaRPr lang="sv-SE" dirty="0"/>
+          </a:p>
+        </p:txBody>
+      </p:sp>
+      <p:sp>
+        <p:nvSpPr>
+          <p:cNvPr id="3" name="Platshållare för innehåll 2"/>
+          <p:cNvSpPr>
+            <a:spLocks noGrp="1"/>
+          </p:cNvSpPr>
+          <p:nvPr>
+            <p:ph idx="1"/>
+          </p:nvPr>
+        </p:nvSpPr>
+        <p:spPr/>
+        <p:txBody>
+          <a:bodyPr/>
+          <a:lstStyle/>
+          <a:p>
+            <a:r>
+              <a:rPr lang="sv-SE" sz="3600" dirty="0" smtClean="0"/>
+              <a:t>Matematikens domänspecifika språk</a:t>
+            </a:r>
+            <a:endParaRPr lang="sv-SE" sz="3600" dirty="0" smtClean="0"/>
+          </a:p>
+          <a:p>
+            <a:r>
+              <a:rPr lang="sv-SE" sz="3600" dirty="0" err="1" smtClean="0"/>
+              <a:t>Haskell</a:t>
+            </a:r>
+            <a:endParaRPr lang="sv-SE" sz="3600" dirty="0" smtClean="0"/>
+          </a:p>
+          <a:p>
+            <a:endParaRPr lang="sv-SE" dirty="0"/>
+          </a:p>
+        </p:txBody>
+      </p:sp>
+      <p:sp>
+        <p:nvSpPr>
+          <p:cNvPr id="4" name="Rektangel 3"/>
+          <p:cNvSpPr/>
+          <p:nvPr/>
+        </p:nvSpPr>
+        <p:spPr>
+          <a:xfrm>
+            <a:off x="619575" y="612800"/>
+            <a:ext cx="1351652" cy="369332"/>
+          </a:xfrm>
+          <a:prstGeom prst="rect">
+            <a:avLst/>
+          </a:prstGeom>
+        </p:spPr>
+        <p:txBody>
+          <a:bodyPr wrap="none">
+            <a:spAutoFit/>
+          </a:bodyPr>
+          <a:lstStyle/>
+          <a:p>
+            <a:r>
+              <a:rPr lang="sv-SE" dirty="0" err="1"/>
+              <a:t>DSLsofMath</a:t>
+            </a:r>
+            <a:endParaRPr lang="sv-SE" dirty="0"/>
+          </a:p>
+        </p:txBody>
+      </p:sp>
+    </p:spTree>
+    <p:extLst>
+      <p:ext uri="{BB962C8B-B14F-4D97-AF65-F5344CB8AC3E}">
+        <p14:creationId xmlns:p14="http://schemas.microsoft.com/office/powerpoint/2010/main" val="1452589047"/>
+      </p:ext>
+    </p:extLst>
+  </p:cSld>
+  <p:clrMapOvr>
+    <a:masterClrMapping/>
+  </p:clrMapOvr>
+  <p:timing>
+    <p:tnLst>
+      <p:par>
+        <p:cTn id="1" dur="indefinite" restart="never" nodeType="tmRoot"/>
+      </p:par>
+    </p:tnLst>
+  </p:timing>
+</p:sld>
+</file>
+
+<file path=ppt/slides/slide11.xml><?xml version="1.0" encoding="utf-8"?>
+<p:sld xmlns:a="http://schemas.openxmlformats.org/drawingml/2006/main" xmlns:r="http://schemas.openxmlformats.org/officeDocument/2006/relationships" xmlns:p="http://schemas.openxmlformats.org/presentationml/2006/main">
+  <p:cSld>
+    <p:spTree>
+      <p:nvGrpSpPr>
+        <p:cNvPr id="1" name=""/>
+        <p:cNvGrpSpPr/>
+        <p:nvPr/>
+      </p:nvGrpSpPr>
+      <p:grpSpPr>
+        <a:xfrm>
+          <a:off x="0" y="0"/>
+          <a:ext cx="0" cy="0"/>
+          <a:chOff x="0" y="0"/>
+          <a:chExt cx="0" cy="0"/>
+        </a:xfrm>
+      </p:grpSpPr>
+      <p:sp>
+        <p:nvSpPr>
+          <p:cNvPr id="2" name="Rubrik 1"/>
+          <p:cNvSpPr>
+            <a:spLocks noGrp="1"/>
+          </p:cNvSpPr>
+          <p:nvPr>
+            <p:ph type="title"/>
+          </p:nvPr>
+        </p:nvSpPr>
+        <p:spPr/>
+        <p:txBody>
+          <a:bodyPr>
+            <a:normAutofit/>
+          </a:bodyPr>
+          <a:lstStyle/>
+          <a:p>
+            <a:r>
+              <a:rPr lang="sv-SE" dirty="0" smtClean="0"/>
+              <a:t>Status för projektet</a:t>
+            </a:r>
+            <a:endParaRPr lang="sv-SE" dirty="0"/>
+          </a:p>
+        </p:txBody>
+      </p:sp>
+      <p:sp>
+        <p:nvSpPr>
+          <p:cNvPr id="4" name="Platshållare för innehåll 3"/>
+          <p:cNvSpPr>
+            <a:spLocks noGrp="1"/>
+          </p:cNvSpPr>
+          <p:nvPr>
+            <p:ph sz="half" idx="1"/>
+          </p:nvPr>
+        </p:nvSpPr>
+        <p:spPr>
+          <a:xfrm>
+            <a:off x="1295401" y="2558448"/>
+            <a:ext cx="3200400" cy="3312000"/>
+          </a:xfrm>
+          <a:ln>
+            <a:solidFill>
+              <a:schemeClr val="tx1"/>
+            </a:solidFill>
+          </a:ln>
+        </p:spPr>
+        <p:txBody>
+          <a:bodyPr>
+            <a:normAutofit/>
+          </a:bodyPr>
+          <a:lstStyle/>
+          <a:p>
+            <a:pPr marL="0" indent="0">
+              <a:buNone/>
+            </a:pPr>
+            <a:r>
+              <a:rPr lang="sv-SE" sz="3200" dirty="0" smtClean="0"/>
+              <a:t>Avklarat</a:t>
+            </a:r>
+          </a:p>
+          <a:p>
+            <a:r>
+              <a:rPr lang="sv-SE" sz="3200" dirty="0" smtClean="0"/>
+              <a:t>Efterforskningar</a:t>
+            </a:r>
+          </a:p>
+          <a:p>
+            <a:r>
+              <a:rPr lang="sv-SE" sz="3200" dirty="0" smtClean="0"/>
+              <a:t>Inlärning	</a:t>
+            </a:r>
+            <a:endParaRPr lang="sv-SE" sz="3200" dirty="0"/>
+          </a:p>
+        </p:txBody>
+      </p:sp>
+      <p:sp>
+        <p:nvSpPr>
+          <p:cNvPr id="5" name="Platshållare för innehåll 4"/>
+          <p:cNvSpPr>
+            <a:spLocks noGrp="1"/>
+          </p:cNvSpPr>
+          <p:nvPr>
+            <p:ph sz="half" idx="2"/>
+          </p:nvPr>
+        </p:nvSpPr>
+        <p:spPr>
+          <a:xfrm>
+            <a:off x="7696198" y="2562192"/>
+            <a:ext cx="3200400" cy="3310128"/>
+          </a:xfrm>
+          <a:ln>
+            <a:solidFill>
+              <a:schemeClr val="tx1"/>
+            </a:solidFill>
+          </a:ln>
+        </p:spPr>
+        <p:txBody>
+          <a:bodyPr/>
+          <a:lstStyle/>
+          <a:p>
+            <a:pPr marL="0" indent="0">
+              <a:buNone/>
+            </a:pPr>
+            <a:r>
+              <a:rPr lang="sv-SE" sz="3200" dirty="0" smtClean="0"/>
+              <a:t>Att göra</a:t>
+            </a:r>
+          </a:p>
+          <a:p>
+            <a:r>
+              <a:rPr lang="sv-SE" sz="3200" dirty="0" smtClean="0"/>
+              <a:t>Färdigställa </a:t>
+            </a:r>
+            <a:r>
+              <a:rPr lang="sv-SE" sz="3200" dirty="0" err="1" smtClean="0"/>
+              <a:t>tutorial</a:t>
+            </a:r>
+            <a:endParaRPr lang="sv-SE" sz="3200" dirty="0" smtClean="0"/>
+          </a:p>
+          <a:p>
+            <a:r>
+              <a:rPr lang="sv-SE" sz="3200" dirty="0"/>
+              <a:t>Testa </a:t>
+            </a:r>
+            <a:r>
+              <a:rPr lang="sv-SE" sz="3200" dirty="0" err="1"/>
+              <a:t>tutorial</a:t>
+            </a:r>
+            <a:endParaRPr lang="sv-SE" sz="3200" dirty="0"/>
+          </a:p>
+          <a:p>
+            <a:endParaRPr lang="sv-SE" dirty="0" smtClean="0"/>
+          </a:p>
+          <a:p>
+            <a:endParaRPr lang="sv-SE" dirty="0"/>
+          </a:p>
+        </p:txBody>
+      </p:sp>
+      <p:sp>
+        <p:nvSpPr>
+          <p:cNvPr id="3" name="Rektangel 2"/>
+          <p:cNvSpPr/>
+          <p:nvPr/>
+        </p:nvSpPr>
+        <p:spPr>
+          <a:xfrm>
+            <a:off x="619576" y="612800"/>
+            <a:ext cx="1351652" cy="369332"/>
+          </a:xfrm>
+          <a:prstGeom prst="rect">
+            <a:avLst/>
+          </a:prstGeom>
+        </p:spPr>
+        <p:txBody>
+          <a:bodyPr wrap="none">
+            <a:spAutoFit/>
+          </a:bodyPr>
+          <a:lstStyle/>
+          <a:p>
+            <a:r>
+              <a:rPr lang="sv-SE" dirty="0" err="1"/>
+              <a:t>DSLsofMath</a:t>
+            </a:r>
+            <a:endParaRPr lang="sv-SE" dirty="0"/>
+          </a:p>
+        </p:txBody>
+      </p:sp>
+      <p:sp>
+        <p:nvSpPr>
+          <p:cNvPr id="8" name="Platshållare för innehåll 4"/>
+          <p:cNvSpPr txBox="1">
+            <a:spLocks/>
+          </p:cNvSpPr>
+          <p:nvPr/>
+        </p:nvSpPr>
+        <p:spPr>
+          <a:xfrm>
+            <a:off x="4496562" y="2560320"/>
+            <a:ext cx="3198875" cy="3310128"/>
+          </a:xfrm>
+          <a:prstGeom prst="rect">
+            <a:avLst/>
+          </a:prstGeom>
+          <a:ln>
+            <a:solidFill>
+              <a:schemeClr val="tx1"/>
+            </a:solidFill>
+          </a:ln>
+        </p:spPr>
+        <p:txBody>
+          <a:bodyPr vert="horz" lIns="91440" tIns="45720" rIns="91440" bIns="45720" rtlCol="0" anchor="t">
+            <a:normAutofit/>
+          </a:bodyPr>
+          <a:lstStyle>
+            <a:lvl1pPr marL="285750" indent="-285750" algn="l" defTabSz="457200" rtl="0" eaLnBrk="1" latinLnBrk="0" hangingPunct="1">
+              <a:spcBef>
+                <a:spcPct val="20000"/>
+              </a:spcBef>
+              <a:spcAft>
+                <a:spcPts val="600"/>
+              </a:spcAft>
+              <a:buClr>
+                <a:schemeClr val="accent1"/>
+              </a:buClr>
+              <a:buSzPct val="115000"/>
+              <a:buFont typeface="Arial"/>
+              <a:buChar char="•"/>
+              <a:defRPr sz="2400" kern="1200" cap="none">
+                <a:solidFill>
+                  <a:schemeClr val="tx1">
+                    <a:lumMod val="85000"/>
+                    <a:lumOff val="15000"/>
+                  </a:schemeClr>
+                </a:solidFill>
+                <a:effectLst/>
+                <a:latin typeface="+mn-lt"/>
+                <a:ea typeface="+mn-ea"/>
+                <a:cs typeface="+mn-cs"/>
+              </a:defRPr>
+            </a:lvl1pPr>
+            <a:lvl2pPr marL="742950" indent="-285750" algn="l" defTabSz="457200" rtl="0" eaLnBrk="1" latinLnBrk="0" hangingPunct="1">
+              <a:spcBef>
+                <a:spcPct val="20000"/>
+              </a:spcBef>
+              <a:spcAft>
+                <a:spcPts val="600"/>
+              </a:spcAft>
+              <a:buClr>
+                <a:schemeClr val="accent1"/>
+              </a:buClr>
+              <a:buSzPct val="115000"/>
+              <a:buFont typeface="Arial"/>
+              <a:buChar char="•"/>
+              <a:defRPr sz="2000" kern="1200" cap="none">
+                <a:solidFill>
+                  <a:schemeClr val="tx1">
+                    <a:lumMod val="85000"/>
+                    <a:lumOff val="15000"/>
+                  </a:schemeClr>
+                </a:solidFill>
+                <a:effectLst/>
+                <a:latin typeface="+mn-lt"/>
+                <a:ea typeface="+mn-ea"/>
+                <a:cs typeface="+mn-cs"/>
+              </a:defRPr>
+            </a:lvl2pPr>
+            <a:lvl3pPr marL="1200150" indent="-285750" algn="l" defTabSz="457200" rtl="0" eaLnBrk="1" latinLnBrk="0" hangingPunct="1">
+              <a:spcBef>
+                <a:spcPct val="20000"/>
+              </a:spcBef>
+              <a:spcAft>
+                <a:spcPts val="600"/>
+              </a:spcAft>
+              <a:buClr>
+                <a:schemeClr val="accent1"/>
+              </a:buClr>
+              <a:buSzPct val="115000"/>
+              <a:buFont typeface="Arial"/>
+              <a:buChar char="•"/>
+              <a:defRPr sz="1800" kern="1200" cap="none">
+                <a:solidFill>
+                  <a:schemeClr val="tx1">
+                    <a:lumMod val="85000"/>
+                    <a:lumOff val="15000"/>
+                  </a:schemeClr>
+                </a:solidFill>
+                <a:effectLst/>
+                <a:latin typeface="+mn-lt"/>
+                <a:ea typeface="+mn-ea"/>
+                <a:cs typeface="+mn-cs"/>
+              </a:defRPr>
+            </a:lvl3pPr>
+            <a:lvl4pPr marL="1543050" indent="-171450" algn="l" defTabSz="457200" rtl="0" eaLnBrk="1" latinLnBrk="0" hangingPunct="1">
+              <a:spcBef>
+                <a:spcPct val="20000"/>
+              </a:spcBef>
+              <a:spcAft>
+                <a:spcPts val="600"/>
+              </a:spcAft>
+              <a:buClr>
+                <a:schemeClr val="accent1"/>
+              </a:buClr>
+              <a:buSzPct val="115000"/>
+              <a:buFont typeface="Arial"/>
+              <a:buChar char="•"/>
+              <a:defRPr sz="1600" kern="1200" cap="none">
+                <a:solidFill>
+                  <a:schemeClr val="tx1">
+                    <a:lumMod val="85000"/>
+                    <a:lumOff val="15000"/>
+                  </a:schemeClr>
+                </a:solidFill>
+                <a:effectLst/>
+                <a:latin typeface="+mn-lt"/>
+                <a:ea typeface="+mn-ea"/>
+                <a:cs typeface="+mn-cs"/>
+              </a:defRPr>
+            </a:lvl4pPr>
+            <a:lvl5pPr marL="2000250" indent="-171450" algn="l" defTabSz="457200" rtl="0" eaLnBrk="1" latinLnBrk="0" hangingPunct="1">
+              <a:spcBef>
+                <a:spcPct val="20000"/>
+              </a:spcBef>
+              <a:spcAft>
+                <a:spcPts val="600"/>
+              </a:spcAft>
+              <a:buClr>
+                <a:schemeClr val="accent1"/>
+              </a:buClr>
+              <a:buSzPct val="115000"/>
+              <a:buFont typeface="Arial"/>
+              <a:buChar char="•"/>
+              <a:defRPr sz="1400" kern="1200" cap="none">
+                <a:solidFill>
+                  <a:schemeClr val="tx1">
+                    <a:lumMod val="85000"/>
+                    <a:lumOff val="15000"/>
+                  </a:schemeClr>
+                </a:solidFill>
+                <a:effectLst/>
+                <a:latin typeface="+mn-lt"/>
+                <a:ea typeface="+mn-ea"/>
+                <a:cs typeface="+mn-cs"/>
+              </a:defRPr>
+            </a:lvl5pPr>
+            <a:lvl6pPr marL="2514600" indent="-228600" algn="l" defTabSz="457200" rtl="0" eaLnBrk="1" latinLnBrk="0" hangingPunct="1">
+              <a:spcBef>
+                <a:spcPct val="20000"/>
+              </a:spcBef>
+              <a:spcAft>
+                <a:spcPts val="600"/>
+              </a:spcAft>
+              <a:buClr>
+                <a:schemeClr val="accent1"/>
+              </a:buClr>
+              <a:buSzPct val="115000"/>
+              <a:buFont typeface="Arial"/>
+              <a:buChar char="•"/>
+              <a:defRPr sz="1400" kern="1200" cap="none">
+                <a:solidFill>
+                  <a:schemeClr val="tx1">
+                    <a:lumMod val="85000"/>
+                    <a:lumOff val="15000"/>
+                  </a:schemeClr>
+                </a:solidFill>
+                <a:effectLst/>
+                <a:latin typeface="+mn-lt"/>
+                <a:ea typeface="+mn-ea"/>
+                <a:cs typeface="+mn-cs"/>
+              </a:defRPr>
+            </a:lvl6pPr>
+            <a:lvl7pPr marL="2971800" indent="-228600" algn="l" defTabSz="457200" rtl="0" eaLnBrk="1" latinLnBrk="0" hangingPunct="1">
+              <a:spcBef>
+                <a:spcPct val="20000"/>
+              </a:spcBef>
+              <a:spcAft>
+                <a:spcPts val="600"/>
+              </a:spcAft>
+              <a:buClr>
+                <a:schemeClr val="accent1"/>
+              </a:buClr>
+              <a:buSzPct val="115000"/>
+              <a:buFont typeface="Arial"/>
+              <a:buChar char="•"/>
+              <a:defRPr sz="1400" kern="1200" cap="none">
+                <a:solidFill>
+                  <a:schemeClr val="tx1">
+                    <a:lumMod val="85000"/>
+                    <a:lumOff val="15000"/>
+                  </a:schemeClr>
+                </a:solidFill>
+                <a:effectLst/>
+                <a:latin typeface="+mn-lt"/>
+                <a:ea typeface="+mn-ea"/>
+                <a:cs typeface="+mn-cs"/>
+              </a:defRPr>
+            </a:lvl7pPr>
+            <a:lvl8pPr marL="3429000" indent="-228600" algn="l" defTabSz="457200" rtl="0" eaLnBrk="1" latinLnBrk="0" hangingPunct="1">
+              <a:spcBef>
+                <a:spcPct val="20000"/>
+              </a:spcBef>
+              <a:spcAft>
+                <a:spcPts val="600"/>
+              </a:spcAft>
+              <a:buClr>
+                <a:schemeClr val="accent1"/>
+              </a:buClr>
+              <a:buSzPct val="115000"/>
+              <a:buFont typeface="Arial"/>
+              <a:buChar char="•"/>
+              <a:defRPr sz="1400" kern="1200" cap="none">
+                <a:solidFill>
+                  <a:schemeClr val="tx1">
+                    <a:lumMod val="85000"/>
+                    <a:lumOff val="15000"/>
+                  </a:schemeClr>
+                </a:solidFill>
+                <a:effectLst/>
+                <a:latin typeface="+mn-lt"/>
+                <a:ea typeface="+mn-ea"/>
+                <a:cs typeface="+mn-cs"/>
+              </a:defRPr>
+            </a:lvl8pPr>
+            <a:lvl9pPr marL="3886200" indent="-228600" algn="l" defTabSz="457200" rtl="0" eaLnBrk="1" latinLnBrk="0" hangingPunct="1">
+              <a:spcBef>
+                <a:spcPct val="20000"/>
+              </a:spcBef>
+              <a:spcAft>
+                <a:spcPts val="600"/>
+              </a:spcAft>
+              <a:buClr>
+                <a:schemeClr val="accent1"/>
+              </a:buClr>
+              <a:buSzPct val="115000"/>
+              <a:buFont typeface="Arial"/>
+              <a:buChar char="•"/>
+              <a:defRPr sz="1400" kern="1200" cap="none">
+                <a:solidFill>
+                  <a:schemeClr val="tx1">
+                    <a:lumMod val="85000"/>
+                    <a:lumOff val="15000"/>
+                  </a:schemeClr>
+                </a:solidFill>
+                <a:effectLst/>
+                <a:latin typeface="+mn-lt"/>
+                <a:ea typeface="+mn-ea"/>
+                <a:cs typeface="+mn-cs"/>
+              </a:defRPr>
+            </a:lvl9pPr>
+          </a:lstStyle>
+          <a:p>
+            <a:pPr marL="0" indent="0">
+              <a:buFont typeface="Arial"/>
+              <a:buNone/>
+            </a:pPr>
+            <a:r>
+              <a:rPr lang="sv-SE" sz="3200" dirty="0" smtClean="0"/>
+              <a:t>Pågående</a:t>
+            </a:r>
+          </a:p>
+          <a:p>
+            <a:r>
+              <a:rPr lang="sv-SE" sz="3200" dirty="0" smtClean="0"/>
+              <a:t>Skriva pedagogiska texter</a:t>
+            </a:r>
+          </a:p>
+          <a:p>
+            <a:r>
+              <a:rPr lang="sv-SE" sz="3200" dirty="0" smtClean="0"/>
+              <a:t>Uppgifter</a:t>
+            </a:r>
+          </a:p>
+          <a:p>
+            <a:pPr marL="0" indent="0">
+              <a:buNone/>
+            </a:pPr>
+            <a:endParaRPr lang="sv-SE" dirty="0" smtClean="0"/>
+          </a:p>
+          <a:p>
+            <a:endParaRPr lang="sv-SE" dirty="0"/>
+          </a:p>
+        </p:txBody>
+      </p:sp>
+    </p:spTree>
+    <p:extLst>
+      <p:ext uri="{BB962C8B-B14F-4D97-AF65-F5344CB8AC3E}">
+        <p14:creationId xmlns:p14="http://schemas.microsoft.com/office/powerpoint/2010/main" val="599470262"/>
+      </p:ext>
+    </p:extLst>
+  </p:cSld>
+  <p:clrMapOvr>
+    <a:masterClrMapping/>
+  </p:clrMapOvr>
+  <p:timing>
+    <p:tnLst>
+      <p:par>
+        <p:cTn id="1" dur="indefinite" restart="never" nodeType="tmRoot"/>
+      </p:par>
+    </p:tnLst>
+  </p:timing>
+</p:sld>
+</file>
+
+<file path=ppt/slides/slide12.xml><?xml version="1.0" encoding="utf-8"?>
+<p:sld xmlns:a="http://schemas.openxmlformats.org/drawingml/2006/main" xmlns:r="http://schemas.openxmlformats.org/officeDocument/2006/relationships" xmlns:p="http://schemas.openxmlformats.org/presentationml/2006/main">
+  <p:cSld>
+    <p:spTree>
+      <p:nvGrpSpPr>
+        <p:cNvPr id="1" name=""/>
+        <p:cNvGrpSpPr/>
+        <p:nvPr/>
+      </p:nvGrpSpPr>
+      <p:grpSpPr>
+        <a:xfrm>
+          <a:off x="0" y="0"/>
+          <a:ext cx="0" cy="0"/>
+          <a:chOff x="0" y="0"/>
+          <a:chExt cx="0" cy="0"/>
+        </a:xfrm>
+      </p:grpSpPr>
+      <p:sp>
+        <p:nvSpPr>
           <p:cNvPr id="5" name="Rubrik 4"/>
           <p:cNvSpPr>
             <a:spLocks noGrp="1"/>
@@ -14535,6 +15934,63 @@
             <a:r>
               <a:rPr lang="sv-SE" dirty="0" smtClean="0"/>
               <a:t>Frågor?</a:t>
+            </a:r>
+            <a:endParaRPr lang="sv-SE" dirty="0"/>
+          </a:p>
+        </p:txBody>
+      </p:sp>
+      <p:sp>
+        <p:nvSpPr>
+          <p:cNvPr id="2" name="Platshållare för innehåll 1"/>
+          <p:cNvSpPr>
+            <a:spLocks noGrp="1"/>
+          </p:cNvSpPr>
+          <p:nvPr>
+            <p:ph idx="1"/>
+          </p:nvPr>
+        </p:nvSpPr>
+        <p:spPr/>
+        <p:txBody>
+          <a:bodyPr>
+            <a:normAutofit/>
+          </a:bodyPr>
+          <a:lstStyle/>
+          <a:p>
+            <a:pPr marL="0" indent="0">
+              <a:buNone/>
+            </a:pPr>
+            <a:r>
+              <a:rPr lang="sv-SE" sz="4400" dirty="0" smtClean="0"/>
+              <a:t>Ta gärna tag i oss i pausen om ni vill hjälpa till och ge feedback om kurserna till oss.</a:t>
+            </a:r>
+            <a:endParaRPr lang="sv-SE" sz="4400" dirty="0"/>
+          </a:p>
+        </p:txBody>
+      </p:sp>
+      <p:sp>
+        <p:nvSpPr>
+          <p:cNvPr id="3" name="Rektangel 2"/>
+          <p:cNvSpPr/>
+          <p:nvPr/>
+        </p:nvSpPr>
+        <p:spPr>
+          <a:xfrm>
+            <a:off x="619575" y="612800"/>
+            <a:ext cx="1351652" cy="369332"/>
+          </a:xfrm>
+          <a:prstGeom prst="rect">
+            <a:avLst/>
+          </a:prstGeom>
+        </p:spPr>
+        <p:txBody>
+          <a:bodyPr wrap="none">
+            <a:spAutoFit/>
+          </a:bodyPr>
+          <a:lstStyle/>
+          <a:p>
+            <a:r>
+              <a:rPr lang="sv-SE" dirty="0" err="1"/>
+              <a:t>DSLsofMath</a:t>
             </a:r>
             <a:endParaRPr lang="sv-SE" dirty="0"/>
           </a:p>
@@ -14550,6 +16006,13 @@
   <p:clrMapOvr>
     <a:masterClrMapping/>
   </p:clrMapOvr>
+  <p:timing>
+    <p:tnLst>
+      <p:par>
+        <p:cTn id="1" dur="indefinite" restart="never" nodeType="tmRoot"/>
+      </p:par>
+    </p:tnLst>
+  </p:timing>
 </p:sld>
 </file>
 
@@ -14582,68 +16045,87 @@
         </p:nvSpPr>
         <p:spPr/>
         <p:txBody>
+          <a:bodyPr/>
+          <a:lstStyle/>
+          <a:p>
+            <a:r>
+              <a:rPr lang="sv-SE" dirty="0" smtClean="0"/>
+              <a:t>Projektet i nötskal</a:t>
+            </a:r>
+            <a:endParaRPr lang="sv-SE" dirty="0"/>
+          </a:p>
+        </p:txBody>
+      </p:sp>
+      <p:sp>
+        <p:nvSpPr>
+          <p:cNvPr id="3" name="Platshållare för innehåll 2"/>
+          <p:cNvSpPr>
+            <a:spLocks noGrp="1"/>
+          </p:cNvSpPr>
+          <p:nvPr>
+            <p:ph idx="1"/>
+          </p:nvPr>
+        </p:nvSpPr>
+        <p:spPr>
+          <a:xfrm>
+            <a:off x="1295401" y="3488788"/>
+            <a:ext cx="9601196" cy="2387080"/>
+          </a:xfrm>
+        </p:spPr>
+        <p:txBody>
           <a:bodyPr>
             <a:normAutofit/>
           </a:bodyPr>
           <a:lstStyle/>
           <a:p>
-            <a:pPr algn="ctr"/>
-            <a:r>
-              <a:rPr lang="sv-SE" b="1" dirty="0" smtClean="0"/>
-              <a:t>Statistik 2010-2016</a:t>
-            </a:r>
-            <a:endParaRPr lang="sv-SE" b="1" dirty="0"/>
-          </a:p>
-        </p:txBody>
-      </p:sp>
-      <p:graphicFrame>
-        <p:nvGraphicFramePr>
-          <p:cNvPr id="8" name="Diagram 7"/>
-          <p:cNvGraphicFramePr/>
-          <p:nvPr>
-            <p:extLst>
-              <p:ext uri="{D42A27DB-BD31-4B8C-83A1-F6EECF244321}">
-                <p14:modId xmlns:p14="http://schemas.microsoft.com/office/powerpoint/2010/main" val="596738294"/>
-              </p:ext>
-            </p:extLst>
-          </p:nvPr>
-        </p:nvGraphicFramePr>
-        <p:xfrm>
-          <a:off x="976800" y="1955408"/>
-          <a:ext cx="5120640" cy="4396153"/>
-        </p:xfrm>
-        <a:graphic>
-          <a:graphicData uri="http://schemas.openxmlformats.org/drawingml/2006/chart">
-            <c:chart xmlns:c="http://schemas.openxmlformats.org/drawingml/2006/chart" xmlns:r="http://schemas.openxmlformats.org/officeDocument/2006/relationships" r:id="rId2"/>
-          </a:graphicData>
-        </a:graphic>
-      </p:graphicFrame>
-      <p:graphicFrame>
-        <p:nvGraphicFramePr>
-          <p:cNvPr id="9" name="Diagram 8"/>
-          <p:cNvGraphicFramePr/>
-          <p:nvPr>
-            <p:extLst>
-              <p:ext uri="{D42A27DB-BD31-4B8C-83A1-F6EECF244321}">
-                <p14:modId xmlns:p14="http://schemas.microsoft.com/office/powerpoint/2010/main" val="4275330053"/>
-              </p:ext>
-            </p:extLst>
-          </p:nvPr>
-        </p:nvGraphicFramePr>
-        <p:xfrm>
-          <a:off x="6096000" y="1955408"/>
-          <a:ext cx="5119200" cy="4395600"/>
-        </p:xfrm>
-        <a:graphic>
-          <a:graphicData uri="http://schemas.openxmlformats.org/drawingml/2006/chart">
-            <c:chart xmlns:c="http://schemas.openxmlformats.org/drawingml/2006/chart" xmlns:r="http://schemas.openxmlformats.org/officeDocument/2006/relationships" r:id="rId3"/>
-          </a:graphicData>
-        </a:graphic>
-      </p:graphicFrame>
+            <a:pPr marL="0" indent="0" algn="ctr">
+              <a:buNone/>
+            </a:pPr>
+            <a:r>
+              <a:rPr lang="sv-SE" sz="3200" dirty="0" smtClean="0"/>
+              <a:t>Använda oss av programmering för att göra det lättare för Datateknologer att förstå avancerad matematik</a:t>
+            </a:r>
+            <a:r>
+              <a:rPr lang="sv-SE" sz="3200" dirty="0"/>
+              <a:t>.</a:t>
+            </a:r>
+            <a:endParaRPr lang="sv-SE" sz="3200" dirty="0" smtClean="0"/>
+          </a:p>
+        </p:txBody>
+      </p:sp>
+      <p:sp>
+        <p:nvSpPr>
+          <p:cNvPr id="4" name="Rektangel 3"/>
+          <p:cNvSpPr/>
+          <p:nvPr/>
+        </p:nvSpPr>
+        <p:spPr>
+          <a:xfrm>
+            <a:off x="619575" y="612800"/>
+            <a:ext cx="1351652" cy="369332"/>
+          </a:xfrm>
+          <a:prstGeom prst="rect">
+            <a:avLst/>
+          </a:prstGeom>
+        </p:spPr>
+        <p:txBody>
+          <a:bodyPr wrap="none">
+            <a:spAutoFit/>
+          </a:bodyPr>
+          <a:lstStyle/>
+          <a:p>
+            <a:r>
+              <a:rPr lang="sv-SE" dirty="0" err="1" smtClean="0"/>
+              <a:t>DSLsofMath</a:t>
+            </a:r>
+            <a:endParaRPr lang="sv-SE" dirty="0" smtClean="0"/>
+          </a:p>
+        </p:txBody>
+      </p:sp>
     </p:spTree>
     <p:extLst>
       <p:ext uri="{BB962C8B-B14F-4D97-AF65-F5344CB8AC3E}">
-        <p14:creationId xmlns:p14="http://schemas.microsoft.com/office/powerpoint/2010/main" val="2758798325"/>
+        <p14:creationId xmlns:p14="http://schemas.microsoft.com/office/powerpoint/2010/main" val="4057942655"/>
       </p:ext>
     </p:extLst>
   </p:cSld>
@@ -14689,13 +16171,15 @@
         </p:nvSpPr>
         <p:spPr/>
         <p:txBody>
-          <a:bodyPr/>
+          <a:bodyPr>
+            <a:normAutofit/>
+          </a:bodyPr>
           <a:lstStyle/>
           <a:p>
             <a:pPr algn="ctr"/>
             <a:r>
               <a:rPr lang="sv-SE" b="1" dirty="0" smtClean="0"/>
-              <a:t>Statistik</a:t>
+              <a:t>Statistik 2010-2016</a:t>
             </a:r>
             <a:endParaRPr lang="sv-SE" b="1" dirty="0"/>
           </a:p>
@@ -14703,19 +16187,19 @@
       </p:sp>
       <p:graphicFrame>
         <p:nvGraphicFramePr>
-          <p:cNvPr id="7" name="Diagram 6"/>
+          <p:cNvPr id="8" name="Diagram 7"/>
           <p:cNvGraphicFramePr/>
           <p:nvPr>
             <p:extLst>
               <p:ext uri="{D42A27DB-BD31-4B8C-83A1-F6EECF244321}">
-                <p14:modId xmlns:p14="http://schemas.microsoft.com/office/powerpoint/2010/main" val="2150043569"/>
+                <p14:modId xmlns:p14="http://schemas.microsoft.com/office/powerpoint/2010/main" val="1686932312"/>
               </p:ext>
             </p:extLst>
           </p:nvPr>
         </p:nvGraphicFramePr>
         <p:xfrm>
-          <a:off x="2891705" y="1948375"/>
-          <a:ext cx="6408590" cy="4403188"/>
+          <a:off x="6096000" y="1951390"/>
+          <a:ext cx="5120640" cy="4396153"/>
         </p:xfrm>
         <a:graphic>
           <a:graphicData uri="http://schemas.openxmlformats.org/drawingml/2006/chart">
@@ -14723,10 +16207,61 @@
           </a:graphicData>
         </a:graphic>
       </p:graphicFrame>
+      <p:graphicFrame>
+        <p:nvGraphicFramePr>
+          <p:cNvPr id="9" name="Diagram 8"/>
+          <p:cNvGraphicFramePr/>
+          <p:nvPr>
+            <p:extLst>
+              <p:ext uri="{D42A27DB-BD31-4B8C-83A1-F6EECF244321}">
+                <p14:modId xmlns:p14="http://schemas.microsoft.com/office/powerpoint/2010/main" val="410166690"/>
+              </p:ext>
+            </p:extLst>
+          </p:nvPr>
+        </p:nvGraphicFramePr>
+        <p:xfrm>
+          <a:off x="656758" y="1951943"/>
+          <a:ext cx="5119200" cy="4395600"/>
+        </p:xfrm>
+        <a:graphic>
+          <a:graphicData uri="http://schemas.openxmlformats.org/drawingml/2006/chart">
+            <c:chart xmlns:c="http://schemas.openxmlformats.org/drawingml/2006/chart" xmlns:r="http://schemas.openxmlformats.org/officeDocument/2006/relationships" r:id="rId3"/>
+          </a:graphicData>
+        </a:graphic>
+      </p:graphicFrame>
+      <p:sp>
+        <p:nvSpPr>
+          <p:cNvPr id="3" name="Rektangel 2"/>
+          <p:cNvSpPr/>
+          <p:nvPr/>
+        </p:nvSpPr>
+        <p:spPr>
+          <a:xfrm>
+            <a:off x="619576" y="612800"/>
+            <a:ext cx="1351652" cy="369332"/>
+          </a:xfrm>
+          <a:prstGeom prst="rect">
+            <a:avLst/>
+          </a:prstGeom>
+        </p:spPr>
+        <p:txBody>
+          <a:bodyPr wrap="none">
+            <a:spAutoFit/>
+          </a:bodyPr>
+          <a:lstStyle/>
+          <a:p>
+            <a:r>
+              <a:rPr lang="sv-SE" dirty="0" err="1"/>
+              <a:t>DSLsofMath</a:t>
+            </a:r>
+            <a:endParaRPr lang="sv-SE" dirty="0"/>
+          </a:p>
+        </p:txBody>
+      </p:sp>
     </p:spTree>
     <p:extLst>
       <p:ext uri="{BB962C8B-B14F-4D97-AF65-F5344CB8AC3E}">
-        <p14:creationId xmlns:p14="http://schemas.microsoft.com/office/powerpoint/2010/main" val="2483755713"/>
+        <p14:creationId xmlns:p14="http://schemas.microsoft.com/office/powerpoint/2010/main" val="2758798325"/>
       </p:ext>
     </p:extLst>
   </p:cSld>
@@ -14772,77 +16307,86 @@
         </p:nvSpPr>
         <p:spPr/>
         <p:txBody>
-          <a:bodyPr>
-            <a:normAutofit/>
+          <a:bodyPr/>
+          <a:lstStyle/>
+          <a:p>
+            <a:pPr algn="ctr"/>
+            <a:r>
+              <a:rPr lang="sv-SE" b="1" dirty="0" smtClean="0"/>
+              <a:t>Statistik</a:t>
+            </a:r>
+            <a:endParaRPr lang="sv-SE" b="1" dirty="0"/>
+          </a:p>
+        </p:txBody>
+      </p:sp>
+      <p:sp>
+        <p:nvSpPr>
+          <p:cNvPr id="3" name="Rektangel 2"/>
+          <p:cNvSpPr/>
+          <p:nvPr/>
+        </p:nvSpPr>
+        <p:spPr>
+          <a:xfrm>
+            <a:off x="619576" y="612800"/>
+            <a:ext cx="1351652" cy="369332"/>
+          </a:xfrm>
+          <a:prstGeom prst="rect">
+            <a:avLst/>
+          </a:prstGeom>
+        </p:spPr>
+        <p:txBody>
+          <a:bodyPr wrap="none">
+            <a:spAutoFit/>
           </a:bodyPr>
           <a:lstStyle/>
           <a:p>
             <a:r>
-              <a:rPr lang="sv-SE" dirty="0" smtClean="0"/>
-              <a:t>Vårt projekt</a:t>
+              <a:rPr lang="sv-SE" dirty="0" err="1"/>
+              <a:t>DSLsofMath</a:t>
             </a:r>
             <a:endParaRPr lang="sv-SE" dirty="0"/>
           </a:p>
         </p:txBody>
       </p:sp>
-      <p:sp>
-        <p:nvSpPr>
-          <p:cNvPr id="3" name="Platshållare för innehåll 2"/>
-          <p:cNvSpPr>
-            <a:spLocks noGrp="1"/>
-          </p:cNvSpPr>
-          <p:nvPr>
-            <p:ph idx="1"/>
-          </p:nvPr>
-        </p:nvSpPr>
-        <p:spPr/>
-        <p:txBody>
-          <a:bodyPr/>
-          <a:lstStyle/>
-          <a:p>
-            <a:r>
-              <a:rPr lang="sv-SE" dirty="0" err="1" smtClean="0"/>
-              <a:t>Tutorial</a:t>
-            </a:r>
-            <a:endParaRPr lang="sv-SE" dirty="0" smtClean="0"/>
-          </a:p>
-          <a:p>
-            <a:r>
-              <a:rPr lang="sv-SE" dirty="0" smtClean="0"/>
-              <a:t>Till för alla</a:t>
-            </a:r>
-          </a:p>
-          <a:p>
-            <a:r>
-              <a:rPr lang="sv-SE" dirty="0" smtClean="0"/>
-              <a:t>Lättsamt och lärorikt</a:t>
-            </a:r>
-          </a:p>
-          <a:p>
-            <a:r>
-              <a:rPr lang="sv-SE" dirty="0" smtClean="0"/>
-              <a:t>Programmering</a:t>
-            </a:r>
-          </a:p>
-          <a:p>
-            <a:r>
-              <a:rPr lang="sv-SE" dirty="0" err="1" smtClean="0"/>
-              <a:t>Learnyouahaskell</a:t>
-            </a:r>
-            <a:endParaRPr lang="sv-SE" dirty="0" smtClean="0"/>
-          </a:p>
-        </p:txBody>
-      </p:sp>
+      <p:graphicFrame>
+        <p:nvGraphicFramePr>
+          <p:cNvPr id="8" name="Diagram 7"/>
+          <p:cNvGraphicFramePr/>
+          <p:nvPr>
+            <p:extLst>
+              <p:ext uri="{D42A27DB-BD31-4B8C-83A1-F6EECF244321}">
+                <p14:modId xmlns:p14="http://schemas.microsoft.com/office/powerpoint/2010/main" val="4171118704"/>
+              </p:ext>
+            </p:extLst>
+          </p:nvPr>
+        </p:nvGraphicFramePr>
+        <p:xfrm>
+          <a:off x="3429195" y="1892104"/>
+          <a:ext cx="5333610" cy="4410222"/>
+        </p:xfrm>
+        <a:graphic>
+          <a:graphicData uri="http://schemas.openxmlformats.org/drawingml/2006/chart">
+            <c:chart xmlns:c="http://schemas.openxmlformats.org/drawingml/2006/chart" xmlns:r="http://schemas.openxmlformats.org/officeDocument/2006/relationships" r:id="rId2"/>
+          </a:graphicData>
+        </a:graphic>
+      </p:graphicFrame>
     </p:spTree>
     <p:extLst>
       <p:ext uri="{BB962C8B-B14F-4D97-AF65-F5344CB8AC3E}">
-        <p14:creationId xmlns:p14="http://schemas.microsoft.com/office/powerpoint/2010/main" val="2390353693"/>
+        <p14:creationId xmlns:p14="http://schemas.microsoft.com/office/powerpoint/2010/main" val="2483755713"/>
       </p:ext>
     </p:extLst>
   </p:cSld>
   <p:clrMapOvr>
     <a:masterClrMapping/>
   </p:clrMapOvr>
+  <p:timing>
+    <p:tnLst>
+      <p:par>
+        <p:cTn id="1" dur="indefinite" restart="never" nodeType="tmRoot"/>
+      </p:par>
+    </p:tnLst>
+  </p:timing>
 </p:sld>
 </file>
 
@@ -14873,12 +16417,7 @@
             <p:ph type="title"/>
           </p:nvPr>
         </p:nvSpPr>
-        <p:spPr>
-          <a:xfrm>
-            <a:off x="1295402" y="982132"/>
-            <a:ext cx="9601196" cy="1303867"/>
-          </a:xfrm>
-        </p:spPr>
+        <p:spPr/>
         <p:txBody>
           <a:bodyPr>
             <a:normAutofit/>
@@ -14887,7 +16426,7 @@
           <a:p>
             <a:r>
               <a:rPr lang="sv-SE" dirty="0" smtClean="0"/>
-              <a:t>Undersökningar</a:t>
+              <a:t>Vårt projekt</a:t>
             </a:r>
             <a:endParaRPr lang="sv-SE" dirty="0"/>
           </a:p>
@@ -14909,34 +16448,84 @@
           <a:lstStyle/>
           <a:p>
             <a:r>
+              <a:rPr lang="sv-SE" dirty="0" err="1" smtClean="0"/>
+              <a:t>Tutorial</a:t>
+            </a:r>
+            <a:endParaRPr lang="sv-SE" dirty="0" smtClean="0"/>
+          </a:p>
+          <a:p>
+            <a:r>
               <a:rPr lang="sv-SE" dirty="0" smtClean="0"/>
-              <a:t>Intervju med examinatorer</a:t>
+              <a:t>Till för alla</a:t>
             </a:r>
           </a:p>
           <a:p>
             <a:r>
               <a:rPr lang="sv-SE" dirty="0" smtClean="0"/>
-              <a:t>Enkät till studenter</a:t>
+              <a:t>Lättsamt och lärorikt</a:t>
             </a:r>
           </a:p>
           <a:p>
             <a:r>
               <a:rPr lang="sv-SE" dirty="0" smtClean="0"/>
-              <a:t>Kontakta oss i pausen!</a:t>
-            </a:r>
+              <a:t>Programmering</a:t>
+            </a:r>
+          </a:p>
+          <a:p>
+            <a:r>
+              <a:rPr lang="sv-SE" dirty="0" err="1" smtClean="0"/>
+              <a:t>Learnyouahaskell</a:t>
+            </a:r>
+            <a:endParaRPr lang="sv-SE" dirty="0" smtClean="0"/>
+          </a:p>
+        </p:txBody>
+      </p:sp>
+      <p:sp>
+        <p:nvSpPr>
+          <p:cNvPr id="4" name="Rektangel 3"/>
+          <p:cNvSpPr/>
+          <p:nvPr/>
+        </p:nvSpPr>
+        <p:spPr>
+          <a:xfrm>
+            <a:off x="619575" y="612800"/>
+            <a:ext cx="1351652" cy="369332"/>
+          </a:xfrm>
+          <a:prstGeom prst="rect">
+            <a:avLst/>
+          </a:prstGeom>
+        </p:spPr>
+        <p:txBody>
+          <a:bodyPr wrap="none">
+            <a:spAutoFit/>
+          </a:bodyPr>
+          <a:lstStyle/>
+          <a:p>
+            <a:r>
+              <a:rPr lang="sv-SE" dirty="0" err="1"/>
+              <a:t>DSLsofMath</a:t>
+            </a:r>
+            <a:endParaRPr lang="sv-SE" dirty="0"/>
           </a:p>
         </p:txBody>
       </p:sp>
     </p:spTree>
     <p:extLst>
       <p:ext uri="{BB962C8B-B14F-4D97-AF65-F5344CB8AC3E}">
-        <p14:creationId xmlns:p14="http://schemas.microsoft.com/office/powerpoint/2010/main" val="513652797"/>
+        <p14:creationId xmlns:p14="http://schemas.microsoft.com/office/powerpoint/2010/main" val="2390353693"/>
       </p:ext>
     </p:extLst>
   </p:cSld>
   <p:clrMapOvr>
     <a:masterClrMapping/>
   </p:clrMapOvr>
+  <p:timing>
+    <p:tnLst>
+      <p:par>
+        <p:cTn id="1" dur="indefinite" restart="never" nodeType="tmRoot"/>
+      </p:par>
+    </p:tnLst>
+  </p:timing>
 </p:sld>
 </file>
 
@@ -14957,62 +16546,60 @@
           <a:chExt cx="0" cy="0"/>
         </a:xfrm>
       </p:grpSpPr>
-      <p:sp>
-        <p:nvSpPr>
-          <p:cNvPr id="2" name="Rubrik 1"/>
-          <p:cNvSpPr>
-            <a:spLocks noGrp="1"/>
-          </p:cNvSpPr>
-          <p:nvPr>
-            <p:ph type="title"/>
-          </p:nvPr>
-        </p:nvSpPr>
-        <p:spPr/>
-        <p:txBody>
-          <a:bodyPr>
-            <a:normAutofit/>
+      <p:pic>
+        <p:nvPicPr>
+          <p:cNvPr id="4" name="Bildobjekt 3"/>
+          <p:cNvPicPr>
+            <a:picLocks noChangeAspect="1"/>
+          </p:cNvPicPr>
+          <p:nvPr/>
+        </p:nvPicPr>
+        <p:blipFill>
+          <a:blip r:embed="rId2">
+            <a:extLst>
+              <a:ext uri="{28A0092B-C50C-407E-A947-70E740481C1C}">
+                <a14:useLocalDpi xmlns:a14="http://schemas.microsoft.com/office/drawing/2010/main" val="0"/>
+              </a:ext>
+            </a:extLst>
+          </a:blip>
+          <a:stretch>
+            <a:fillRect/>
+          </a:stretch>
+        </p:blipFill>
+        <p:spPr>
+          <a:xfrm>
+            <a:off x="1819016" y="655624"/>
+            <a:ext cx="8651181" cy="5576364"/>
+          </a:xfrm>
+          <a:prstGeom prst="rect">
+            <a:avLst/>
+          </a:prstGeom>
+        </p:spPr>
+      </p:pic>
+      <p:sp>
+        <p:nvSpPr>
+          <p:cNvPr id="5" name="Rektangel 4"/>
+          <p:cNvSpPr/>
+          <p:nvPr/>
+        </p:nvSpPr>
+        <p:spPr>
+          <a:xfrm>
+            <a:off x="619575" y="612800"/>
+            <a:ext cx="1351652" cy="369332"/>
+          </a:xfrm>
+          <a:prstGeom prst="rect">
+            <a:avLst/>
+          </a:prstGeom>
+        </p:spPr>
+        <p:txBody>
+          <a:bodyPr wrap="none">
+            <a:spAutoFit/>
           </a:bodyPr>
           <a:lstStyle/>
           <a:p>
             <a:r>
-              <a:rPr lang="sv-SE" dirty="0" err="1" smtClean="0"/>
-              <a:t>Tutorial</a:t>
-            </a:r>
-            <a:endParaRPr lang="sv-SE" dirty="0"/>
-          </a:p>
-        </p:txBody>
-      </p:sp>
-      <p:sp>
-        <p:nvSpPr>
-          <p:cNvPr id="3" name="Platshållare för innehåll 2"/>
-          <p:cNvSpPr>
-            <a:spLocks noGrp="1"/>
-          </p:cNvSpPr>
-          <p:nvPr>
-            <p:ph idx="1"/>
-          </p:nvPr>
-        </p:nvSpPr>
-        <p:spPr/>
-        <p:txBody>
-          <a:bodyPr/>
-          <a:lstStyle/>
-          <a:p>
-            <a:r>
-              <a:rPr lang="sv-SE" dirty="0" smtClean="0"/>
-              <a:t>PDF</a:t>
-            </a:r>
-          </a:p>
-          <a:p>
-            <a:r>
-              <a:rPr lang="sv-SE" dirty="0" smtClean="0"/>
-              <a:t>Uppgifter till kapitlen</a:t>
-            </a:r>
-            <a:endParaRPr lang="sv-SE" dirty="0"/>
-          </a:p>
-          <a:p>
-            <a:r>
-              <a:rPr lang="sv-SE" dirty="0" smtClean="0"/>
-              <a:t>Komplement, inte ersättning</a:t>
+              <a:rPr lang="sv-SE" dirty="0" err="1"/>
+              <a:t>DSLsofMath</a:t>
             </a:r>
             <a:endParaRPr lang="sv-SE" dirty="0"/>
           </a:p>
@@ -15021,13 +16608,20 @@
     </p:spTree>
     <p:extLst>
       <p:ext uri="{BB962C8B-B14F-4D97-AF65-F5344CB8AC3E}">
-        <p14:creationId xmlns:p14="http://schemas.microsoft.com/office/powerpoint/2010/main" val="2018478518"/>
+        <p14:creationId xmlns:p14="http://schemas.microsoft.com/office/powerpoint/2010/main" val="3281854698"/>
       </p:ext>
     </p:extLst>
   </p:cSld>
   <p:clrMapOvr>
     <a:masterClrMapping/>
   </p:clrMapOvr>
+  <p:timing>
+    <p:tnLst>
+      <p:par>
+        <p:cTn id="1" dur="indefinite" restart="never" nodeType="tmRoot"/>
+      </p:par>
+    </p:tnLst>
+  </p:timing>
 </p:sld>
 </file>
 
@@ -15058,50 +16652,87 @@
             <p:ph type="title"/>
           </p:nvPr>
         </p:nvSpPr>
+        <p:spPr>
+          <a:xfrm>
+            <a:off x="1295402" y="982132"/>
+            <a:ext cx="9601196" cy="1303867"/>
+          </a:xfrm>
+        </p:spPr>
+        <p:txBody>
+          <a:bodyPr>
+            <a:normAutofit/>
+          </a:bodyPr>
+          <a:lstStyle/>
+          <a:p>
+            <a:r>
+              <a:rPr lang="sv-SE" dirty="0" smtClean="0"/>
+              <a:t>Undersökningar</a:t>
+            </a:r>
+            <a:endParaRPr lang="sv-SE" dirty="0"/>
+          </a:p>
+        </p:txBody>
+      </p:sp>
+      <p:sp>
+        <p:nvSpPr>
+          <p:cNvPr id="3" name="Platshållare för innehåll 2"/>
+          <p:cNvSpPr>
+            <a:spLocks noGrp="1"/>
+          </p:cNvSpPr>
+          <p:nvPr>
+            <p:ph idx="1"/>
+          </p:nvPr>
+        </p:nvSpPr>
         <p:spPr/>
         <p:txBody>
-          <a:bodyPr/>
-          <a:lstStyle/>
-          <a:p>
-            <a:r>
-              <a:rPr lang="sv-SE" dirty="0" smtClean="0"/>
-              <a:t>Bakgrund</a:t>
-            </a:r>
-            <a:endParaRPr lang="sv-SE" dirty="0"/>
-          </a:p>
-        </p:txBody>
-      </p:sp>
-      <p:sp>
-        <p:nvSpPr>
-          <p:cNvPr id="3" name="Platshållare för innehåll 2"/>
-          <p:cNvSpPr>
-            <a:spLocks noGrp="1"/>
-          </p:cNvSpPr>
-          <p:nvPr>
-            <p:ph idx="1"/>
-          </p:nvPr>
-        </p:nvSpPr>
-        <p:spPr/>
-        <p:txBody>
-          <a:bodyPr/>
-          <a:lstStyle/>
-          <a:p>
-            <a:r>
-              <a:rPr lang="sv-SE" dirty="0" smtClean="0"/>
-              <a:t>PA</a:t>
-            </a:r>
-          </a:p>
-          <a:p>
-            <a:r>
-              <a:rPr lang="sv-SE" dirty="0" err="1" smtClean="0"/>
+          <a:bodyPr>
+            <a:normAutofit/>
+          </a:bodyPr>
+          <a:lstStyle/>
+          <a:p>
+            <a:r>
+              <a:rPr lang="sv-SE" sz="4800" dirty="0" smtClean="0"/>
+              <a:t>Intervju med examinatorer</a:t>
+            </a:r>
+          </a:p>
+          <a:p>
+            <a:r>
+              <a:rPr lang="sv-SE" sz="4800" dirty="0" smtClean="0"/>
+              <a:t>Enkät till studenter</a:t>
+            </a:r>
+          </a:p>
+          <a:p>
+            <a:r>
+              <a:rPr lang="sv-SE" sz="4800" dirty="0" smtClean="0"/>
+              <a:t>Kontakta oss i pausen!</a:t>
+            </a:r>
+          </a:p>
+        </p:txBody>
+      </p:sp>
+      <p:sp>
+        <p:nvSpPr>
+          <p:cNvPr id="4" name="Rektangel 3"/>
+          <p:cNvSpPr/>
+          <p:nvPr/>
+        </p:nvSpPr>
+        <p:spPr>
+          <a:xfrm>
+            <a:off x="619575" y="612800"/>
+            <a:ext cx="1351652" cy="369332"/>
+          </a:xfrm>
+          <a:prstGeom prst="rect">
+            <a:avLst/>
+          </a:prstGeom>
+        </p:spPr>
+        <p:txBody>
+          <a:bodyPr wrap="none">
+            <a:spAutoFit/>
+          </a:bodyPr>
+          <a:lstStyle/>
+          <a:p>
+            <a:r>
+              <a:rPr lang="sv-SE" dirty="0" err="1"/>
               <a:t>DSLsofMath</a:t>
             </a:r>
-            <a:r>
-              <a:rPr lang="sv-SE" dirty="0" smtClean="0"/>
-              <a:t> – Kurs</a:t>
-            </a:r>
-          </a:p>
-          <a:p>
             <a:endParaRPr lang="sv-SE" dirty="0"/>
           </a:p>
         </p:txBody>
@@ -15109,13 +16740,20 @@
     </p:spTree>
     <p:extLst>
       <p:ext uri="{BB962C8B-B14F-4D97-AF65-F5344CB8AC3E}">
-        <p14:creationId xmlns:p14="http://schemas.microsoft.com/office/powerpoint/2010/main" val="312239096"/>
+        <p14:creationId xmlns:p14="http://schemas.microsoft.com/office/powerpoint/2010/main" val="513652797"/>
       </p:ext>
     </p:extLst>
   </p:cSld>
   <p:clrMapOvr>
     <a:masterClrMapping/>
   </p:clrMapOvr>
+  <p:timing>
+    <p:tnLst>
+      <p:par>
+        <p:cTn id="1" dur="indefinite" restart="never" nodeType="tmRoot"/>
+      </p:par>
+    </p:tnLst>
+  </p:timing>
 </p:sld>
 </file>
 
@@ -15148,12 +16786,14 @@
         </p:nvSpPr>
         <p:spPr/>
         <p:txBody>
-          <a:bodyPr/>
-          <a:lstStyle/>
-          <a:p>
-            <a:r>
-              <a:rPr lang="sv-SE" dirty="0" smtClean="0"/>
-              <a:t>Tekniskt</a:t>
+          <a:bodyPr>
+            <a:normAutofit/>
+          </a:bodyPr>
+          <a:lstStyle/>
+          <a:p>
+            <a:r>
+              <a:rPr lang="sv-SE" dirty="0" err="1" smtClean="0"/>
+              <a:t>Tutorial</a:t>
             </a:r>
             <a:endParaRPr lang="sv-SE" dirty="0"/>
           </a:p>
@@ -15171,22 +16811,57 @@
         </p:nvSpPr>
         <p:spPr/>
         <p:txBody>
-          <a:bodyPr/>
-          <a:lstStyle/>
-          <a:p>
-            <a:r>
-              <a:rPr lang="sv-SE" dirty="0" smtClean="0"/>
-              <a:t>Domän Specifika Språk</a:t>
-            </a:r>
-          </a:p>
+          <a:bodyPr>
+            <a:normAutofit/>
+          </a:bodyPr>
+          <a:lstStyle/>
+          <a:p>
+            <a:r>
+              <a:rPr lang="sv-SE" sz="4800" dirty="0" smtClean="0"/>
+              <a:t>PDF</a:t>
+            </a:r>
+          </a:p>
+          <a:p>
+            <a:r>
+              <a:rPr lang="sv-SE" sz="4800" dirty="0" smtClean="0"/>
+              <a:t>Uppgifter till kapitlen</a:t>
+            </a:r>
+            <a:endParaRPr lang="sv-SE" sz="4800" dirty="0"/>
+          </a:p>
+          <a:p>
+            <a:r>
+              <a:rPr lang="sv-SE" sz="4800" dirty="0" smtClean="0"/>
+              <a:t>Komplement, inte ersättning</a:t>
+            </a:r>
+            <a:endParaRPr lang="sv-SE" sz="4800" dirty="0"/>
+          </a:p>
+        </p:txBody>
+      </p:sp>
+      <p:sp>
+        <p:nvSpPr>
+          <p:cNvPr id="5" name="Rektangel 4"/>
+          <p:cNvSpPr/>
+          <p:nvPr/>
+        </p:nvSpPr>
+        <p:spPr>
+          <a:xfrm>
+            <a:off x="619575" y="612800"/>
+            <a:ext cx="1351652" cy="369332"/>
+          </a:xfrm>
+          <a:prstGeom prst="rect">
+            <a:avLst/>
+          </a:prstGeom>
+        </p:spPr>
+        <p:txBody>
+          <a:bodyPr wrap="none">
+            <a:spAutoFit/>
+          </a:bodyPr>
+          <a:lstStyle/>
           <a:p>
             <a:r>
               <a:rPr lang="sv-SE" dirty="0" err="1" smtClean="0"/>
-              <a:t>Haskell</a:t>
-            </a:r>
-            <a:endParaRPr lang="sv-SE" dirty="0" smtClean="0"/>
-          </a:p>
-          <a:p>
+              <a:t>DSLsofMath</a:t>
+            </a:r>
             <a:endParaRPr lang="sv-SE" dirty="0"/>
           </a:p>
         </p:txBody>
@@ -15194,13 +16869,20 @@
     </p:spTree>
     <p:extLst>
       <p:ext uri="{BB962C8B-B14F-4D97-AF65-F5344CB8AC3E}">
-        <p14:creationId xmlns:p14="http://schemas.microsoft.com/office/powerpoint/2010/main" val="1452589047"/>
+        <p14:creationId xmlns:p14="http://schemas.microsoft.com/office/powerpoint/2010/main" val="2018478518"/>
       </p:ext>
     </p:extLst>
   </p:cSld>
   <p:clrMapOvr>
     <a:masterClrMapping/>
   </p:clrMapOvr>
+  <p:timing>
+    <p:tnLst>
+      <p:par>
+        <p:cTn id="1" dur="indefinite" restart="never" nodeType="tmRoot"/>
+      </p:par>
+    </p:tnLst>
+  </p:timing>
 </p:sld>
 </file>
 
@@ -15238,7 +16920,7 @@
           <a:p>
             <a:r>
               <a:rPr lang="sv-SE" dirty="0" smtClean="0"/>
-              <a:t>Framtid</a:t>
+              <a:t>Bakgrund</a:t>
             </a:r>
             <a:endParaRPr lang="sv-SE" dirty="0"/>
           </a:p>
@@ -15246,12 +16928,12 @@
       </p:sp>
       <p:sp>
         <p:nvSpPr>
-          <p:cNvPr id="4" name="Platshållare för innehåll 3"/>
-          <p:cNvSpPr>
-            <a:spLocks noGrp="1"/>
-          </p:cNvSpPr>
-          <p:nvPr>
-            <p:ph sz="half" idx="1"/>
+          <p:cNvPr id="3" name="Platshållare för innehåll 2"/>
+          <p:cNvSpPr>
+            <a:spLocks noGrp="1"/>
+          </p:cNvSpPr>
+          <p:nvPr>
+            <p:ph idx="1"/>
           </p:nvPr>
         </p:nvSpPr>
         <p:spPr/>
@@ -15259,87 +16941,52 @@
           <a:bodyPr/>
           <a:lstStyle/>
           <a:p>
-            <a:pPr marL="0" indent="0">
-              <a:buNone/>
-            </a:pPr>
-            <a:r>
-              <a:rPr lang="sv-SE" dirty="0" smtClean="0"/>
-              <a:t>Avklarat</a:t>
-            </a:r>
-          </a:p>
-          <a:p>
-            <a:r>
-              <a:rPr lang="sv-SE" dirty="0" smtClean="0"/>
-              <a:t>Efterforskningar</a:t>
-            </a:r>
-          </a:p>
-          <a:p>
-            <a:r>
-              <a:rPr lang="sv-SE" dirty="0" smtClean="0"/>
-              <a:t>Inlärning	</a:t>
-            </a:r>
+            <a:r>
+              <a:rPr lang="sv-SE" sz="3600" dirty="0" smtClean="0"/>
+              <a:t>PA – Patrik Jansson</a:t>
+            </a:r>
+            <a:endParaRPr lang="sv-SE" sz="3600" dirty="0" smtClean="0"/>
+          </a:p>
+          <a:p>
+            <a:r>
+              <a:rPr lang="sv-SE" sz="3600" dirty="0" err="1" smtClean="0"/>
+              <a:t>DSLsofMath</a:t>
+            </a:r>
+            <a:r>
+              <a:rPr lang="sv-SE" sz="3600" dirty="0" smtClean="0"/>
+              <a:t> – Kurs</a:t>
+            </a:r>
+          </a:p>
+          <a:p>
             <a:endParaRPr lang="sv-SE" dirty="0"/>
           </a:p>
         </p:txBody>
       </p:sp>
       <p:sp>
         <p:nvSpPr>
-          <p:cNvPr id="5" name="Platshållare för innehåll 4"/>
-          <p:cNvSpPr>
-            <a:spLocks noGrp="1"/>
-          </p:cNvSpPr>
-          <p:nvPr>
-            <p:ph sz="half" idx="2"/>
-          </p:nvPr>
-        </p:nvSpPr>
-        <p:spPr/>
-        <p:txBody>
-          <a:bodyPr/>
-          <a:lstStyle/>
-          <a:p>
-            <a:pPr marL="0" indent="0">
-              <a:buNone/>
-            </a:pPr>
-            <a:r>
-              <a:rPr lang="sv-SE" dirty="0" smtClean="0"/>
-              <a:t>Att göra</a:t>
-            </a:r>
-          </a:p>
-          <a:p>
-            <a:r>
-              <a:rPr lang="sv-SE" dirty="0" smtClean="0"/>
-              <a:t>Utlärning</a:t>
-            </a:r>
-          </a:p>
-          <a:p>
-            <a:r>
-              <a:rPr lang="sv-SE" dirty="0" smtClean="0"/>
-              <a:t>Uppgifter</a:t>
-            </a:r>
-          </a:p>
-          <a:p>
-            <a:r>
-              <a:rPr lang="sv-SE" dirty="0" smtClean="0"/>
-              <a:t>Testa </a:t>
-            </a:r>
-            <a:r>
-              <a:rPr lang="sv-SE" dirty="0" err="1" smtClean="0"/>
-              <a:t>tutorial</a:t>
-            </a:r>
-            <a:endParaRPr lang="sv-SE" dirty="0" smtClean="0"/>
-          </a:p>
-          <a:p>
-            <a:r>
-              <a:rPr lang="sv-SE" dirty="0" smtClean="0"/>
-              <a:t>Färdigställa </a:t>
-            </a:r>
-            <a:r>
-              <a:rPr lang="sv-SE" dirty="0" err="1" smtClean="0"/>
-              <a:t>tutorial</a:t>
-            </a:r>
-            <a:endParaRPr lang="sv-SE" dirty="0" smtClean="0"/>
-          </a:p>
-          <a:p>
+          <p:cNvPr id="4" name="Rektangel 3"/>
+          <p:cNvSpPr/>
+          <p:nvPr/>
+        </p:nvSpPr>
+        <p:spPr>
+          <a:xfrm>
+            <a:off x="619575" y="612800"/>
+            <a:ext cx="1351652" cy="369332"/>
+          </a:xfrm>
+          <a:prstGeom prst="rect">
+            <a:avLst/>
+          </a:prstGeom>
+        </p:spPr>
+        <p:txBody>
+          <a:bodyPr wrap="none">
+            <a:spAutoFit/>
+          </a:bodyPr>
+          <a:lstStyle/>
+          <a:p>
+            <a:r>
+              <a:rPr lang="sv-SE" dirty="0" err="1"/>
+              <a:t>DSLsofMath</a:t>
+            </a:r>
             <a:endParaRPr lang="sv-SE" dirty="0"/>
           </a:p>
         </p:txBody>
@@ -15347,13 +16994,20 @@
     </p:spTree>
     <p:extLst>
       <p:ext uri="{BB962C8B-B14F-4D97-AF65-F5344CB8AC3E}">
-        <p14:creationId xmlns:p14="http://schemas.microsoft.com/office/powerpoint/2010/main" val="599470262"/>
+        <p14:creationId xmlns:p14="http://schemas.microsoft.com/office/powerpoint/2010/main" val="312239096"/>
       </p:ext>
     </p:extLst>
   </p:cSld>
   <p:clrMapOvr>
     <a:masterClrMapping/>
   </p:clrMapOvr>
+  <p:timing>
+    <p:tnLst>
+      <p:par>
+        <p:cTn id="1" dur="indefinite" restart="never" nodeType="tmRoot"/>
+      </p:par>
+    </p:tnLst>
+  </p:timing>
 </p:sld>
 </file>
 
@@ -16094,4 +17748,526 @@
     </a:ext>
   </a:extLst>
 </a:theme>
+</file>
+
+<file path=ppt/theme/theme4.xml><?xml version="1.0" encoding="utf-8"?>
+<a:theme xmlns:a="http://schemas.openxmlformats.org/drawingml/2006/main" name="Office-tema">
+  <a:themeElements>
+    <a:clrScheme name="Office">
+      <a:dk1>
+        <a:sysClr val="windowText" lastClr="000000"/>
+      </a:dk1>
+      <a:lt1>
+        <a:sysClr val="window" lastClr="FFFFFF"/>
+      </a:lt1>
+      <a:dk2>
+        <a:srgbClr val="44546A"/>
+      </a:dk2>
+      <a:lt2>
+        <a:srgbClr val="E7E6E6"/>
+      </a:lt2>
+      <a:accent1>
+        <a:srgbClr val="5B9BD5"/>
+      </a:accent1>
+      <a:accent2>
+        <a:srgbClr val="ED7D31"/>
+      </a:accent2>
+      <a:accent3>
+        <a:srgbClr val="A5A5A5"/>
+      </a:accent3>
+      <a:accent4>
+        <a:srgbClr val="FFC000"/>
+      </a:accent4>
+      <a:accent5>
+        <a:srgbClr val="4472C4"/>
+      </a:accent5>
+      <a:accent6>
+        <a:srgbClr val="70AD47"/>
+      </a:accent6>
+      <a:hlink>
+        <a:srgbClr val="0563C1"/>
+      </a:hlink>
+      <a:folHlink>
+        <a:srgbClr val="954F72"/>
+      </a:folHlink>
+    </a:clrScheme>
+    <a:fontScheme name="Office">
+      <a:majorFont>
+        <a:latin typeface="Calibri Light" panose="020F0302020204030204"/>
+        <a:ea typeface=""/>
+        <a:cs typeface=""/>
+        <a:font script="Jpan" typeface="ＭＳ Ｐゴシック"/>
+        <a:font script="Hang" typeface="맑은 고딕"/>
+        <a:font script="Hans" typeface="宋体"/>
+        <a:font script="Hant" typeface="新細明體"/>
+        <a:font script="Arab" typeface="Times New Roman"/>
+        <a:font script="Hebr" typeface="Times New Roman"/>
+        <a:font script="Thai" typeface="Angsana New"/>
+        <a:font script="Ethi" typeface="Nyala"/>
+        <a:font script="Beng" typeface="Vrinda"/>
+        <a:font script="Gujr" typeface="Shruti"/>
+        <a:font script="Khmr" typeface="MoolBoran"/>
+        <a:font script="Knda" typeface="Tunga"/>
+        <a:font script="Guru" typeface="Raavi"/>
+        <a:font script="Cans" typeface="Euphemia"/>
+        <a:font script="Cher" typeface="Plantagenet Cherokee"/>
+        <a:font script="Yiii" typeface="Microsoft Yi Baiti"/>
+        <a:font script="Tibt" typeface="Microsoft Himalaya"/>
+        <a:font script="Thaa" typeface="MV Boli"/>
+        <a:font script="Deva" typeface="Mangal"/>
+        <a:font script="Telu" typeface="Gautami"/>
+        <a:font script="Taml" typeface="Latha"/>
+        <a:font script="Syrc" typeface="Estrangelo Edessa"/>
+        <a:font script="Orya" typeface="Kalinga"/>
+        <a:font script="Mlym" typeface="Kartika"/>
+        <a:font script="Laoo" typeface="DokChampa"/>
+        <a:font script="Sinh" typeface="Iskoola Pota"/>
+        <a:font script="Mong" typeface="Mongolian Baiti"/>
+        <a:font script="Viet" typeface="Times New Roman"/>
+        <a:font script="Uigh" typeface="Microsoft Uighur"/>
+        <a:font script="Geor" typeface="Sylfaen"/>
+      </a:majorFont>
+      <a:minorFont>
+        <a:latin typeface="Calibri" panose="020F0502020204030204"/>
+        <a:ea typeface=""/>
+        <a:cs typeface=""/>
+        <a:font script="Jpan" typeface="ＭＳ Ｐゴシック"/>
+        <a:font script="Hang" typeface="맑은 고딕"/>
+        <a:font script="Hans" typeface="宋体"/>
+        <a:font script="Hant" typeface="新細明體"/>
+        <a:font script="Arab" typeface="Arial"/>
+        <a:font script="Hebr" typeface="Arial"/>
+        <a:font script="Thai" typeface="Cordia New"/>
+        <a:font script="Ethi" typeface="Nyala"/>
+        <a:font script="Beng" typeface="Vrinda"/>
+        <a:font script="Gujr" typeface="Shruti"/>
+        <a:font script="Khmr" typeface="DaunPenh"/>
+        <a:font script="Knda" typeface="Tunga"/>
+        <a:font script="Guru" typeface="Raavi"/>
+        <a:font script="Cans" typeface="Euphemia"/>
+        <a:font script="Cher" typeface="Plantagenet Cherokee"/>
+        <a:font script="Yiii" typeface="Microsoft Yi Baiti"/>
+        <a:font script="Tibt" typeface="Microsoft Himalaya"/>
+        <a:font script="Thaa" typeface="MV Boli"/>
+        <a:font script="Deva" typeface="Mangal"/>
+        <a:font script="Telu" typeface="Gautami"/>
+        <a:font script="Taml" typeface="Latha"/>
+        <a:font script="Syrc" typeface="Estrangelo Edessa"/>
+        <a:font script="Orya" typeface="Kalinga"/>
+        <a:font script="Mlym" typeface="Kartika"/>
+        <a:font script="Laoo" typeface="DokChampa"/>
+        <a:font script="Sinh" typeface="Iskoola Pota"/>
+        <a:font script="Mong" typeface="Mongolian Baiti"/>
+        <a:font script="Viet" typeface="Arial"/>
+        <a:font script="Uigh" typeface="Microsoft Uighur"/>
+        <a:font script="Geor" typeface="Sylfaen"/>
+      </a:minorFont>
+    </a:fontScheme>
+    <a:fmtScheme name="Office">
+      <a:fillStyleLst>
+        <a:solidFill>
+          <a:schemeClr val="phClr"/>
+        </a:solidFill>
+        <a:gradFill rotWithShape="1">
+          <a:gsLst>
+            <a:gs pos="0">
+              <a:schemeClr val="phClr">
+                <a:lumMod val="110000"/>
+                <a:satMod val="105000"/>
+                <a:tint val="67000"/>
+              </a:schemeClr>
+            </a:gs>
+            <a:gs pos="50000">
+              <a:schemeClr val="phClr">
+                <a:lumMod val="105000"/>
+                <a:satMod val="103000"/>
+                <a:tint val="73000"/>
+              </a:schemeClr>
+            </a:gs>
+            <a:gs pos="100000">
+              <a:schemeClr val="phClr">
+                <a:lumMod val="105000"/>
+                <a:satMod val="109000"/>
+                <a:tint val="81000"/>
+              </a:schemeClr>
+            </a:gs>
+          </a:gsLst>
+          <a:lin ang="5400000" scaled="0"/>
+        </a:gradFill>
+        <a:gradFill rotWithShape="1">
+          <a:gsLst>
+            <a:gs pos="0">
+              <a:schemeClr val="phClr">
+                <a:satMod val="103000"/>
+                <a:lumMod val="102000"/>
+                <a:tint val="94000"/>
+              </a:schemeClr>
+            </a:gs>
+            <a:gs pos="50000">
+              <a:schemeClr val="phClr">
+                <a:satMod val="110000"/>
+                <a:lumMod val="100000"/>
+                <a:shade val="100000"/>
+              </a:schemeClr>
+            </a:gs>
+            <a:gs pos="100000">
+              <a:schemeClr val="phClr">
+                <a:lumMod val="99000"/>
+                <a:satMod val="120000"/>
+                <a:shade val="78000"/>
+              </a:schemeClr>
+            </a:gs>
+          </a:gsLst>
+          <a:lin ang="5400000" scaled="0"/>
+        </a:gradFill>
+      </a:fillStyleLst>
+      <a:lnStyleLst>
+        <a:ln w="6350" cap="flat" cmpd="sng" algn="ctr">
+          <a:solidFill>
+            <a:schemeClr val="phClr"/>
+          </a:solidFill>
+          <a:prstDash val="solid"/>
+          <a:miter lim="800000"/>
+        </a:ln>
+        <a:ln w="12700" cap="flat" cmpd="sng" algn="ctr">
+          <a:solidFill>
+            <a:schemeClr val="phClr"/>
+          </a:solidFill>
+          <a:prstDash val="solid"/>
+          <a:miter lim="800000"/>
+        </a:ln>
+        <a:ln w="19050" cap="flat" cmpd="sng" algn="ctr">
+          <a:solidFill>
+            <a:schemeClr val="phClr"/>
+          </a:solidFill>
+          <a:prstDash val="solid"/>
+          <a:miter lim="800000"/>
+        </a:ln>
+      </a:lnStyleLst>
+      <a:effectStyleLst>
+        <a:effectStyle>
+          <a:effectLst/>
+        </a:effectStyle>
+        <a:effectStyle>
+          <a:effectLst/>
+        </a:effectStyle>
+        <a:effectStyle>
+          <a:effectLst>
+            <a:outerShdw blurRad="57150" dist="19050" dir="5400000" algn="ctr" rotWithShape="0">
+              <a:srgbClr val="000000">
+                <a:alpha val="63000"/>
+              </a:srgbClr>
+            </a:outerShdw>
+          </a:effectLst>
+        </a:effectStyle>
+      </a:effectStyleLst>
+      <a:bgFillStyleLst>
+        <a:solidFill>
+          <a:schemeClr val="phClr"/>
+        </a:solidFill>
+        <a:solidFill>
+          <a:schemeClr val="phClr">
+            <a:tint val="95000"/>
+            <a:satMod val="170000"/>
+          </a:schemeClr>
+        </a:solidFill>
+        <a:gradFill rotWithShape="1">
+          <a:gsLst>
+            <a:gs pos="0">
+              <a:schemeClr val="phClr">
+                <a:tint val="93000"/>
+                <a:satMod val="150000"/>
+                <a:shade val="98000"/>
+                <a:lumMod val="102000"/>
+              </a:schemeClr>
+            </a:gs>
+            <a:gs pos="50000">
+              <a:schemeClr val="phClr">
+                <a:tint val="98000"/>
+                <a:satMod val="130000"/>
+                <a:shade val="90000"/>
+                <a:lumMod val="103000"/>
+              </a:schemeClr>
+            </a:gs>
+            <a:gs pos="100000">
+              <a:schemeClr val="phClr">
+                <a:shade val="63000"/>
+                <a:satMod val="120000"/>
+              </a:schemeClr>
+            </a:gs>
+          </a:gsLst>
+          <a:lin ang="5400000" scaled="0"/>
+        </a:gradFill>
+      </a:bgFillStyleLst>
+    </a:fmtScheme>
+  </a:themeElements>
+  <a:objectDefaults/>
+  <a:extraClrSchemeLst/>
+  <a:extLst>
+    <a:ext uri="{05A4C25C-085E-4340-85A3-A5531E510DB2}">
+      <thm15:themeFamily xmlns:thm15="http://schemas.microsoft.com/office/thememl/2012/main" name="Office Theme" id="{62F939B6-93AF-4DB8-9C6B-D6C7DFDC589F}" vid="{4A3C46E8-61CC-4603-A589-7422A47A8E4A}"/>
+    </a:ext>
+  </a:extLst>
+</a:theme>
+</file>
+
+<file path=ppt/theme/theme5.xml><?xml version="1.0" encoding="utf-8"?>
+<a:theme xmlns:a="http://schemas.openxmlformats.org/drawingml/2006/main" name="Office-tema">
+  <a:themeElements>
+    <a:clrScheme name="Office">
+      <a:dk1>
+        <a:sysClr val="windowText" lastClr="000000"/>
+      </a:dk1>
+      <a:lt1>
+        <a:sysClr val="window" lastClr="FFFFFF"/>
+      </a:lt1>
+      <a:dk2>
+        <a:srgbClr val="44546A"/>
+      </a:dk2>
+      <a:lt2>
+        <a:srgbClr val="E7E6E6"/>
+      </a:lt2>
+      <a:accent1>
+        <a:srgbClr val="5B9BD5"/>
+      </a:accent1>
+      <a:accent2>
+        <a:srgbClr val="ED7D31"/>
+      </a:accent2>
+      <a:accent3>
+        <a:srgbClr val="A5A5A5"/>
+      </a:accent3>
+      <a:accent4>
+        <a:srgbClr val="FFC000"/>
+      </a:accent4>
+      <a:accent5>
+        <a:srgbClr val="4472C4"/>
+      </a:accent5>
+      <a:accent6>
+        <a:srgbClr val="70AD47"/>
+      </a:accent6>
+      <a:hlink>
+        <a:srgbClr val="0563C1"/>
+      </a:hlink>
+      <a:folHlink>
+        <a:srgbClr val="954F72"/>
+      </a:folHlink>
+    </a:clrScheme>
+    <a:fontScheme name="Office">
+      <a:majorFont>
+        <a:latin typeface="Calibri Light" panose="020F0302020204030204"/>
+        <a:ea typeface=""/>
+        <a:cs typeface=""/>
+        <a:font script="Jpan" typeface="ＭＳ Ｐゴシック"/>
+        <a:font script="Hang" typeface="맑은 고딕"/>
+        <a:font script="Hans" typeface="宋体"/>
+        <a:font script="Hant" typeface="新細明體"/>
+        <a:font script="Arab" typeface="Times New Roman"/>
+        <a:font script="Hebr" typeface="Times New Roman"/>
+        <a:font script="Thai" typeface="Angsana New"/>
+        <a:font script="Ethi" typeface="Nyala"/>
+        <a:font script="Beng" typeface="Vrinda"/>
+        <a:font script="Gujr" typeface="Shruti"/>
+        <a:font script="Khmr" typeface="MoolBoran"/>
+        <a:font script="Knda" typeface="Tunga"/>
+        <a:font script="Guru" typeface="Raavi"/>
+        <a:font script="Cans" typeface="Euphemia"/>
+        <a:font script="Cher" typeface="Plantagenet Cherokee"/>
+        <a:font script="Yiii" typeface="Microsoft Yi Baiti"/>
+        <a:font script="Tibt" typeface="Microsoft Himalaya"/>
+        <a:font script="Thaa" typeface="MV Boli"/>
+        <a:font script="Deva" typeface="Mangal"/>
+        <a:font script="Telu" typeface="Gautami"/>
+        <a:font script="Taml" typeface="Latha"/>
+        <a:font script="Syrc" typeface="Estrangelo Edessa"/>
+        <a:font script="Orya" typeface="Kalinga"/>
+        <a:font script="Mlym" typeface="Kartika"/>
+        <a:font script="Laoo" typeface="DokChampa"/>
+        <a:font script="Sinh" typeface="Iskoola Pota"/>
+        <a:font script="Mong" typeface="Mongolian Baiti"/>
+        <a:font script="Viet" typeface="Times New Roman"/>
+        <a:font script="Uigh" typeface="Microsoft Uighur"/>
+        <a:font script="Geor" typeface="Sylfaen"/>
+      </a:majorFont>
+      <a:minorFont>
+        <a:latin typeface="Calibri" panose="020F0502020204030204"/>
+        <a:ea typeface=""/>
+        <a:cs typeface=""/>
+        <a:font script="Jpan" typeface="ＭＳ Ｐゴシック"/>
+        <a:font script="Hang" typeface="맑은 고딕"/>
+        <a:font script="Hans" typeface="宋体"/>
+        <a:font script="Hant" typeface="新細明體"/>
+        <a:font script="Arab" typeface="Arial"/>
+        <a:font script="Hebr" typeface="Arial"/>
+        <a:font script="Thai" typeface="Cordia New"/>
+        <a:font script="Ethi" typeface="Nyala"/>
+        <a:font script="Beng" typeface="Vrinda"/>
+        <a:font script="Gujr" typeface="Shruti"/>
+        <a:font script="Khmr" typeface="DaunPenh"/>
+        <a:font script="Knda" typeface="Tunga"/>
+        <a:font script="Guru" typeface="Raavi"/>
+        <a:font script="Cans" typeface="Euphemia"/>
+        <a:font script="Cher" typeface="Plantagenet Cherokee"/>
+        <a:font script="Yiii" typeface="Microsoft Yi Baiti"/>
+        <a:font script="Tibt" typeface="Microsoft Himalaya"/>
+        <a:font script="Thaa" typeface="MV Boli"/>
+        <a:font script="Deva" typeface="Mangal"/>
+        <a:font script="Telu" typeface="Gautami"/>
+        <a:font script="Taml" typeface="Latha"/>
+        <a:font script="Syrc" typeface="Estrangelo Edessa"/>
+        <a:font script="Orya" typeface="Kalinga"/>
+        <a:font script="Mlym" typeface="Kartika"/>
+        <a:font script="Laoo" typeface="DokChampa"/>
+        <a:font script="Sinh" typeface="Iskoola Pota"/>
+        <a:font script="Mong" typeface="Mongolian Baiti"/>
+        <a:font script="Viet" typeface="Arial"/>
+        <a:font script="Uigh" typeface="Microsoft Uighur"/>
+        <a:font script="Geor" typeface="Sylfaen"/>
+      </a:minorFont>
+    </a:fontScheme>
+    <a:fmtScheme name="Office">
+      <a:fillStyleLst>
+        <a:solidFill>
+          <a:schemeClr val="phClr"/>
+        </a:solidFill>
+        <a:gradFill rotWithShape="1">
+          <a:gsLst>
+            <a:gs pos="0">
+              <a:schemeClr val="phClr">
+                <a:lumMod val="110000"/>
+                <a:satMod val="105000"/>
+                <a:tint val="67000"/>
+              </a:schemeClr>
+            </a:gs>
+            <a:gs pos="50000">
+              <a:schemeClr val="phClr">
+                <a:lumMod val="105000"/>
+                <a:satMod val="103000"/>
+                <a:tint val="73000"/>
+              </a:schemeClr>
+            </a:gs>
+            <a:gs pos="100000">
+              <a:schemeClr val="phClr">
+                <a:lumMod val="105000"/>
+                <a:satMod val="109000"/>
+                <a:tint val="81000"/>
+              </a:schemeClr>
+            </a:gs>
+          </a:gsLst>
+          <a:lin ang="5400000" scaled="0"/>
+        </a:gradFill>
+        <a:gradFill rotWithShape="1">
+          <a:gsLst>
+            <a:gs pos="0">
+              <a:schemeClr val="phClr">
+                <a:satMod val="103000"/>
+                <a:lumMod val="102000"/>
+                <a:tint val="94000"/>
+              </a:schemeClr>
+            </a:gs>
+            <a:gs pos="50000">
+              <a:schemeClr val="phClr">
+                <a:satMod val="110000"/>
+                <a:lumMod val="100000"/>
+                <a:shade val="100000"/>
+              </a:schemeClr>
+            </a:gs>
+            <a:gs pos="100000">
+              <a:schemeClr val="phClr">
+                <a:lumMod val="99000"/>
+                <a:satMod val="120000"/>
+                <a:shade val="78000"/>
+              </a:schemeClr>
+            </a:gs>
+          </a:gsLst>
+          <a:lin ang="5400000" scaled="0"/>
+        </a:gradFill>
+      </a:fillStyleLst>
+      <a:lnStyleLst>
+        <a:ln w="6350" cap="flat" cmpd="sng" algn="ctr">
+          <a:solidFill>
+            <a:schemeClr val="phClr"/>
+          </a:solidFill>
+          <a:prstDash val="solid"/>
+          <a:miter lim="800000"/>
+        </a:ln>
+        <a:ln w="12700" cap="flat" cmpd="sng" algn="ctr">
+          <a:solidFill>
+            <a:schemeClr val="phClr"/>
+          </a:solidFill>
+          <a:prstDash val="solid"/>
+          <a:miter lim="800000"/>
+        </a:ln>
+        <a:ln w="19050" cap="flat" cmpd="sng" algn="ctr">
+          <a:solidFill>
+            <a:schemeClr val="phClr"/>
+          </a:solidFill>
+          <a:prstDash val="solid"/>
+          <a:miter lim="800000"/>
+        </a:ln>
+      </a:lnStyleLst>
+      <a:effectStyleLst>
+        <a:effectStyle>
+          <a:effectLst/>
+        </a:effectStyle>
+        <a:effectStyle>
+          <a:effectLst/>
+        </a:effectStyle>
+        <a:effectStyle>
+          <a:effectLst>
+            <a:outerShdw blurRad="57150" dist="19050" dir="5400000" algn="ctr" rotWithShape="0">
+              <a:srgbClr val="000000">
+                <a:alpha val="63000"/>
+              </a:srgbClr>
+            </a:outerShdw>
+          </a:effectLst>
+        </a:effectStyle>
+      </a:effectStyleLst>
+      <a:bgFillStyleLst>
+        <a:solidFill>
+          <a:schemeClr val="phClr"/>
+        </a:solidFill>
+        <a:solidFill>
+          <a:schemeClr val="phClr">
+            <a:tint val="95000"/>
+            <a:satMod val="170000"/>
+          </a:schemeClr>
+        </a:solidFill>
+        <a:gradFill rotWithShape="1">
+          <a:gsLst>
+            <a:gs pos="0">
+              <a:schemeClr val="phClr">
+                <a:tint val="93000"/>
+                <a:satMod val="150000"/>
+                <a:shade val="98000"/>
+                <a:lumMod val="102000"/>
+              </a:schemeClr>
+            </a:gs>
+            <a:gs pos="50000">
+              <a:schemeClr val="phClr">
+                <a:tint val="98000"/>
+                <a:satMod val="130000"/>
+                <a:shade val="90000"/>
+                <a:lumMod val="103000"/>
+              </a:schemeClr>
+            </a:gs>
+            <a:gs pos="100000">
+              <a:schemeClr val="phClr">
+                <a:shade val="63000"/>
+                <a:satMod val="120000"/>
+              </a:schemeClr>
+            </a:gs>
+          </a:gsLst>
+          <a:lin ang="5400000" scaled="0"/>
+        </a:gradFill>
+      </a:bgFillStyleLst>
+    </a:fmtScheme>
+  </a:themeElements>
+  <a:objectDefaults/>
+  <a:extraClrSchemeLst/>
+  <a:extLst>
+    <a:ext uri="{05A4C25C-085E-4340-85A3-A5531E510DB2}">
+      <thm15:themeFamily xmlns:thm15="http://schemas.microsoft.com/office/thememl/2012/main" name="Office Theme" id="{62F939B6-93AF-4DB8-9C6B-D6C7DFDC589F}" vid="{4A3C46E8-61CC-4603-A589-7422A47A8E4A}"/>
+    </a:ext>
+  </a:extLst>
+</a:theme>
 </file>
--- a/Dokument/Halvtidspresentation/DSLsofMath.pptx
+++ b/Dokument/Halvtidspresentation/DSLsofMath.pptx
@@ -171,7 +171,6 @@
           </a:p>
         </c:rich>
       </c:tx>
-      <c:layout/>
       <c:overlay val="0"/>
       <c:spPr>
         <a:noFill/>
@@ -299,24 +298,11 @@
           <c:dLbls>
             <c:dLbl>
               <c:idx val="0"/>
-              <c:layout/>
               <c:tx>
                 <c:rich>
-                  <a:bodyPr rot="0" spcFirstLastPara="1" vertOverflow="ellipsis" vert="horz" wrap="square" lIns="38100" tIns="19050" rIns="38100" bIns="19050" anchor="ctr" anchorCtr="1">
-                    <a:spAutoFit/>
-                  </a:bodyPr>
+                  <a:bodyPr/>
                   <a:lstStyle/>
                   <a:p>
-                    <a:pPr>
-                      <a:defRPr sz="1400" b="1" i="0" u="none" strike="noStrike" kern="1200" baseline="0">
-                        <a:solidFill>
-                          <a:schemeClr val="tx1"/>
-                        </a:solidFill>
-                        <a:latin typeface="+mn-lt"/>
-                        <a:ea typeface="+mn-ea"/>
-                        <a:cs typeface="+mn-cs"/>
-                      </a:defRPr>
-                    </a:pPr>
                     <a:r>
                       <a:rPr lang="en-US" sz="1400" b="1">
                         <a:solidFill>
@@ -327,58 +313,19 @@
                     </a:r>
                   </a:p>
                   <a:p>
-                    <a:pPr>
-                      <a:defRPr sz="1400" b="1">
-                        <a:solidFill>
-                          <a:schemeClr val="tx1"/>
-                        </a:solidFill>
-                      </a:defRPr>
-                    </a:pPr>
                     <a:fld id="{FE74F4E9-206A-4A11-A159-4F4A16622E8B}" type="PERCENTAGE">
                       <a:rPr lang="en-US" sz="1400" b="1">
                         <a:solidFill>
                           <a:schemeClr val="tx1"/>
                         </a:solidFill>
                       </a:rPr>
-                      <a:pPr>
-                        <a:defRPr sz="1400" b="1">
-                          <a:solidFill>
-                            <a:schemeClr val="tx1"/>
-                          </a:solidFill>
-                        </a:defRPr>
-                      </a:pPr>
+                      <a:pPr/>
                       <a:t>[PROCENT]</a:t>
                     </a:fld>
                     <a:endParaRPr lang="sv-SE"/>
                   </a:p>
                 </c:rich>
               </c:tx>
-              <c:spPr>
-                <a:noFill/>
-                <a:ln>
-                  <a:noFill/>
-                </a:ln>
-                <a:effectLst/>
-              </c:spPr>
-              <c:txPr>
-                <a:bodyPr rot="0" spcFirstLastPara="1" vertOverflow="ellipsis" vert="horz" wrap="square" lIns="38100" tIns="19050" rIns="38100" bIns="19050" anchor="ctr" anchorCtr="1">
-                  <a:spAutoFit/>
-                </a:bodyPr>
-                <a:lstStyle/>
-                <a:p>
-                  <a:pPr>
-                    <a:defRPr sz="1400" b="1" i="0" u="none" strike="noStrike" kern="1200" baseline="0">
-                      <a:solidFill>
-                        <a:schemeClr val="tx1"/>
-                      </a:solidFill>
-                      <a:latin typeface="+mn-lt"/>
-                      <a:ea typeface="+mn-ea"/>
-                      <a:cs typeface="+mn-cs"/>
-                    </a:defRPr>
-                  </a:pPr>
-                  <a:endParaRPr lang="sv-SE"/>
-                </a:p>
-              </c:txPr>
               <c:dLblPos val="inEnd"/>
               <c:showLegendKey val="0"/>
               <c:showVal val="0"/>
@@ -388,47 +335,10 @@
               <c:showBubbleSize val="0"/>
               <c:extLst>
                 <c:ext xmlns:c15="http://schemas.microsoft.com/office/drawing/2012/chart" uri="{CE6537A1-D6FC-4f65-9D91-7224C49458BB}">
-                  <c15:layout/>
                   <c15:dlblFieldTable/>
                   <c15:showDataLabelsRange val="0"/>
                 </c:ext>
               </c:extLst>
-            </c:dLbl>
-            <c:dLbl>
-              <c:idx val="1"/>
-              <c:spPr>
-                <a:noFill/>
-                <a:ln>
-                  <a:noFill/>
-                </a:ln>
-                <a:effectLst/>
-              </c:spPr>
-              <c:txPr>
-                <a:bodyPr rot="0" spcFirstLastPara="1" vertOverflow="ellipsis" vert="horz" wrap="square" lIns="38100" tIns="19050" rIns="38100" bIns="19050" anchor="ctr" anchorCtr="1">
-                  <a:spAutoFit/>
-                </a:bodyPr>
-                <a:lstStyle/>
-                <a:p>
-                  <a:pPr>
-                    <a:defRPr sz="1400" b="1" i="0" u="none" strike="noStrike" kern="1200" baseline="0">
-                      <a:solidFill>
-                        <a:schemeClr val="tx1"/>
-                      </a:solidFill>
-                      <a:latin typeface="+mn-lt"/>
-                      <a:ea typeface="+mn-ea"/>
-                      <a:cs typeface="+mn-cs"/>
-                    </a:defRPr>
-                  </a:pPr>
-                  <a:endParaRPr lang="sv-SE"/>
-                </a:p>
-              </c:txPr>
-              <c:dLblPos val="inEnd"/>
-              <c:showLegendKey val="0"/>
-              <c:showVal val="0"/>
-              <c:showCatName val="1"/>
-              <c:showSerName val="0"/>
-              <c:showPercent val="1"/>
-              <c:showBubbleSize val="0"/>
             </c:dLbl>
             <c:spPr>
               <a:noFill/>
@@ -479,9 +389,7 @@
               </c:spPr>
             </c:leaderLines>
             <c:extLst>
-              <c:ext xmlns:c15="http://schemas.microsoft.com/office/drawing/2012/chart" uri="{CE6537A1-D6FC-4f65-9D91-7224C49458BB}">
-                <c15:layout/>
-              </c:ext>
+              <c:ext xmlns:c15="http://schemas.microsoft.com/office/drawing/2012/chart" uri="{CE6537A1-D6FC-4f65-9D91-7224C49458BB}"/>
             </c:extLst>
           </c:dLbls>
           <c:cat>
@@ -602,7 +510,6 @@
           </a:p>
         </c:rich>
       </c:tx>
-      <c:layout/>
       <c:overlay val="0"/>
       <c:spPr>
         <a:noFill/>
@@ -794,78 +701,6 @@
             </c:spPr>
           </c:dPt>
           <c:dLbls>
-            <c:dLbl>
-              <c:idx val="0"/>
-              <c:spPr>
-                <a:noFill/>
-                <a:ln>
-                  <a:noFill/>
-                </a:ln>
-                <a:effectLst/>
-              </c:spPr>
-              <c:txPr>
-                <a:bodyPr rot="0" spcFirstLastPara="1" vertOverflow="ellipsis" vert="horz" wrap="square" lIns="38100" tIns="19050" rIns="38100" bIns="19050" anchor="ctr" anchorCtr="1">
-                  <a:spAutoFit/>
-                </a:bodyPr>
-                <a:lstStyle/>
-                <a:p>
-                  <a:pPr>
-                    <a:defRPr sz="1400" b="1" i="0" u="none" strike="noStrike" kern="1200" baseline="0">
-                      <a:solidFill>
-                        <a:schemeClr val="tx1"/>
-                      </a:solidFill>
-                      <a:latin typeface="+mn-lt"/>
-                      <a:ea typeface="+mn-ea"/>
-                      <a:cs typeface="+mn-cs"/>
-                    </a:defRPr>
-                  </a:pPr>
-                  <a:endParaRPr lang="sv-SE"/>
-                </a:p>
-              </c:txPr>
-              <c:dLblPos val="inEnd"/>
-              <c:showLegendKey val="0"/>
-              <c:showVal val="0"/>
-              <c:showCatName val="1"/>
-              <c:showSerName val="0"/>
-              <c:showPercent val="1"/>
-              <c:showBubbleSize val="0"/>
-            </c:dLbl>
-            <c:dLbl>
-              <c:idx val="1"/>
-              <c:spPr>
-                <a:noFill/>
-                <a:ln>
-                  <a:noFill/>
-                </a:ln>
-                <a:effectLst/>
-              </c:spPr>
-              <c:txPr>
-                <a:bodyPr rot="0" spcFirstLastPara="1" vertOverflow="ellipsis" vert="horz" wrap="square" lIns="38100" tIns="19050" rIns="38100" bIns="19050" anchor="ctr" anchorCtr="1">
-                  <a:spAutoFit/>
-                </a:bodyPr>
-                <a:lstStyle/>
-                <a:p>
-                  <a:pPr>
-                    <a:defRPr sz="1400" b="1" i="0" u="none" strike="noStrike" kern="1200" baseline="0">
-                      <a:solidFill>
-                        <a:schemeClr val="tx1"/>
-                      </a:solidFill>
-                      <a:latin typeface="+mn-lt"/>
-                      <a:ea typeface="+mn-ea"/>
-                      <a:cs typeface="+mn-cs"/>
-                    </a:defRPr>
-                  </a:pPr>
-                  <a:endParaRPr lang="sv-SE"/>
-                </a:p>
-              </c:txPr>
-              <c:dLblPos val="inEnd"/>
-              <c:showLegendKey val="0"/>
-              <c:showVal val="0"/>
-              <c:showCatName val="1"/>
-              <c:showSerName val="0"/>
-              <c:showPercent val="1"/>
-              <c:showBubbleSize val="0"/>
-            </c:dLbl>
             <c:spPr>
               <a:noFill/>
               <a:ln>
@@ -901,9 +736,7 @@
             <c:showBubbleSize val="0"/>
             <c:showLeaderLines val="0"/>
             <c:extLst>
-              <c:ext xmlns:c15="http://schemas.microsoft.com/office/drawing/2012/chart" uri="{CE6537A1-D6FC-4f65-9D91-7224C49458BB}">
-                <c15:layout/>
-              </c:ext>
+              <c:ext xmlns:c15="http://schemas.microsoft.com/office/drawing/2012/chart" uri="{CE6537A1-D6FC-4f65-9D91-7224C49458BB}"/>
             </c:extLst>
           </c:dLbls>
           <c:cat>
@@ -998,7 +831,6 @@
   </mc:AlternateContent>
   <c:chart>
     <c:title>
-      <c:layout/>
       <c:overlay val="0"/>
       <c:spPr>
         <a:noFill/>
@@ -1223,9 +1055,7 @@
               </c:spPr>
             </c:leaderLines>
             <c:extLst>
-              <c:ext xmlns:c15="http://schemas.microsoft.com/office/drawing/2012/chart" uri="{CE6537A1-D6FC-4f65-9D91-7224C49458BB}">
-                <c15:layout/>
-              </c:ext>
+              <c:ext xmlns:c15="http://schemas.microsoft.com/office/drawing/2012/chart" uri="{CE6537A1-D6FC-4f65-9D91-7224C49458BB}"/>
             </c:extLst>
           </c:dLbls>
           <c:cat>
@@ -3023,7 +2853,7 @@
           <a:p>
             <a:fld id="{92A3465A-3AD9-49C2-A53A-6DC66D83CBFC}" type="datetimeFigureOut">
               <a:rPr lang="sv-SE" smtClean="0"/>
-              <a:t>2016-02-29</a:t>
+              <a:t>2016-03-01</a:t>
             </a:fld>
             <a:endParaRPr lang="sv-SE"/>
           </a:p>
@@ -3197,7 +3027,7 @@
           <a:p>
             <a:fld id="{B6D4FE38-2602-4213-8EC0-D519448B5F8D}" type="datetimeFigureOut">
               <a:rPr lang="sv-SE" smtClean="0"/>
-              <a:t>2016-02-29</a:t>
+              <a:t>2016-03-01</a:t>
             </a:fld>
             <a:endParaRPr lang="sv-SE"/>
           </a:p>
@@ -3826,7 +3656,7 @@
           <a:p>
             <a:fld id="{B22F029A-C8A8-405B-BFC7-FDD186554002}" type="datetimeFigureOut">
               <a:rPr lang="sv-SE" smtClean="0"/>
-              <a:t>2016-02-29</a:t>
+              <a:t>2016-03-01</a:t>
             </a:fld>
             <a:endParaRPr lang="sv-SE"/>
           </a:p>
@@ -3996,7 +3826,7 @@
           <a:p>
             <a:fld id="{B22F029A-C8A8-405B-BFC7-FDD186554002}" type="datetimeFigureOut">
               <a:rPr lang="sv-SE" smtClean="0"/>
-              <a:t>2016-02-29</a:t>
+              <a:t>2016-03-01</a:t>
             </a:fld>
             <a:endParaRPr lang="sv-SE"/>
           </a:p>
@@ -4176,7 +4006,7 @@
           <a:p>
             <a:fld id="{B22F029A-C8A8-405B-BFC7-FDD186554002}" type="datetimeFigureOut">
               <a:rPr lang="sv-SE" smtClean="0"/>
-              <a:t>2016-02-29</a:t>
+              <a:t>2016-03-01</a:t>
             </a:fld>
             <a:endParaRPr lang="sv-SE"/>
           </a:p>
@@ -4379,7 +4209,7 @@
           <a:p>
             <a:fld id="{B22F029A-C8A8-405B-BFC7-FDD186554002}" type="datetimeFigureOut">
               <a:rPr lang="sv-SE" smtClean="0"/>
-              <a:t>2016-02-29</a:t>
+              <a:t>2016-03-01</a:t>
             </a:fld>
             <a:endParaRPr lang="sv-SE"/>
           </a:p>
@@ -4549,7 +4379,7 @@
           <a:p>
             <a:fld id="{B22F029A-C8A8-405B-BFC7-FDD186554002}" type="datetimeFigureOut">
               <a:rPr lang="sv-SE" smtClean="0"/>
-              <a:t>2016-02-29</a:t>
+              <a:t>2016-03-01</a:t>
             </a:fld>
             <a:endParaRPr lang="sv-SE"/>
           </a:p>
@@ -4800,7 +4630,7 @@
           <a:p>
             <a:fld id="{B22F029A-C8A8-405B-BFC7-FDD186554002}" type="datetimeFigureOut">
               <a:rPr lang="sv-SE" smtClean="0"/>
-              <a:t>2016-02-29</a:t>
+              <a:t>2016-03-01</a:t>
             </a:fld>
             <a:endParaRPr lang="sv-SE"/>
           </a:p>
@@ -5032,7 +4862,7 @@
           <a:p>
             <a:fld id="{B22F029A-C8A8-405B-BFC7-FDD186554002}" type="datetimeFigureOut">
               <a:rPr lang="sv-SE" smtClean="0"/>
-              <a:t>2016-02-29</a:t>
+              <a:t>2016-03-01</a:t>
             </a:fld>
             <a:endParaRPr lang="sv-SE"/>
           </a:p>
@@ -5379,7 +5209,7 @@
           <a:p>
             <a:fld id="{B22F029A-C8A8-405B-BFC7-FDD186554002}" type="datetimeFigureOut">
               <a:rPr lang="sv-SE" smtClean="0"/>
-              <a:t>2016-02-29</a:t>
+              <a:t>2016-03-01</a:t>
             </a:fld>
             <a:endParaRPr lang="sv-SE"/>
           </a:p>
@@ -5497,7 +5327,7 @@
           <a:p>
             <a:fld id="{B22F029A-C8A8-405B-BFC7-FDD186554002}" type="datetimeFigureOut">
               <a:rPr lang="sv-SE" smtClean="0"/>
-              <a:t>2016-02-29</a:t>
+              <a:t>2016-03-01</a:t>
             </a:fld>
             <a:endParaRPr lang="sv-SE"/>
           </a:p>
@@ -5615,7 +5445,7 @@
           <a:p>
             <a:fld id="{B22F029A-C8A8-405B-BFC7-FDD186554002}" type="datetimeFigureOut">
               <a:rPr lang="sv-SE" smtClean="0"/>
-              <a:t>2016-02-29</a:t>
+              <a:t>2016-03-01</a:t>
             </a:fld>
             <a:endParaRPr lang="sv-SE"/>
           </a:p>
@@ -5899,7 +5729,7 @@
           <a:p>
             <a:fld id="{B22F029A-C8A8-405B-BFC7-FDD186554002}" type="datetimeFigureOut">
               <a:rPr lang="sv-SE" smtClean="0"/>
-              <a:t>2016-02-29</a:t>
+              <a:t>2016-03-01</a:t>
             </a:fld>
             <a:endParaRPr lang="sv-SE"/>
           </a:p>
@@ -6069,7 +5899,7 @@
           <a:p>
             <a:fld id="{B22F029A-C8A8-405B-BFC7-FDD186554002}" type="datetimeFigureOut">
               <a:rPr lang="sv-SE" smtClean="0"/>
-              <a:t>2016-02-29</a:t>
+              <a:t>2016-03-01</a:t>
             </a:fld>
             <a:endParaRPr lang="sv-SE"/>
           </a:p>
@@ -6333,7 +6163,7 @@
           <a:p>
             <a:fld id="{B22F029A-C8A8-405B-BFC7-FDD186554002}" type="datetimeFigureOut">
               <a:rPr lang="sv-SE" smtClean="0"/>
-              <a:t>2016-02-29</a:t>
+              <a:t>2016-03-01</a:t>
             </a:fld>
             <a:endParaRPr lang="sv-SE"/>
           </a:p>
@@ -6503,7 +6333,7 @@
           <a:p>
             <a:fld id="{B22F029A-C8A8-405B-BFC7-FDD186554002}" type="datetimeFigureOut">
               <a:rPr lang="sv-SE" smtClean="0"/>
-              <a:t>2016-02-29</a:t>
+              <a:t>2016-03-01</a:t>
             </a:fld>
             <a:endParaRPr lang="sv-SE"/>
           </a:p>
@@ -6683,7 +6513,7 @@
           <a:p>
             <a:fld id="{B22F029A-C8A8-405B-BFC7-FDD186554002}" type="datetimeFigureOut">
               <a:rPr lang="sv-SE" smtClean="0"/>
-              <a:t>2016-02-29</a:t>
+              <a:t>2016-03-01</a:t>
             </a:fld>
             <a:endParaRPr lang="sv-SE"/>
           </a:p>
@@ -7075,7 +6905,7 @@
           <a:p>
             <a:fld id="{B22F029A-C8A8-405B-BFC7-FDD186554002}" type="datetimeFigureOut">
               <a:rPr lang="sv-SE" smtClean="0"/>
-              <a:t>2016-02-29</a:t>
+              <a:t>2016-03-01</a:t>
             </a:fld>
             <a:endParaRPr lang="sv-SE"/>
           </a:p>
@@ -7316,7 +7146,7 @@
           <a:p>
             <a:fld id="{B22F029A-C8A8-405B-BFC7-FDD186554002}" type="datetimeFigureOut">
               <a:rPr lang="sv-SE" smtClean="0"/>
-              <a:t>2016-02-29</a:t>
+              <a:t>2016-03-01</a:t>
             </a:fld>
             <a:endParaRPr lang="sv-SE"/>
           </a:p>
@@ -7564,7 +7394,7 @@
           <a:p>
             <a:fld id="{B22F029A-C8A8-405B-BFC7-FDD186554002}" type="datetimeFigureOut">
               <a:rPr lang="sv-SE" smtClean="0"/>
-              <a:t>2016-02-29</a:t>
+              <a:t>2016-03-01</a:t>
             </a:fld>
             <a:endParaRPr lang="sv-SE"/>
           </a:p>
@@ -7862,7 +7692,7 @@
           <a:p>
             <a:fld id="{B22F029A-C8A8-405B-BFC7-FDD186554002}" type="datetimeFigureOut">
               <a:rPr lang="sv-SE" smtClean="0"/>
-              <a:t>2016-02-29</a:t>
+              <a:t>2016-03-01</a:t>
             </a:fld>
             <a:endParaRPr lang="sv-SE"/>
           </a:p>
@@ -8256,7 +8086,7 @@
           <a:p>
             <a:fld id="{B22F029A-C8A8-405B-BFC7-FDD186554002}" type="datetimeFigureOut">
               <a:rPr lang="sv-SE" smtClean="0"/>
-              <a:t>2016-02-29</a:t>
+              <a:t>2016-03-01</a:t>
             </a:fld>
             <a:endParaRPr lang="sv-SE"/>
           </a:p>
@@ -8405,7 +8235,7 @@
           <a:p>
             <a:fld id="{B22F029A-C8A8-405B-BFC7-FDD186554002}" type="datetimeFigureOut">
               <a:rPr lang="sv-SE" smtClean="0"/>
-              <a:t>2016-02-29</a:t>
+              <a:t>2016-03-01</a:t>
             </a:fld>
             <a:endParaRPr lang="sv-SE"/>
           </a:p>
@@ -8531,7 +8361,7 @@
           <a:p>
             <a:fld id="{B22F029A-C8A8-405B-BFC7-FDD186554002}" type="datetimeFigureOut">
               <a:rPr lang="sv-SE" smtClean="0"/>
-              <a:t>2016-02-29</a:t>
+              <a:t>2016-03-01</a:t>
             </a:fld>
             <a:endParaRPr lang="sv-SE"/>
           </a:p>
@@ -8782,7 +8612,7 @@
           <a:p>
             <a:fld id="{B22F029A-C8A8-405B-BFC7-FDD186554002}" type="datetimeFigureOut">
               <a:rPr lang="sv-SE" smtClean="0"/>
-              <a:t>2016-02-29</a:t>
+              <a:t>2016-03-01</a:t>
             </a:fld>
             <a:endParaRPr lang="sv-SE"/>
           </a:p>
@@ -9037,7 +8867,7 @@
           <a:p>
             <a:fld id="{B22F029A-C8A8-405B-BFC7-FDD186554002}" type="datetimeFigureOut">
               <a:rPr lang="sv-SE" smtClean="0"/>
-              <a:t>2016-02-29</a:t>
+              <a:t>2016-03-01</a:t>
             </a:fld>
             <a:endParaRPr lang="sv-SE"/>
           </a:p>
@@ -9352,7 +9182,7 @@
           <a:p>
             <a:fld id="{B22F029A-C8A8-405B-BFC7-FDD186554002}" type="datetimeFigureOut">
               <a:rPr lang="sv-SE" smtClean="0"/>
-              <a:t>2016-02-29</a:t>
+              <a:t>2016-03-01</a:t>
             </a:fld>
             <a:endParaRPr lang="sv-SE"/>
           </a:p>
@@ -9636,7 +9466,7 @@
           <a:p>
             <a:fld id="{B22F029A-C8A8-405B-BFC7-FDD186554002}" type="datetimeFigureOut">
               <a:rPr lang="sv-SE" smtClean="0"/>
-              <a:t>2016-02-29</a:t>
+              <a:t>2016-03-01</a:t>
             </a:fld>
             <a:endParaRPr lang="sv-SE"/>
           </a:p>
@@ -9884,7 +9714,7 @@
           <a:p>
             <a:fld id="{B22F029A-C8A8-405B-BFC7-FDD186554002}" type="datetimeFigureOut">
               <a:rPr lang="sv-SE" smtClean="0"/>
-              <a:t>2016-02-29</a:t>
+              <a:t>2016-03-01</a:t>
             </a:fld>
             <a:endParaRPr lang="sv-SE"/>
           </a:p>
@@ -10223,7 +10053,7 @@
           <a:p>
             <a:fld id="{B22F029A-C8A8-405B-BFC7-FDD186554002}" type="datetimeFigureOut">
               <a:rPr lang="sv-SE" smtClean="0"/>
-              <a:t>2016-02-29</a:t>
+              <a:t>2016-03-01</a:t>
             </a:fld>
             <a:endParaRPr lang="sv-SE"/>
           </a:p>
@@ -10570,7 +10400,7 @@
           <a:p>
             <a:fld id="{B22F029A-C8A8-405B-BFC7-FDD186554002}" type="datetimeFigureOut">
               <a:rPr lang="sv-SE" smtClean="0"/>
-              <a:t>2016-02-29</a:t>
+              <a:t>2016-03-01</a:t>
             </a:fld>
             <a:endParaRPr lang="sv-SE"/>
           </a:p>
@@ -10944,7 +10774,7 @@
           <a:p>
             <a:fld id="{B22F029A-C8A8-405B-BFC7-FDD186554002}" type="datetimeFigureOut">
               <a:rPr lang="sv-SE" smtClean="0"/>
-              <a:t>2016-02-29</a:t>
+              <a:t>2016-03-01</a:t>
             </a:fld>
             <a:endParaRPr lang="sv-SE"/>
           </a:p>
@@ -11414,7 +11244,7 @@
           <a:p>
             <a:fld id="{B22F029A-C8A8-405B-BFC7-FDD186554002}" type="datetimeFigureOut">
               <a:rPr lang="sv-SE" smtClean="0"/>
-              <a:t>2016-02-29</a:t>
+              <a:t>2016-03-01</a:t>
             </a:fld>
             <a:endParaRPr lang="sv-SE"/>
           </a:p>
@@ -11619,7 +11449,7 @@
           <a:p>
             <a:fld id="{B22F029A-C8A8-405B-BFC7-FDD186554002}" type="datetimeFigureOut">
               <a:rPr lang="sv-SE" smtClean="0"/>
-              <a:t>2016-02-29</a:t>
+              <a:t>2016-03-01</a:t>
             </a:fld>
             <a:endParaRPr lang="sv-SE"/>
           </a:p>
@@ -11830,7 +11660,7 @@
           <a:p>
             <a:fld id="{B22F029A-C8A8-405B-BFC7-FDD186554002}" type="datetimeFigureOut">
               <a:rPr lang="sv-SE" smtClean="0"/>
-              <a:t>2016-02-29</a:t>
+              <a:t>2016-03-01</a:t>
             </a:fld>
             <a:endParaRPr lang="sv-SE"/>
           </a:p>
@@ -12093,7 +11923,7 @@
           <a:p>
             <a:fld id="{B22F029A-C8A8-405B-BFC7-FDD186554002}" type="datetimeFigureOut">
               <a:rPr lang="sv-SE" smtClean="0"/>
-              <a:t>2016-02-29</a:t>
+              <a:t>2016-03-01</a:t>
             </a:fld>
             <a:endParaRPr lang="sv-SE"/>
           </a:p>
@@ -12440,7 +12270,7 @@
           <a:p>
             <a:fld id="{B22F029A-C8A8-405B-BFC7-FDD186554002}" type="datetimeFigureOut">
               <a:rPr lang="sv-SE" smtClean="0"/>
-              <a:t>2016-02-29</a:t>
+              <a:t>2016-03-01</a:t>
             </a:fld>
             <a:endParaRPr lang="sv-SE"/>
           </a:p>
@@ -12558,7 +12388,7 @@
           <a:p>
             <a:fld id="{B22F029A-C8A8-405B-BFC7-FDD186554002}" type="datetimeFigureOut">
               <a:rPr lang="sv-SE" smtClean="0"/>
-              <a:t>2016-02-29</a:t>
+              <a:t>2016-03-01</a:t>
             </a:fld>
             <a:endParaRPr lang="sv-SE"/>
           </a:p>
@@ -12676,7 +12506,7 @@
           <a:p>
             <a:fld id="{B22F029A-C8A8-405B-BFC7-FDD186554002}" type="datetimeFigureOut">
               <a:rPr lang="sv-SE" smtClean="0"/>
-              <a:t>2016-02-29</a:t>
+              <a:t>2016-03-01</a:t>
             </a:fld>
             <a:endParaRPr lang="sv-SE"/>
           </a:p>
@@ -12960,7 +12790,7 @@
           <a:p>
             <a:fld id="{B22F029A-C8A8-405B-BFC7-FDD186554002}" type="datetimeFigureOut">
               <a:rPr lang="sv-SE" smtClean="0"/>
-              <a:t>2016-02-29</a:t>
+              <a:t>2016-03-01</a:t>
             </a:fld>
             <a:endParaRPr lang="sv-SE"/>
           </a:p>
@@ -13224,7 +13054,7 @@
           <a:p>
             <a:fld id="{B22F029A-C8A8-405B-BFC7-FDD186554002}" type="datetimeFigureOut">
               <a:rPr lang="sv-SE" smtClean="0"/>
-              <a:t>2016-02-29</a:t>
+              <a:t>2016-03-01</a:t>
             </a:fld>
             <a:endParaRPr lang="sv-SE"/>
           </a:p>
@@ -13438,7 +13268,7 @@
           <a:p>
             <a:fld id="{B22F029A-C8A8-405B-BFC7-FDD186554002}" type="datetimeFigureOut">
               <a:rPr lang="sv-SE" smtClean="0"/>
-              <a:t>2016-02-29</a:t>
+              <a:t>2016-03-01</a:t>
             </a:fld>
             <a:endParaRPr lang="sv-SE"/>
           </a:p>
@@ -13968,7 +13798,7 @@
           <a:p>
             <a:fld id="{B22F029A-C8A8-405B-BFC7-FDD186554002}" type="datetimeFigureOut">
               <a:rPr lang="sv-SE" smtClean="0"/>
-              <a:t>2016-02-29</a:t>
+              <a:t>2016-03-01</a:t>
             </a:fld>
             <a:endParaRPr lang="sv-SE"/>
           </a:p>
@@ -14635,7 +14465,7 @@
           <a:p>
             <a:fld id="{B22F029A-C8A8-405B-BFC7-FDD186554002}" type="datetimeFigureOut">
               <a:rPr lang="sv-SE" smtClean="0"/>
-              <a:t>2016-02-29</a:t>
+              <a:t>2016-03-01</a:t>
             </a:fld>
             <a:endParaRPr lang="sv-SE"/>
           </a:p>
@@ -15330,24 +15160,25 @@
         </p:nvSpPr>
         <p:spPr/>
         <p:txBody>
-          <a:bodyPr/>
-          <a:lstStyle/>
-          <a:p>
-            <a:r>
-              <a:rPr lang="sv-SE" sz="3600" dirty="0" smtClean="0"/>
+          <a:bodyPr>
+            <a:normAutofit/>
+          </a:bodyPr>
+          <a:lstStyle/>
+          <a:p>
+            <a:r>
+              <a:rPr lang="sv-SE" sz="4800" dirty="0" smtClean="0"/>
               <a:t>Matematikens domänspecifika språk</a:t>
             </a:r>
-            <a:endParaRPr lang="sv-SE" sz="3600" dirty="0" smtClean="0"/>
-          </a:p>
-          <a:p>
-            <a:r>
-              <a:rPr lang="sv-SE" sz="3600" dirty="0" err="1" smtClean="0"/>
+          </a:p>
+          <a:p>
+            <a:r>
+              <a:rPr lang="sv-SE" sz="4800" dirty="0" err="1" smtClean="0"/>
               <a:t>Haskell</a:t>
             </a:r>
-            <a:endParaRPr lang="sv-SE" sz="3600" dirty="0" smtClean="0"/>
-          </a:p>
-          <a:p>
-            <a:endParaRPr lang="sv-SE" dirty="0"/>
+            <a:endParaRPr lang="sv-SE" sz="4800" dirty="0" smtClean="0"/>
+          </a:p>
+          <a:p>
+            <a:endParaRPr lang="sv-SE" sz="3600" dirty="0"/>
           </a:p>
         </p:txBody>
       </p:sp>
@@ -15961,7 +15792,34 @@
             </a:pPr>
             <a:r>
               <a:rPr lang="sv-SE" sz="4400" dirty="0" smtClean="0"/>
-              <a:t>Ta gärna tag i oss i pausen om ni vill hjälpa till och ge feedback om kurserna till oss.</a:t>
+              <a:t>Ta gärna tag i oss i pausen om ni vill hjälpa till och ge feedback om kurserna till oss</a:t>
+            </a:r>
+            <a:r>
+              <a:rPr lang="sv-SE" sz="4400" dirty="0" smtClean="0"/>
+              <a:t>.</a:t>
+            </a:r>
+          </a:p>
+          <a:p>
+            <a:pPr marL="0" indent="0">
+              <a:buNone/>
+            </a:pPr>
+            <a:endParaRPr lang="sv-SE" sz="4400" smtClean="0"/>
+          </a:p>
+          <a:p>
+            <a:pPr marL="0" indent="0">
+              <a:buNone/>
+            </a:pPr>
+            <a:r>
+              <a:rPr lang="sv-SE" sz="4400" smtClean="0"/>
+              <a:t>t</a:t>
+            </a:r>
+            <a:r>
+              <a:rPr lang="sv-SE" sz="4400" smtClean="0"/>
+              <a:t>inyurl.com/</a:t>
+            </a:r>
+            <a:r>
+              <a:rPr lang="sv-SE" sz="4400" dirty="0" err="1" smtClean="0"/>
+              <a:t>DSLsofMath</a:t>
             </a:r>
             <a:endParaRPr lang="sv-SE" sz="4400" dirty="0"/>
           </a:p>
@@ -16938,27 +16796,28 @@
         </p:nvSpPr>
         <p:spPr/>
         <p:txBody>
-          <a:bodyPr/>
-          <a:lstStyle/>
-          <a:p>
-            <a:r>
-              <a:rPr lang="sv-SE" sz="3600" dirty="0" smtClean="0"/>
+          <a:bodyPr>
+            <a:normAutofit/>
+          </a:bodyPr>
+          <a:lstStyle/>
+          <a:p>
+            <a:r>
+              <a:rPr lang="sv-SE" sz="4800" dirty="0" smtClean="0"/>
               <a:t>PA – Patrik Jansson</a:t>
             </a:r>
-            <a:endParaRPr lang="sv-SE" sz="3600" dirty="0" smtClean="0"/>
-          </a:p>
-          <a:p>
-            <a:r>
-              <a:rPr lang="sv-SE" sz="3600" dirty="0" err="1" smtClean="0"/>
+          </a:p>
+          <a:p>
+            <a:r>
+              <a:rPr lang="sv-SE" sz="4800" dirty="0" err="1" smtClean="0"/>
               <a:t>DSLsofMath</a:t>
             </a:r>
             <a:r>
-              <a:rPr lang="sv-SE" sz="3600" dirty="0" smtClean="0"/>
+              <a:rPr lang="sv-SE" sz="4800" dirty="0" smtClean="0"/>
               <a:t> – Kurs</a:t>
             </a:r>
           </a:p>
           <a:p>
-            <a:endParaRPr lang="sv-SE" dirty="0"/>
+            <a:endParaRPr lang="sv-SE" sz="3600" dirty="0"/>
           </a:p>
         </p:txBody>
       </p:sp>
